--- a/PRESENTATION/Projet4.pptx
+++ b/PRESENTATION/Projet4.pptx
@@ -5,30 +5,31 @@
     <p:sldMasterId id="2147483648" r:id="rId1"/>
   </p:sldMasterIdLst>
   <p:notesMasterIdLst>
-    <p:notesMasterId r:id="rId20"/>
+    <p:notesMasterId r:id="rId21"/>
   </p:notesMasterIdLst>
   <p:handoutMasterIdLst>
-    <p:handoutMasterId r:id="rId21"/>
+    <p:handoutMasterId r:id="rId22"/>
   </p:handoutMasterIdLst>
   <p:sldIdLst>
     <p:sldId id="278" r:id="rId2"/>
     <p:sldId id="339" r:id="rId3"/>
     <p:sldId id="258" r:id="rId4"/>
     <p:sldId id="345" r:id="rId5"/>
-    <p:sldId id="344" r:id="rId6"/>
-    <p:sldId id="338" r:id="rId7"/>
-    <p:sldId id="284" r:id="rId8"/>
-    <p:sldId id="288" r:id="rId9"/>
-    <p:sldId id="303" r:id="rId10"/>
-    <p:sldId id="304" r:id="rId11"/>
-    <p:sldId id="300" r:id="rId12"/>
-    <p:sldId id="290" r:id="rId13"/>
-    <p:sldId id="343" r:id="rId14"/>
-    <p:sldId id="291" r:id="rId15"/>
-    <p:sldId id="313" r:id="rId16"/>
-    <p:sldId id="342" r:id="rId17"/>
-    <p:sldId id="285" r:id="rId18"/>
-    <p:sldId id="329" r:id="rId19"/>
+    <p:sldId id="346" r:id="rId6"/>
+    <p:sldId id="344" r:id="rId7"/>
+    <p:sldId id="338" r:id="rId8"/>
+    <p:sldId id="284" r:id="rId9"/>
+    <p:sldId id="288" r:id="rId10"/>
+    <p:sldId id="303" r:id="rId11"/>
+    <p:sldId id="304" r:id="rId12"/>
+    <p:sldId id="300" r:id="rId13"/>
+    <p:sldId id="290" r:id="rId14"/>
+    <p:sldId id="343" r:id="rId15"/>
+    <p:sldId id="291" r:id="rId16"/>
+    <p:sldId id="313" r:id="rId17"/>
+    <p:sldId id="342" r:id="rId18"/>
+    <p:sldId id="285" r:id="rId19"/>
+    <p:sldId id="329" r:id="rId20"/>
   </p:sldIdLst>
   <p:sldSz cx="9144000" cy="6858000" type="screen4x3"/>
   <p:notesSz cx="6858000" cy="9144000"/>
@@ -212,7 +213,7 @@
           <a:p>
             <a:fld id="{57ED8D38-08F1-4F61-B916-B7ECFC3A7ADF}" type="datetimeFigureOut">
               <a:rPr lang="fr-FR" smtClean="0"/>
-              <a:t>06/07/2020</a:t>
+              <a:t>26/07/2020</a:t>
             </a:fld>
             <a:endParaRPr lang="fr-FR"/>
           </a:p>
@@ -377,7 +378,7 @@
           <a:p>
             <a:fld id="{DB91E950-E7C0-4AB1-98FE-263150A09AFE}" type="datetimeFigureOut">
               <a:rPr lang="fr-FR" smtClean="0"/>
-              <a:t>06/07/2020</a:t>
+              <a:t>26/07/2020</a:t>
             </a:fld>
             <a:endParaRPr lang="fr-FR"/>
           </a:p>
@@ -3834,15 +3835,7 @@
                 <a:ea typeface="Yu Gothic" panose="020B0400000000000000" pitchFamily="34" charset="-128"/>
                 <a:cs typeface="Arimo" panose="020B0604020202020204" pitchFamily="34" charset="0"/>
               </a:rPr>
-              <a:t>Projet </a:t>
-            </a:r>
-            <a:r>
-              <a:rPr lang="fr-FR" sz="3600" smtClean="0">
-                <a:latin typeface="Yu Gothic" panose="020B0400000000000000" pitchFamily="34" charset="-128"/>
-                <a:ea typeface="Yu Gothic" panose="020B0400000000000000" pitchFamily="34" charset="-128"/>
-                <a:cs typeface="Arimo" panose="020B0604020202020204" pitchFamily="34" charset="0"/>
-              </a:rPr>
-              <a:t>4</a:t>
+              <a:t>Projet 4</a:t>
             </a:r>
             <a:endParaRPr lang="fr-FR" sz="3600">
               <a:latin typeface="Yu Gothic" panose="020B0400000000000000" pitchFamily="34" charset="-128"/>
@@ -3904,13 +3897,6 @@
               </a:rPr>
               <a:t>Données</a:t>
             </a:r>
-            <a:endParaRPr lang="fr-FR" sz="2800" smtClean="0">
-              <a:solidFill>
-                <a:schemeClr val="tx1"/>
-              </a:solidFill>
-              <a:ea typeface="Malgun Gothic" panose="020B0503020000020004" pitchFamily="34" charset="-127"/>
-              <a:cs typeface="Segoe UI" panose="020B0502040204020203" pitchFamily="34" charset="0"/>
-            </a:endParaRPr>
           </a:p>
           <a:p>
             <a:pPr algn="r"/>
@@ -3924,13 +3910,6 @@
               </a:rPr>
               <a:t>Modélisation</a:t>
             </a:r>
-            <a:endParaRPr lang="fr-FR" sz="2800" smtClean="0">
-              <a:solidFill>
-                <a:schemeClr val="tx1"/>
-              </a:solidFill>
-              <a:ea typeface="Malgun Gothic" panose="020B0503020000020004" pitchFamily="34" charset="-127"/>
-              <a:cs typeface="Segoe UI" panose="020B0502040204020203" pitchFamily="34" charset="0"/>
-            </a:endParaRPr>
           </a:p>
           <a:p>
             <a:pPr algn="r"/>
@@ -4181,27 +4160,8 @@
                 <a:ea typeface="Yu Gothic UI Semilight" panose="020B0400000000000000" pitchFamily="34" charset="-128"/>
                 <a:cs typeface="Segoe UI" panose="020B0502040204020203" pitchFamily="34" charset="0"/>
               </a:rPr>
-              <a:t>   |   </a:t>
-            </a:r>
-            <a:r>
-              <a:rPr lang="fr-FR" sz="2400" smtClean="0">
-                <a:solidFill>
-                  <a:schemeClr val="tx1"/>
-                </a:solidFill>
-                <a:latin typeface="Yu Gothic UI Semilight" panose="020B0400000000000000" pitchFamily="34" charset="-128"/>
-                <a:ea typeface="Yu Gothic UI Semilight" panose="020B0400000000000000" pitchFamily="34" charset="-128"/>
-                <a:cs typeface="Segoe UI" panose="020B0502040204020203" pitchFamily="34" charset="0"/>
-              </a:rPr>
-              <a:t>XX/07/20   </a:t>
-            </a:r>
-            <a:endParaRPr lang="fr-FR" sz="2400" smtClean="0">
-              <a:solidFill>
-                <a:schemeClr val="tx1"/>
-              </a:solidFill>
-              <a:latin typeface="Yu Gothic UI Semilight" panose="020B0400000000000000" pitchFamily="34" charset="-128"/>
-              <a:ea typeface="Yu Gothic UI Semilight" panose="020B0400000000000000" pitchFamily="34" charset="-128"/>
-              <a:cs typeface="Segoe UI" panose="020B0502040204020203" pitchFamily="34" charset="0"/>
-            </a:endParaRPr>
+              <a:t>   |   XX/07/20   </a:t>
+            </a:r>
           </a:p>
           <a:p>
             <a:endParaRPr lang="fr-FR" sz="2400">
@@ -4565,6 +4525,1010 @@
       </p:grpSpPr>
       <p:sp>
         <p:nvSpPr>
+          <p:cNvPr id="7" name="ZoneTexte 6"/>
+          <p:cNvSpPr txBox="1"/>
+          <p:nvPr/>
+        </p:nvSpPr>
+        <p:spPr>
+          <a:xfrm>
+            <a:off x="991402" y="465137"/>
+            <a:ext cx="4372686" cy="307777"/>
+          </a:xfrm>
+          <a:prstGeom prst="rect">
+            <a:avLst/>
+          </a:prstGeom>
+          <a:solidFill>
+            <a:srgbClr val="FFFF66"/>
+          </a:solidFill>
+          <a:ln w="6350">
+            <a:solidFill>
+              <a:schemeClr val="bg1">
+                <a:lumMod val="50000"/>
+              </a:schemeClr>
+            </a:solidFill>
+          </a:ln>
+        </p:spPr>
+        <p:txBody>
+          <a:bodyPr wrap="square" rtlCol="0">
+            <a:spAutoFit/>
+          </a:bodyPr>
+          <a:lstStyle/>
+          <a:p>
+            <a:pPr algn="ctr"/>
+            <a:r>
+              <a:rPr lang="fr-FR" sz="1400" b="1" smtClean="0">
+                <a:latin typeface="Yu Gothic Medium" panose="020B0500000000000000" pitchFamily="34" charset="-128"/>
+                <a:ea typeface="Yu Gothic Medium" panose="020B0500000000000000" pitchFamily="34" charset="-128"/>
+              </a:rPr>
+              <a:t>Colonnes composants principaux</a:t>
+            </a:r>
+            <a:endParaRPr lang="fr-FR" sz="1400" b="1">
+              <a:latin typeface="Yu Gothic Medium" panose="020B0500000000000000" pitchFamily="34" charset="-128"/>
+              <a:ea typeface="Yu Gothic Medium" panose="020B0500000000000000" pitchFamily="34" charset="-128"/>
+            </a:endParaRPr>
+          </a:p>
+        </p:txBody>
+      </p:sp>
+      <p:sp>
+        <p:nvSpPr>
+          <p:cNvPr id="56" name="Flèche courbée vers la droite 55"/>
+          <p:cNvSpPr/>
+          <p:nvPr/>
+        </p:nvSpPr>
+        <p:spPr>
+          <a:xfrm flipV="1">
+            <a:off x="739210" y="538447"/>
+            <a:ext cx="370521" cy="406261"/>
+          </a:xfrm>
+          <a:prstGeom prst="curvedRightArrow">
+            <a:avLst/>
+          </a:prstGeom>
+          <a:solidFill>
+            <a:srgbClr val="FF0000"/>
+          </a:solidFill>
+          <a:ln w="6350">
+            <a:solidFill>
+              <a:schemeClr val="bg1">
+                <a:lumMod val="50000"/>
+              </a:schemeClr>
+            </a:solidFill>
+          </a:ln>
+        </p:spPr>
+        <p:style>
+          <a:lnRef idx="2">
+            <a:schemeClr val="accent1">
+              <a:shade val="50000"/>
+            </a:schemeClr>
+          </a:lnRef>
+          <a:fillRef idx="1">
+            <a:schemeClr val="accent1"/>
+          </a:fillRef>
+          <a:effectRef idx="0">
+            <a:schemeClr val="accent1"/>
+          </a:effectRef>
+          <a:fontRef idx="minor">
+            <a:schemeClr val="lt1"/>
+          </a:fontRef>
+        </p:style>
+        <p:txBody>
+          <a:bodyPr rtlCol="0" anchor="ctr"/>
+          <a:lstStyle/>
+          <a:p>
+            <a:pPr algn="ctr"/>
+            <a:endParaRPr lang="fr-FR">
+              <a:solidFill>
+                <a:schemeClr val="tx1"/>
+              </a:solidFill>
+            </a:endParaRPr>
+          </a:p>
+        </p:txBody>
+      </p:sp>
+      <p:sp>
+        <p:nvSpPr>
+          <p:cNvPr id="16" name="Rectangle 15"/>
+          <p:cNvSpPr/>
+          <p:nvPr/>
+        </p:nvSpPr>
+        <p:spPr>
+          <a:xfrm>
+            <a:off x="991403" y="772081"/>
+            <a:ext cx="1175409" cy="307495"/>
+          </a:xfrm>
+          <a:prstGeom prst="rect">
+            <a:avLst/>
+          </a:prstGeom>
+          <a:solidFill>
+            <a:srgbClr val="FFFF66"/>
+          </a:solidFill>
+          <a:ln w="6350">
+            <a:solidFill>
+              <a:schemeClr val="bg1">
+                <a:lumMod val="50000"/>
+              </a:schemeClr>
+            </a:solidFill>
+          </a:ln>
+        </p:spPr>
+        <p:style>
+          <a:lnRef idx="2">
+            <a:schemeClr val="accent1">
+              <a:shade val="50000"/>
+            </a:schemeClr>
+          </a:lnRef>
+          <a:fillRef idx="1">
+            <a:schemeClr val="accent1"/>
+          </a:fillRef>
+          <a:effectRef idx="0">
+            <a:schemeClr val="accent1"/>
+          </a:effectRef>
+          <a:fontRef idx="minor">
+            <a:schemeClr val="lt1"/>
+          </a:fontRef>
+        </p:style>
+        <p:txBody>
+          <a:bodyPr rtlCol="0" anchor="ctr"/>
+          <a:lstStyle/>
+          <a:p>
+            <a:pPr algn="ctr"/>
+            <a:r>
+              <a:rPr lang="fr-FR" sz="1400">
+                <a:solidFill>
+                  <a:schemeClr val="tx1"/>
+                </a:solidFill>
+                <a:latin typeface="+mj-lt"/>
+                <a:ea typeface="Yu Gothic UI" panose="020B0500000000000000" pitchFamily="34" charset="-128"/>
+              </a:rPr>
+              <a:t>fat</a:t>
+            </a:r>
+          </a:p>
+        </p:txBody>
+      </p:sp>
+      <p:sp>
+        <p:nvSpPr>
+          <p:cNvPr id="55" name="Flèche courbée vers la droite 54"/>
+          <p:cNvSpPr/>
+          <p:nvPr/>
+        </p:nvSpPr>
+        <p:spPr>
+          <a:xfrm flipV="1">
+            <a:off x="452270" y="836416"/>
+            <a:ext cx="650566" cy="406261"/>
+          </a:xfrm>
+          <a:prstGeom prst="curvedRightArrow">
+            <a:avLst/>
+          </a:prstGeom>
+          <a:solidFill>
+            <a:schemeClr val="bg1"/>
+          </a:solidFill>
+          <a:ln w="6350">
+            <a:solidFill>
+              <a:schemeClr val="bg1">
+                <a:lumMod val="50000"/>
+              </a:schemeClr>
+            </a:solidFill>
+          </a:ln>
+        </p:spPr>
+        <p:style>
+          <a:lnRef idx="2">
+            <a:schemeClr val="accent1">
+              <a:shade val="50000"/>
+            </a:schemeClr>
+          </a:lnRef>
+          <a:fillRef idx="1">
+            <a:schemeClr val="accent1"/>
+          </a:fillRef>
+          <a:effectRef idx="0">
+            <a:schemeClr val="accent1"/>
+          </a:effectRef>
+          <a:fontRef idx="minor">
+            <a:schemeClr val="lt1"/>
+          </a:fontRef>
+        </p:style>
+        <p:txBody>
+          <a:bodyPr rtlCol="0" anchor="ctr"/>
+          <a:lstStyle/>
+          <a:p>
+            <a:pPr algn="ctr"/>
+            <a:endParaRPr lang="fr-FR">
+              <a:solidFill>
+                <a:schemeClr val="tx1"/>
+              </a:solidFill>
+            </a:endParaRPr>
+          </a:p>
+        </p:txBody>
+      </p:sp>
+      <p:sp>
+        <p:nvSpPr>
+          <p:cNvPr id="18" name="Rectangle 17"/>
+          <p:cNvSpPr/>
+          <p:nvPr/>
+        </p:nvSpPr>
+        <p:spPr>
+          <a:xfrm>
+            <a:off x="2166309" y="772497"/>
+            <a:ext cx="1795557" cy="307495"/>
+          </a:xfrm>
+          <a:prstGeom prst="rect">
+            <a:avLst/>
+          </a:prstGeom>
+          <a:solidFill>
+            <a:srgbClr val="FFFF66"/>
+          </a:solidFill>
+          <a:ln w="6350">
+            <a:solidFill>
+              <a:schemeClr val="bg1">
+                <a:lumMod val="50000"/>
+              </a:schemeClr>
+            </a:solidFill>
+          </a:ln>
+        </p:spPr>
+        <p:style>
+          <a:lnRef idx="2">
+            <a:schemeClr val="accent1">
+              <a:shade val="50000"/>
+            </a:schemeClr>
+          </a:lnRef>
+          <a:fillRef idx="1">
+            <a:schemeClr val="accent1"/>
+          </a:fillRef>
+          <a:effectRef idx="0">
+            <a:schemeClr val="accent1"/>
+          </a:effectRef>
+          <a:fontRef idx="minor">
+            <a:schemeClr val="lt1"/>
+          </a:fontRef>
+        </p:style>
+        <p:txBody>
+          <a:bodyPr rtlCol="0" anchor="ctr"/>
+          <a:lstStyle/>
+          <a:p>
+            <a:pPr algn="ctr"/>
+            <a:r>
+              <a:rPr lang="fr-FR" sz="1400" smtClean="0">
+                <a:solidFill>
+                  <a:schemeClr val="tx1"/>
+                </a:solidFill>
+                <a:latin typeface="+mj-lt"/>
+                <a:ea typeface="Yu Gothic UI" panose="020B0500000000000000" pitchFamily="34" charset="-128"/>
+              </a:rPr>
+              <a:t>carbohydrates</a:t>
+            </a:r>
+            <a:endParaRPr lang="fr-FR" sz="1400">
+              <a:solidFill>
+                <a:schemeClr val="tx1"/>
+              </a:solidFill>
+              <a:latin typeface="+mj-lt"/>
+              <a:ea typeface="Yu Gothic UI" panose="020B0500000000000000" pitchFamily="34" charset="-128"/>
+            </a:endParaRPr>
+          </a:p>
+        </p:txBody>
+      </p:sp>
+      <p:sp>
+        <p:nvSpPr>
+          <p:cNvPr id="19" name="Rectangle 18"/>
+          <p:cNvSpPr/>
+          <p:nvPr/>
+        </p:nvSpPr>
+        <p:spPr>
+          <a:xfrm>
+            <a:off x="3961865" y="772080"/>
+            <a:ext cx="902732" cy="308329"/>
+          </a:xfrm>
+          <a:prstGeom prst="rect">
+            <a:avLst/>
+          </a:prstGeom>
+          <a:solidFill>
+            <a:srgbClr val="FFFF66"/>
+          </a:solidFill>
+          <a:ln w="6350">
+            <a:solidFill>
+              <a:schemeClr val="bg1">
+                <a:lumMod val="50000"/>
+              </a:schemeClr>
+            </a:solidFill>
+          </a:ln>
+        </p:spPr>
+        <p:style>
+          <a:lnRef idx="2">
+            <a:schemeClr val="accent1">
+              <a:shade val="50000"/>
+            </a:schemeClr>
+          </a:lnRef>
+          <a:fillRef idx="1">
+            <a:schemeClr val="accent1"/>
+          </a:fillRef>
+          <a:effectRef idx="0">
+            <a:schemeClr val="accent1"/>
+          </a:effectRef>
+          <a:fontRef idx="minor">
+            <a:schemeClr val="lt1"/>
+          </a:fontRef>
+        </p:style>
+        <p:txBody>
+          <a:bodyPr rtlCol="0" anchor="ctr"/>
+          <a:lstStyle/>
+          <a:p>
+            <a:pPr algn="ctr"/>
+            <a:r>
+              <a:rPr lang="fr-FR" sz="1400" err="1" smtClean="0">
+                <a:solidFill>
+                  <a:schemeClr val="tx1"/>
+                </a:solidFill>
+                <a:latin typeface="+mj-lt"/>
+                <a:ea typeface="Yu Gothic UI" panose="020B0500000000000000" pitchFamily="34" charset="-128"/>
+              </a:rPr>
+              <a:t>proteins</a:t>
+            </a:r>
+            <a:endParaRPr lang="fr-FR" sz="1400">
+              <a:solidFill>
+                <a:schemeClr val="tx1"/>
+              </a:solidFill>
+              <a:latin typeface="+mj-lt"/>
+              <a:ea typeface="Yu Gothic UI" panose="020B0500000000000000" pitchFamily="34" charset="-128"/>
+            </a:endParaRPr>
+          </a:p>
+        </p:txBody>
+      </p:sp>
+      <p:sp>
+        <p:nvSpPr>
+          <p:cNvPr id="20" name="Rectangle 19"/>
+          <p:cNvSpPr/>
+          <p:nvPr/>
+        </p:nvSpPr>
+        <p:spPr>
+          <a:xfrm>
+            <a:off x="4864595" y="772914"/>
+            <a:ext cx="499493" cy="306661"/>
+          </a:xfrm>
+          <a:prstGeom prst="rect">
+            <a:avLst/>
+          </a:prstGeom>
+          <a:solidFill>
+            <a:srgbClr val="FFFF66"/>
+          </a:solidFill>
+          <a:ln w="6350">
+            <a:solidFill>
+              <a:schemeClr val="bg1">
+                <a:lumMod val="50000"/>
+              </a:schemeClr>
+            </a:solidFill>
+          </a:ln>
+        </p:spPr>
+        <p:style>
+          <a:lnRef idx="2">
+            <a:schemeClr val="accent1">
+              <a:shade val="50000"/>
+            </a:schemeClr>
+          </a:lnRef>
+          <a:fillRef idx="1">
+            <a:schemeClr val="accent1"/>
+          </a:fillRef>
+          <a:effectRef idx="0">
+            <a:schemeClr val="accent1"/>
+          </a:effectRef>
+          <a:fontRef idx="minor">
+            <a:schemeClr val="lt1"/>
+          </a:fontRef>
+        </p:style>
+        <p:txBody>
+          <a:bodyPr rtlCol="0" anchor="ctr"/>
+          <a:lstStyle/>
+          <a:p>
+            <a:pPr algn="ctr"/>
+            <a:r>
+              <a:rPr lang="fr-FR" sz="1400" err="1" smtClean="0">
+                <a:solidFill>
+                  <a:schemeClr val="tx1"/>
+                </a:solidFill>
+                <a:latin typeface="+mj-lt"/>
+                <a:ea typeface="Yu Gothic UI" panose="020B0500000000000000" pitchFamily="34" charset="-128"/>
+              </a:rPr>
+              <a:t>salt</a:t>
+            </a:r>
+            <a:endParaRPr lang="fr-FR" sz="1400">
+              <a:solidFill>
+                <a:schemeClr val="tx1"/>
+              </a:solidFill>
+              <a:latin typeface="+mj-lt"/>
+              <a:ea typeface="Yu Gothic UI" panose="020B0500000000000000" pitchFamily="34" charset="-128"/>
+            </a:endParaRPr>
+          </a:p>
+        </p:txBody>
+      </p:sp>
+      <p:grpSp>
+        <p:nvGrpSpPr>
+          <p:cNvPr id="14" name="Groupe 13"/>
+          <p:cNvGrpSpPr/>
+          <p:nvPr/>
+        </p:nvGrpSpPr>
+        <p:grpSpPr>
+          <a:xfrm>
+            <a:off x="2166307" y="1080406"/>
+            <a:ext cx="1795559" cy="1125733"/>
+            <a:chOff x="5015112" y="1779553"/>
+            <a:chExt cx="2717744" cy="838924"/>
+          </a:xfrm>
+        </p:grpSpPr>
+        <p:sp>
+          <p:nvSpPr>
+            <p:cNvPr id="21" name="Rectangle 20"/>
+            <p:cNvSpPr/>
+            <p:nvPr/>
+          </p:nvSpPr>
+          <p:spPr>
+            <a:xfrm rot="16200000">
+              <a:off x="5715558" y="1970600"/>
+              <a:ext cx="838921" cy="456833"/>
+            </a:xfrm>
+            <a:prstGeom prst="rect">
+              <a:avLst/>
+            </a:prstGeom>
+            <a:solidFill>
+              <a:srgbClr val="FFFFB3"/>
+            </a:solidFill>
+            <a:ln w="6350">
+              <a:solidFill>
+                <a:schemeClr val="bg1">
+                  <a:lumMod val="50000"/>
+                </a:schemeClr>
+              </a:solidFill>
+            </a:ln>
+          </p:spPr>
+          <p:style>
+            <a:lnRef idx="2">
+              <a:schemeClr val="accent1">
+                <a:shade val="50000"/>
+              </a:schemeClr>
+            </a:lnRef>
+            <a:fillRef idx="1">
+              <a:schemeClr val="accent1"/>
+            </a:fillRef>
+            <a:effectRef idx="0">
+              <a:schemeClr val="accent1"/>
+            </a:effectRef>
+            <a:fontRef idx="minor">
+              <a:schemeClr val="lt1"/>
+            </a:fontRef>
+          </p:style>
+          <p:txBody>
+            <a:bodyPr rtlCol="0" anchor="ctr"/>
+            <a:lstStyle/>
+            <a:p>
+              <a:pPr algn="ctr"/>
+              <a:r>
+                <a:rPr lang="fr-FR" sz="1200" smtClean="0">
+                  <a:solidFill>
+                    <a:schemeClr val="tx1"/>
+                  </a:solidFill>
+                  <a:latin typeface="Yu Gothic UI" panose="020B0500000000000000" pitchFamily="34" charset="-128"/>
+                  <a:ea typeface="Yu Gothic UI" panose="020B0500000000000000" pitchFamily="34" charset="-128"/>
+                </a:rPr>
+                <a:t>polyols</a:t>
+              </a:r>
+              <a:endParaRPr lang="fr-FR" sz="1200">
+                <a:solidFill>
+                  <a:schemeClr val="tx1"/>
+                </a:solidFill>
+                <a:latin typeface="Yu Gothic UI" panose="020B0500000000000000" pitchFamily="34" charset="-128"/>
+                <a:ea typeface="Yu Gothic UI" panose="020B0500000000000000" pitchFamily="34" charset="-128"/>
+              </a:endParaRPr>
+            </a:p>
+          </p:txBody>
+        </p:sp>
+        <p:sp>
+          <p:nvSpPr>
+            <p:cNvPr id="22" name="Rectangle 21"/>
+            <p:cNvSpPr/>
+            <p:nvPr/>
+          </p:nvSpPr>
+          <p:spPr>
+            <a:xfrm rot="16200000">
+              <a:off x="6402628" y="1740364"/>
+              <a:ext cx="838921" cy="917305"/>
+            </a:xfrm>
+            <a:prstGeom prst="rect">
+              <a:avLst/>
+            </a:prstGeom>
+            <a:solidFill>
+              <a:srgbClr val="FFFFB3"/>
+            </a:solidFill>
+            <a:ln w="6350">
+              <a:solidFill>
+                <a:schemeClr val="bg1">
+                  <a:lumMod val="50000"/>
+                </a:schemeClr>
+              </a:solidFill>
+            </a:ln>
+          </p:spPr>
+          <p:style>
+            <a:lnRef idx="2">
+              <a:schemeClr val="accent1">
+                <a:shade val="50000"/>
+              </a:schemeClr>
+            </a:lnRef>
+            <a:fillRef idx="1">
+              <a:schemeClr val="accent1"/>
+            </a:fillRef>
+            <a:effectRef idx="0">
+              <a:schemeClr val="accent1"/>
+            </a:effectRef>
+            <a:fontRef idx="minor">
+              <a:schemeClr val="lt1"/>
+            </a:fontRef>
+          </p:style>
+          <p:txBody>
+            <a:bodyPr rtlCol="0" anchor="ctr"/>
+            <a:lstStyle/>
+            <a:p>
+              <a:pPr algn="ctr"/>
+              <a:r>
+                <a:rPr lang="fr-FR" sz="1200" err="1" smtClean="0">
+                  <a:solidFill>
+                    <a:schemeClr val="tx1"/>
+                  </a:solidFill>
+                  <a:latin typeface="Yu Gothic UI" panose="020B0500000000000000" pitchFamily="34" charset="-128"/>
+                  <a:ea typeface="Yu Gothic UI" panose="020B0500000000000000" pitchFamily="34" charset="-128"/>
+                </a:rPr>
+                <a:t>fiber</a:t>
+              </a:r>
+              <a:endParaRPr lang="fr-FR" sz="1200">
+                <a:solidFill>
+                  <a:schemeClr val="tx1"/>
+                </a:solidFill>
+                <a:latin typeface="Yu Gothic UI" panose="020B0500000000000000" pitchFamily="34" charset="-128"/>
+                <a:ea typeface="Yu Gothic UI" panose="020B0500000000000000" pitchFamily="34" charset="-128"/>
+              </a:endParaRPr>
+            </a:p>
+          </p:txBody>
+        </p:sp>
+        <p:sp>
+          <p:nvSpPr>
+            <p:cNvPr id="23" name="Rectangle 22"/>
+            <p:cNvSpPr/>
+            <p:nvPr/>
+          </p:nvSpPr>
+          <p:spPr>
+            <a:xfrm rot="16200000">
+              <a:off x="5041396" y="1753270"/>
+              <a:ext cx="838921" cy="891490"/>
+            </a:xfrm>
+            <a:prstGeom prst="rect">
+              <a:avLst/>
+            </a:prstGeom>
+            <a:solidFill>
+              <a:srgbClr val="FFFFB3"/>
+            </a:solidFill>
+            <a:ln w="6350">
+              <a:solidFill>
+                <a:schemeClr val="bg1">
+                  <a:lumMod val="50000"/>
+                </a:schemeClr>
+              </a:solidFill>
+            </a:ln>
+          </p:spPr>
+          <p:style>
+            <a:lnRef idx="2">
+              <a:schemeClr val="accent1">
+                <a:shade val="50000"/>
+              </a:schemeClr>
+            </a:lnRef>
+            <a:fillRef idx="1">
+              <a:schemeClr val="accent1"/>
+            </a:fillRef>
+            <a:effectRef idx="0">
+              <a:schemeClr val="accent1"/>
+            </a:effectRef>
+            <a:fontRef idx="minor">
+              <a:schemeClr val="lt1"/>
+            </a:fontRef>
+          </p:style>
+          <p:txBody>
+            <a:bodyPr rtlCol="0" anchor="ctr"/>
+            <a:lstStyle/>
+            <a:p>
+              <a:pPr algn="ctr"/>
+              <a:r>
+                <a:rPr lang="fr-FR" sz="1200" err="1" smtClean="0">
+                  <a:solidFill>
+                    <a:schemeClr val="tx1"/>
+                  </a:solidFill>
+                  <a:latin typeface="Yu Gothic UI" panose="020B0500000000000000" pitchFamily="34" charset="-128"/>
+                  <a:ea typeface="Yu Gothic UI" panose="020B0500000000000000" pitchFamily="34" charset="-128"/>
+                </a:rPr>
+                <a:t>sugars</a:t>
+              </a:r>
+              <a:endParaRPr lang="fr-FR" sz="1200">
+                <a:solidFill>
+                  <a:schemeClr val="tx1"/>
+                </a:solidFill>
+                <a:latin typeface="Yu Gothic UI" panose="020B0500000000000000" pitchFamily="34" charset="-128"/>
+                <a:ea typeface="Yu Gothic UI" panose="020B0500000000000000" pitchFamily="34" charset="-128"/>
+              </a:endParaRPr>
+            </a:p>
+          </p:txBody>
+        </p:sp>
+        <p:sp>
+          <p:nvSpPr>
+            <p:cNvPr id="25" name="Rectangle 24"/>
+            <p:cNvSpPr/>
+            <p:nvPr/>
+          </p:nvSpPr>
+          <p:spPr>
+            <a:xfrm rot="16200000">
+              <a:off x="7085173" y="1970403"/>
+              <a:ext cx="838533" cy="456833"/>
+            </a:xfrm>
+            <a:prstGeom prst="rect">
+              <a:avLst/>
+            </a:prstGeom>
+            <a:solidFill>
+              <a:srgbClr val="FFFFB3"/>
+            </a:solidFill>
+            <a:ln w="6350">
+              <a:solidFill>
+                <a:schemeClr val="bg1">
+                  <a:lumMod val="50000"/>
+                </a:schemeClr>
+              </a:solidFill>
+            </a:ln>
+          </p:spPr>
+          <p:style>
+            <a:lnRef idx="2">
+              <a:schemeClr val="accent1">
+                <a:shade val="50000"/>
+              </a:schemeClr>
+            </a:lnRef>
+            <a:fillRef idx="1">
+              <a:schemeClr val="accent1"/>
+            </a:fillRef>
+            <a:effectRef idx="0">
+              <a:schemeClr val="accent1"/>
+            </a:effectRef>
+            <a:fontRef idx="minor">
+              <a:schemeClr val="lt1"/>
+            </a:fontRef>
+          </p:style>
+          <p:txBody>
+            <a:bodyPr rtlCol="0" anchor="ctr"/>
+            <a:lstStyle/>
+            <a:p>
+              <a:pPr algn="ctr"/>
+              <a:r>
+                <a:rPr lang="fr-FR" sz="1200" err="1" smtClean="0">
+                  <a:solidFill>
+                    <a:schemeClr val="tx1"/>
+                  </a:solidFill>
+                  <a:latin typeface="Yu Gothic UI" panose="020B0500000000000000" pitchFamily="34" charset="-128"/>
+                  <a:ea typeface="Yu Gothic UI" panose="020B0500000000000000" pitchFamily="34" charset="-128"/>
+                </a:rPr>
+                <a:t>starch</a:t>
+              </a:r>
+              <a:endParaRPr lang="fr-FR" sz="1200">
+                <a:solidFill>
+                  <a:schemeClr val="tx1"/>
+                </a:solidFill>
+                <a:latin typeface="Yu Gothic UI" panose="020B0500000000000000" pitchFamily="34" charset="-128"/>
+                <a:ea typeface="Yu Gothic UI" panose="020B0500000000000000" pitchFamily="34" charset="-128"/>
+              </a:endParaRPr>
+            </a:p>
+          </p:txBody>
+        </p:sp>
+      </p:grpSp>
+      <p:grpSp>
+        <p:nvGrpSpPr>
+          <p:cNvPr id="12" name="Groupe 11"/>
+          <p:cNvGrpSpPr/>
+          <p:nvPr/>
+        </p:nvGrpSpPr>
+        <p:grpSpPr>
+          <a:xfrm>
+            <a:off x="3057112" y="2206141"/>
+            <a:ext cx="606050" cy="1243292"/>
+            <a:chOff x="6377329" y="2618475"/>
+            <a:chExt cx="889414" cy="1243292"/>
+          </a:xfrm>
+        </p:grpSpPr>
+        <p:sp>
+          <p:nvSpPr>
+            <p:cNvPr id="30" name="Rectangle 29"/>
+            <p:cNvSpPr/>
+            <p:nvPr/>
+          </p:nvSpPr>
+          <p:spPr>
+            <a:xfrm rot="16200000">
+              <a:off x="5971975" y="3023829"/>
+              <a:ext cx="1243289" cy="432582"/>
+            </a:xfrm>
+            <a:prstGeom prst="rect">
+              <a:avLst/>
+            </a:prstGeom>
+            <a:solidFill>
+              <a:srgbClr val="FFFFD5"/>
+            </a:solidFill>
+            <a:ln w="6350">
+              <a:solidFill>
+                <a:schemeClr val="bg1">
+                  <a:lumMod val="50000"/>
+                </a:schemeClr>
+              </a:solidFill>
+            </a:ln>
+          </p:spPr>
+          <p:style>
+            <a:lnRef idx="2">
+              <a:schemeClr val="accent1">
+                <a:shade val="50000"/>
+              </a:schemeClr>
+            </a:lnRef>
+            <a:fillRef idx="1">
+              <a:schemeClr val="accent1"/>
+            </a:fillRef>
+            <a:effectRef idx="0">
+              <a:schemeClr val="accent1"/>
+            </a:effectRef>
+            <a:fontRef idx="minor">
+              <a:schemeClr val="lt1"/>
+            </a:fontRef>
+          </p:style>
+          <p:txBody>
+            <a:bodyPr rtlCol="0" anchor="ctr"/>
+            <a:lstStyle/>
+            <a:p>
+              <a:pPr algn="ctr"/>
+              <a:r>
+                <a:rPr lang="fr-FR" sz="1200" smtClean="0">
+                  <a:solidFill>
+                    <a:schemeClr val="tx1"/>
+                  </a:solidFill>
+                  <a:latin typeface="Yu Gothic UI Light" panose="020B0300000000000000" pitchFamily="34" charset="-128"/>
+                  <a:ea typeface="Yu Gothic UI Light" panose="020B0300000000000000" pitchFamily="34" charset="-128"/>
+                </a:rPr>
+                <a:t>soluble </a:t>
+              </a:r>
+              <a:r>
+                <a:rPr lang="fr-FR" sz="1200" err="1" smtClean="0">
+                  <a:solidFill>
+                    <a:schemeClr val="tx1"/>
+                  </a:solidFill>
+                  <a:latin typeface="Yu Gothic UI Light" panose="020B0300000000000000" pitchFamily="34" charset="-128"/>
+                  <a:ea typeface="Yu Gothic UI Light" panose="020B0300000000000000" pitchFamily="34" charset="-128"/>
+                </a:rPr>
+                <a:t>fiber</a:t>
+              </a:r>
+              <a:endParaRPr lang="fr-FR" sz="1200">
+                <a:solidFill>
+                  <a:schemeClr val="tx1"/>
+                </a:solidFill>
+                <a:latin typeface="Yu Gothic UI Light" panose="020B0300000000000000" pitchFamily="34" charset="-128"/>
+                <a:ea typeface="Yu Gothic UI Light" panose="020B0300000000000000" pitchFamily="34" charset="-128"/>
+              </a:endParaRPr>
+            </a:p>
+          </p:txBody>
+        </p:sp>
+        <p:sp>
+          <p:nvSpPr>
+            <p:cNvPr id="31" name="Rectangle 30"/>
+            <p:cNvSpPr/>
+            <p:nvPr/>
+          </p:nvSpPr>
+          <p:spPr>
+            <a:xfrm rot="16200000">
+              <a:off x="6416682" y="3011706"/>
+              <a:ext cx="1243289" cy="456833"/>
+            </a:xfrm>
+            <a:prstGeom prst="rect">
+              <a:avLst/>
+            </a:prstGeom>
+            <a:solidFill>
+              <a:srgbClr val="FFFFD5"/>
+            </a:solidFill>
+            <a:ln w="6350">
+              <a:solidFill>
+                <a:schemeClr val="bg1">
+                  <a:lumMod val="50000"/>
+                </a:schemeClr>
+              </a:solidFill>
+            </a:ln>
+          </p:spPr>
+          <p:style>
+            <a:lnRef idx="2">
+              <a:schemeClr val="accent1">
+                <a:shade val="50000"/>
+              </a:schemeClr>
+            </a:lnRef>
+            <a:fillRef idx="1">
+              <a:schemeClr val="accent1"/>
+            </a:fillRef>
+            <a:effectRef idx="0">
+              <a:schemeClr val="accent1"/>
+            </a:effectRef>
+            <a:fontRef idx="minor">
+              <a:schemeClr val="lt1"/>
+            </a:fontRef>
+          </p:style>
+          <p:txBody>
+            <a:bodyPr rtlCol="0" anchor="ctr"/>
+            <a:lstStyle/>
+            <a:p>
+              <a:pPr algn="ctr"/>
+              <a:r>
+                <a:rPr lang="fr-FR" sz="1200" smtClean="0">
+                  <a:solidFill>
+                    <a:schemeClr val="tx1"/>
+                  </a:solidFill>
+                  <a:latin typeface="Yu Gothic UI Light" panose="020B0300000000000000" pitchFamily="34" charset="-128"/>
+                  <a:ea typeface="Yu Gothic UI Light" panose="020B0300000000000000" pitchFamily="34" charset="-128"/>
+                </a:rPr>
+                <a:t>insoluble </a:t>
+              </a:r>
+              <a:r>
+                <a:rPr lang="fr-FR" sz="1200" err="1" smtClean="0">
+                  <a:solidFill>
+                    <a:schemeClr val="tx1"/>
+                  </a:solidFill>
+                  <a:latin typeface="Yu Gothic UI Light" panose="020B0300000000000000" pitchFamily="34" charset="-128"/>
+                  <a:ea typeface="Yu Gothic UI Light" panose="020B0300000000000000" pitchFamily="34" charset="-128"/>
+                </a:rPr>
+                <a:t>fiber</a:t>
+              </a:r>
+              <a:endParaRPr lang="fr-FR" sz="1200">
+                <a:solidFill>
+                  <a:schemeClr val="tx1"/>
+                </a:solidFill>
+                <a:latin typeface="Yu Gothic UI Light" panose="020B0300000000000000" pitchFamily="34" charset="-128"/>
+                <a:ea typeface="Yu Gothic UI Light" panose="020B0300000000000000" pitchFamily="34" charset="-128"/>
+              </a:endParaRPr>
+            </a:p>
+          </p:txBody>
+        </p:sp>
+      </p:grpSp>
+      <p:grpSp>
+        <p:nvGrpSpPr>
+          <p:cNvPr id="33" name="Groupe 32"/>
+          <p:cNvGrpSpPr/>
+          <p:nvPr/>
+        </p:nvGrpSpPr>
+        <p:grpSpPr>
+          <a:xfrm>
+            <a:off x="2166309" y="2206144"/>
+            <a:ext cx="588987" cy="1243287"/>
+            <a:chOff x="3796266" y="3993059"/>
+            <a:chExt cx="749138" cy="1243287"/>
+          </a:xfrm>
+        </p:grpSpPr>
+        <p:sp>
+          <p:nvSpPr>
+            <p:cNvPr id="36" name="Rectangle 35"/>
+            <p:cNvSpPr/>
+            <p:nvPr/>
+          </p:nvSpPr>
+          <p:spPr>
+            <a:xfrm rot="16200000">
+              <a:off x="3736022" y="4426962"/>
+              <a:ext cx="1243286" cy="375479"/>
+            </a:xfrm>
+            <a:prstGeom prst="rect">
+              <a:avLst/>
+            </a:prstGeom>
+            <a:solidFill>
+              <a:srgbClr val="FFFFD5"/>
+            </a:solidFill>
+            <a:ln w="6350">
+              <a:solidFill>
+                <a:schemeClr val="bg1">
+                  <a:lumMod val="50000"/>
+                </a:schemeClr>
+              </a:solidFill>
+            </a:ln>
+          </p:spPr>
+          <p:style>
+            <a:lnRef idx="2">
+              <a:schemeClr val="accent1">
+                <a:shade val="50000"/>
+              </a:schemeClr>
+            </a:lnRef>
+            <a:fillRef idx="1">
+              <a:schemeClr val="accent1"/>
+            </a:fillRef>
+            <a:effectRef idx="0">
+              <a:schemeClr val="accent1"/>
+            </a:effectRef>
+            <a:fontRef idx="minor">
+              <a:schemeClr val="lt1"/>
+            </a:fontRef>
+          </p:style>
+          <p:txBody>
+            <a:bodyPr rtlCol="0" anchor="ctr"/>
+            <a:lstStyle/>
+            <a:p>
+              <a:pPr algn="ctr"/>
+              <a:r>
+                <a:rPr lang="fr-FR" sz="1200" smtClean="0">
+                  <a:solidFill>
+                    <a:schemeClr val="tx1"/>
+                  </a:solidFill>
+                  <a:latin typeface="Yu Gothic UI Light" panose="020B0300000000000000" pitchFamily="34" charset="-128"/>
+                  <a:ea typeface="Yu Gothic UI Light" panose="020B0300000000000000" pitchFamily="34" charset="-128"/>
+                </a:rPr>
+                <a:t>… </a:t>
+              </a:r>
+              <a:endParaRPr lang="fr-FR" sz="1200">
+                <a:solidFill>
+                  <a:schemeClr val="tx1"/>
+                </a:solidFill>
+                <a:latin typeface="Yu Gothic UI Light" panose="020B0300000000000000" pitchFamily="34" charset="-128"/>
+                <a:ea typeface="Yu Gothic UI Light" panose="020B0300000000000000" pitchFamily="34" charset="-128"/>
+              </a:endParaRPr>
+            </a:p>
+          </p:txBody>
+        </p:sp>
+        <p:sp>
+          <p:nvSpPr>
+            <p:cNvPr id="37" name="Rectangle 36"/>
+            <p:cNvSpPr/>
+            <p:nvPr/>
+          </p:nvSpPr>
+          <p:spPr>
+            <a:xfrm rot="16200000">
+              <a:off x="3362363" y="4426963"/>
+              <a:ext cx="1243286" cy="375479"/>
+            </a:xfrm>
+            <a:prstGeom prst="rect">
+              <a:avLst/>
+            </a:prstGeom>
+            <a:solidFill>
+              <a:srgbClr val="FFFFD5"/>
+            </a:solidFill>
+            <a:ln w="6350">
+              <a:solidFill>
+                <a:schemeClr val="bg1">
+                  <a:lumMod val="50000"/>
+                </a:schemeClr>
+              </a:solidFill>
+            </a:ln>
+          </p:spPr>
+          <p:style>
+            <a:lnRef idx="2">
+              <a:schemeClr val="accent1">
+                <a:shade val="50000"/>
+              </a:schemeClr>
+            </a:lnRef>
+            <a:fillRef idx="1">
+              <a:schemeClr val="accent1"/>
+            </a:fillRef>
+            <a:effectRef idx="0">
+              <a:schemeClr val="accent1"/>
+            </a:effectRef>
+            <a:fontRef idx="minor">
+              <a:schemeClr val="lt1"/>
+            </a:fontRef>
+          </p:style>
+          <p:txBody>
+            <a:bodyPr rtlCol="0" anchor="ctr"/>
+            <a:lstStyle/>
+            <a:p>
+              <a:pPr algn="ctr"/>
+              <a:r>
+                <a:rPr lang="fr-FR" sz="1200" smtClean="0">
+                  <a:solidFill>
+                    <a:schemeClr val="tx1"/>
+                  </a:solidFill>
+                  <a:latin typeface="Yu Gothic UI Light" panose="020B0300000000000000" pitchFamily="34" charset="-128"/>
+                  <a:ea typeface="Yu Gothic UI Light" panose="020B0300000000000000" pitchFamily="34" charset="-128"/>
+                </a:rPr>
+                <a:t>lactose</a:t>
+              </a:r>
+              <a:endParaRPr lang="fr-FR" sz="1200">
+                <a:solidFill>
+                  <a:schemeClr val="tx1"/>
+                </a:solidFill>
+                <a:latin typeface="Yu Gothic UI Light" panose="020B0300000000000000" pitchFamily="34" charset="-128"/>
+                <a:ea typeface="Yu Gothic UI Light" panose="020B0300000000000000" pitchFamily="34" charset="-128"/>
+              </a:endParaRPr>
+            </a:p>
+          </p:txBody>
+        </p:sp>
+      </p:grpSp>
+      <p:sp>
+        <p:nvSpPr>
           <p:cNvPr id="2" name="Titre 1"/>
           <p:cNvSpPr>
             <a:spLocks noGrp="1"/>
@@ -4575,7 +5539,7 @@
         </p:nvSpPr>
         <p:spPr>
           <a:xfrm>
-            <a:off x="713284" y="764704"/>
+            <a:off x="713284" y="715194"/>
             <a:ext cx="7859216" cy="1066130"/>
           </a:xfrm>
         </p:spPr>
@@ -4593,6 +5557,10 @@
             <a:br>
               <a:rPr lang="fr-FR" b="1" smtClean="0"/>
             </a:br>
+            <a:r>
+              <a:rPr lang="fr-FR" sz="1000" b="1"/>
+              <a:t> </a:t>
+            </a:r>
             <a:r>
               <a:rPr lang="fr-FR" sz="1000" b="1" smtClean="0"/>
               <a:t> </a:t>
@@ -4636,12 +5604,16 @@
                 <a:latin typeface="Yu Gothic UI Light" panose="020B0300000000000000" pitchFamily="34" charset="-128"/>
                 <a:ea typeface="Yu Gothic UI Light" panose="020B0300000000000000" pitchFamily="34" charset="-128"/>
               </a:rPr>
-              <a:t>énergies pour 100g</a:t>
-            </a:r>
-            <a:endParaRPr lang="fr-FR" sz="3200">
-              <a:latin typeface="Yu Gothic UI Light" panose="020B0300000000000000" pitchFamily="34" charset="-128"/>
-              <a:ea typeface="Yu Gothic UI Light" panose="020B0300000000000000" pitchFamily="34" charset="-128"/>
-            </a:endParaRPr>
+              <a:t>teneurs pour </a:t>
+            </a:r>
+            <a:r>
+              <a:rPr lang="fr-FR" sz="2700">
+                <a:latin typeface="Yu Gothic UI Light" panose="020B0300000000000000" pitchFamily="34" charset="-128"/>
+                <a:ea typeface="Yu Gothic UI Light" panose="020B0300000000000000" pitchFamily="34" charset="-128"/>
+              </a:rPr>
+              <a:t>100g</a:t>
+            </a:r>
+            <a:endParaRPr lang="fr-FR" sz="2700"/>
           </a:p>
         </p:txBody>
       </p:sp>
@@ -4685,7 +5657,11 @@
           <a:p>
             <a:r>
               <a:rPr lang="fr-FR" smtClean="0"/>
-              <a:t>Maryse Muller  |  Parcours Data Scientist</a:t>
+              <a:t>Maryse Muller  |  Parcours Data </a:t>
+            </a:r>
+            <a:r>
+              <a:rPr lang="fr-FR" err="1" smtClean="0"/>
+              <a:t>Scientist</a:t>
             </a:r>
             <a:endParaRPr lang="fr-FR"/>
           </a:p>
@@ -4707,8 +5683,1199 @@
           <a:lstStyle/>
           <a:p>
             <a:fld id="{D384C430-F8FC-4B07-B0BC-750FA1B3CF0A}" type="slidenum">
+              <a:rPr lang="fr-FR" smtClean="0">
+                <a:latin typeface="Yu Gothic UI Light" panose="020B0300000000000000" pitchFamily="34" charset="-128"/>
+                <a:ea typeface="Yu Gothic UI Light" panose="020B0300000000000000" pitchFamily="34" charset="-128"/>
+              </a:rPr>
+              <a:t>10</a:t>
+            </a:fld>
+            <a:endParaRPr lang="fr-FR">
+              <a:latin typeface="Yu Gothic UI Light" panose="020B0300000000000000" pitchFamily="34" charset="-128"/>
+              <a:ea typeface="Yu Gothic UI Light" panose="020B0300000000000000" pitchFamily="34" charset="-128"/>
+            </a:endParaRPr>
+          </a:p>
+        </p:txBody>
+      </p:sp>
+      <p:sp>
+        <p:nvSpPr>
+          <p:cNvPr id="11" name="Rectangle 10"/>
+          <p:cNvSpPr/>
+          <p:nvPr/>
+        </p:nvSpPr>
+        <p:spPr>
+          <a:xfrm>
+            <a:off x="3823854" y="2475011"/>
+            <a:ext cx="5074630" cy="1200329"/>
+          </a:xfrm>
+          <a:prstGeom prst="rect">
+            <a:avLst/>
+          </a:prstGeom>
+        </p:spPr>
+        <p:txBody>
+          <a:bodyPr wrap="square">
+            <a:spAutoFit/>
+          </a:bodyPr>
+          <a:lstStyle/>
+          <a:p>
+            <a:r>
+              <a:rPr lang="fr-FR" b="1" smtClean="0">
+                <a:latin typeface="+mj-lt"/>
+                <a:ea typeface="Yu Gothic UI Light" panose="020B0300000000000000" pitchFamily="34" charset="-128"/>
+              </a:rPr>
+              <a:t>Traitement en 3 étapes :</a:t>
+            </a:r>
+          </a:p>
+          <a:p>
+            <a:r>
+              <a:rPr lang="fr-FR" smtClean="0">
+                <a:ea typeface="Yu Gothic UI Light" panose="020B0300000000000000" pitchFamily="34" charset="-128"/>
+              </a:rPr>
+              <a:t>sous-sous colonnes, sous-colonnes, colonnes</a:t>
+            </a:r>
+          </a:p>
+          <a:p>
+            <a:r>
+              <a:rPr lang="fr-FR" smtClean="0">
+                <a:latin typeface="Yu Gothic UI Light" panose="020B0300000000000000" pitchFamily="34" charset="-128"/>
+                <a:ea typeface="Yu Gothic UI Light" panose="020B0300000000000000" pitchFamily="34" charset="-128"/>
+              </a:rPr>
+              <a:t>Effacement de toutes les sous-colonnes</a:t>
+            </a:r>
+          </a:p>
+          <a:p>
+            <a:r>
+              <a:rPr lang="fr-FR" smtClean="0">
+                <a:latin typeface="Yu Gothic UI Light" panose="020B0300000000000000" pitchFamily="34" charset="-128"/>
+                <a:ea typeface="Yu Gothic UI Light" panose="020B0300000000000000" pitchFamily="34" charset="-128"/>
+              </a:rPr>
+              <a:t>si somme(sous-colonnes)&gt;colonne</a:t>
+            </a:r>
+          </a:p>
+        </p:txBody>
+      </p:sp>
+      <p:sp>
+        <p:nvSpPr>
+          <p:cNvPr id="35" name="AutoShape 4" descr="data:image/png;base64,iVBORw0KGgoAAAANSUhEUgAAAuAAAADYCAYAAACqaFbgAAAABHNCSVQICAgIfAhkiAAAAAlwSFlzAAALEgAACxIB0t1+/AAAADh0RVh0U29mdHdhcmUAbWF0cGxvdGxpYiB2ZXJzaW9uMy4yLjEsIGh0dHA6Ly9tYXRwbG90bGliLm9yZy+j8jraAAAgAElEQVR4nO3de1iUZd4H8O/AcDDlIAo6DSTCcD5ICOJWmsSiZr6YhxQ1xbAsskwtL/fqYPpmae1bm6ZtYWq4meyaJR0E3VbZ0g0RFU3pMCpsgCyeQPOIjL/3D3eeQA4DyhyA7+e65tK55zn87uc0v7m5n/tRiYiAiIiIiIgsws7aARARERERdSZMwImIiIiILIgJOBERERGRBTEBJyIiIiKyICbgREREREQWxASciIiIiMiCmIATNSI3NxcqlQoqlQq5ubnWDodszN69e3H33Xeja9euUKlUePDBB60dErXSf/7zH3Tr1g0uLi6oqqpq8+X7+vpCpVJh2rRpbb7sW8Fj97rJkydDpVLhnXfesXYo1EkxAadOY8iQIVCpVPD19a1XXjfZ/vDDDwEArq6uiIuLQ1xcHFxdXVu8Dlv90rUl27dvR0JCAry8vODs7AyNRoNBgwbhzTfftHZoLTZ9+nT861//goggNjYWQUFB1g6pQ5s2bVqj5+6t+N///V9cuHAB06dPR/fu3dtsubbOksfuN998g5EjR6JXr17KNXbhwoUNprt69SoWLVoEPz8/ODo6wtvbG7Nnz8avv/5ab7ojR45g3Lhx8PDwgLOzM6Kjo7Fhw4abim3evHkAgFdeeQUXLly4qWUQ3Qq1tQMgskXR0dHIy8uzdhitUlNTA0dHR2uH0aw9e/Zg+PDhuHr1Kjw8PBAaGorKykrs2rUL9vb2ePbZZ60dYoscPnwYADB79my89tprVo6GWuvs2bPKj+0pU6ZYNxgLa+tjt7a2Fvb29lCpVA0+27dvH3JychAQEIATJ040uYzU1FR89NFHsLOzQ0BAAI4dO4Zly5ahsLAQ27dvh52dHSoqKnD33XfjxIkTcHV1xe233479+/dj0qRJuHTpElJTU1sVd1RUFMLCwnD48GF8/PHHeOyxx1pdd6JbIkSdxL333isApE+fPvXKd+zYIQAEgKxdu7ZB2Y4dO0RE5D//+Y88/PDDotFoxNHRUTw9PeWee+6Rv/zlL1JcXKxMf+PL6Ntvv5WhQ4eKq6urODo6SmBgoCxevFhqamqUaaqrq2XSpEnStWtX6dWrlyxatEimTp3aIO4+ffoIAHn44Ydl7ty50qNHD4mKihIRkeeee05CQ0PFzc1N1Gq1aDQamTp1qhw/flyZ/+WXX1bi27p1qwQHB0uXLl3koYceknPnzslbb70lGo1GevToIU899ZRcvXq1TfbB/PnzBYDodDq5cuWKUl5eXi7Z2dnK+7Vr1yrxFRcXi4jU28bG/VR3uk2bNkn//v3F2dlZfv/738vx48dl/fr10rdvX3Fzc5NJkybJuXPnmo3v4sWL8vzzz4u/v784ODhI9+7dZeTIkbJ3714RqX9c1H29/PLLTS5Tr9fL5MmTpXfv3uLg4CAajUZmzJihfH769GmZOXOm+Pj4iFqtFk9PT0lOTpYjR44o09zK/jLON3/+fElLSxN3d3dxc3OTmTNn1tsHpup+4/bevHmzDBo0SJydnSUoKEi++OKLevX+6aefZMKECeLp6SkODg6i0+nkjTfeEIPBoExjPI6nTJkiCxYskN69e4u7u7tMnjxZ2VfGaW587dixQ2pra+WFF14Qf39/cXZ2Fnd3d+nXr5/Mnz+/2f38wQcfCADRaDRK2Xfffacse8+ePUr5xo0bBYDY2dnJL7/8IiUlJTJ8+HDx9vYWZ2dncXZ2lrCwMPnTn/4k165da1C3lJQUEWn8+G1sOhGRc+fOyZw5c8TX11ccHBykd+/e8vjjj0tVVVW97fvggw+Kl5eXODo6ikajkYSEBMnJyWm0zqaO3X//+98yZcoU6dWrl6jVarn99tvlsccek8rKSmUZKSkpyrVo7dq14uvrKyqVql5cdZ06dUouXLggv/76a5Pnyt69e5XP3nnnHRER+fzzz+ud1yIiTz/9tAAQFxcXKS8vFxGRsWPHCgDp2bOnciy39BoqIvKHP/xBAMigQYMajZ/InJiAU6dxqwn4mDFjBIB07dpVoqOjpU+fPmJnZyfTp0+X48ePS1xcnDg6OipfCHFxcRIXF6csT61WCwBxd3eXwMBAZfnJyclKLA899JBSHhAQIK6urtK1a9cmE3BHR0dxdHSU8PBwueeee0REJCwsTNzc3CQ8PFyCg4NFpVIJAImNjVXmr5vQubi4SFBQkPI+NDRUunTpIn5+fkpZenp6m+yDefPmKdtw5cqVcvjwYamtrW0w3c0k4F26dKlX3+DgYHFycqq3rZ9//vlm4/v973+vTBscHCwuLi7Ksvfv3y979+6VuLg4ZRqtVitxcXGyatWqRpen1+vF3d1dSeCCg4NFq9Uq+/LSpUsSHh4uAMTe3l5CQ0PF2dlZOYZKS0tF5Nb2l7HMyclJevbsKb6+vkrZvHnzWlz3G7e3g4ODBAQESJcuXZS4Tp8+3aDe7u7uEhkZKXZ2dgJAnnrqKWWdxuPYwcFBXFxcpG/fvg321YMPPig9e/ZUjnfjebV3715Zvny5su0iIyMlMDBQnJycxN/fv9n9/PDDDwsASUpKqlceHBwsAOTZZ59Vyozn/e9//3sREdmzZ48AEG9vb7nzzjvFy8tLiXnFihUN6tbaBPzKlSsSHR2t1DcyMlK5BkRHRys/2I3TdO/eXaKjo0Wr1QoAeeWVVxqtc3PHbmVlpdx+++3KcRIaGioODg7KdejXX38Vkd8ScAcHB7Gzs5PAwEDp1atXkwm4UXMJ+OLFi5XPjI0EBoNBOQ8ee+wxERHR6XQCQIYOHarMu379emXeXbt2iUjLr6EiIp9++qmynS9evNhsHYjaGhNw6jSMCXhzr+YScGOitG7dOmWZJ0+elMLCQuV9Y61ZIiKDBw8WAOLj4yNnzpwRkd9agwHIwYMH5ciRI8p7Y5JSUVGhJDJNJeAHDhwQEVES2QMHDtRrZVy1apWyXGOrat2E7qOPPhIRkbvvvlsp27lzpxgMBmU9EyZMuMWtf93hw4fltttuq7fN3dzc5KGHHpJDhw4p091MAr548WIREZk8eXKDut1zzz0CQPlB1Jjt27cr8/3xj38Ukfrbf8yYMcq0TSUTN3rkkUcEgKjVavnnP/+plBtbldesWaMsa+PGjSIi8v3334u9vb0AkLlz54rIre0v4zRBQUFy/vx5uXbtmowePVoAiLOzs1y4cKHFda+7vY2xZWVlKWXGv2IY6x0YGKi0ZH/00UfKD5FffvlFRH47jl1cXKSsrEwMBoP079+/wb6q2/Ja11NPPSUAJDU1VSm7ePGikow1JSYmRgDIrFmz6pUvWbJEOU+vXbsm586dUxLB9evXi4hIVVWVckyKXE8Wjee38Udw3bq1NgHPyMhQjhnjOVFSUqIcE8b9361bNwEg33zzjbKs0tJS+fHHH5ute2PH7oIFCwSAqFQqyc/PFxGR7OxsZdrly5eLyG/7AYC89957IiJy7dq1ei3/jWkuAX/88ceVz+r+GPf29hYAMmzYMBERcXJyEuD6X/2Mvv76a2XeDRs2tOoaKlK/9f3w4cPN1oGorfEmTOp0HB0dlRss4+LiEBIS0qL5/ud//gfA9RvC/P39MWLECLz//vu4/fbbTc67Z88eAMDw4cOVG74mTZqkfF5QUKD0zQSAiRMnAgB69+6N+Pj4JpcbHx+PyMhIAIC9vT0A4MCBA4iNjUW3bt2gUqnq9W08fvx4k/Uy3uDWvXt33H333bCzs0OfPn0AAJWVlU3G8MEHH2DgwIHK68knn2xy2tDQUBw8eBBPPfUU/Pz8AFzvj7tx40bcddddjcbXUjfWo26ZcV3N1cO4j4Df9k3d7V9QUNDqmHbv3g0AuOeeezB48GClPDo6ut46HR0dMXbsWABAeHi4sk8bW+fN7q8HHnhAGfnioYceAgBcvnwZR48evam6G/tOh4aGKmXG9Rrr/fPPP8PV1RUqlQoPP/wwAODatWvIz8+vt6z77rsPWq0WdnZ2CA4ObrIONxo5ciRUKhXWrFkDjUaDe++9Fy+88ILJG6erq6sBAC4uLg3qZGdnh9LSUuzatQubN2/G5cuX4ebmhtGjRwMAHBwc8MYbb6BPnz5wcHCAvb09vvnmGwCNn1+tZdx2tbW1CA8PV24+NRgMAKDcm2I8DhISEhAUFIRRo0Zh48aN0Gq1rV6ncf/rdDrExsYCqH+tunH/d+nSRbmuGG+ubGsi0uppWnsNrXucGI8JIkvhTZjU6Wg0mno3WObm5jab5Bq9+uqruPvuu7F161YcOnQIO3fuRHZ2NjZu3IjCwsI2jbGlX2i9evWq937nzp1ISUmBiKBHjx4IDQ3F+fPn8cMPPwCA8iVel/FLSK1W13tfN47mvgzLysqUpAEAnJ2dm43Z398f77zzDt555x385z//wVtvvYU//vGPOHfuHLZv346HH364Xv2NMZ89e7bZ5d5Yj7plLalHe3Gr+6utuLu714ujsfX26NEDOp2uwbxdunRpdFl1l9eSOgwbNgz79u3Dxo0bceDAAezfvx/ffPMNVq1ahaKiIvj4+DQ6n5ubGwA0GGVDq9UiMTERW7duRWZmJoqLiwEAEyZMUGKePXs2PvjgAwBAQEAAPDw8cPToUZw6darR88uosWMaaPq4dnBwUH6o1WU859etW4ekpCTk5uaiqKgI27Ztw+eff47c3FxkZWU1GUdb8PT0hJ1d27Tf1d1HJ06cgEajwbVr13D69GkAwB133KFMd+TIkXo3c9b9/x133IFTp04p71tyDT137pzy/7rHIJElsAWcqIV27dqFe++9F8uXL8f27duRnp4O4HqLs/HL4rbbbgOABsNaGVuVcnJylDGHP/74Y+XzmJgYpbULAD755BMA18cq3rFjR5Mx3fgls3v3biVx+f7775Gfn4+pU6feXIVbaOHChZDr3dkgIs2Om75hwwZs2rQJly9fBnC9dSoxMVH53JgYeXl5KWVHjx4FAHz22WdmiP43xn0E/LZv6m7/mJiYVi8zLi4OwPUfRrt27VLKjT/YjOusqanBpk2bAACHDh3CwYMHb3qdTdmyZQsuXrwIEVGOL2dnZ/j7+7d53Y3L69q1K7744gvk5eUhLy8P27ZtQ1paGkaMGNGq5RnPK2P8RgcPHoSnpydeffVVfPnll9i7dy8A4Pz58w1a2esKDAwEAJSUlDT4zDiEaGZmJv7+97/XKwN+a4EeOnQofv75Z+Tm5rao1bmxYzo3N7dBy6tx29XW1uLtt99Wtt3OnTvx8ssvK39J+PbbbzF69Gi89957+Oabb/Dyyy8DuD7MZ2sZ13nkyBGlNbzuterG/d+WLd7Dhw9X/m88B7766ivlGmH83Pjvd999p/yl4dNPPwUA9OzZ86auof/+978BXP+x05ZDXBK1iDX6vRBZw63ehHn33XeLo6Oj+Pv7S3R0tHLzmbe3t9IH0ti31s7OTqKjo2XatGnK8lp7E2ZgYKC4uroqfaYb6wN+Y1/zbdu2KfP36NFDgoODxcPDo0Fd6vYpNmqsn61xm9177703vd3rMvZ7d3R0lLCwMImMjFT6tnp7eys3c50+fVrp4+rh4SGDBg1Spqu7nxrrK97SujXmxhsRXV1dlb7SxhsRRVreB/zGmzBDQkLEx8dHfH19RaTxmzCNx1VTN2E2V6fG9pdxvq5du4qnp2e9mzCfe+65VtW9pX3zf/rpJ3FzcxPg+k2c/fr1E19fX+UcMGrsOG6sXsuWLat3XsTFxcnFixflhRdeEJVKJT4+PhIdHa3crGlvby8//PBDk/vlvffeE6D+KChGly5dUvYZ/tt3vq5JkybVi6Vnz57KOWbqHP3d734nwPWbGIcMGSLdunVTbk41Tnf58mWJiopS+mSHhoZKcHCwch0wnsNarVa6dOkigYGBEhUVpdw0eddddzVZb5HGj93KykrRaDQCXL8JMywsTFmeTqdrcBOmqfPIaNOmTeLv71/vBuHu3buLv7+/TJo0SZlu4sSJyjkSHBysrHvQoEHK/SxlZWXK/nV1da13w27dm45beg0V+W0UlLp994kshS3gRC00YcIEDBgwAL/++iu+//57uLi4YNSoUcjOzlZaXRYvXoyBAwfC0dER+/btw/fffw/g+kOAduzYgaFDh+LatWsoLi5GYGAgXnnlFaxbt05Zx6pVqzBp0iR07doVVVVVeOaZZ5SWnxv/bN+YxMREvP7667j99ttx6dIlBAcH489//rMZtsbNGTduHJ544gkEBQWhoqIChw8fhoeHB0aPHo2tW7cqfwb28PDAhg0bEBQUhAsXLsBgMGD9+vVmj+/zzz/H888/Dz8/Pxw9ehR2dnYYOXIkdu3ahaioqFYvT6fTYc+ePZg0aRI8PT2h1+tRW1uLoUOHArjeAv3Pf/4TM2fOhEajwc8//4yuXbtiwoQJyMvLg7e3d5vVbdasWZg4cSLOnj0LV1dXpKWlYfHixWape2BgIHbv3o3k5GS4uLigqKgINTU1GDJkCN5+++1Wx56amoqxY8fCzc0NP//8M3bv3g2DwYB7770XI0aMgIjg0KFDqK2txV133YVNmzYpfckb89BDD8HZ2RkVFRUN+jc7OztjwoQJyvsbH6r11ltvYdSoUejWrRt+/fVXzJs3T+mPbcqHH36IQYMGQa1Wo7y8HCtWrGjQTcbJyQm5ubmYO3cufH19odfrcfLkSYSFheHFF19EeHi4sk0iIiJw+vRpHD58GJ6enpg8eTIyMzNbFEtdXl5eyMvLw5QpU+Du7o6ffvoJnp6eePTRR7Fr1y5069at1csErnfxOHr0KI4dO6aUVVVV4ejRoygvL1fKMjIysGDBAtxxxx04evQoevbsiaeffhpffvml0tVFq9Vi165dGDNmDFQqFY4fP46oqCh89NFH9e5zac019PPPPwfQ+caCJ9ugEukAnSKJOojS0lJ4enoq/ahPnTqFsLAwnDhxAsnJyTf91DfqvIw/Dl9++eVGn0LYWT3xxBN4//33MWvWLCxbtsza4VAbaek1dP/+/YiOjoanpyeOHTt20z8yiG4WW8CJbMimTZtw++23IzExEQ888AACAwNx4sQJdOvWDS+88IK1wyPqMF5++WV07doVa9asUfo6U/vX0mvo//3f/wEAXnrpJSbfZBUcBYXIhkRERCAwMBB79uzBhQsX4OnpiYkTJ+LFF1+sN9wbEd0ajUaD8+fPWzsMamMtvYauX7/eIt3aiJrCLihERERERBbELihERERERBbEBJyIiIiIyIKYgBMRERERWZDZEvDLly9jwIAB6NevH8LCwpSndBUXFyMuLg46nQ4TJkxATU0NAODKlSuYMGECdDod4uLi6j2hbMmSJdDpdAgKCsLWrVuV8pycHAQFBUGn02Hp0qXmqgoRERERUZsxWwLu5OSE7du348CBAygsLEROTg7y8vIwf/58zJkzB0eOHEH37t2xevVqAMDq1avRvXt3HDlyBHPmzMH8+fMBAEVFRcjMzMThw4eRk5ODJ598EgaDAQaDATNnzkR2djaKioqwYcMGFBUVmas6RERERERtwmwJuEqlUsbWvHr1Kq5evQqVSoXt27dj3LhxAICUlBRs3rwZAJCVlYWUlBQA15+W949//AMigqysLCQnJ8PJyQl9+/aFTqdDfn4+8vPzodPp4OfnB0dHRyQnJyMrK8tc1SEiIiIiahNm7QNuMBgQFRUFLy8vJCYmwt/fH+7u7lCrrw8/7u3trTyOtry8XHkkr1qthpubG06fPl2vvO48TZUTEREREdkysz6Ix97eHoWFhaiursbo0aPx448/mnN1TUpPT0d6ejoA4Mcff0RwcLBZ17d3b8Oy/v3NukoiIiIisiElJSU4depUo59Z5EmY7u7uiI+Px3fffYfq6mrU1tZCrVajrKwMWq0WAKDValFaWgpvb2/U1tbi7Nmz6NGjh1JuVHeepspvNGPGDMyYMQMAEBMTg4KCAnNVFQCgUjUsM/MqiYiIiMiGxMTENPmZ2bqgnDx5EtXV1QCAS5cu4e9//ztCQkIQHx+PTz75BACQkZGBUaNGAQCSkpKQkZEBAPjkk09w3333QaVSISkpCZmZmbhy5QqKi4uh1+sxYMAAxMbGQq/Xo7i4GDU1NcjMzERSUpK5qkNERERE1CbM1gJeUVGBlJQUGAwGXLt2DePHj8fIkSMRGhqK5ORkvPjii7jzzjsxffp0AMD06dMxZcoU6HQ6eHh4IDMzEwAQFhaG8ePHIzQ0FGq1GitXroS9vT0AYMWKFRg2bBgMBgNSU1MRFhZmruoQEREREbUJlYiItYOwJGt1QelcW5mIiIioc2su5+STMImIiIiILIgJOBERERGRBTEBJyIiIiKyICbgREREREQWxASciIiIiMiCmIATEREREVkQE3AiIiIiIgtiAk5EREREZEFMwImIiIiILIgJOBERERGRBTEBJyIiIiKyICbgREREREQWxASciIiIiMiCmIATEREREVkQE3AiIiIiIgtiAk5EREREZEFMwImIiIiILIgJOBERERGRBZktAS8tLUV8fDxCQ0MRFhaGZcuWAQAWLlwIrVaLqKgoREVFYcuWLco8S5YsgU6nQ1BQELZu3aqU5+TkICgoCDqdDkuXLlXKi4uLERcXB51OhwkTJqCmpsZc1SEiIiIiahNmS8DVajXefPNNFBUVIS8vDytXrkRRUREAYM6cOSgsLERhYSFGjBgBACgqKkJmZiYOHz6MnJwcPPnkkzAYDDAYDJg5cyays7NRVFSEDRs2KMuZP38+5syZgyNHjqB79+5YvXq1uapDRERERNQmzJaAazQaREdHAwBcXFwQEhKC8vLyJqfPyspCcnIynJyc0LdvX+h0OuTn5yM/Px86nQ5+fn5wdHREcnIysrKyICLYvn07xo0bBwBISUnB5s2bzVUdIiIiIqI2YZE+4CUlJdi/fz/i4uIAACtWrEBkZCRSU1NRVVUFACgvL4ePj48yj7e3N8rLy5ssP336NNzd3aFWq+uVExERERHZMrMn4OfPn8fYsWPx9ttvw9XVFWlpaTh69CgKCwuh0Wjw7LPPmjsEpKenIyYmBjExMTh58qTZ10dERERE1BSzJuBXr17F2LFjMXnyZIwZMwYA0KtXL9jb28POzg6PPfYY8vPzAQBarRalpaXKvGVlZdBqtU2W9+jRA9XV1aitra1X3pgZM2agoKAABQUF8PT0NFd1iYiIiIhMMlsCLiKYPn06QkJCMHfuXKW8oqJC+f9nn32G8PBwAEBSUhIyMzNx5coVFBcXQ6/XY8CAAYiNjYVer0dxcTFqamqQmZmJpKQkqFQqxMfH45NPPgEAZGRkYNSoUeaqDhERERFRm1Cba8G7du3CX/7yF0RERCAqKgoA8Nprr2HDhg0oLCyESqWCr68v3n//fQBAWFgYxo8fj9DQUKjVaqxcuRL29vYArvcZHzZsGAwGA1JTUxEWFgYAeP3115GcnIwXX3wRd955J6ZPn26u6hARERERtQmViIi1g7CkmJgYFBQUmHUdKlXDss61lYmIiIg6t+ZyTj4Jk4iIiIjIgpiAExERERFZEBNwIiIiIiILYgJORERERGRBTMCJiIiIiCyICTgRERERkQUxASciIiIisiAm4EREREREFsQEnIiIiIjIgpiAExERERFZEBNwIiIiIiILMpmAHz16FFeuXAEA5ObmYvny5aiurjZ7YEREREREHZHJBHzs2LGwt7fHkSNHMGPGDJSWlmLSpEmWiI2IiIiIqMMxmYDb2dlBrVbjs88+w9NPP40//vGPqKiosERsREREREQdjskE3MHBARs2bEBGRgZGjhwJALh69arZAyMiIiIi6ohMJuBr167Fd999hxdeeAF9+/ZFcXExpkyZYonYiIiIiIg6HLWpCSoqKvD666+jS5cuAIC+ffti/vz5Zg+MiIiIiKgjMtkCvm7dOvTr1w8DBw7EvHnz8MUXX6CqqsoSsRERERERdTgmE/CMjAz8/PPP+PTTT+Hj44OZM2fC09PT5IJLS0sRHx+P0NBQhIWFYdmyZQCAM2fOIDExEQEBAUhMTFSSeRHBrFmzoNPpEBkZiX379tWLISAgAAEBAcjIyFDK9+7di4iICOh0OsyaNQsi0uoNQERERERkSSYT8I8++giPP/44xo0bh6+//hpPPfUUvv32W5MLVqvVePPNN1FUVIS8vDysXLkSRUVFWLp0KRISEqDX65GQkIClS5cCALKzs6HX66HX65Geno60tDQA1xP2RYsWYffu3cjPz8eiRYuUpD0tLQ2rVq1S5svJybmVbUFERETtkErV8EVky0z2AZ89ezb8/f3xxBNPID4+Hr6+vi1asEajgUajAQC4uLggJCQE5eXlyMrKQm5uLgAgJSUFQ4YMweuvv46srCxMnToVKpUKAwcORHV1NSoqKpCbm4vExER4eHgAABITE5GTk4MhQ4bg3LlzGDhwIABg6tSp2Lx5M+6///6b2AxERERERJZhsgX81KlTWLNmDS5fvowXXngBAwYMaPUoKCUlJdi/fz/i4uJQWVmpJOa9e/dGZWUlAKC8vBw+Pj7KPN7e3igvL2+23Nvbu0E5EREREZEtM9kCfu7cOfzyyy/497//jZKSEpw9exZ2dibzdsX58+cxduxYvP3223B1da33mUqlgsoCfydKT09Heno6AODkyZNmXx8RERERUVNMZtL33HMPvvjiC0RGRuKvf/0rfvrpp3o3Qjbn6tWrGDt2LCZPnowxY8YAAHr16qU8SbOiogJeXl4AAK1Wi9LSUmXesrIyaLXaZsvLysoalDdmxowZKCgoQEFBQYtuICUiIiIiMheTCfjBgwfx7rvvIikpCe7u7i1esIhg+vTpCAkJwdy5c5XypKQkJYHPyMjAqFGjlPJ169ZBRJCXlwc3NzdoNBoMGzYM27ZtQ1VVFaqqqrBt2zYMGzYMGo0Grq6uyMvLg4hg3ZgbuKQAABilSURBVLp1yrKIiIiIiGyVyS4ohw4dwpQpU3DmzBmICDw9PZGRkYHw8PBm59u1axf+8pe/ICIiAlFRUQCA1157DX/4wx8wfvx4rF69Gn369MHf/vY3AMCIESOwZcsW6HQ63HbbbVi7di0AwMPDAy+99BJiY2MBAAsWLFBuyHz33Xcxbdo0XLp0Cffffz9vwCQiIiIim6cSE4Nn33XXXXj11VcRHx8PAMjNzcXzzz+Pf/3rXxYJsK3FxMSgoKDArOtorFs7hygnIiIyD37vki1qLuc02QXlwoULSvINAEOGDMGFCxfaLjoiIiIiok7EZBcUPz8/vPLKK8rQgx999BH8/PzMHhgRERHRzTI1yBpbyMmaTLaAr1mzBidPnsSYMWMwduxYZVxwIiIiIiJqvWZbwA0GA8aMGYMdO3ZYKh4iIiIiog6t2RZwe3t72NnZ4ezZs5aKh4iIiIioQzPZB7xbt26IiIhAYmIiunbtqpQvX77crIEREREREXVEJhPwMWPGKE+xJCIiIiKiW2MyAU9JSbFEHEREREREnYLJUVCIiIiIiKjtMAEnIiIiIrKgJhNw44N3li1bZrFgiIiIiExRqeq/iNqbJhPwvXv34vjx41izZg2qqqpw5syZei8iIiIiImq9Jm/CfOKJJ5CQkIBjx46hf//+kDrPbFWpVDh27JhFAiQiIiIi6kiabAGfNWsWfvjhB6SmpuLYsWMoLi5WXky+iYiIiIhujslhCP/85z/jwIED+PbbbwEAgwcPRmRkpNkDIyIiIiLqiEyOgrJ8+XJMnjwZJ06cwIkTJzB58mS88847loiNiIiIqH268U5R3jFKdaikbufuRkRGRuK7775THkN/4cIF/O53v8PBgwctEmBbi4mJQUFBgVnX0dj51fxWJiIiopZqizzW7N/LTQXJhKDTaC7nNNkCLiKwt7dX3tvb28NEzk5EREREAFQQqMC8ieozmYA/8sgjiIuLw8KFC7Fw4UIMHDgQ06dPN7ng1NRUeHl5ITw8XClbuHAhtFotoqKiEBUVhS1btiifLVmyBDqdDkFBQdi6datSnpOTg6CgIOh0OixdulQpLy4uRlxcHHQ6HSZMmICampoWV5qIiIiIyFpMJuBz587F2rVr4eHhAQ8PD6xduxazZ882ueBp06YhJyenQfmcOXNQWFiIwsJCjBgxAgBQVFSEzMxMHD58GDk5OXjyySdhMBhgMBgwc+ZMZGdno6ioCBs2bEBRUREAYP78+ZgzZw6OHDmC7t27Y/Xq1a2tOxEREdkAdpOmzsbkKCgAEB0djejo6FYtePDgwSgpKWnRtFlZWUhOToaTkxP69u0LnU6H/Px8AIBOp4Ofnx8AIDk5GVlZWQgJCcH27dvx8ccfAwBSUlKwcOFCpKWltSpGIiIiIiJLM9kC3tZWrFiByMhIpKamoqqqCgBQXl4OHx8fZRpvb2+Ul5c3WX769Gm4u7tDrVbXKyciIiIisnUWTcDT0tJw9OhRFBYWQqPR4Nlnn7XIetPT0xETE4OYmBicPHnSIuskIiIi28VuL2RNzSbgBoMB8fHxbbayXr16wd7eHnZ2dnjssceUbiZarRalpaXKdGVlZdBqtU2W9+jRA9XV1aitra1X3pQZM2agoKAABQUF8PT0bLP6EBERUdtjckwdXbMJuDFZPnv2bJusrKKiQvn/Z599poyQkpSUhMzMTFy5cgXFxcXQ6/UYMGAAYmNjodfrUVxcjJqaGmRmZiIpKQkqlQrx8fH45JNPAAAZGRkYNWpUm8RIRERERGROJm/C7NatGyIiIpCYmKg8jAe4/oTM5kycOBG5ubk4deoUvL29sWjRIuTm5qKwsBAqlQq+vr54//33AQBhYWEYP348QkNDoVarsXLlSmXs8RUrVmDYsGEwGAxITU1FWFgYAOD1119HcnIyXnzxRdx5550tGhqRzOvGVgoOF09E1PFZ4uFzbAWnjsbkkzAzMjIaLU9JSTFLQObGJ2G2HVMXxI5YZyIiqq8tvvNsIcFu8++s/1bK+BAegcpMKyJb1VzOabIFPCUlBZcuXcIvv/yCoKCgNg+OiIiIiKgzMTkKyhdffIGoqCgMHz4cAFBYWIikpCSzB0a2hzfFEBFRW7DF7xNbjIk6LpMJ+MKFC5Gfnw93d3cAQFRUFI4dO2b2wIiIiMj2MFElunUmE3AHBwe4ubnVn8nO4s/vISIiIiLqEEz2AQ8LC8PHH38Mg8EAvV6P5cuX46677rJEbERERNQOdYRRsTpCHch2mWzKfuedd3D48GE4OTlh4sSJcHV1xdtvv22J2IiIiIiIOhyTwxAanTt3DiqVCi4uLuaOyaw4DGHL3WrfvvZYZyIial5n7ffd6u80DkPY6TWXc5psAd+zZw8iIiIQGRmJiIgI9OvXD3v37m3zIImIiIiIOgOTfcCnT5+Od999F4MGDQIA7Ny5E4888ggOHjxo9uCIiIjIujprizeROZlMwO3t7ZXkGwDuueceqNUmZyMiIqJ2iAk3kfk1mUnv27cPAHDvvffi8ccfx8SJE6FSqfDXv/4VQ4YMsVR8REREREQdSpMJ+LPPPlvv/aJFi5T/q/jzmIiIiIjopjSZgO/YscOScRB1GBw7loiIiJpjsjN3dXU11q1bh5KSEtTW1irly5cvN2tg1P51lOEYiYiIiNqSyQR8xIgRGDhwICIiIvgIeiIiIiKiW2QyAb98+TLeeustS8RC1CGxSwoR2TLe1kVkeSabtKdMmYJVq1ahoqICZ86cUV5ERERERNR6JlvAHR0dMW/ePLz66qvK6CcqlQrHjh0ze3BERERERB2NyQT8zTffxJEjR9CzZ09LxEMWxK4RRERERJZnsguKTqfDbbfd1uoFp6amwsvLC+Hh4UrZmTNnkJiYiICAACQmJqKqqgoAICKYNWsWdDodIiMjlYcAAUBGRgYCAgIQEBCAjIwMpXzv3r2IiIiATqfDrFmzIMweb5lKVf9FRERE1/E7ktqSyQS8a9euiIqKwuOPP45Zs2YpL1OmTZuGnJycemVLly5FQkIC9Ho9EhISsHTpUgBAdnY29Ho99Ho90tPTkZaWBuB6wr5o0SLs3r0b+fn5WLRokZK0p6WlYdWqVcp8N66LyFJae1G+cXpeyInIknj9IbI+k11QHnzwQTz44IOtXvDgwYNRUlJSrywrKwu5ubkAgJSUFAwZMgSvv/46srKyMHXqVKhUKgwcOBDV1dWoqKhAbm4uEhMT4eHhAQBITExETk4OhgwZgnPnzmHgwIEAgKlTp2Lz5s24//77Wx0nEREREZElmUzAU1JS2mxllZWV0Gg0AIDevXujsrISAFBeXg4fHx9lOm9vb5SXlzdb7u3t3aC8Kenp6UhPTwcAnDx5ss3qY0vaS39ua8fJhwMRERGRtZlMwPv27auMflLXrY6ColKpGl2uOcyYMQMzZswAAMTExFhknUREREREjTGZgBcUFCj/v3z5MjZu3HjT44D36tULFRUV0Gg0qKiogJeXFwBAq9WitLRUma6srAxarRZarVbpsmIsHzJkCLRaLcrKyhpM35FZu+WYfsM+k0RERHQrTN6E2aNHD+Wl1Woxe/ZsfPXVVze1sqSkJGUkk4yMDIwaNUopX7duHUQEeXl5cHNzg0ajwbBhw7Bt2zZUVVWhqqoK27Ztw7Bhw6DRaODq6oq8vDyICNatW6csq7PgTTSWw21NRLaM1yii9sdkC3jdIQGvXbuGgoIC1NbWmlzwxIkTkZubi1OnTsHb2xuLFi3CH/7wB4wfPx6rV69Gnz598Le//Q0AMGLECGzZskUZ8nDt2rUAAA8PD7z00kuIjY0FACxYsEC5IfPdd9/FtGnTcOnSJdx///28AbOdsoWWfVuIgYiIiDoPlZgYQDs+Pl75v1qthq+vL5577jkEBQWZPThziImJqdetxhzMcaNfW7Rq3BiDLbaUtPV2ag91BkzHyR8FRNSU1l4vbPU62N6YvC4bnx6O6xMKVC2ckTqK5nJOky3gO3bsaPOAyDra40X3VhPR9lhnIqJbweseke0zmYBfuXIFmzZtQklJSb2uJwsWLDBrYESdiakvTLaIExERdRwmE/BRo0bBzc0N/fv3h5OTkyViImoxtvQQERFRe2MyAS8rK+Nj3slmMOG+ztR2aI99yvmQJCIi6ixMDkN411134fvvv7dELERkw24c6szU0GccGo2IiKhxJlvAd+7ciQ8//BB9+/aFk5MTRAQqlQoHDx60RHxEZCG84ZWIiMgyTCbg2dnZloiDCACTOKL2qj10cyIishUmE/A+ffpYIg4isjG28GOotX3diYiI2gOTCTgRtT+tHdbQEqzRQspW2ZbhdiIisiwm4ETUaTDRJCIiW8AEnIioFZjEExHRrWICTkRW0RbdYJgMExFRe8QEnIg6jNYm9eZI4PmjgNoSjyeijokJOBHRf91Mq7wtJP2W0F7jJiKyRUzAiYio1W51pB0m8ETUmTEBJyLq4Nh6TURkW5iAExG1M6YSalt4iBKZB/ctUcfABJyIyIxa21XjZlqnmZS1X/zrBFHnZGeNlfr6+iIiIgJRUVGIiYkBAJw5cwaJiYkICAhAYmIiqqqqAAAiglmzZkGn0yEyMhL79u1TlpORkYGAgAAEBAQgIyPDGlUhImpTKlXDl7nXQbaD+4aoc7BKAg4AO3bsQGFhIQoKCgAAS5cuRUJCAvR6PRISErB06VIAQHZ2NvR6PfR6PdLT05GWlgbgesK+aNEi7N69G/n5+Vi0aJGStBMRdSSdISnrDHUkIjKyWgJ+o6ysLKSkpAAAUlJSsHnzZqV86tSpUKlUGDhwIKqrq1FRUYGtW7ciMTERHh4e6N69OxITE5GTk2PNKhARkZlY4i8DltAR6kBEt84qCbhKpcLQoUPRv39/pKenAwAqKyuh0WgAAL1790ZlZSUAoLy8HD4+Psq83t7eKC8vb7K8o+BFmoisxRLXn456jeuo9aKGuK/pVljlJsydO3dCq9XixIkTSExMRHBwcL3PVSoVVG14NKenpyuJ/smTJ9tsuW2JJy8R0W94TSSijswqLeBarRYA4OXlhdGjRyM/Px+9evVCRUUFAKCiogJeXl7KtKWlpcq8ZWVl0Gq1TZY3ZsaMGSgoKEBBQQE8PT3NVS0iIqJ62EpKRI2xeAJ+4cIF/Prrr8r/t23bhvDwcCQlJSkjmWRkZGDUqFEAgKSkJKxbtw4igry8PLi5uUGj0WDYsGHYtm0bqqqqUFVVhW3btmHYsGGWrk6L8SJMRGRebX2d5XWbiMzF4l1QKisrMXr0aABAbW0tJk2ahOHDhyM2Nhbjx4/H6tWr0adPH/ztb38DAIwYMQJbtmyBTqfDbbfdhrVr1wIAPDw88NJLLyE2NhYAsGDBAnh4eFi6OkRE1E5wzG0ishUqkc51CYqJiVGGPjQXtpQQUUci0j6va619Qqip6Rv7tmyP24XMo8Hx8d+DQ4XrHwhUTUxIHVVzOSefhElERITWP7WUiOhmMQEnIqIOiQkzEdkqm3kQDxERERFRZ8AEnIiIiIjIgtgFhYiIiOgWNbhp1zphUDvBFnAiIiIiIgtiAk5EREREZEFMwImIiIiILIgJOBERERGRBTEBJyIiIiKyII6CQkRERGQpDYZL4XgpnRFbwImIiIiILIgJOBEREZGFqCBQcZTwTo8JOBERERGRBTEBJyIiIiKyICbgREREREQWxFFQiIiIiKyFo6J0SkzAiYiIiGwFE/JOod13QcnJyUFQUBB0Oh2WLl1q7XCIiIiIWszkqCgqVf0XdQjtOgE3GAyYOXMmsrOzUVRUhA0bNqCoqMjaYRERERHdlFYn5EzQ26V2nYDn5+dDp9PBz88Pjo6OSE5ORlZWlrXDIiIiImoTrR433FSCbo6XqXW3JL5Opl0n4OXl5fDx8VHee3t7o7y83IoREREREf1G/ptCt9V7m2QqiW5Jom2NHw6W+mHSiE5xE2Z6ejrS09MBAD/++CNiYmLMur477jgJT09Ps66Dbs7Jk9w3tor7xnbFxPC6Zst47timGPTnvrFhltg3JSUlTX7WrhNwrVaL0tJS5X1ZWRm0Wm2D6WbMmIEZM2ZYLK6YmBgUFBRYbH3Uctw3tov7xrZx/9gu7hvbxX1ju6y9b9p1F5TY2Fjo9XoUFxejpqYGmZmZSEpKsnZYRERERERNatct4Gq1GitWrMCwYcNgMBiQmpqKsLAwa4dFRERERNQk+4ULFy60dhC3IiAgAE8//TSeeeYZDB482NrhKPr372/tEKgJ3De2i/vGtnH/2C7uG9vFfWO7rLlvVCJ8xBIRERERkaW06z7gRERERETtDRPwNpaTk4OgoCDodDosXbrU2uF0aqWlpYiPj0doaCjCwsKwbNkyAMCZM2eQmJiIgIAAJCYmoqqqysqRdl4GgwF33nknRo4cCQAoLi5GXFwcdDodJkyYgJqaGitH2DlVV1dj3LhxCA4ORkhICL777jueNzbiT3/6E8LCwhAeHo6JEyfi8uXLPG+sJDU1FV5eXggPD1fKmjpPRASzZs2CTqdDZGQk9u3bZ62wO4XG9s28efMQHByMyMhIjB49GtXV1cpnS5YsgU6nQ1BQELZu3WqRGJmAtyGDwYCZM2ciOzsbRUVF2LBhA4qKiqwdVqelVqvx5ptvoqioCHl5eVi5ciWKioqwdOlSJCQkQK/XIyEhgT+UrGjZsmUICQlR3s+fPx9z5szBkSNH0L17d6xevdqK0XVezzzzDIYPH44ff/wRBw4cQEhICM8bG1BeXo7ly5ejoKAAhw4dgsFgQGZmJs8bK5k2bRpycnLqlTV1nmRnZ0Ov10Ov1yM9PR1paWnWCLnTaGzfJCYm4tChQzh48CACAwOxZMkSAEBRUREyMzNx+PBh5OTk4Mknn4TBYDB7jEzA21B+fj50Oh38/Pzg6OiI5ORkZGVlWTusTkuj0SA6OhoA4OLigpCQEJSXlyMrKwspKSkAgJSUFGzevNmaYXZaZWVl+Oqrr/Doo48CuN5CtH37dowbNw4A9421nD17Ft988w2mT58OAHB0dIS7uzvPGxtRW1uLS5cuoba2FhcvXoRGo+F5YyWDBw+Gh4dHvbKmzpOsrCxMnToVKpUKAwcORHV1NSoqKiwec2fR2L4ZOnQo1Orrg/8NHDgQZWVlAK7vm+TkZDg5OaFv377Q6XTIz883e4xMwNtQeXk5fHx8lPfe3t4oLy+3YkRkVFJSgv379yMuLg6VlZXQaDQAgN69e6OystLK0XVOs2fPxhtvvAE7u+uXodOnT8Pd3V25QPL8sY7i4mJ4enrikUcewZ133olHH30UFy5c4HljA7RaLZ577jnccccd0Gg0cHNzQ//+/Xne2JCmzhPmB7ZlzZo1uP/++wFYb98wAacO7/z58xg7dizefvttuLq61vtMpVJBpVJZKbLO68svv4SXlxeH57JBtbW12LdvH9LS0rB//3507dq1QXcTnjfWUVVVhaysLBQXF+P48eO4cOFCgz+zk+3geWKbXn31VajVakyePNmqcTABb0NarRalpaXK+7KyMmi1WitGRFevXsXYsWMxefJkjBkzBgDQq1cv5U9/FRUV8PLysmaIndKuXbvw+eefw9fXF8nJydi+fTueeeYZVFdXo7a2FgDPH2vx9vaGt7c34uLiAADjxo3Dvn37eN7YgK+//hp9+/aFp6cnHBwcMGbMGOzatYvnjQ1p6jxhfmAbPvzwQ3z55ZdYv3698uPIWvuGCXgbio2NhV6vR3FxMWpqapCZmYmkpCRrh9VpiQimT5+OkJAQzJ07VylPSkpCRkYGACAjIwOjRo2yVoid1pIlS1BWVoaSkhJkZmbivvvuw/r16xEfH49PPvkEAPeNtfTu3Rs+Pj746aefAAD/+Mc/EBoayvPGBtxxxx3Iy8vDxYsXISLKvuF5YzuaOk+SkpKwbt06iAjy8vLg5uamdFUhy8jJycEbb7yBzz//HLfddptSnpSUhMzMTFy5cgXFxcXQ6/UYMGCA+QMSalNfffWVBAQEiJ+fnyxevNja4XRq3377rQCQiIgI6devn/Tr10+++uorOXXqlNx3332i0+kkISFBTp8+be1QO7UdO3bIAw88ICIiR48eldjYWPH395dx48bJ5cuXrRxd57R//37p37+/REREyKhRo+TMmTM8b2zEggULJCgoSMLCwuThhx+Wy5cv87yxkuTkZOndu7eo1WrRarXywQcfNHmeXLt2TZ588knx8/OT8PBw2bNnj5Wj79ga2zf+/v7i7e2t5AOPP/64Mv3ixYvFz89PAgMDZcuWLRaJkU/CJCIiIiKyIHZBISIiIiKyICbgREREREQWxASciIiIiMiCmIATEREREVkQE3AiIiIiIgtiAk5EREREZEFMwImIiIiILIgJOBERERGRBf0/wKU6pIEmsucAAAAASUVORK5CYII="/>
+          <p:cNvSpPr>
+            <a:spLocks noChangeAspect="1" noChangeArrowheads="1"/>
+          </p:cNvSpPr>
+          <p:nvPr/>
+        </p:nvSpPr>
+        <p:spPr bwMode="auto">
+          <a:xfrm>
+            <a:off x="155575" y="-144463"/>
+            <a:ext cx="304800" cy="304801"/>
+          </a:xfrm>
+          <a:prstGeom prst="rect">
+            <a:avLst/>
+          </a:prstGeom>
+          <a:noFill/>
+          <a:extLst>
+            <a:ext uri="{909E8E84-426E-40DD-AFC4-6F175D3DCCD1}">
+              <a14:hiddenFill xmlns:a14="http://schemas.microsoft.com/office/drawing/2010/main">
+                <a:solidFill>
+                  <a:srgbClr val="FFFFFF"/>
+                </a:solidFill>
+              </a14:hiddenFill>
+            </a:ext>
+          </a:extLst>
+        </p:spPr>
+        <p:txBody>
+          <a:bodyPr vert="horz" wrap="square" lIns="91440" tIns="45720" rIns="91440" bIns="45720" numCol="1" anchor="t" anchorCtr="0" compatLnSpc="1">
+            <a:prstTxWarp prst="textNoShape">
+              <a:avLst/>
+            </a:prstTxWarp>
+          </a:bodyPr>
+          <a:lstStyle/>
+          <a:p>
+            <a:endParaRPr lang="fr-FR"/>
+          </a:p>
+        </p:txBody>
+      </p:sp>
+      <p:sp>
+        <p:nvSpPr>
+          <p:cNvPr id="38" name="AutoShape 6" descr="data:image/png;base64,iVBORw0KGgoAAAANSUhEUgAAAuAAAADYCAYAAACqaFbgAAAABHNCSVQICAgIfAhkiAAAAAlwSFlzAAALEgAACxIB0t1+/AAAADh0RVh0U29mdHdhcmUAbWF0cGxvdGxpYiB2ZXJzaW9uMy4yLjEsIGh0dHA6Ly9tYXRwbG90bGliLm9yZy+j8jraAAAgAElEQVR4nO3de1iUZd4H8O/AcDDlIAo6DSTCcD5ICOJWmsSiZr6YhxQ1xbAsskwtL/fqYPpmae1bm6ZtYWq4meyaJR0E3VbZ0g0RFU3pMCpsgCyeQPOIjL/3D3eeQA4DyhyA7+e65tK55zn87uc0v7m5n/tRiYiAiIiIiIgsws7aARARERERdSZMwImIiIiILIgJOBERERGRBTEBJyIiIiKyICbgREREREQWxASciIiIiMiCmIATNSI3NxcqlQoqlQq5ubnWDodszN69e3H33Xeja9euUKlUePDBB60dErXSf/7zH3Tr1g0uLi6oqqpq8+X7+vpCpVJh2rRpbb7sW8Fj97rJkydDpVLhnXfesXYo1EkxAadOY8iQIVCpVPD19a1XXjfZ/vDDDwEArq6uiIuLQ1xcHFxdXVu8Dlv90rUl27dvR0JCAry8vODs7AyNRoNBgwbhzTfftHZoLTZ9+nT861//goggNjYWQUFB1g6pQ5s2bVqj5+6t+N///V9cuHAB06dPR/fu3dtsubbOksfuN998g5EjR6JXr17KNXbhwoUNprt69SoWLVoEPz8/ODo6wtvbG7Nnz8avv/5ab7ojR45g3Lhx8PDwgLOzM6Kjo7Fhw4abim3evHkAgFdeeQUXLly4qWUQ3Qq1tQMgskXR0dHIy8uzdhitUlNTA0dHR2uH0aw9e/Zg+PDhuHr1Kjw8PBAaGorKykrs2rUL9vb2ePbZZ60dYoscPnwYADB79my89tprVo6GWuvs2bPKj+0pU6ZYNxgLa+tjt7a2Fvb29lCpVA0+27dvH3JychAQEIATJ040uYzU1FR89NFHsLOzQ0BAAI4dO4Zly5ahsLAQ27dvh52dHSoqKnD33XfjxIkTcHV1xe233479+/dj0qRJuHTpElJTU1sVd1RUFMLCwnD48GF8/PHHeOyxx1pdd6JbIkSdxL333isApE+fPvXKd+zYIQAEgKxdu7ZB2Y4dO0RE5D//+Y88/PDDotFoxNHRUTw9PeWee+6Rv/zlL1JcXKxMf+PL6Ntvv5WhQ4eKq6urODo6SmBgoCxevFhqamqUaaqrq2XSpEnStWtX6dWrlyxatEimTp3aIO4+ffoIAHn44Ydl7ty50qNHD4mKihIRkeeee05CQ0PFzc1N1Gq1aDQamTp1qhw/flyZ/+WXX1bi27p1qwQHB0uXLl3koYceknPnzslbb70lGo1GevToIU899ZRcvXq1TfbB/PnzBYDodDq5cuWKUl5eXi7Z2dnK+7Vr1yrxFRcXi4jU28bG/VR3uk2bNkn//v3F2dlZfv/738vx48dl/fr10rdvX3Fzc5NJkybJuXPnmo3v4sWL8vzzz4u/v784ODhI9+7dZeTIkbJ3714RqX9c1H29/PLLTS5Tr9fL5MmTpXfv3uLg4CAajUZmzJihfH769GmZOXOm+Pj4iFqtFk9PT0lOTpYjR44o09zK/jLON3/+fElLSxN3d3dxc3OTmTNn1tsHpup+4/bevHmzDBo0SJydnSUoKEi++OKLevX+6aefZMKECeLp6SkODg6i0+nkjTfeEIPBoExjPI6nTJkiCxYskN69e4u7u7tMnjxZ2VfGaW587dixQ2pra+WFF14Qf39/cXZ2Fnd3d+nXr5/Mnz+/2f38wQcfCADRaDRK2Xfffacse8+ePUr5xo0bBYDY2dnJL7/8IiUlJTJ8+HDx9vYWZ2dncXZ2lrCwMPnTn/4k165da1C3lJQUEWn8+G1sOhGRc+fOyZw5c8TX11ccHBykd+/e8vjjj0tVVVW97fvggw+Kl5eXODo6ikajkYSEBMnJyWm0zqaO3X//+98yZcoU6dWrl6jVarn99tvlsccek8rKSmUZKSkpyrVo7dq14uvrKyqVql5cdZ06dUouXLggv/76a5Pnyt69e5XP3nnnHRER+fzzz+ud1yIiTz/9tAAQFxcXKS8vFxGRsWPHCgDp2bOnciy39BoqIvKHP/xBAMigQYMajZ/InJiAU6dxqwn4mDFjBIB07dpVoqOjpU+fPmJnZyfTp0+X48ePS1xcnDg6OipfCHFxcRIXF6csT61WCwBxd3eXwMBAZfnJyclKLA899JBSHhAQIK6urtK1a9cmE3BHR0dxdHSU8PBwueeee0REJCwsTNzc3CQ8PFyCg4NFpVIJAImNjVXmr5vQubi4SFBQkPI+NDRUunTpIn5+fkpZenp6m+yDefPmKdtw5cqVcvjwYamtrW0w3c0k4F26dKlX3+DgYHFycqq3rZ9//vlm4/v973+vTBscHCwuLi7Ksvfv3y979+6VuLg4ZRqtVitxcXGyatWqRpen1+vF3d1dSeCCg4NFq9Uq+/LSpUsSHh4uAMTe3l5CQ0PF2dlZOYZKS0tF5Nb2l7HMyclJevbsKb6+vkrZvHnzWlz3G7e3g4ODBAQESJcuXZS4Tp8+3aDe7u7uEhkZKXZ2dgJAnnrqKWWdxuPYwcFBXFxcpG/fvg321YMPPig9e/ZUjnfjebV3715Zvny5su0iIyMlMDBQnJycxN/fv9n9/PDDDwsASUpKqlceHBwsAOTZZ59Vyozn/e9//3sREdmzZ48AEG9vb7nzzjvFy8tLiXnFihUN6tbaBPzKlSsSHR2t1DcyMlK5BkRHRys/2I3TdO/eXaKjo0Wr1QoAeeWVVxqtc3PHbmVlpdx+++3KcRIaGioODg7KdejXX38Vkd8ScAcHB7Gzs5PAwEDp1atXkwm4UXMJ+OLFi5XPjI0EBoNBOQ8ee+wxERHR6XQCQIYOHarMu379emXeXbt2iUjLr6EiIp9++qmynS9evNhsHYjaGhNw6jSMCXhzr+YScGOitG7dOmWZJ0+elMLCQuV9Y61ZIiKDBw8WAOLj4yNnzpwRkd9agwHIwYMH5ciRI8p7Y5JSUVGhJDJNJeAHDhwQEVES2QMHDtRrZVy1apWyXGOrat2E7qOPPhIRkbvvvlsp27lzpxgMBmU9EyZMuMWtf93hw4fltttuq7fN3dzc5KGHHpJDhw4p091MAr548WIREZk8eXKDut1zzz0CQPlB1Jjt27cr8/3xj38Ukfrbf8yYMcq0TSUTN3rkkUcEgKjVavnnP/+plBtbldesWaMsa+PGjSIi8v3334u9vb0AkLlz54rIre0v4zRBQUFy/vx5uXbtmowePVoAiLOzs1y4cKHFda+7vY2xZWVlKWXGv2IY6x0YGKi0ZH/00UfKD5FffvlFRH47jl1cXKSsrEwMBoP079+/wb6q2/Ja11NPPSUAJDU1VSm7ePGikow1JSYmRgDIrFmz6pUvWbJEOU+vXbsm586dUxLB9evXi4hIVVWVckyKXE8Wjee38Udw3bq1NgHPyMhQjhnjOVFSUqIcE8b9361bNwEg33zzjbKs0tJS+fHHH5ute2PH7oIFCwSAqFQqyc/PFxGR7OxsZdrly5eLyG/7AYC89957IiJy7dq1ei3/jWkuAX/88ceVz+r+GPf29hYAMmzYMBERcXJyEuD6X/2Mvv76a2XeDRs2tOoaKlK/9f3w4cPN1oGorfEmTOp0HB0dlRss4+LiEBIS0qL5/ud//gfA9RvC/P39MWLECLz//vu4/fbbTc67Z88eAMDw4cOVG74mTZqkfF5QUKD0zQSAiRMnAgB69+6N+Pj4JpcbHx+PyMhIAIC9vT0A4MCBA4iNjUW3bt2gUqnq9W08fvx4k/Uy3uDWvXt33H333bCzs0OfPn0AAJWVlU3G8MEHH2DgwIHK68knn2xy2tDQUBw8eBBPPfUU/Pz8AFzvj7tx40bcddddjcbXUjfWo26ZcV3N1cO4j4Df9k3d7V9QUNDqmHbv3g0AuOeeezB48GClPDo6ut46HR0dMXbsWABAeHi4sk8bW+fN7q8HHnhAGfnioYceAgBcvnwZR48evam6G/tOh4aGKmXG9Rrr/fPPP8PV1RUqlQoPP/wwAODatWvIz8+vt6z77rsPWq0WdnZ2CA4ObrIONxo5ciRUKhXWrFkDjUaDe++9Fy+88ILJG6erq6sBAC4uLg3qZGdnh9LSUuzatQubN2/G5cuX4ebmhtGjRwMAHBwc8MYbb6BPnz5wcHCAvb09vvnmGwCNn1+tZdx2tbW1CA8PV24+NRgMAKDcm2I8DhISEhAUFIRRo0Zh48aN0Gq1rV6ncf/rdDrExsYCqH+tunH/d+nSRbmuGG+ubGsi0uppWnsNrXucGI8JIkvhTZjU6Wg0mno3WObm5jab5Bq9+uqruPvuu7F161YcOnQIO3fuRHZ2NjZu3IjCwsI2jbGlX2i9evWq937nzp1ISUmBiKBHjx4IDQ3F+fPn8cMPPwCA8iVel/FLSK1W13tfN47mvgzLysqUpAEAnJ2dm43Z398f77zzDt555x385z//wVtvvYU//vGPOHfuHLZv346HH364Xv2NMZ89e7bZ5d5Yj7plLalHe3Gr+6utuLu714ujsfX26NEDOp2uwbxdunRpdFl1l9eSOgwbNgz79u3Dxo0bceDAAezfvx/ffPMNVq1ahaKiIvj4+DQ6n5ubGwA0GGVDq9UiMTERW7duRWZmJoqLiwEAEyZMUGKePXs2PvjgAwBAQEAAPDw8cPToUZw6darR88uosWMaaPq4dnBwUH6o1WU859etW4ekpCTk5uaiqKgI27Ztw+eff47c3FxkZWU1GUdb8PT0hJ1d27Tf1d1HJ06cgEajwbVr13D69GkAwB133KFMd+TIkXo3c9b9/x133IFTp04p71tyDT137pzy/7rHIJElsAWcqIV27dqFe++9F8uXL8f27duRnp4O4HqLs/HL4rbbbgOABsNaGVuVcnJylDGHP/74Y+XzmJgYpbULAD755BMA18cq3rFjR5Mx3fgls3v3biVx+f7775Gfn4+pU6feXIVbaOHChZDr3dkgIs2Om75hwwZs2rQJly9fBnC9dSoxMVH53JgYeXl5KWVHjx4FAHz22WdmiP43xn0E/LZv6m7/mJiYVi8zLi4OwPUfRrt27VLKjT/YjOusqanBpk2bAACHDh3CwYMHb3qdTdmyZQsuXrwIEVGOL2dnZ/j7+7d53Y3L69q1K7744gvk5eUhLy8P27ZtQ1paGkaMGNGq5RnPK2P8RgcPHoSnpydeffVVfPnll9i7dy8A4Pz58w1a2esKDAwEAJSUlDT4zDiEaGZmJv7+97/XKwN+a4EeOnQofv75Z+Tm5rao1bmxYzo3N7dBy6tx29XW1uLtt99Wtt3OnTvx8ssvK39J+PbbbzF69Gi89957+Oabb/Dyyy8DuD7MZ2sZ13nkyBGlNbzuterG/d+WLd7Dhw9X/m88B7766ivlGmH83Pjvd999p/yl4dNPPwUA9OzZ86auof/+978BXP+x05ZDXBK1iDX6vRBZw63ehHn33XeLo6Oj+Pv7S3R0tHLzmbe3t9IH0ti31s7OTqKjo2XatGnK8lp7E2ZgYKC4uroqfaYb6wN+Y1/zbdu2KfP36NFDgoODxcPDo0Fd6vYpNmqsn61xm9177703vd3rMvZ7d3R0lLCwMImMjFT6tnp7eys3c50+fVrp4+rh4SGDBg1Spqu7nxrrK97SujXmxhsRXV1dlb7SxhsRRVreB/zGmzBDQkLEx8dHfH19RaTxmzCNx1VTN2E2V6fG9pdxvq5du4qnp2e9mzCfe+65VtW9pX3zf/rpJ3FzcxPg+k2c/fr1E19fX+UcMGrsOG6sXsuWLat3XsTFxcnFixflhRdeEJVKJT4+PhIdHa3crGlvby8//PBDk/vlvffeE6D+KChGly5dUvYZ/tt3vq5JkybVi6Vnz57KOWbqHP3d734nwPWbGIcMGSLdunVTbk41Tnf58mWJiopS+mSHhoZKcHCwch0wnsNarVa6dOkigYGBEhUVpdw0eddddzVZb5HGj93KykrRaDQCXL8JMywsTFmeTqdrcBOmqfPIaNOmTeLv71/vBuHu3buLv7+/TJo0SZlu4sSJyjkSHBysrHvQoEHK/SxlZWXK/nV1da13w27dm45beg0V+W0UlLp994kshS3gRC00YcIEDBgwAL/++iu+//57uLi4YNSoUcjOzlZaXRYvXoyBAwfC0dER+/btw/fffw/g+kOAduzYgaFDh+LatWsoLi5GYGAgXnnlFaxbt05Zx6pVqzBp0iR07doVVVVVeOaZZ5SWnxv/bN+YxMREvP7667j99ttx6dIlBAcH489//rMZtsbNGTduHJ544gkEBQWhoqIChw8fhoeHB0aPHo2tW7cqfwb28PDAhg0bEBQUhAsXLsBgMGD9+vVmj+/zzz/H888/Dz8/Pxw9ehR2dnYYOXIkdu3ahaioqFYvT6fTYc+ePZg0aRI8PT2h1+tRW1uLoUOHArjeAv3Pf/4TM2fOhEajwc8//4yuXbtiwoQJyMvLg7e3d5vVbdasWZg4cSLOnj0LV1dXpKWlYfHixWape2BgIHbv3o3k5GS4uLigqKgINTU1GDJkCN5+++1Wx56amoqxY8fCzc0NP//8M3bv3g2DwYB7770XI0aMgIjg0KFDqK2txV133YVNmzYpfckb89BDD8HZ2RkVFRUN+jc7OztjwoQJyvsbH6r11ltvYdSoUejWrRt+/fVXzJs3T+mPbcqHH36IQYMGQa1Wo7y8HCtWrGjQTcbJyQm5ubmYO3cufH19odfrcfLkSYSFheHFF19EeHi4sk0iIiJw+vRpHD58GJ6enpg8eTIyMzNbFEtdXl5eyMvLw5QpU+Du7o6ffvoJnp6eePTRR7Fr1y5069at1csErnfxOHr0KI4dO6aUVVVV4ejRoygvL1fKMjIysGDBAtxxxx04evQoevbsiaeffhpffvml0tVFq9Vi165dGDNmDFQqFY4fP46oqCh89NFH9e5zac019PPPPwfQ+caCJ9ugEukAnSKJOojS0lJ4enoq/ahPnTqFsLAwnDhxAsnJyTf91DfqvIw/Dl9++eVGn0LYWT3xxBN4//33MWvWLCxbtsza4VAbaek1dP/+/YiOjoanpyeOHTt20z8yiG4WW8CJbMimTZtw++23IzExEQ888AACAwNx4sQJdOvWDS+88IK1wyPqMF5++WV07doVa9asUfo6U/vX0mvo//3f/wEAXnrpJSbfZBUcBYXIhkRERCAwMBB79uzBhQsX4OnpiYkTJ+LFF1+sN9wbEd0ajUaD8+fPWzsMamMtvYauX7/eIt3aiJrCLihERERERBbELihERERERBbEBJyIiIiIyIKYgBMRERERWZDZEvDLly9jwIAB6NevH8LCwpSndBUXFyMuLg46nQ4TJkxATU0NAODKlSuYMGECdDod4uLi6j2hbMmSJdDpdAgKCsLWrVuV8pycHAQFBUGn02Hp0qXmqgoRERERUZsxWwLu5OSE7du348CBAygsLEROTg7y8vIwf/58zJkzB0eOHEH37t2xevVqAMDq1avRvXt3HDlyBHPmzMH8+fMBAEVFRcjMzMThw4eRk5ODJ598EgaDAQaDATNnzkR2djaKioqwYcMGFBUVmas6RERERERtwmwJuEqlUsbWvHr1Kq5evQqVSoXt27dj3LhxAICUlBRs3rwZAJCVlYWUlBQA15+W949//AMigqysLCQnJ8PJyQl9+/aFTqdDfn4+8vPzodPp4OfnB0dHRyQnJyMrK8tc1SEiIiIiahNm7QNuMBgQFRUFLy8vJCYmwt/fH+7u7lCrrw8/7u3trTyOtry8XHkkr1qthpubG06fPl2vvO48TZUTEREREdkysz6Ix97eHoWFhaiursbo0aPx448/mnN1TUpPT0d6ejoA4Mcff0RwcLBZ17d3b8Oy/v3NukoiIiIisiElJSU4depUo59Z5EmY7u7uiI+Px3fffYfq6mrU1tZCrVajrKwMWq0WAKDValFaWgpvb2/U1tbi7Nmz6NGjh1JuVHeepspvNGPGDMyYMQMAEBMTg4KCAnNVFQCgUjUsM/MqiYiIiMiGxMTENPmZ2bqgnDx5EtXV1QCAS5cu4e9//ztCQkIQHx+PTz75BACQkZGBUaNGAQCSkpKQkZEBAPjkk09w3333QaVSISkpCZmZmbhy5QqKi4uh1+sxYMAAxMbGQq/Xo7i4GDU1NcjMzERSUpK5qkNERERE1CbM1gJeUVGBlJQUGAwGXLt2DePHj8fIkSMRGhqK5ORkvPjii7jzzjsxffp0AMD06dMxZcoU6HQ6eHh4IDMzEwAQFhaG8ePHIzQ0FGq1GitXroS9vT0AYMWKFRg2bBgMBgNSU1MRFhZmruoQEREREbUJlYiItYOwJGt1QelcW5mIiIioc2su5+STMImIiIiILIgJOBERERGRBTEBJyIiIiKyICbgREREREQWxASciIiIiMiCmIATEREREVkQE3AiIiIiIgtiAk5EREREZEFMwImIiIiILIgJOBERERGRBTEBJyIiIiKyICbgREREREQWxASciIiIiMiCmIATEREREVkQE3AiIiIiIgtiAk5EREREZEFMwImIiIiILIgJOBERERGRBZktAS8tLUV8fDxCQ0MRFhaGZcuWAQAWLlwIrVaLqKgoREVFYcuWLco8S5YsgU6nQ1BQELZu3aqU5+TkICgoCDqdDkuXLlXKi4uLERcXB51OhwkTJqCmpsZc1SEiIiIiahNmS8DVajXefPNNFBUVIS8vDytXrkRRUREAYM6cOSgsLERhYSFGjBgBACgqKkJmZiYOHz6MnJwcPPnkkzAYDDAYDJg5cyays7NRVFSEDRs2KMuZP38+5syZgyNHjqB79+5YvXq1uapDRERERNQmzJaAazQaREdHAwBcXFwQEhKC8vLyJqfPyspCcnIynJyc0LdvX+h0OuTn5yM/Px86nQ5+fn5wdHREcnIysrKyICLYvn07xo0bBwBISUnB5s2bzVUdIiIiIqI2YZE+4CUlJdi/fz/i4uIAACtWrEBkZCRSU1NRVVUFACgvL4ePj48yj7e3N8rLy5ssP336NNzd3aFWq+uVExERERHZMrMn4OfPn8fYsWPx9ttvw9XVFWlpaTh69CgKCwuh0Wjw7LPPmjsEpKenIyYmBjExMTh58qTZ10dERERE1BSzJuBXr17F2LFjMXnyZIwZMwYA0KtXL9jb28POzg6PPfYY8vPzAQBarRalpaXKvGVlZdBqtU2W9+jRA9XV1aitra1X3pgZM2agoKAABQUF8PT0NFd1iYiIiIhMMlsCLiKYPn06QkJCMHfuXKW8oqJC+f9nn32G8PBwAEBSUhIyMzNx5coVFBcXQ6/XY8CAAYiNjYVer0dxcTFqamqQmZmJpKQkqFQqxMfH45NPPgEAZGRkYNSoUeaqDhERERFRm1Cba8G7du3CX/7yF0RERCAqKgoA8Nprr2HDhg0oLCyESqWCr68v3n//fQBAWFgYxo8fj9DQUKjVaqxcuRL29vYArvcZHzZsGAwGA1JTUxEWFgYAeP3115GcnIwXX3wRd955J6ZPn26u6hARERERtQmViIi1g7CkmJgYFBQUmHUdKlXDss61lYmIiIg6t+ZyTj4Jk4iIiIjIgpiAExERERFZEBNwIiIiIiILYgJORERERGRBTMCJiIiIiCyICTgRERERkQUxASciIiIisiAm4EREREREFsQEnIiIiIjIgpiAExERERFZEBNwIiIiIiILMpmAHz16FFeuXAEA5ObmYvny5aiurjZ7YEREREREHZHJBHzs2LGwt7fHkSNHMGPGDJSWlmLSpEmWiI2IiIiIqMMxmYDb2dlBrVbjs88+w9NPP40//vGPqKiosERsREREREQdjskE3MHBARs2bEBGRgZGjhwJALh69arZAyMiIiIi6ohMJuBr167Fd999hxdeeAF9+/ZFcXExpkyZYonYiIiIiIg6HLWpCSoqKvD666+jS5cuAIC+ffti/vz5Zg+MiIiIiKgjMtkCvm7dOvTr1w8DBw7EvHnz8MUXX6CqqsoSsRERERERdTgmE/CMjAz8/PPP+PTTT+Hj44OZM2fC09PT5IJLS0sRHx+P0NBQhIWFYdmyZQCAM2fOIDExEQEBAUhMTFSSeRHBrFmzoNPpEBkZiX379tWLISAgAAEBAcjIyFDK9+7di4iICOh0OsyaNQsi0uoNQERERERkSSYT8I8++giPP/44xo0bh6+//hpPPfUUvv32W5MLVqvVePPNN1FUVIS8vDysXLkSRUVFWLp0KRISEqDX65GQkIClS5cCALKzs6HX66HX65Geno60tDQA1xP2RYsWYffu3cjPz8eiRYuUpD0tLQ2rVq1S5svJybmVbUFERETtkErV8EVky0z2AZ89ezb8/f3xxBNPID4+Hr6+vi1asEajgUajAQC4uLggJCQE5eXlyMrKQm5uLgAgJSUFQ4YMweuvv46srCxMnToVKpUKAwcORHV1NSoqKpCbm4vExER4eHgAABITE5GTk4MhQ4bg3LlzGDhwIABg6tSp2Lx5M+6///6b2AxERERERJZhsgX81KlTWLNmDS5fvowXXngBAwYMaPUoKCUlJdi/fz/i4uJQWVmpJOa9e/dGZWUlAKC8vBw+Pj7KPN7e3igvL2+23Nvbu0E5EREREZEtM9kCfu7cOfzyyy/497//jZKSEpw9exZ2dibzdsX58+cxduxYvP3223B1da33mUqlgsoCfydKT09Heno6AODkyZNmXx8RERERUVNMZtL33HMPvvjiC0RGRuKvf/0rfvrpp3o3Qjbn6tWrGDt2LCZPnowxY8YAAHr16qU8SbOiogJeXl4AAK1Wi9LSUmXesrIyaLXaZsvLysoalDdmxowZKCgoQEFBQYtuICUiIiIiMheTCfjBgwfx7rvvIikpCe7u7i1esIhg+vTpCAkJwdy5c5XypKQkJYHPyMjAqFGjlPJ169ZBRJCXlwc3NzdoNBoMGzYM27ZtQ1VVFaqqqrBt2zYMGzYMGo0Grq6uyMvLg4hg3ZgbuKQAABilSURBVLp1yrKIiIiIiGyVyS4ohw4dwpQpU3DmzBmICDw9PZGRkYHw8PBm59u1axf+8pe/ICIiAlFRUQCA1157DX/4wx8wfvx4rF69Gn369MHf/vY3AMCIESOwZcsW6HQ63HbbbVi7di0AwMPDAy+99BJiY2MBAAsWLFBuyHz33Xcxbdo0XLp0Cffffz9vwCQiIiIim6cSE4Nn33XXXXj11VcRHx8PAMjNzcXzzz+Pf/3rXxYJsK3FxMSgoKDArOtorFs7hygnIiIyD37vki1qLuc02QXlwoULSvINAEOGDMGFCxfaLjoiIiIiok7EZBcUPz8/vPLKK8rQgx999BH8/PzMHhgRERHRzTI1yBpbyMmaTLaAr1mzBidPnsSYMWMwduxYZVxwIiIiIiJqvWZbwA0GA8aMGYMdO3ZYKh4iIiIiog6t2RZwe3t72NnZ4ezZs5aKh4iIiIioQzPZB7xbt26IiIhAYmIiunbtqpQvX77crIEREREREXVEJhPwMWPGKE+xJCIiIiKiW2MyAU9JSbFEHEREREREnYLJUVCIiIiIiKjtMAEnIiIiIrKgJhNw44N3li1bZrFgiIiIiExRqeq/iNqbJhPwvXv34vjx41izZg2qqqpw5syZei8iIiIiImq9Jm/CfOKJJ5CQkIBjx46hf//+kDrPbFWpVDh27JhFAiQiIiIi6kiabAGfNWsWfvjhB6SmpuLYsWMoLi5WXky+iYiIiIhujslhCP/85z/jwIED+PbbbwEAgwcPRmRkpNkDIyIiIiLqiEyOgrJ8+XJMnjwZJ06cwIkTJzB58mS88847loiNiIiIqH268U5R3jFKdaikbufuRkRGRuK7775THkN/4cIF/O53v8PBgwctEmBbi4mJQUFBgVnX0dj51fxWJiIiopZqizzW7N/LTQXJhKDTaC7nNNkCLiKwt7dX3tvb28NEzk5EREREAFQQqMC8ieozmYA/8sgjiIuLw8KFC7Fw4UIMHDgQ06dPN7ng1NRUeHl5ITw8XClbuHAhtFotoqKiEBUVhS1btiifLVmyBDqdDkFBQdi6datSnpOTg6CgIOh0OixdulQpLy4uRlxcHHQ6HSZMmICampoWV5qIiIiIyFpMJuBz587F2rVr4eHhAQ8PD6xduxazZ882ueBp06YhJyenQfmcOXNQWFiIwsJCjBgxAgBQVFSEzMxMHD58GDk5OXjyySdhMBhgMBgwc+ZMZGdno6ioCBs2bEBRUREAYP78+ZgzZw6OHDmC7t27Y/Xq1a2tOxEREdkAdpOmzsbkKCgAEB0djejo6FYtePDgwSgpKWnRtFlZWUhOToaTkxP69u0LnU6H/Px8AIBOp4Ofnx8AIDk5GVlZWQgJCcH27dvx8ccfAwBSUlKwcOFCpKWltSpGIiIiIiJLM9kC3tZWrFiByMhIpKamoqqqCgBQXl4OHx8fZRpvb2+Ul5c3WX769Gm4u7tDrVbXKyciIiIisnUWTcDT0tJw9OhRFBYWQqPR4Nlnn7XIetPT0xETE4OYmBicPHnSIuskIiIi28VuL2RNzSbgBoMB8fHxbbayXr16wd7eHnZ2dnjssceUbiZarRalpaXKdGVlZdBqtU2W9+jRA9XV1aitra1X3pQZM2agoKAABQUF8PT0bLP6EBERUdtjckwdXbMJuDFZPnv2bJusrKKiQvn/Z599poyQkpSUhMzMTFy5cgXFxcXQ6/UYMGAAYmNjodfrUVxcjJqaGmRmZiIpKQkqlQrx8fH45JNPAAAZGRkYNWpUm8RIRERERGROJm/C7NatGyIiIpCYmKg8jAe4/oTM5kycOBG5ubk4deoUvL29sWjRIuTm5qKwsBAqlQq+vr54//33AQBhYWEYP348QkNDoVarsXLlSmXs8RUrVmDYsGEwGAxITU1FWFgYAOD1119HcnIyXnzxRdx5550tGhqRzOvGVgoOF09E1PFZ4uFzbAWnjsbkkzAzMjIaLU9JSTFLQObGJ2G2HVMXxI5YZyIiqq8tvvNsIcFu8++s/1bK+BAegcpMKyJb1VzOabIFPCUlBZcuXcIvv/yCoKCgNg+OiIiIiKgzMTkKyhdffIGoqCgMHz4cAFBYWIikpCSzB0a2hzfFEBFRW7DF7xNbjIk6LpMJ+MKFC5Gfnw93d3cAQFRUFI4dO2b2wIiIiMj2MFElunUmE3AHBwe4ubnVn8nO4s/vISIiIiLqEEz2AQ8LC8PHH38Mg8EAvV6P5cuX46677rJEbERERNQOdYRRsTpCHch2mWzKfuedd3D48GE4OTlh4sSJcHV1xdtvv22J2IiIiIiIOhyTwxAanTt3DiqVCi4uLuaOyaw4DGHL3WrfvvZYZyIial5n7ffd6u80DkPY6TWXc5psAd+zZw8iIiIQGRmJiIgI9OvXD3v37m3zIImIiIiIOgOTfcCnT5+Od999F4MGDQIA7Ny5E4888ggOHjxo9uCIiIjIujprizeROZlMwO3t7ZXkGwDuueceqNUmZyMiIqJ2iAk3kfk1mUnv27cPAHDvvffi8ccfx8SJE6FSqfDXv/4VQ4YMsVR8REREREQdSpMJ+LPPPlvv/aJFi5T/q/jzmIiIiIjopjSZgO/YscOScRB1GBw7loiIiJpjsjN3dXU11q1bh5KSEtTW1irly5cvN2tg1P51lOEYiYiIiNqSyQR8xIgRGDhwICIiIvgIeiIiIiKiW2QyAb98+TLeeustS8RC1CGxSwoR2TLe1kVkeSabtKdMmYJVq1ahoqICZ86cUV5ERERERNR6JlvAHR0dMW/ePLz66qvK6CcqlQrHjh0ze3BERERERB2NyQT8zTffxJEjR9CzZ09LxEMWxK4RRERERJZnsguKTqfDbbfd1uoFp6amwsvLC+Hh4UrZmTNnkJiYiICAACQmJqKqqgoAICKYNWsWdDodIiMjlYcAAUBGRgYCAgIQEBCAjIwMpXzv3r2IiIiATqfDrFmzIMweb5lKVf9FRERE1/E7ktqSyQS8a9euiIqKwuOPP45Zs2YpL1OmTZuGnJycemVLly5FQkIC9Ho9EhISsHTpUgBAdnY29Ho99Ho90tPTkZaWBuB6wr5o0SLs3r0b+fn5WLRokZK0p6WlYdWqVcp8N66LyFJae1G+cXpeyInIknj9IbI+k11QHnzwQTz44IOtXvDgwYNRUlJSrywrKwu5ubkAgJSUFAwZMgSvv/46srKyMHXqVKhUKgwcOBDV1dWoqKhAbm4uEhMT4eHhAQBITExETk4OhgwZgnPnzmHgwIEAgKlTp2Lz5s24//77Wx0nEREREZElmUzAU1JS2mxllZWV0Gg0AIDevXujsrISAFBeXg4fHx9lOm9vb5SXlzdb7u3t3aC8Kenp6UhPTwcAnDx5ss3qY0vaS39ua8fJhwMRERGRtZlMwPv27auMflLXrY6ColKpGl2uOcyYMQMzZswAAMTExFhknUREREREjTGZgBcUFCj/v3z5MjZu3HjT44D36tULFRUV0Gg0qKiogJeXFwBAq9WitLRUma6srAxarRZarVbpsmIsHzJkCLRaLcrKyhpM35FZu+WYfsM+k0RERHQrTN6E2aNHD+Wl1Woxe/ZsfPXVVze1sqSkJGUkk4yMDIwaNUopX7duHUQEeXl5cHNzg0ajwbBhw7Bt2zZUVVWhqqoK27Ztw7Bhw6DRaODq6oq8vDyICNatW6csq7PgTTSWw21NRLaM1yii9sdkC3jdIQGvXbuGgoIC1NbWmlzwxIkTkZubi1OnTsHb2xuLFi3CH/7wB4wfPx6rV69Gnz598Le//Q0AMGLECGzZskUZ8nDt2rUAAA8PD7z00kuIjY0FACxYsEC5IfPdd9/FtGnTcOnSJdx///28AbOdsoWWfVuIgYiIiDoPlZgYQDs+Pl75v1qthq+vL5577jkEBQWZPThziImJqdetxhzMcaNfW7Rq3BiDLbaUtPV2ag91BkzHyR8FRNSU1l4vbPU62N6YvC4bnx6O6xMKVC2ckTqK5nJOky3gO3bsaPOAyDra40X3VhPR9lhnIqJbweseke0zmYBfuXIFmzZtQklJSb2uJwsWLDBrYESdiakvTLaIExERdRwmE/BRo0bBzc0N/fv3h5OTkyViImoxtvQQERFRe2MyAS8rK+Nj3slmMOG+ztR2aI99yvmQJCIi6ixMDkN411134fvvv7dELERkw24c6szU0GccGo2IiKhxJlvAd+7ciQ8//BB9+/aFk5MTRAQqlQoHDx60RHxEZCG84ZWIiMgyTCbg2dnZloiDCACTOKL2qj10cyIishUmE/A+ffpYIg4isjG28GOotX3diYiI2gOTCTgRtT+tHdbQEqzRQspW2ZbhdiIisiwm4ETUaTDRJCIiW8AEnIioFZjEExHRrWICTkRW0RbdYJgMExFRe8QEnIg6jNYm9eZI4PmjgNoSjyeijokJOBHRf91Mq7wtJP2W0F7jJiKyRUzAiYio1W51pB0m8ETUmTEBJyLq4Nh6TURkW5iAExG1M6YSalt4iBKZB/ctUcfABJyIyIxa21XjZlqnmZS1X/zrBFHnZGeNlfr6+iIiIgJRUVGIiYkBAJw5cwaJiYkICAhAYmIiqqqqAAAiglmzZkGn0yEyMhL79u1TlpORkYGAgAAEBAQgIyPDGlUhImpTKlXDl7nXQbaD+4aoc7BKAg4AO3bsQGFhIQoKCgAAS5cuRUJCAvR6PRISErB06VIAQHZ2NvR6PfR6PdLT05GWlgbgesK+aNEi7N69G/n5+Vi0aJGStBMRdSSdISnrDHUkIjKyWgJ+o6ysLKSkpAAAUlJSsHnzZqV86tSpUKlUGDhwIKqrq1FRUYGtW7ciMTERHh4e6N69OxITE5GTk2PNKhARkZlY4i8DltAR6kBEt84qCbhKpcLQoUPRv39/pKenAwAqKyuh0WgAAL1790ZlZSUAoLy8HD4+Psq83t7eKC8vb7K8o+BFmoisxRLXn456jeuo9aKGuK/pVljlJsydO3dCq9XixIkTSExMRHBwcL3PVSoVVG14NKenpyuJ/smTJ9tsuW2JJy8R0W94TSSijswqLeBarRYA4OXlhdGjRyM/Px+9evVCRUUFAKCiogJeXl7KtKWlpcq8ZWVl0Gq1TZY3ZsaMGSgoKEBBQQE8PT3NVS0iIqJ62EpKRI2xeAJ+4cIF/Prrr8r/t23bhvDwcCQlJSkjmWRkZGDUqFEAgKSkJKxbtw4igry8PLi5uUGj0WDYsGHYtm0bqqqqUFVVhW3btmHYsGGWrk6L8SJMRGRebX2d5XWbiMzF4l1QKisrMXr0aABAbW0tJk2ahOHDhyM2Nhbjx4/H6tWr0adPH/ztb38DAIwYMQJbtmyBTqfDbbfdhrVr1wIAPDw88NJLLyE2NhYAsGDBAnh4eFi6OkRE1E5wzG0ishUqkc51CYqJiVGGPjQXtpQQUUci0j6va619Qqip6Rv7tmyP24XMo8Hx8d+DQ4XrHwhUTUxIHVVzOSefhElERITWP7WUiOhmMQEnIqIOiQkzEdkqm3kQDxERERFRZ8AEnIiIiIjIgtgFhYiIiOgWNbhp1zphUDvBFnAiIiIiIgtiAk5EREREZEFMwImIiIiILIgJOBERERGRBTEBJyIiIiKyII6CQkRERGQpDYZL4XgpnRFbwImIiIiILIgJOBEREZGFqCBQcZTwTo8JOBERERGRBTEBJyIiIiKyICbgREREREQWxFFQiIiIiKyFo6J0SkzAiYiIiGwFE/JOod13QcnJyUFQUBB0Oh2WLl1q7XCIiIiIWszkqCgqVf0XdQjtOgE3GAyYOXMmsrOzUVRUhA0bNqCoqMjaYRERERHdlFYn5EzQ26V2nYDn5+dDp9PBz88Pjo6OSE5ORlZWlrXDIiIiImoTrR433FSCbo6XqXW3JL5Opl0n4OXl5fDx8VHee3t7o7y83IoREREREf1G/ptCt9V7m2QqiW5Jom2NHw6W+mHSiE5xE2Z6ejrS09MBAD/++CNiYmLMur477jgJT09Ps66Dbs7Jk9w3tor7xnbFxPC6Zst47timGPTnvrFhltg3JSUlTX7WrhNwrVaL0tJS5X1ZWRm0Wm2D6WbMmIEZM2ZYLK6YmBgUFBRYbH3Uctw3tov7xrZx/9gu7hvbxX1ju6y9b9p1F5TY2Fjo9XoUFxejpqYGmZmZSEpKsnZYRERERERNatct4Gq1GitWrMCwYcNgMBiQmpqKsLAwa4dFRERERNQk+4ULFy60dhC3IiAgAE8//TSeeeYZDB482NrhKPr372/tEKgJ3De2i/vGtnH/2C7uG9vFfWO7rLlvVCJ8xBIRERERkaW06z7gRERERETtDRPwNpaTk4OgoCDodDosXbrU2uF0aqWlpYiPj0doaCjCwsKwbNkyAMCZM2eQmJiIgIAAJCYmoqqqysqRdl4GgwF33nknRo4cCQAoLi5GXFwcdDodJkyYgJqaGitH2DlVV1dj3LhxCA4ORkhICL777jueNzbiT3/6E8LCwhAeHo6JEyfi8uXLPG+sJDU1FV5eXggPD1fKmjpPRASzZs2CTqdDZGQk9u3bZ62wO4XG9s28efMQHByMyMhIjB49GtXV1cpnS5YsgU6nQ1BQELZu3WqRGJmAtyGDwYCZM2ciOzsbRUVF2LBhA4qKiqwdVqelVqvx5ptvoqioCHl5eVi5ciWKioqwdOlSJCQkQK/XIyEhgT+UrGjZsmUICQlR3s+fPx9z5szBkSNH0L17d6xevdqK0XVezzzzDIYPH44ff/wRBw4cQEhICM8bG1BeXo7ly5ejoKAAhw4dgsFgQGZmJs8bK5k2bRpycnLqlTV1nmRnZ0Ov10Ov1yM9PR1paWnWCLnTaGzfJCYm4tChQzh48CACAwOxZMkSAEBRUREyMzNx+PBh5OTk4Mknn4TBYDB7jEzA21B+fj50Oh38/Pzg6OiI5ORkZGVlWTusTkuj0SA6OhoA4OLigpCQEJSXlyMrKwspKSkAgJSUFGzevNmaYXZaZWVl+Oqrr/Doo48CuN5CtH37dowbNw4A9421nD17Ft988w2mT58OAHB0dIS7uzvPGxtRW1uLS5cuoba2FhcvXoRGo+F5YyWDBw+Gh4dHvbKmzpOsrCxMnToVKpUKAwcORHV1NSoqKiwec2fR2L4ZOnQo1Orrg/8NHDgQZWVlAK7vm+TkZDg5OaFv377Q6XTIz883e4xMwNtQeXk5fHx8lPfe3t4oLy+3YkRkVFJSgv379yMuLg6VlZXQaDQAgN69e6OystLK0XVOs2fPxhtvvAE7u+uXodOnT8Pd3V25QPL8sY7i4mJ4enrikUcewZ133olHH30UFy5c4HljA7RaLZ577jnccccd0Gg0cHNzQ//+/Xne2JCmzhPmB7ZlzZo1uP/++wFYb98wAacO7/z58xg7dizefvttuLq61vtMpVJBpVJZKbLO68svv4SXlxeH57JBtbW12LdvH9LS0rB//3507dq1QXcTnjfWUVVVhaysLBQXF+P48eO4cOFCgz+zk+3geWKbXn31VajVakyePNmqcTABb0NarRalpaXK+7KyMmi1WitGRFevXsXYsWMxefJkjBkzBgDQq1cv5U9/FRUV8PLysmaIndKuXbvw+eefw9fXF8nJydi+fTueeeYZVFdXo7a2FgDPH2vx9vaGt7c34uLiAADjxo3Dvn37eN7YgK+//hp9+/aFp6cnHBwcMGbMGOzatYvnjQ1p6jxhfmAbPvzwQ3z55ZdYv3698uPIWvuGCXgbio2NhV6vR3FxMWpqapCZmYmkpCRrh9VpiQimT5+OkJAQzJ07VylPSkpCRkYGACAjIwOjRo2yVoid1pIlS1BWVoaSkhJkZmbivvvuw/r16xEfH49PPvkEAPeNtfTu3Rs+Pj746aefAAD/+Mc/EBoayvPGBtxxxx3Iy8vDxYsXISLKvuF5YzuaOk+SkpKwbt06iAjy8vLg5uamdFUhy8jJycEbb7yBzz//HLfddptSnpSUhMzMTFy5cgXFxcXQ6/UYMGCA+QMSalNfffWVBAQEiJ+fnyxevNja4XRq3377rQCQiIgI6devn/Tr10+++uorOXXqlNx3332i0+kkISFBTp8+be1QO7UdO3bIAw88ICIiR48eldjYWPH395dx48bJ5cuXrRxd57R//37p37+/REREyKhRo+TMmTM8b2zEggULJCgoSMLCwuThhx+Wy5cv87yxkuTkZOndu7eo1WrRarXywQcfNHmeXLt2TZ588knx8/OT8PBw2bNnj5Wj79ga2zf+/v7i7e2t5AOPP/64Mv3ixYvFz89PAgMDZcuWLRaJkU/CJCIiIiKyIHZBISIiIiKyICbgREREREQWxASciIiIiMiCmIATEREREVkQE3AiIiIiIgtiAk5EREREZEFMwImIiIiILIgJOBERERGRBf0/wKU6pIEmsucAAAAASUVORK5CYII="/>
+          <p:cNvSpPr>
+            <a:spLocks noChangeAspect="1" noChangeArrowheads="1"/>
+          </p:cNvSpPr>
+          <p:nvPr/>
+        </p:nvSpPr>
+        <p:spPr bwMode="auto">
+          <a:xfrm>
+            <a:off x="307975" y="7937"/>
+            <a:ext cx="304800" cy="304801"/>
+          </a:xfrm>
+          <a:prstGeom prst="rect">
+            <a:avLst/>
+          </a:prstGeom>
+          <a:noFill/>
+          <a:extLst>
+            <a:ext uri="{909E8E84-426E-40DD-AFC4-6F175D3DCCD1}">
+              <a14:hiddenFill xmlns:a14="http://schemas.microsoft.com/office/drawing/2010/main">
+                <a:solidFill>
+                  <a:srgbClr val="FFFFFF"/>
+                </a:solidFill>
+              </a14:hiddenFill>
+            </a:ext>
+          </a:extLst>
+        </p:spPr>
+        <p:txBody>
+          <a:bodyPr vert="horz" wrap="square" lIns="91440" tIns="45720" rIns="91440" bIns="45720" numCol="1" anchor="t" anchorCtr="0" compatLnSpc="1">
+            <a:prstTxWarp prst="textNoShape">
+              <a:avLst/>
+            </a:prstTxWarp>
+          </a:bodyPr>
+          <a:lstStyle/>
+          <a:p>
+            <a:endParaRPr lang="fr-FR"/>
+          </a:p>
+        </p:txBody>
+      </p:sp>
+      <p:pic>
+        <p:nvPicPr>
+          <p:cNvPr id="6157" name="Picture 13"/>
+          <p:cNvPicPr>
+            <a:picLocks noChangeAspect="1" noChangeArrowheads="1"/>
+          </p:cNvPicPr>
+          <p:nvPr/>
+        </p:nvPicPr>
+        <p:blipFill>
+          <a:blip r:embed="rId2">
+            <a:extLst>
+              <a:ext uri="{28A0092B-C50C-407E-A947-70E740481C1C}">
+                <a14:useLocalDpi xmlns:a14="http://schemas.microsoft.com/office/drawing/2010/main" val="0"/>
+              </a:ext>
+            </a:extLst>
+          </a:blip>
+          <a:srcRect/>
+          <a:stretch>
+            <a:fillRect/>
+          </a:stretch>
+        </p:blipFill>
+        <p:spPr bwMode="auto">
+          <a:xfrm>
+            <a:off x="427029" y="3789040"/>
+            <a:ext cx="7991842" cy="2345432"/>
+          </a:xfrm>
+          <a:prstGeom prst="rect">
+            <a:avLst/>
+          </a:prstGeom>
+          <a:noFill/>
+          <a:ln w="6350">
+            <a:solidFill>
+              <a:schemeClr val="bg1">
+                <a:lumMod val="65000"/>
+              </a:schemeClr>
+            </a:solidFill>
+            <a:miter lim="800000"/>
+            <a:headEnd/>
+            <a:tailEnd/>
+          </a:ln>
+          <a:extLst>
+            <a:ext uri="{909E8E84-426E-40DD-AFC4-6F175D3DCCD1}">
+              <a14:hiddenFill xmlns:a14="http://schemas.microsoft.com/office/drawing/2010/main">
+                <a:solidFill>
+                  <a:schemeClr val="accent1"/>
+                </a:solidFill>
+              </a14:hiddenFill>
+            </a:ext>
+          </a:extLst>
+        </p:spPr>
+      </p:pic>
+      <p:sp>
+        <p:nvSpPr>
+          <p:cNvPr id="46" name="Rectangle 45"/>
+          <p:cNvSpPr/>
+          <p:nvPr/>
+        </p:nvSpPr>
+        <p:spPr>
+          <a:xfrm rot="16200000">
+            <a:off x="221767" y="1435978"/>
+            <a:ext cx="1126039" cy="413233"/>
+          </a:xfrm>
+          <a:prstGeom prst="rect">
+            <a:avLst/>
+          </a:prstGeom>
+          <a:solidFill>
+            <a:srgbClr val="FFFFB3"/>
+          </a:solidFill>
+          <a:ln w="6350">
+            <a:solidFill>
+              <a:schemeClr val="bg1">
+                <a:lumMod val="50000"/>
+              </a:schemeClr>
+            </a:solidFill>
+          </a:ln>
+        </p:spPr>
+        <p:style>
+          <a:lnRef idx="2">
+            <a:schemeClr val="accent1">
+              <a:shade val="50000"/>
+            </a:schemeClr>
+          </a:lnRef>
+          <a:fillRef idx="1">
+            <a:schemeClr val="accent1"/>
+          </a:fillRef>
+          <a:effectRef idx="0">
+            <a:schemeClr val="accent1"/>
+          </a:effectRef>
+          <a:fontRef idx="minor">
+            <a:schemeClr val="lt1"/>
+          </a:fontRef>
+        </p:style>
+        <p:txBody>
+          <a:bodyPr rtlCol="0" anchor="ctr"/>
+          <a:lstStyle/>
+          <a:p>
+            <a:pPr algn="ctr"/>
+            <a:r>
+              <a:rPr lang="fr-FR" sz="1200" smtClean="0">
+                <a:solidFill>
+                  <a:schemeClr val="tx1"/>
+                </a:solidFill>
+                <a:latin typeface="+mj-lt"/>
+                <a:ea typeface="Yu Gothic UI" panose="020B0500000000000000" pitchFamily="34" charset="-128"/>
+              </a:rPr>
+              <a:t>Sous-colonnes</a:t>
+            </a:r>
+            <a:endParaRPr lang="fr-FR" sz="1200">
+              <a:solidFill>
+                <a:schemeClr val="tx1"/>
+              </a:solidFill>
+              <a:latin typeface="+mj-lt"/>
+              <a:ea typeface="Yu Gothic UI" panose="020B0500000000000000" pitchFamily="34" charset="-128"/>
+            </a:endParaRPr>
+          </a:p>
+        </p:txBody>
+      </p:sp>
+      <p:pic>
+        <p:nvPicPr>
+          <p:cNvPr id="6158" name="Picture 14"/>
+          <p:cNvPicPr>
+            <a:picLocks noChangeAspect="1" noChangeArrowheads="1"/>
+          </p:cNvPicPr>
+          <p:nvPr/>
+        </p:nvPicPr>
+        <p:blipFill>
+          <a:blip r:embed="rId3">
+            <a:extLst>
+              <a:ext uri="{28A0092B-C50C-407E-A947-70E740481C1C}">
+                <a14:useLocalDpi xmlns:a14="http://schemas.microsoft.com/office/drawing/2010/main" val="0"/>
+              </a:ext>
+            </a:extLst>
+          </a:blip>
+          <a:srcRect/>
+          <a:stretch>
+            <a:fillRect/>
+          </a:stretch>
+        </p:blipFill>
+        <p:spPr bwMode="auto">
+          <a:xfrm>
+            <a:off x="9396536" y="1315621"/>
+            <a:ext cx="4679162" cy="3024336"/>
+          </a:xfrm>
+          <a:prstGeom prst="rect">
+            <a:avLst/>
+          </a:prstGeom>
+          <a:noFill/>
+          <a:ln>
+            <a:noFill/>
+          </a:ln>
+          <a:extLst>
+            <a:ext uri="{909E8E84-426E-40DD-AFC4-6F175D3DCCD1}">
+              <a14:hiddenFill xmlns:a14="http://schemas.microsoft.com/office/drawing/2010/main">
+                <a:solidFill>
+                  <a:schemeClr val="accent1"/>
+                </a:solidFill>
+              </a14:hiddenFill>
+            </a:ext>
+            <a:ext uri="{91240B29-F687-4F45-9708-019B960494DF}">
+              <a14:hiddenLine xmlns:a14="http://schemas.microsoft.com/office/drawing/2010/main" w="9525">
+                <a:solidFill>
+                  <a:schemeClr val="tx1"/>
+                </a:solidFill>
+                <a:miter lim="800000"/>
+                <a:headEnd/>
+                <a:tailEnd/>
+              </a14:hiddenLine>
+            </a:ext>
+          </a:extLst>
+        </p:spPr>
+      </p:pic>
+      <p:sp>
+        <p:nvSpPr>
+          <p:cNvPr id="44" name="ZoneTexte 43"/>
+          <p:cNvSpPr txBox="1"/>
+          <p:nvPr/>
+        </p:nvSpPr>
+        <p:spPr>
+          <a:xfrm>
+            <a:off x="128466" y="2020947"/>
+            <a:ext cx="312906" cy="369332"/>
+          </a:xfrm>
+          <a:prstGeom prst="rect">
+            <a:avLst/>
+          </a:prstGeom>
+          <a:noFill/>
+        </p:spPr>
+        <p:txBody>
+          <a:bodyPr wrap="none" rtlCol="0">
+            <a:spAutoFit/>
+          </a:bodyPr>
+          <a:lstStyle/>
+          <a:p>
+            <a:r>
+              <a:rPr lang="fr-FR" b="1" smtClean="0"/>
+              <a:t>1</a:t>
+            </a:r>
+            <a:endParaRPr lang="fr-FR" b="1"/>
+          </a:p>
+        </p:txBody>
+      </p:sp>
+      <p:sp>
+        <p:nvSpPr>
+          <p:cNvPr id="52" name="ZoneTexte 51"/>
+          <p:cNvSpPr txBox="1"/>
+          <p:nvPr/>
+        </p:nvSpPr>
+        <p:spPr>
+          <a:xfrm>
+            <a:off x="167829" y="925828"/>
+            <a:ext cx="312906" cy="369332"/>
+          </a:xfrm>
+          <a:prstGeom prst="rect">
+            <a:avLst/>
+          </a:prstGeom>
+          <a:noFill/>
+        </p:spPr>
+        <p:txBody>
+          <a:bodyPr wrap="none" rtlCol="0">
+            <a:spAutoFit/>
+          </a:bodyPr>
+          <a:lstStyle/>
+          <a:p>
+            <a:r>
+              <a:rPr lang="fr-FR" b="1"/>
+              <a:t>2</a:t>
+            </a:r>
+          </a:p>
+        </p:txBody>
+      </p:sp>
+      <p:sp>
+        <p:nvSpPr>
+          <p:cNvPr id="53" name="ZoneTexte 52"/>
+          <p:cNvSpPr txBox="1"/>
+          <p:nvPr/>
+        </p:nvSpPr>
+        <p:spPr>
+          <a:xfrm>
+            <a:off x="452269" y="556912"/>
+            <a:ext cx="312906" cy="369332"/>
+          </a:xfrm>
+          <a:prstGeom prst="rect">
+            <a:avLst/>
+          </a:prstGeom>
+          <a:noFill/>
+        </p:spPr>
+        <p:txBody>
+          <a:bodyPr wrap="none" rtlCol="0">
+            <a:spAutoFit/>
+          </a:bodyPr>
+          <a:lstStyle/>
+          <a:p>
+            <a:r>
+              <a:rPr lang="fr-FR" b="1" smtClean="0"/>
+              <a:t>3</a:t>
+            </a:r>
+            <a:endParaRPr lang="fr-FR" b="1"/>
+          </a:p>
+        </p:txBody>
+      </p:sp>
+      <p:sp>
+        <p:nvSpPr>
+          <p:cNvPr id="45" name="Flèche courbée vers la droite 44"/>
+          <p:cNvSpPr/>
+          <p:nvPr/>
+        </p:nvSpPr>
+        <p:spPr>
+          <a:xfrm flipV="1">
+            <a:off x="385055" y="1984018"/>
+            <a:ext cx="370521" cy="406261"/>
+          </a:xfrm>
+          <a:prstGeom prst="curvedRightArrow">
+            <a:avLst/>
+          </a:prstGeom>
+          <a:solidFill>
+            <a:schemeClr val="bg1"/>
+          </a:solidFill>
+          <a:ln w="6350">
+            <a:solidFill>
+              <a:schemeClr val="bg1">
+                <a:lumMod val="50000"/>
+              </a:schemeClr>
+            </a:solidFill>
+          </a:ln>
+        </p:spPr>
+        <p:style>
+          <a:lnRef idx="2">
+            <a:schemeClr val="accent1">
+              <a:shade val="50000"/>
+            </a:schemeClr>
+          </a:lnRef>
+          <a:fillRef idx="1">
+            <a:schemeClr val="accent1"/>
+          </a:fillRef>
+          <a:effectRef idx="0">
+            <a:schemeClr val="accent1"/>
+          </a:effectRef>
+          <a:fontRef idx="minor">
+            <a:schemeClr val="lt1"/>
+          </a:fontRef>
+        </p:style>
+        <p:txBody>
+          <a:bodyPr rtlCol="0" anchor="ctr"/>
+          <a:lstStyle/>
+          <a:p>
+            <a:pPr algn="ctr"/>
+            <a:endParaRPr lang="fr-FR">
+              <a:solidFill>
+                <a:schemeClr val="tx1"/>
+              </a:solidFill>
+            </a:endParaRPr>
+          </a:p>
+        </p:txBody>
+      </p:sp>
+      <p:sp>
+        <p:nvSpPr>
+          <p:cNvPr id="47" name="Rectangle 46"/>
+          <p:cNvSpPr/>
+          <p:nvPr/>
+        </p:nvSpPr>
+        <p:spPr>
+          <a:xfrm rot="16200000">
+            <a:off x="162877" y="2620906"/>
+            <a:ext cx="1243819" cy="413233"/>
+          </a:xfrm>
+          <a:prstGeom prst="rect">
+            <a:avLst/>
+          </a:prstGeom>
+          <a:solidFill>
+            <a:srgbClr val="FFFFD5"/>
+          </a:solidFill>
+          <a:ln w="6350">
+            <a:solidFill>
+              <a:schemeClr val="bg1">
+                <a:lumMod val="50000"/>
+              </a:schemeClr>
+            </a:solidFill>
+          </a:ln>
+        </p:spPr>
+        <p:style>
+          <a:lnRef idx="2">
+            <a:schemeClr val="accent1">
+              <a:shade val="50000"/>
+            </a:schemeClr>
+          </a:lnRef>
+          <a:fillRef idx="1">
+            <a:schemeClr val="accent1"/>
+          </a:fillRef>
+          <a:effectRef idx="0">
+            <a:schemeClr val="accent1"/>
+          </a:effectRef>
+          <a:fontRef idx="minor">
+            <a:schemeClr val="lt1"/>
+          </a:fontRef>
+        </p:style>
+        <p:txBody>
+          <a:bodyPr rtlCol="0" anchor="ctr"/>
+          <a:lstStyle/>
+          <a:p>
+            <a:pPr algn="ctr"/>
+            <a:r>
+              <a:rPr lang="fr-FR" sz="1200" smtClean="0">
+                <a:solidFill>
+                  <a:schemeClr val="tx1"/>
+                </a:solidFill>
+                <a:latin typeface="Yu Gothic UI" panose="020B0500000000000000" pitchFamily="34" charset="-128"/>
+                <a:ea typeface="Yu Gothic UI" panose="020B0500000000000000" pitchFamily="34" charset="-128"/>
+              </a:rPr>
+              <a:t>Sous-sous-colonnes</a:t>
+            </a:r>
+            <a:endParaRPr lang="fr-FR" sz="1200">
+              <a:solidFill>
+                <a:schemeClr val="tx1"/>
+              </a:solidFill>
+              <a:latin typeface="Yu Gothic UI" panose="020B0500000000000000" pitchFamily="34" charset="-128"/>
+              <a:ea typeface="Yu Gothic UI" panose="020B0500000000000000" pitchFamily="34" charset="-128"/>
+            </a:endParaRPr>
+          </a:p>
+        </p:txBody>
+      </p:sp>
+      <p:grpSp>
+        <p:nvGrpSpPr>
+          <p:cNvPr id="13" name="Groupe 12"/>
+          <p:cNvGrpSpPr/>
+          <p:nvPr/>
+        </p:nvGrpSpPr>
+        <p:grpSpPr>
+          <a:xfrm>
+            <a:off x="991403" y="1079577"/>
+            <a:ext cx="1175409" cy="1126954"/>
+            <a:chOff x="9036498" y="3678955"/>
+            <a:chExt cx="1812622" cy="2559236"/>
+          </a:xfrm>
+        </p:grpSpPr>
+        <p:sp>
+          <p:nvSpPr>
+            <p:cNvPr id="26" name="Rectangle 25"/>
+            <p:cNvSpPr/>
+            <p:nvPr/>
+          </p:nvSpPr>
+          <p:spPr>
+            <a:xfrm rot="16200000">
+              <a:off x="8437192" y="4729718"/>
+              <a:ext cx="2558354" cy="456833"/>
+            </a:xfrm>
+            <a:prstGeom prst="rect">
+              <a:avLst/>
+            </a:prstGeom>
+            <a:solidFill>
+              <a:srgbClr val="FFFFB3"/>
+            </a:solidFill>
+            <a:ln w="6350">
+              <a:solidFill>
+                <a:schemeClr val="bg1">
+                  <a:lumMod val="50000"/>
+                </a:schemeClr>
+              </a:solidFill>
+            </a:ln>
+          </p:spPr>
+          <p:style>
+            <a:lnRef idx="2">
+              <a:schemeClr val="accent1">
+                <a:shade val="50000"/>
+              </a:schemeClr>
+            </a:lnRef>
+            <a:fillRef idx="1">
+              <a:schemeClr val="accent1"/>
+            </a:fillRef>
+            <a:effectRef idx="0">
+              <a:schemeClr val="accent1"/>
+            </a:effectRef>
+            <a:fontRef idx="minor">
+              <a:schemeClr val="lt1"/>
+            </a:fontRef>
+          </p:style>
+          <p:txBody>
+            <a:bodyPr rtlCol="0" anchor="ctr"/>
+            <a:lstStyle/>
+            <a:p>
+              <a:pPr algn="ctr"/>
+              <a:r>
+                <a:rPr lang="fr-FR" sz="1200" err="1" smtClean="0">
+                  <a:solidFill>
+                    <a:schemeClr val="tx1"/>
+                  </a:solidFill>
+                  <a:latin typeface="Yu Gothic UI" panose="020B0500000000000000" pitchFamily="34" charset="-128"/>
+                  <a:ea typeface="Yu Gothic UI" panose="020B0500000000000000" pitchFamily="34" charset="-128"/>
+                </a:rPr>
+                <a:t>cholesterol</a:t>
+              </a:r>
+              <a:endParaRPr lang="fr-FR" sz="1200">
+                <a:solidFill>
+                  <a:schemeClr val="tx1"/>
+                </a:solidFill>
+                <a:latin typeface="Yu Gothic UI" panose="020B0500000000000000" pitchFamily="34" charset="-128"/>
+                <a:ea typeface="Yu Gothic UI" panose="020B0500000000000000" pitchFamily="34" charset="-128"/>
+              </a:endParaRPr>
+            </a:p>
+          </p:txBody>
+        </p:sp>
+        <p:sp>
+          <p:nvSpPr>
+            <p:cNvPr id="28" name="Rectangle 27"/>
+            <p:cNvSpPr/>
+            <p:nvPr/>
+          </p:nvSpPr>
+          <p:spPr>
+            <a:xfrm rot="16200000">
+              <a:off x="7983049" y="4732404"/>
+              <a:ext cx="2558354" cy="451456"/>
+            </a:xfrm>
+            <a:prstGeom prst="rect">
+              <a:avLst/>
+            </a:prstGeom>
+            <a:solidFill>
+              <a:srgbClr val="FFFFB3"/>
+            </a:solidFill>
+            <a:ln w="6350">
+              <a:solidFill>
+                <a:schemeClr val="bg1">
+                  <a:lumMod val="50000"/>
+                </a:schemeClr>
+              </a:solidFill>
+            </a:ln>
+          </p:spPr>
+          <p:style>
+            <a:lnRef idx="2">
+              <a:schemeClr val="accent1">
+                <a:shade val="50000"/>
+              </a:schemeClr>
+            </a:lnRef>
+            <a:fillRef idx="1">
+              <a:schemeClr val="accent1"/>
+            </a:fillRef>
+            <a:effectRef idx="0">
+              <a:schemeClr val="accent1"/>
+            </a:effectRef>
+            <a:fontRef idx="minor">
+              <a:schemeClr val="lt1"/>
+            </a:fontRef>
+          </p:style>
+          <p:txBody>
+            <a:bodyPr rtlCol="0" anchor="ctr"/>
+            <a:lstStyle/>
+            <a:p>
+              <a:pPr algn="ctr"/>
+              <a:r>
+                <a:rPr lang="fr-FR" sz="1200" err="1" smtClean="0">
+                  <a:solidFill>
+                    <a:schemeClr val="tx1"/>
+                  </a:solidFill>
+                  <a:latin typeface="Yu Gothic UI" panose="020B0500000000000000" pitchFamily="34" charset="-128"/>
+                  <a:ea typeface="Yu Gothic UI" panose="020B0500000000000000" pitchFamily="34" charset="-128"/>
+                </a:rPr>
+                <a:t>saturated</a:t>
+              </a:r>
+              <a:r>
+                <a:rPr lang="fr-FR" sz="1200" smtClean="0">
+                  <a:solidFill>
+                    <a:schemeClr val="tx1"/>
+                  </a:solidFill>
+                  <a:latin typeface="Yu Gothic UI" panose="020B0500000000000000" pitchFamily="34" charset="-128"/>
+                  <a:ea typeface="Yu Gothic UI" panose="020B0500000000000000" pitchFamily="34" charset="-128"/>
+                </a:rPr>
+                <a:t> fat</a:t>
+              </a:r>
+              <a:endParaRPr lang="fr-FR" sz="1200">
+                <a:solidFill>
+                  <a:schemeClr val="tx1"/>
+                </a:solidFill>
+                <a:latin typeface="Yu Gothic UI" panose="020B0500000000000000" pitchFamily="34" charset="-128"/>
+                <a:ea typeface="Yu Gothic UI" panose="020B0500000000000000" pitchFamily="34" charset="-128"/>
+              </a:endParaRPr>
+            </a:p>
+          </p:txBody>
+        </p:sp>
+        <p:sp>
+          <p:nvSpPr>
+            <p:cNvPr id="29" name="Rectangle 28"/>
+            <p:cNvSpPr/>
+            <p:nvPr/>
+          </p:nvSpPr>
+          <p:spPr>
+            <a:xfrm rot="16200000">
+              <a:off x="9341525" y="4730596"/>
+              <a:ext cx="2558357" cy="456833"/>
+            </a:xfrm>
+            <a:prstGeom prst="rect">
+              <a:avLst/>
+            </a:prstGeom>
+            <a:solidFill>
+              <a:srgbClr val="FFFFB3"/>
+            </a:solidFill>
+            <a:ln w="6350">
+              <a:solidFill>
+                <a:schemeClr val="bg1">
+                  <a:lumMod val="50000"/>
+                </a:schemeClr>
+              </a:solidFill>
+            </a:ln>
+          </p:spPr>
+          <p:style>
+            <a:lnRef idx="2">
+              <a:schemeClr val="accent1">
+                <a:shade val="50000"/>
+              </a:schemeClr>
+            </a:lnRef>
+            <a:fillRef idx="1">
+              <a:schemeClr val="accent1"/>
+            </a:fillRef>
+            <a:effectRef idx="0">
+              <a:schemeClr val="accent1"/>
+            </a:effectRef>
+            <a:fontRef idx="minor">
+              <a:schemeClr val="lt1"/>
+            </a:fontRef>
+          </p:style>
+          <p:txBody>
+            <a:bodyPr rtlCol="0" anchor="ctr"/>
+            <a:lstStyle/>
+            <a:p>
+              <a:pPr algn="ctr"/>
+              <a:r>
+                <a:rPr lang="fr-FR" sz="1200" err="1" smtClean="0">
+                  <a:solidFill>
+                    <a:schemeClr val="tx1"/>
+                  </a:solidFill>
+                  <a:latin typeface="Yu Gothic UI" panose="020B0500000000000000" pitchFamily="34" charset="-128"/>
+                  <a:ea typeface="Yu Gothic UI" panose="020B0500000000000000" pitchFamily="34" charset="-128"/>
+                </a:rPr>
+                <a:t>trans</a:t>
+              </a:r>
+              <a:r>
+                <a:rPr lang="fr-FR" sz="1200" smtClean="0">
+                  <a:solidFill>
+                    <a:schemeClr val="tx1"/>
+                  </a:solidFill>
+                  <a:latin typeface="Yu Gothic UI" panose="020B0500000000000000" pitchFamily="34" charset="-128"/>
+                  <a:ea typeface="Yu Gothic UI" panose="020B0500000000000000" pitchFamily="34" charset="-128"/>
+                </a:rPr>
+                <a:t> fat</a:t>
+              </a:r>
+              <a:endParaRPr lang="fr-FR" sz="1200">
+                <a:solidFill>
+                  <a:schemeClr val="tx1"/>
+                </a:solidFill>
+                <a:latin typeface="Yu Gothic UI" panose="020B0500000000000000" pitchFamily="34" charset="-128"/>
+                <a:ea typeface="Yu Gothic UI" panose="020B0500000000000000" pitchFamily="34" charset="-128"/>
+              </a:endParaRPr>
+            </a:p>
+          </p:txBody>
+        </p:sp>
+        <p:sp>
+          <p:nvSpPr>
+            <p:cNvPr id="32" name="Rectangle 31"/>
+            <p:cNvSpPr/>
+            <p:nvPr/>
+          </p:nvSpPr>
+          <p:spPr>
+            <a:xfrm rot="16200000">
+              <a:off x="8887380" y="4733282"/>
+              <a:ext cx="2558354" cy="451456"/>
+            </a:xfrm>
+            <a:prstGeom prst="rect">
+              <a:avLst/>
+            </a:prstGeom>
+            <a:solidFill>
+              <a:srgbClr val="FFFFB3"/>
+            </a:solidFill>
+            <a:ln w="6350">
+              <a:solidFill>
+                <a:schemeClr val="bg1">
+                  <a:lumMod val="50000"/>
+                </a:schemeClr>
+              </a:solidFill>
+            </a:ln>
+          </p:spPr>
+          <p:style>
+            <a:lnRef idx="2">
+              <a:schemeClr val="accent1">
+                <a:shade val="50000"/>
+              </a:schemeClr>
+            </a:lnRef>
+            <a:fillRef idx="1">
+              <a:schemeClr val="accent1"/>
+            </a:fillRef>
+            <a:effectRef idx="0">
+              <a:schemeClr val="accent1"/>
+            </a:effectRef>
+            <a:fontRef idx="minor">
+              <a:schemeClr val="lt1"/>
+            </a:fontRef>
+          </p:style>
+          <p:txBody>
+            <a:bodyPr rtlCol="0" anchor="ctr"/>
+            <a:lstStyle/>
+            <a:p>
+              <a:pPr algn="ctr"/>
+              <a:r>
+                <a:rPr lang="fr-FR" sz="1200" smtClean="0">
+                  <a:solidFill>
+                    <a:schemeClr val="tx1"/>
+                  </a:solidFill>
+                  <a:latin typeface="Yu Gothic UI" panose="020B0500000000000000" pitchFamily="34" charset="-128"/>
+                  <a:ea typeface="Yu Gothic UI" panose="020B0500000000000000" pitchFamily="34" charset="-128"/>
+                </a:rPr>
+                <a:t>… </a:t>
+              </a:r>
+              <a:endParaRPr lang="fr-FR" sz="1200">
+                <a:solidFill>
+                  <a:schemeClr val="tx1"/>
+                </a:solidFill>
+                <a:latin typeface="Yu Gothic UI" panose="020B0500000000000000" pitchFamily="34" charset="-128"/>
+                <a:ea typeface="Yu Gothic UI" panose="020B0500000000000000" pitchFamily="34" charset="-128"/>
+              </a:endParaRPr>
+            </a:p>
+          </p:txBody>
+        </p:sp>
+      </p:grpSp>
+      <p:sp>
+        <p:nvSpPr>
+          <p:cNvPr id="57" name="ZoneTexte 56"/>
+          <p:cNvSpPr txBox="1"/>
+          <p:nvPr/>
+        </p:nvSpPr>
+        <p:spPr>
+          <a:xfrm>
+            <a:off x="3810956" y="4271332"/>
+            <a:ext cx="4440169" cy="307777"/>
+          </a:xfrm>
+          <a:prstGeom prst="rect">
+            <a:avLst/>
+          </a:prstGeom>
+          <a:noFill/>
+        </p:spPr>
+        <p:txBody>
+          <a:bodyPr wrap="square" rtlCol="0">
+            <a:spAutoFit/>
+          </a:bodyPr>
+          <a:lstStyle/>
+          <a:p>
+            <a:r>
+              <a:rPr lang="fr-FR" sz="1400" b="1" u="sng" smtClean="0">
+                <a:solidFill>
+                  <a:srgbClr val="FF0000"/>
+                </a:solidFill>
+                <a:ea typeface="Yu Gothic Light" panose="020B0300000000000000" pitchFamily="34" charset="-128"/>
+              </a:rPr>
+              <a:t>Etape 3 </a:t>
+            </a:r>
+            <a:r>
+              <a:rPr lang="fr-FR" sz="1400" smtClean="0">
+                <a:solidFill>
+                  <a:srgbClr val="FF0000"/>
+                </a:solidFill>
+                <a:ea typeface="Yu Gothic Light" panose="020B0300000000000000" pitchFamily="34" charset="-128"/>
+              </a:rPr>
+              <a:t>: fat, </a:t>
+            </a:r>
+            <a:r>
+              <a:rPr lang="fr-FR" sz="1400">
+                <a:solidFill>
+                  <a:srgbClr val="FF0000"/>
+                </a:solidFill>
+                <a:ea typeface="Yu Gothic Light" panose="020B0300000000000000" pitchFamily="34" charset="-128"/>
+              </a:rPr>
+              <a:t>proteins</a:t>
+            </a:r>
+            <a:r>
+              <a:rPr lang="fr-FR" sz="1400" smtClean="0">
+                <a:solidFill>
+                  <a:srgbClr val="FF0000"/>
+                </a:solidFill>
+                <a:ea typeface="Yu Gothic Light" panose="020B0300000000000000" pitchFamily="34" charset="-128"/>
+              </a:rPr>
+              <a:t>, salt, carbohydrates</a:t>
+            </a:r>
+            <a:r>
+              <a:rPr lang="fr-FR" sz="1400" b="1" smtClean="0">
+                <a:solidFill>
+                  <a:srgbClr val="FF0000"/>
+                </a:solidFill>
+                <a:ea typeface="Yu Gothic Light" panose="020B0300000000000000" pitchFamily="34" charset="-128"/>
+              </a:rPr>
+              <a:t> → NaN</a:t>
+            </a:r>
+            <a:endParaRPr lang="fr-FR" sz="1400" b="1">
+              <a:solidFill>
+                <a:srgbClr val="FF0000"/>
+              </a:solidFill>
+              <a:ea typeface="Yu Gothic Light" panose="020B0300000000000000" pitchFamily="34" charset="-128"/>
+            </a:endParaRPr>
+          </a:p>
+        </p:txBody>
+      </p:sp>
+      <p:sp>
+        <p:nvSpPr>
+          <p:cNvPr id="51" name="Accolade ouvrante 50"/>
+          <p:cNvSpPr/>
+          <p:nvPr/>
+        </p:nvSpPr>
+        <p:spPr>
+          <a:xfrm rot="5400000">
+            <a:off x="7408874" y="3986605"/>
+            <a:ext cx="249746" cy="1434754"/>
+          </a:xfrm>
+          <a:prstGeom prst="leftBrace">
+            <a:avLst>
+              <a:gd name="adj1" fmla="val 48102"/>
+              <a:gd name="adj2" fmla="val 50000"/>
+            </a:avLst>
+          </a:prstGeom>
+          <a:ln>
+            <a:solidFill>
+              <a:srgbClr val="FF0000"/>
+            </a:solidFill>
+          </a:ln>
+        </p:spPr>
+        <p:style>
+          <a:lnRef idx="1">
+            <a:schemeClr val="accent1"/>
+          </a:lnRef>
+          <a:fillRef idx="0">
+            <a:schemeClr val="accent1"/>
+          </a:fillRef>
+          <a:effectRef idx="0">
+            <a:schemeClr val="accent1"/>
+          </a:effectRef>
+          <a:fontRef idx="minor">
+            <a:schemeClr val="tx1"/>
+          </a:fontRef>
+        </p:style>
+        <p:txBody>
+          <a:bodyPr rtlCol="0" anchor="ctr"/>
+          <a:lstStyle/>
+          <a:p>
+            <a:pPr algn="ctr"/>
+            <a:endParaRPr lang="fr-FR"/>
+          </a:p>
+        </p:txBody>
+      </p:sp>
+      <p:sp>
+        <p:nvSpPr>
+          <p:cNvPr id="43" name="Rectangle 42"/>
+          <p:cNvSpPr/>
+          <p:nvPr/>
+        </p:nvSpPr>
+        <p:spPr>
+          <a:xfrm>
+            <a:off x="3823854" y="1196959"/>
+            <a:ext cx="4708586" cy="45719"/>
+          </a:xfrm>
+          <a:prstGeom prst="rect">
+            <a:avLst/>
+          </a:prstGeom>
+          <a:gradFill flip="none" rotWithShape="1">
+            <a:gsLst>
+              <a:gs pos="0">
+                <a:schemeClr val="accent3">
+                  <a:lumMod val="50000"/>
+                </a:schemeClr>
+              </a:gs>
+              <a:gs pos="100000">
+                <a:schemeClr val="accent1">
+                  <a:tint val="23500"/>
+                  <a:satMod val="160000"/>
+                  <a:alpha val="0"/>
+                </a:schemeClr>
+              </a:gs>
+            </a:gsLst>
+            <a:lin ang="10800000" scaled="1"/>
+            <a:tileRect/>
+          </a:gradFill>
+          <a:ln>
+            <a:noFill/>
+          </a:ln>
+        </p:spPr>
+        <p:style>
+          <a:lnRef idx="2">
+            <a:schemeClr val="accent1">
+              <a:shade val="50000"/>
+            </a:schemeClr>
+          </a:lnRef>
+          <a:fillRef idx="1">
+            <a:schemeClr val="accent1"/>
+          </a:fillRef>
+          <a:effectRef idx="0">
+            <a:schemeClr val="accent1"/>
+          </a:effectRef>
+          <a:fontRef idx="minor">
+            <a:schemeClr val="lt1"/>
+          </a:fontRef>
+        </p:style>
+        <p:txBody>
+          <a:bodyPr rtlCol="0" anchor="ctr"/>
+          <a:lstStyle/>
+          <a:p>
+            <a:pPr algn="ctr"/>
+            <a:endParaRPr lang="fr-FR"/>
+          </a:p>
+        </p:txBody>
+      </p:sp>
+    </p:spTree>
+    <p:extLst>
+      <p:ext uri="{BB962C8B-B14F-4D97-AF65-F5344CB8AC3E}">
+        <p14:creationId xmlns:p14="http://schemas.microsoft.com/office/powerpoint/2010/main" val="18250709"/>
+      </p:ext>
+    </p:extLst>
+  </p:cSld>
+  <p:clrMapOvr>
+    <a:masterClrMapping/>
+  </p:clrMapOvr>
+  <p:timing>
+    <p:tnLst>
+      <p:par>
+        <p:cTn id="1" dur="indefinite" restart="never" nodeType="tmRoot"/>
+      </p:par>
+    </p:tnLst>
+  </p:timing>
+</p:sld>
+</file>
+
+<file path=ppt/slides/slide11.xml><?xml version="1.0" encoding="utf-8"?>
+<p:sld xmlns:a="http://schemas.openxmlformats.org/drawingml/2006/main" xmlns:r="http://schemas.openxmlformats.org/officeDocument/2006/relationships" xmlns:p="http://schemas.openxmlformats.org/presentationml/2006/main">
+  <p:cSld>
+    <p:spTree>
+      <p:nvGrpSpPr>
+        <p:cNvPr id="1" name=""/>
+        <p:cNvGrpSpPr/>
+        <p:nvPr/>
+      </p:nvGrpSpPr>
+      <p:grpSpPr>
+        <a:xfrm>
+          <a:off x="0" y="0"/>
+          <a:ext cx="0" cy="0"/>
+          <a:chOff x="0" y="0"/>
+          <a:chExt cx="0" cy="0"/>
+        </a:xfrm>
+      </p:grpSpPr>
+      <p:sp>
+        <p:nvSpPr>
+          <p:cNvPr id="2" name="Titre 1"/>
+          <p:cNvSpPr>
+            <a:spLocks noGrp="1"/>
+          </p:cNvSpPr>
+          <p:nvPr>
+            <p:ph type="title"/>
+          </p:nvPr>
+        </p:nvSpPr>
+        <p:spPr>
+          <a:xfrm>
+            <a:off x="713284" y="764704"/>
+            <a:ext cx="7859216" cy="1066130"/>
+          </a:xfrm>
+        </p:spPr>
+        <p:txBody>
+          <a:bodyPr>
+            <a:normAutofit fontScale="90000"/>
+          </a:bodyPr>
+          <a:lstStyle/>
+          <a:p>
+            <a:pPr algn="r"/>
+            <a:r>
+              <a:rPr lang="fr-FR" b="1" smtClean="0"/>
+              <a:t>Nettoyage</a:t>
+            </a:r>
+            <a:br>
+              <a:rPr lang="fr-FR" b="1" smtClean="0"/>
+            </a:br>
+            <a:r>
+              <a:rPr lang="fr-FR" sz="1000" b="1" smtClean="0"/>
+              <a:t> </a:t>
+            </a:r>
+            <a:r>
+              <a:rPr lang="fr-FR" sz="1000" b="1"/>
+              <a:t/>
+            </a:r>
+            <a:br>
+              <a:rPr lang="fr-FR" sz="1000" b="1"/>
+            </a:br>
+            <a:r>
+              <a:rPr lang="fr-FR" sz="3100">
+                <a:latin typeface="Yu Gothic UI Light" panose="020B0300000000000000" pitchFamily="34" charset="-128"/>
+                <a:ea typeface="Yu Gothic UI Light" panose="020B0300000000000000" pitchFamily="34" charset="-128"/>
+              </a:rPr>
+              <a:t>2</a:t>
+            </a:r>
+            <a:r>
+              <a:rPr lang="fr-FR" sz="3100" smtClean="0">
+                <a:latin typeface="Yu Gothic UI Light" panose="020B0300000000000000" pitchFamily="34" charset="-128"/>
+                <a:ea typeface="Yu Gothic UI Light" panose="020B0300000000000000" pitchFamily="34" charset="-128"/>
+              </a:rPr>
+              <a:t>. Valeurs aberrantes</a:t>
+            </a:r>
+            <a:r>
+              <a:rPr lang="fr-FR" sz="3100" b="1" smtClean="0">
+                <a:latin typeface="Yu Gothic UI Light" panose="020B0300000000000000" pitchFamily="34" charset="-128"/>
+                <a:ea typeface="Yu Gothic UI Light" panose="020B0300000000000000" pitchFamily="34" charset="-128"/>
+              </a:rPr>
+              <a:t/>
+            </a:r>
+            <a:br>
+              <a:rPr lang="fr-FR" sz="3100" b="1" smtClean="0">
+                <a:latin typeface="Yu Gothic UI Light" panose="020B0300000000000000" pitchFamily="34" charset="-128"/>
+                <a:ea typeface="Yu Gothic UI Light" panose="020B0300000000000000" pitchFamily="34" charset="-128"/>
+              </a:rPr>
+            </a:br>
+            <a:r>
+              <a:rPr lang="fr-FR" sz="2700" smtClean="0">
+                <a:latin typeface="Yu Gothic UI Light" panose="020B0300000000000000" pitchFamily="34" charset="-128"/>
+                <a:ea typeface="Yu Gothic UI Light" panose="020B0300000000000000" pitchFamily="34" charset="-128"/>
+              </a:rPr>
+              <a:t>énergies pour 100g</a:t>
+            </a:r>
+            <a:endParaRPr lang="fr-FR" sz="3200">
+              <a:latin typeface="Yu Gothic UI Light" panose="020B0300000000000000" pitchFamily="34" charset="-128"/>
+              <a:ea typeface="Yu Gothic UI Light" panose="020B0300000000000000" pitchFamily="34" charset="-128"/>
+            </a:endParaRPr>
+          </a:p>
+        </p:txBody>
+      </p:sp>
+      <p:sp>
+        <p:nvSpPr>
+          <p:cNvPr id="4" name="Espace réservé de la date 3"/>
+          <p:cNvSpPr>
+            <a:spLocks noGrp="1"/>
+          </p:cNvSpPr>
+          <p:nvPr>
+            <p:ph type="dt" sz="half" idx="10"/>
+          </p:nvPr>
+        </p:nvSpPr>
+        <p:spPr/>
+        <p:txBody>
+          <a:bodyPr/>
+          <a:lstStyle/>
+          <a:p>
+            <a:r>
               <a:rPr lang="fr-FR" smtClean="0"/>
-              <a:t>10</a:t>
+              <a:t>17/06/2020</a:t>
+            </a:r>
+            <a:endParaRPr lang="fr-FR"/>
+          </a:p>
+        </p:txBody>
+      </p:sp>
+      <p:sp>
+        <p:nvSpPr>
+          <p:cNvPr id="5" name="Espace réservé du pied de page 4"/>
+          <p:cNvSpPr>
+            <a:spLocks noGrp="1"/>
+          </p:cNvSpPr>
+          <p:nvPr>
+            <p:ph type="ftr" sz="quarter" idx="11"/>
+          </p:nvPr>
+        </p:nvSpPr>
+        <p:spPr/>
+        <p:txBody>
+          <a:bodyPr/>
+          <a:lstStyle/>
+          <a:p>
+            <a:r>
+              <a:rPr lang="fr-FR" smtClean="0"/>
+              <a:t>Maryse Muller  |  Parcours Data Scientist</a:t>
+            </a:r>
+            <a:endParaRPr lang="fr-FR"/>
+          </a:p>
+        </p:txBody>
+      </p:sp>
+      <p:sp>
+        <p:nvSpPr>
+          <p:cNvPr id="6" name="Espace réservé du numéro de diapositive 5"/>
+          <p:cNvSpPr>
+            <a:spLocks noGrp="1"/>
+          </p:cNvSpPr>
+          <p:nvPr>
+            <p:ph type="sldNum" sz="quarter" idx="12"/>
+          </p:nvPr>
+        </p:nvSpPr>
+        <p:spPr/>
+        <p:txBody>
+          <a:bodyPr/>
+          <a:lstStyle/>
+          <a:p>
+            <a:fld id="{D384C430-F8FC-4B07-B0BC-750FA1B3CF0A}" type="slidenum">
+              <a:rPr lang="fr-FR" smtClean="0"/>
+              <a:t>11</a:t>
             </a:fld>
             <a:endParaRPr lang="fr-FR"/>
           </a:p>
@@ -5376,7 +7543,7 @@
 </p:sld>
 </file>
 
-<file path=ppt/slides/slide11.xml><?xml version="1.0" encoding="utf-8"?>
+<file path=ppt/slides/slide12.xml><?xml version="1.0" encoding="utf-8"?>
 <p:sld xmlns:a="http://schemas.openxmlformats.org/drawingml/2006/main" xmlns:r="http://schemas.openxmlformats.org/officeDocument/2006/relationships" xmlns:p="http://schemas.openxmlformats.org/presentationml/2006/main">
   <p:cSld>
     <p:spTree>
@@ -5531,7 +7698,7 @@
           <a:p>
             <a:fld id="{D384C430-F8FC-4B07-B0BC-750FA1B3CF0A}" type="slidenum">
               <a:rPr lang="fr-FR" smtClean="0"/>
-              <a:t>11</a:t>
+              <a:t>12</a:t>
             </a:fld>
             <a:endParaRPr lang="fr-FR"/>
           </a:p>
@@ -6154,7 +8321,7 @@
 </p:sld>
 </file>
 
-<file path=ppt/slides/slide12.xml><?xml version="1.0" encoding="utf-8"?>
+<file path=ppt/slides/slide13.xml><?xml version="1.0" encoding="utf-8"?>
 <p:sld xmlns:a="http://schemas.openxmlformats.org/drawingml/2006/main" xmlns:r="http://schemas.openxmlformats.org/officeDocument/2006/relationships" xmlns:p="http://schemas.openxmlformats.org/presentationml/2006/main">
   <p:cSld>
     <p:spTree>
@@ -6311,7 +8478,7 @@
           <a:p>
             <a:fld id="{D384C430-F8FC-4B07-B0BC-750FA1B3CF0A}" type="slidenum">
               <a:rPr lang="fr-FR" smtClean="0"/>
-              <a:t>12</a:t>
+              <a:t>13</a:t>
             </a:fld>
             <a:endParaRPr lang="fr-FR"/>
           </a:p>
@@ -6439,7 +8606,7 @@
 </p:sld>
 </file>
 
-<file path=ppt/slides/slide13.xml><?xml version="1.0" encoding="utf-8"?>
+<file path=ppt/slides/slide14.xml><?xml version="1.0" encoding="utf-8"?>
 <p:sld xmlns:a="http://schemas.openxmlformats.org/drawingml/2006/main" xmlns:r="http://schemas.openxmlformats.org/officeDocument/2006/relationships" xmlns:p="http://schemas.openxmlformats.org/presentationml/2006/main">
   <p:cSld>
     <p:spTree>
@@ -6519,7 +8686,7 @@
           <a:p>
             <a:fld id="{D384C430-F8FC-4B07-B0BC-750FA1B3CF0A}" type="slidenum">
               <a:rPr lang="fr-FR" smtClean="0"/>
-              <a:t>13</a:t>
+              <a:t>14</a:t>
             </a:fld>
             <a:endParaRPr lang="fr-FR"/>
           </a:p>
@@ -6997,7 +9164,7 @@
 </p:sld>
 </file>
 
-<file path=ppt/slides/slide14.xml><?xml version="1.0" encoding="utf-8"?>
+<file path=ppt/slides/slide15.xml><?xml version="1.0" encoding="utf-8"?>
 <p:sld xmlns:a="http://schemas.openxmlformats.org/drawingml/2006/main" xmlns:r="http://schemas.openxmlformats.org/officeDocument/2006/relationships" xmlns:p="http://schemas.openxmlformats.org/presentationml/2006/main">
   <p:cSld>
     <p:spTree>
@@ -7108,7 +9275,7 @@
           <a:p>
             <a:fld id="{D384C430-F8FC-4B07-B0BC-750FA1B3CF0A}" type="slidenum">
               <a:rPr lang="fr-FR" smtClean="0"/>
-              <a:t>14</a:t>
+              <a:t>15</a:t>
             </a:fld>
             <a:endParaRPr lang="fr-FR"/>
           </a:p>
@@ -7876,7 +10043,7 @@
 </p:sld>
 </file>
 
-<file path=ppt/slides/slide15.xml><?xml version="1.0" encoding="utf-8"?>
+<file path=ppt/slides/slide16.xml><?xml version="1.0" encoding="utf-8"?>
 <p:sld xmlns:a="http://schemas.openxmlformats.org/drawingml/2006/main" xmlns:r="http://schemas.openxmlformats.org/officeDocument/2006/relationships" xmlns:p="http://schemas.openxmlformats.org/presentationml/2006/main">
   <p:cSld>
     <p:spTree>
@@ -8052,7 +10219,7 @@
           <a:p>
             <a:fld id="{D384C430-F8FC-4B07-B0BC-750FA1B3CF0A}" type="slidenum">
               <a:rPr lang="fr-FR" smtClean="0"/>
-              <a:t>15</a:t>
+              <a:t>16</a:t>
             </a:fld>
             <a:endParaRPr lang="fr-FR"/>
           </a:p>
@@ -8137,7 +10304,7 @@
 </p:sld>
 </file>
 
-<file path=ppt/slides/slide16.xml><?xml version="1.0" encoding="utf-8"?>
+<file path=ppt/slides/slide17.xml><?xml version="1.0" encoding="utf-8"?>
 <p:sld xmlns:a="http://schemas.openxmlformats.org/drawingml/2006/main" xmlns:r="http://schemas.openxmlformats.org/officeDocument/2006/relationships" xmlns:p="http://schemas.openxmlformats.org/presentationml/2006/main">
   <p:cSld>
     <p:spTree>
@@ -8217,7 +10384,7 @@
           <a:p>
             <a:fld id="{D384C430-F8FC-4B07-B0BC-750FA1B3CF0A}" type="slidenum">
               <a:rPr lang="fr-FR" smtClean="0"/>
-              <a:t>16</a:t>
+              <a:t>17</a:t>
             </a:fld>
             <a:endParaRPr lang="fr-FR"/>
           </a:p>
@@ -8697,7 +10864,7 @@
 </p:sld>
 </file>
 
-<file path=ppt/slides/slide17.xml><?xml version="1.0" encoding="utf-8"?>
+<file path=ppt/slides/slide18.xml><?xml version="1.0" encoding="utf-8"?>
 <p:sld xmlns:a="http://schemas.openxmlformats.org/drawingml/2006/main" xmlns:r="http://schemas.openxmlformats.org/officeDocument/2006/relationships" xmlns:p="http://schemas.openxmlformats.org/presentationml/2006/main">
   <p:cSld>
     <p:spTree>
@@ -8842,7 +11009,7 @@
           <a:p>
             <a:fld id="{D384C430-F8FC-4B07-B0BC-750FA1B3CF0A}" type="slidenum">
               <a:rPr lang="fr-FR" smtClean="0"/>
-              <a:t>17</a:t>
+              <a:t>18</a:t>
             </a:fld>
             <a:endParaRPr lang="fr-FR"/>
           </a:p>
@@ -11347,7 +13514,7 @@
 </p:sld>
 </file>
 
-<file path=ppt/slides/slide18.xml><?xml version="1.0" encoding="utf-8"?>
+<file path=ppt/slides/slide19.xml><?xml version="1.0" encoding="utf-8"?>
 <p:sld xmlns:a="http://schemas.openxmlformats.org/drawingml/2006/main" xmlns:r="http://schemas.openxmlformats.org/officeDocument/2006/relationships" xmlns:p="http://schemas.openxmlformats.org/presentationml/2006/main">
   <p:cSld>
     <p:spTree>
@@ -11492,7 +13659,7 @@
           <a:p>
             <a:fld id="{D384C430-F8FC-4B07-B0BC-750FA1B3CF0A}" type="slidenum">
               <a:rPr lang="fr-FR" smtClean="0"/>
-              <a:t>18</a:t>
+              <a:t>19</a:t>
             </a:fld>
             <a:endParaRPr lang="fr-FR"/>
           </a:p>
@@ -12119,6 +14286,38 @@
           </p:txBody>
         </p:sp>
       </p:grpSp>
+      <p:sp>
+        <p:nvSpPr>
+          <p:cNvPr id="2" name="ZoneTexte 1"/>
+          <p:cNvSpPr txBox="1"/>
+          <p:nvPr/>
+        </p:nvSpPr>
+        <p:spPr>
+          <a:xfrm>
+            <a:off x="1907704" y="3284984"/>
+            <a:ext cx="968535" cy="461665"/>
+          </a:xfrm>
+          <a:prstGeom prst="rect">
+            <a:avLst/>
+          </a:prstGeom>
+          <a:solidFill>
+            <a:srgbClr val="FFFF00"/>
+          </a:solidFill>
+        </p:spPr>
+        <p:txBody>
+          <a:bodyPr wrap="none" rtlCol="0">
+            <a:spAutoFit/>
+          </a:bodyPr>
+          <a:lstStyle/>
+          <a:p>
+            <a:r>
+              <a:rPr lang="fr-FR" sz="2400" smtClean="0"/>
+              <a:t>5 min</a:t>
+            </a:r>
+            <a:endParaRPr lang="fr-FR" sz="2400"/>
+          </a:p>
+        </p:txBody>
+      </p:sp>
     </p:spTree>
     <p:extLst>
       <p:ext uri="{BB962C8B-B14F-4D97-AF65-F5344CB8AC3E}">
@@ -12184,212 +14383,6 @@
               <a:t>Problématique</a:t>
             </a:r>
             <a:endParaRPr lang="fr-FR" sz="3200"/>
-          </a:p>
-        </p:txBody>
-      </p:sp>
-      <p:sp>
-        <p:nvSpPr>
-          <p:cNvPr id="3" name="ZoneTexte 2"/>
-          <p:cNvSpPr txBox="1"/>
-          <p:nvPr/>
-        </p:nvSpPr>
-        <p:spPr>
-          <a:xfrm>
-            <a:off x="3491880" y="1775314"/>
-            <a:ext cx="4824536" cy="3970318"/>
-          </a:xfrm>
-          <a:prstGeom prst="rect">
-            <a:avLst/>
-          </a:prstGeom>
-          <a:noFill/>
-        </p:spPr>
-        <p:txBody>
-          <a:bodyPr wrap="square" rtlCol="0">
-            <a:spAutoFit/>
-          </a:bodyPr>
-          <a:lstStyle/>
-          <a:p>
-            <a:r>
-              <a:rPr lang="fr-FR" smtClean="0"/>
-              <a:t>Base de donnée publique</a:t>
-            </a:r>
-          </a:p>
-          <a:p>
-            <a:pPr marL="285750" indent="-285750">
-              <a:buFontTx/>
-              <a:buChar char="-"/>
-            </a:pPr>
-            <a:r>
-              <a:rPr lang="fr-FR">
-                <a:latin typeface="Yu Gothic Light" panose="020B0300000000000000" pitchFamily="34" charset="-128"/>
-                <a:ea typeface="Yu Gothic Light" panose="020B0300000000000000" pitchFamily="34" charset="-128"/>
-              </a:rPr>
-              <a:t>c</a:t>
-            </a:r>
-            <a:r>
-              <a:rPr lang="fr-FR" smtClean="0">
-                <a:latin typeface="Yu Gothic Light" panose="020B0300000000000000" pitchFamily="34" charset="-128"/>
-                <a:ea typeface="Yu Gothic Light" panose="020B0300000000000000" pitchFamily="34" charset="-128"/>
-              </a:rPr>
-              <a:t>réée en 2012</a:t>
-            </a:r>
-          </a:p>
-          <a:p>
-            <a:pPr marL="285750" indent="-285750">
-              <a:buFontTx/>
-              <a:buChar char="-"/>
-            </a:pPr>
-            <a:r>
-              <a:rPr lang="fr-FR">
-                <a:latin typeface="Yu Gothic Light" panose="020B0300000000000000" pitchFamily="34" charset="-128"/>
-                <a:ea typeface="Yu Gothic Light" panose="020B0300000000000000" pitchFamily="34" charset="-128"/>
-              </a:rPr>
-              <a:t>b</a:t>
-            </a:r>
-            <a:r>
-              <a:rPr lang="fr-FR" smtClean="0">
-                <a:latin typeface="Yu Gothic Light" panose="020B0300000000000000" pitchFamily="34" charset="-128"/>
-                <a:ea typeface="Yu Gothic Light" panose="020B0300000000000000" pitchFamily="34" charset="-128"/>
-              </a:rPr>
-              <a:t>énévole</a:t>
-            </a:r>
-          </a:p>
-          <a:p>
-            <a:pPr marL="285750" indent="-285750">
-              <a:buFontTx/>
-              <a:buChar char="-"/>
-            </a:pPr>
-            <a:r>
-              <a:rPr lang="fr-FR" smtClean="0">
-                <a:latin typeface="Yu Gothic Light" panose="020B0300000000000000" pitchFamily="34" charset="-128"/>
-                <a:ea typeface="Yu Gothic Light" panose="020B0300000000000000" pitchFamily="34" charset="-128"/>
-              </a:rPr>
-              <a:t>+ de 650 000 produits</a:t>
-            </a:r>
-          </a:p>
-          <a:p>
-            <a:endParaRPr lang="fr-FR" smtClean="0"/>
-          </a:p>
-          <a:p>
-            <a:r>
-              <a:rPr lang="fr-FR"/>
-              <a:t>Nombreuses fonctionnalités sur le site :</a:t>
-            </a:r>
-          </a:p>
-          <a:p>
-            <a:pPr marL="285750" indent="-285750">
-              <a:buFontTx/>
-              <a:buChar char="-"/>
-            </a:pPr>
-            <a:r>
-              <a:rPr lang="fr-FR" smtClean="0">
-                <a:latin typeface="Yu Gothic Light" panose="020B0300000000000000" pitchFamily="34" charset="-128"/>
-                <a:ea typeface="Yu Gothic Light" panose="020B0300000000000000" pitchFamily="34" charset="-128"/>
-              </a:rPr>
-              <a:t>Recherche </a:t>
-            </a:r>
-            <a:r>
-              <a:rPr lang="fr-FR">
-                <a:latin typeface="Yu Gothic Light" panose="020B0300000000000000" pitchFamily="34" charset="-128"/>
-                <a:ea typeface="Yu Gothic Light" panose="020B0300000000000000" pitchFamily="34" charset="-128"/>
-              </a:rPr>
-              <a:t>de produits avec </a:t>
-            </a:r>
-            <a:r>
-              <a:rPr lang="fr-FR" smtClean="0">
-                <a:latin typeface="Yu Gothic Light" panose="020B0300000000000000" pitchFamily="34" charset="-128"/>
-                <a:ea typeface="Yu Gothic Light" panose="020B0300000000000000" pitchFamily="34" charset="-128"/>
-              </a:rPr>
-              <a:t>critères</a:t>
-            </a:r>
-          </a:p>
-          <a:p>
-            <a:pPr marL="285750" indent="-285750">
-              <a:buFontTx/>
-              <a:buChar char="-"/>
-            </a:pPr>
-            <a:r>
-              <a:rPr lang="fr-FR">
-                <a:latin typeface="Yu Gothic Light" panose="020B0300000000000000" pitchFamily="34" charset="-128"/>
-                <a:ea typeface="Yu Gothic Light" panose="020B0300000000000000" pitchFamily="34" charset="-128"/>
-              </a:rPr>
-              <a:t>Comparaison de </a:t>
-            </a:r>
-            <a:r>
-              <a:rPr lang="fr-FR" smtClean="0">
-                <a:latin typeface="Yu Gothic Light" panose="020B0300000000000000" pitchFamily="34" charset="-128"/>
-                <a:ea typeface="Yu Gothic Light" panose="020B0300000000000000" pitchFamily="34" charset="-128"/>
-              </a:rPr>
-              <a:t>produits multivariables</a:t>
-            </a:r>
-            <a:endParaRPr lang="fr-FR">
-              <a:latin typeface="Yu Gothic Light" panose="020B0300000000000000" pitchFamily="34" charset="-128"/>
-              <a:ea typeface="Yu Gothic Light" panose="020B0300000000000000" pitchFamily="34" charset="-128"/>
-            </a:endParaRPr>
-          </a:p>
-          <a:p>
-            <a:pPr marL="285750" indent="-285750">
-              <a:buFontTx/>
-              <a:buChar char="-"/>
-            </a:pPr>
-            <a:r>
-              <a:rPr lang="fr-FR" smtClean="0">
-                <a:latin typeface="Yu Gothic Light" panose="020B0300000000000000" pitchFamily="34" charset="-128"/>
-                <a:ea typeface="Yu Gothic Light" panose="020B0300000000000000" pitchFamily="34" charset="-128"/>
-              </a:rPr>
-              <a:t>Informations sur les additifs</a:t>
-            </a:r>
-            <a:endParaRPr lang="fr-FR">
-              <a:latin typeface="Yu Gothic Light" panose="020B0300000000000000" pitchFamily="34" charset="-128"/>
-              <a:ea typeface="Yu Gothic Light" panose="020B0300000000000000" pitchFamily="34" charset="-128"/>
-            </a:endParaRPr>
-          </a:p>
-          <a:p>
-            <a:endParaRPr lang="fr-FR"/>
-          </a:p>
-          <a:p>
-            <a:r>
-              <a:rPr lang="fr-FR" smtClean="0"/>
-              <a:t>Une application mobile</a:t>
-            </a:r>
-          </a:p>
-          <a:p>
-            <a:pPr marL="285750" indent="-285750">
-              <a:buFontTx/>
-              <a:buChar char="-"/>
-            </a:pPr>
-            <a:r>
-              <a:rPr lang="fr-FR" smtClean="0">
-                <a:latin typeface="Yu Gothic Light" panose="020B0300000000000000" pitchFamily="34" charset="-128"/>
-                <a:ea typeface="Yu Gothic Light" panose="020B0300000000000000" pitchFamily="34" charset="-128"/>
-              </a:rPr>
-              <a:t>pour contribuer</a:t>
-            </a:r>
-            <a:endParaRPr lang="fr-FR">
-              <a:latin typeface="Yu Gothic Light" panose="020B0300000000000000" pitchFamily="34" charset="-128"/>
-              <a:ea typeface="Yu Gothic Light" panose="020B0300000000000000" pitchFamily="34" charset="-128"/>
-            </a:endParaRPr>
-          </a:p>
-          <a:p>
-            <a:pPr marL="285750" indent="-285750">
-              <a:buFontTx/>
-              <a:buChar char="-"/>
-            </a:pPr>
-            <a:r>
-              <a:rPr lang="fr-FR" smtClean="0">
-                <a:latin typeface="Yu Gothic Light" panose="020B0300000000000000" pitchFamily="34" charset="-128"/>
-                <a:ea typeface="Yu Gothic Light" panose="020B0300000000000000" pitchFamily="34" charset="-128"/>
-              </a:rPr>
-              <a:t>pour aider le consommateur</a:t>
-            </a:r>
-            <a:endParaRPr lang="fr-FR" smtClean="0"/>
-          </a:p>
-          <a:p>
-            <a:pPr marL="285750" indent="-285750">
-              <a:buFontTx/>
-              <a:buChar char="-"/>
-            </a:pPr>
-            <a:endParaRPr lang="fr-FR" smtClean="0"/>
           </a:p>
         </p:txBody>
       </p:sp>
@@ -12523,6 +14516,731 @@
           </a:p>
         </p:txBody>
       </p:sp>
+      <p:grpSp>
+        <p:nvGrpSpPr>
+          <p:cNvPr id="9" name="Groupe 8"/>
+          <p:cNvGrpSpPr/>
+          <p:nvPr/>
+        </p:nvGrpSpPr>
+        <p:grpSpPr>
+          <a:xfrm>
+            <a:off x="676800" y="1728428"/>
+            <a:ext cx="6294107" cy="4095173"/>
+            <a:chOff x="278633" y="2181053"/>
+            <a:chExt cx="6227693" cy="3877882"/>
+          </a:xfrm>
+        </p:grpSpPr>
+        <p:grpSp>
+          <p:nvGrpSpPr>
+            <p:cNvPr id="8" name="Groupe 7"/>
+            <p:cNvGrpSpPr>
+              <a:grpSpLocks noChangeAspect="1"/>
+            </p:cNvGrpSpPr>
+            <p:nvPr/>
+          </p:nvGrpSpPr>
+          <p:grpSpPr>
+            <a:xfrm>
+              <a:off x="278633" y="2239618"/>
+              <a:ext cx="6227692" cy="3819317"/>
+              <a:chOff x="1462088" y="2089778"/>
+              <a:chExt cx="6219825" cy="3814491"/>
+            </a:xfrm>
+          </p:grpSpPr>
+          <p:pic>
+            <p:nvPicPr>
+              <p:cNvPr id="1027" name="Picture 3"/>
+              <p:cNvPicPr>
+                <a:picLocks noChangeAspect="1" noChangeArrowheads="1"/>
+              </p:cNvPicPr>
+              <p:nvPr/>
+            </p:nvPicPr>
+            <p:blipFill rotWithShape="1">
+              <a:blip r:embed="rId2">
+                <a:extLst>
+                  <a:ext uri="{28A0092B-C50C-407E-A947-70E740481C1C}">
+                    <a14:useLocalDpi xmlns:a14="http://schemas.microsoft.com/office/drawing/2010/main" val="0"/>
+                  </a:ext>
+                </a:extLst>
+              </a:blip>
+              <a:srcRect t="22699"/>
+              <a:stretch/>
+            </p:blipFill>
+            <p:spPr bwMode="auto">
+              <a:xfrm>
+                <a:off x="1462088" y="2089778"/>
+                <a:ext cx="6219825" cy="3791909"/>
+              </a:xfrm>
+              <a:prstGeom prst="rect">
+                <a:avLst/>
+              </a:prstGeom>
+              <a:noFill/>
+              <a:ln>
+                <a:noFill/>
+              </a:ln>
+              <a:extLst>
+                <a:ext uri="{909E8E84-426E-40DD-AFC4-6F175D3DCCD1}">
+                  <a14:hiddenFill xmlns:a14="http://schemas.microsoft.com/office/drawing/2010/main">
+                    <a:solidFill>
+                      <a:schemeClr val="accent1"/>
+                    </a:solidFill>
+                  </a14:hiddenFill>
+                </a:ext>
+                <a:ext uri="{91240B29-F687-4F45-9708-019B960494DF}">
+                  <a14:hiddenLine xmlns:a14="http://schemas.microsoft.com/office/drawing/2010/main" w="9525">
+                    <a:solidFill>
+                      <a:schemeClr val="tx1"/>
+                    </a:solidFill>
+                    <a:miter lim="800000"/>
+                    <a:headEnd/>
+                    <a:tailEnd/>
+                  </a14:hiddenLine>
+                </a:ext>
+              </a:extLst>
+            </p:spPr>
+          </p:pic>
+          <p:pic>
+            <p:nvPicPr>
+              <p:cNvPr id="1028" name="Picture 4"/>
+              <p:cNvPicPr>
+                <a:picLocks noChangeAspect="1" noChangeArrowheads="1"/>
+              </p:cNvPicPr>
+              <p:nvPr/>
+            </p:nvPicPr>
+            <p:blipFill>
+              <a:blip r:embed="rId3">
+                <a:extLst>
+                  <a:ext uri="{28A0092B-C50C-407E-A947-70E740481C1C}">
+                    <a14:useLocalDpi xmlns:a14="http://schemas.microsoft.com/office/drawing/2010/main" val="0"/>
+                  </a:ext>
+                </a:extLst>
+              </a:blip>
+              <a:srcRect/>
+              <a:stretch>
+                <a:fillRect/>
+              </a:stretch>
+            </p:blipFill>
+            <p:spPr bwMode="auto">
+              <a:xfrm>
+                <a:off x="1835696" y="5428019"/>
+                <a:ext cx="1266825" cy="476250"/>
+              </a:xfrm>
+              <a:prstGeom prst="rect">
+                <a:avLst/>
+              </a:prstGeom>
+              <a:noFill/>
+              <a:ln>
+                <a:noFill/>
+              </a:ln>
+              <a:extLst>
+                <a:ext uri="{909E8E84-426E-40DD-AFC4-6F175D3DCCD1}">
+                  <a14:hiddenFill xmlns:a14="http://schemas.microsoft.com/office/drawing/2010/main">
+                    <a:solidFill>
+                      <a:schemeClr val="accent1"/>
+                    </a:solidFill>
+                  </a14:hiddenFill>
+                </a:ext>
+                <a:ext uri="{91240B29-F687-4F45-9708-019B960494DF}">
+                  <a14:hiddenLine xmlns:a14="http://schemas.microsoft.com/office/drawing/2010/main" w="9525">
+                    <a:solidFill>
+                      <a:schemeClr val="tx1"/>
+                    </a:solidFill>
+                    <a:miter lim="800000"/>
+                    <a:headEnd/>
+                    <a:tailEnd/>
+                  </a14:hiddenLine>
+                </a:ext>
+              </a:extLst>
+            </p:spPr>
+          </p:pic>
+        </p:grpSp>
+        <p:pic>
+          <p:nvPicPr>
+            <p:cNvPr id="1030" name="Picture 6"/>
+            <p:cNvPicPr>
+              <a:picLocks noChangeAspect="1" noChangeArrowheads="1"/>
+            </p:cNvPicPr>
+            <p:nvPr/>
+          </p:nvPicPr>
+          <p:blipFill rotWithShape="1">
+            <a:blip r:embed="rId4">
+              <a:extLst>
+                <a:ext uri="{28A0092B-C50C-407E-A947-70E740481C1C}">
+                  <a14:useLocalDpi xmlns:a14="http://schemas.microsoft.com/office/drawing/2010/main" val="0"/>
+                </a:ext>
+              </a:extLst>
+            </a:blip>
+            <a:srcRect r="12851"/>
+            <a:stretch/>
+          </p:blipFill>
+          <p:spPr bwMode="auto">
+            <a:xfrm>
+              <a:off x="278634" y="2716319"/>
+              <a:ext cx="6227692" cy="402176"/>
+            </a:xfrm>
+            <a:prstGeom prst="rect">
+              <a:avLst/>
+            </a:prstGeom>
+            <a:noFill/>
+            <a:ln>
+              <a:noFill/>
+            </a:ln>
+            <a:extLst>
+              <a:ext uri="{909E8E84-426E-40DD-AFC4-6F175D3DCCD1}">
+                <a14:hiddenFill xmlns:a14="http://schemas.microsoft.com/office/drawing/2010/main">
+                  <a:solidFill>
+                    <a:schemeClr val="accent1"/>
+                  </a:solidFill>
+                </a14:hiddenFill>
+              </a:ext>
+              <a:ext uri="{91240B29-F687-4F45-9708-019B960494DF}">
+                <a14:hiddenLine xmlns:a14="http://schemas.microsoft.com/office/drawing/2010/main" w="9525">
+                  <a:solidFill>
+                    <a:schemeClr val="tx1"/>
+                  </a:solidFill>
+                  <a:miter lim="800000"/>
+                  <a:headEnd/>
+                  <a:tailEnd/>
+                </a14:hiddenLine>
+              </a:ext>
+            </a:extLst>
+          </p:spPr>
+        </p:pic>
+        <p:pic>
+          <p:nvPicPr>
+            <p:cNvPr id="1031" name="Picture 7"/>
+            <p:cNvPicPr>
+              <a:picLocks noChangeAspect="1" noChangeArrowheads="1"/>
+            </p:cNvPicPr>
+            <p:nvPr/>
+          </p:nvPicPr>
+          <p:blipFill rotWithShape="1">
+            <a:blip r:embed="rId5">
+              <a:extLst>
+                <a:ext uri="{28A0092B-C50C-407E-A947-70E740481C1C}">
+                  <a14:useLocalDpi xmlns:a14="http://schemas.microsoft.com/office/drawing/2010/main" val="0"/>
+                </a:ext>
+              </a:extLst>
+            </a:blip>
+            <a:srcRect l="1326"/>
+            <a:stretch/>
+          </p:blipFill>
+          <p:spPr bwMode="auto">
+            <a:xfrm>
+              <a:off x="278634" y="2186407"/>
+              <a:ext cx="6227692" cy="544405"/>
+            </a:xfrm>
+            <a:prstGeom prst="rect">
+              <a:avLst/>
+            </a:prstGeom>
+            <a:noFill/>
+            <a:ln>
+              <a:noFill/>
+            </a:ln>
+            <a:extLst>
+              <a:ext uri="{909E8E84-426E-40DD-AFC4-6F175D3DCCD1}">
+                <a14:hiddenFill xmlns:a14="http://schemas.microsoft.com/office/drawing/2010/main">
+                  <a:solidFill>
+                    <a:schemeClr val="accent1"/>
+                  </a:solidFill>
+                </a14:hiddenFill>
+              </a:ext>
+              <a:ext uri="{91240B29-F687-4F45-9708-019B960494DF}">
+                <a14:hiddenLine xmlns:a14="http://schemas.microsoft.com/office/drawing/2010/main" w="9525">
+                  <a:solidFill>
+                    <a:schemeClr val="tx1"/>
+                  </a:solidFill>
+                  <a:miter lim="800000"/>
+                  <a:headEnd/>
+                  <a:tailEnd/>
+                </a14:hiddenLine>
+              </a:ext>
+            </a:extLst>
+          </p:spPr>
+        </p:pic>
+        <p:pic>
+          <p:nvPicPr>
+            <p:cNvPr id="1032" name="Picture 8"/>
+            <p:cNvPicPr>
+              <a:picLocks noChangeAspect="1" noChangeArrowheads="1"/>
+            </p:cNvPicPr>
+            <p:nvPr/>
+          </p:nvPicPr>
+          <p:blipFill>
+            <a:blip r:embed="rId6">
+              <a:extLst>
+                <a:ext uri="{28A0092B-C50C-407E-A947-70E740481C1C}">
+                  <a14:useLocalDpi xmlns:a14="http://schemas.microsoft.com/office/drawing/2010/main" val="0"/>
+                </a:ext>
+              </a:extLst>
+            </a:blip>
+            <a:srcRect/>
+            <a:stretch>
+              <a:fillRect/>
+            </a:stretch>
+          </p:blipFill>
+          <p:spPr bwMode="auto">
+            <a:xfrm>
+              <a:off x="3001125" y="2181053"/>
+              <a:ext cx="3505200" cy="542925"/>
+            </a:xfrm>
+            <a:prstGeom prst="rect">
+              <a:avLst/>
+            </a:prstGeom>
+            <a:noFill/>
+            <a:ln>
+              <a:noFill/>
+            </a:ln>
+            <a:extLst>
+              <a:ext uri="{909E8E84-426E-40DD-AFC4-6F175D3DCCD1}">
+                <a14:hiddenFill xmlns:a14="http://schemas.microsoft.com/office/drawing/2010/main">
+                  <a:solidFill>
+                    <a:schemeClr val="accent1"/>
+                  </a:solidFill>
+                </a14:hiddenFill>
+              </a:ext>
+              <a:ext uri="{91240B29-F687-4F45-9708-019B960494DF}">
+                <a14:hiddenLine xmlns:a14="http://schemas.microsoft.com/office/drawing/2010/main" w="9525">
+                  <a:solidFill>
+                    <a:schemeClr val="tx1"/>
+                  </a:solidFill>
+                  <a:miter lim="800000"/>
+                  <a:headEnd/>
+                  <a:tailEnd/>
+                </a14:hiddenLine>
+              </a:ext>
+            </a:extLst>
+          </p:spPr>
+        </p:pic>
+      </p:grpSp>
+      <p:pic>
+        <p:nvPicPr>
+          <p:cNvPr id="1033" name="Picture 9"/>
+          <p:cNvPicPr>
+            <a:picLocks noChangeAspect="1" noChangeArrowheads="1"/>
+          </p:cNvPicPr>
+          <p:nvPr/>
+        </p:nvPicPr>
+        <p:blipFill>
+          <a:blip r:embed="rId7">
+            <a:extLst>
+              <a:ext uri="{28A0092B-C50C-407E-A947-70E740481C1C}">
+                <a14:useLocalDpi xmlns:a14="http://schemas.microsoft.com/office/drawing/2010/main" val="0"/>
+              </a:ext>
+            </a:extLst>
+          </a:blip>
+          <a:srcRect/>
+          <a:stretch>
+            <a:fillRect/>
+          </a:stretch>
+        </p:blipFill>
+        <p:spPr bwMode="auto">
+          <a:xfrm>
+            <a:off x="669972" y="4440152"/>
+            <a:ext cx="2501115" cy="964998"/>
+          </a:xfrm>
+          <a:prstGeom prst="rect">
+            <a:avLst/>
+          </a:prstGeom>
+          <a:noFill/>
+          <a:ln>
+            <a:noFill/>
+          </a:ln>
+          <a:extLst>
+            <a:ext uri="{909E8E84-426E-40DD-AFC4-6F175D3DCCD1}">
+              <a14:hiddenFill xmlns:a14="http://schemas.microsoft.com/office/drawing/2010/main">
+                <a:solidFill>
+                  <a:schemeClr val="accent1"/>
+                </a:solidFill>
+              </a14:hiddenFill>
+            </a:ext>
+            <a:ext uri="{91240B29-F687-4F45-9708-019B960494DF}">
+              <a14:hiddenLine xmlns:a14="http://schemas.microsoft.com/office/drawing/2010/main" w="9525">
+                <a:solidFill>
+                  <a:schemeClr val="tx1"/>
+                </a:solidFill>
+                <a:miter lim="800000"/>
+                <a:headEnd/>
+                <a:tailEnd/>
+              </a14:hiddenLine>
+            </a:ext>
+          </a:extLst>
+        </p:spPr>
+      </p:pic>
+      <p:grpSp>
+        <p:nvGrpSpPr>
+          <p:cNvPr id="25" name="Groupe 24"/>
+          <p:cNvGrpSpPr/>
+          <p:nvPr/>
+        </p:nvGrpSpPr>
+        <p:grpSpPr>
+          <a:xfrm>
+            <a:off x="676801" y="3216137"/>
+            <a:ext cx="8217061" cy="2187471"/>
+            <a:chOff x="676801" y="3216137"/>
+            <a:chExt cx="8217061" cy="2187471"/>
+          </a:xfrm>
+        </p:grpSpPr>
+        <p:sp>
+          <p:nvSpPr>
+            <p:cNvPr id="21" name="Rectangle 20"/>
+            <p:cNvSpPr/>
+            <p:nvPr/>
+          </p:nvSpPr>
+          <p:spPr>
+            <a:xfrm>
+              <a:off x="7044296" y="3216137"/>
+              <a:ext cx="1849566" cy="923330"/>
+            </a:xfrm>
+            <a:prstGeom prst="rect">
+              <a:avLst/>
+            </a:prstGeom>
+          </p:spPr>
+          <p:txBody>
+            <a:bodyPr wrap="square">
+              <a:spAutoFit/>
+            </a:bodyPr>
+            <a:lstStyle/>
+            <a:p>
+              <a:r>
+                <a:rPr lang="fr-FR" smtClean="0"/>
+                <a:t>…de la consommation énergétique…</a:t>
+              </a:r>
+              <a:endParaRPr lang="fr-FR"/>
+            </a:p>
+          </p:txBody>
+        </p:sp>
+        <p:cxnSp>
+          <p:nvCxnSpPr>
+            <p:cNvPr id="13" name="Connecteur droit avec flèche 12"/>
+            <p:cNvCxnSpPr/>
+            <p:nvPr/>
+          </p:nvCxnSpPr>
+          <p:spPr>
+            <a:xfrm flipH="1">
+              <a:off x="3171087" y="3405809"/>
+              <a:ext cx="3839313" cy="1516842"/>
+            </a:xfrm>
+            <a:prstGeom prst="straightConnector1">
+              <a:avLst/>
+            </a:prstGeom>
+            <a:ln w="38100">
+              <a:tailEnd type="arrow"/>
+            </a:ln>
+          </p:spPr>
+          <p:style>
+            <a:lnRef idx="1">
+              <a:schemeClr val="accent1"/>
+            </a:lnRef>
+            <a:fillRef idx="0">
+              <a:schemeClr val="accent1"/>
+            </a:fillRef>
+            <a:effectRef idx="0">
+              <a:schemeClr val="accent1"/>
+            </a:effectRef>
+            <a:fontRef idx="minor">
+              <a:schemeClr val="tx1"/>
+            </a:fontRef>
+          </p:style>
+        </p:cxnSp>
+        <p:sp>
+          <p:nvSpPr>
+            <p:cNvPr id="15" name="Rectangle 14"/>
+            <p:cNvSpPr/>
+            <p:nvPr/>
+          </p:nvSpPr>
+          <p:spPr>
+            <a:xfrm>
+              <a:off x="676801" y="4438610"/>
+              <a:ext cx="2501115" cy="964998"/>
+            </a:xfrm>
+            <a:prstGeom prst="rect">
+              <a:avLst/>
+            </a:prstGeom>
+            <a:noFill/>
+            <a:ln w="38100">
+              <a:solidFill>
+                <a:schemeClr val="accent1"/>
+              </a:solidFill>
+              <a:prstDash val="lgDash"/>
+            </a:ln>
+          </p:spPr>
+          <p:style>
+            <a:lnRef idx="2">
+              <a:schemeClr val="accent1">
+                <a:shade val="50000"/>
+              </a:schemeClr>
+            </a:lnRef>
+            <a:fillRef idx="1">
+              <a:schemeClr val="accent1"/>
+            </a:fillRef>
+            <a:effectRef idx="0">
+              <a:schemeClr val="accent1"/>
+            </a:effectRef>
+            <a:fontRef idx="minor">
+              <a:schemeClr val="lt1"/>
+            </a:fontRef>
+          </p:style>
+          <p:txBody>
+            <a:bodyPr rtlCol="0" anchor="ctr"/>
+            <a:lstStyle/>
+            <a:p>
+              <a:pPr algn="ctr"/>
+              <a:endParaRPr lang="fr-FR"/>
+            </a:p>
+          </p:txBody>
+        </p:sp>
+      </p:grpSp>
+      <p:grpSp>
+        <p:nvGrpSpPr>
+          <p:cNvPr id="24" name="Groupe 23"/>
+          <p:cNvGrpSpPr/>
+          <p:nvPr/>
+        </p:nvGrpSpPr>
+        <p:grpSpPr>
+          <a:xfrm>
+            <a:off x="6084168" y="1832022"/>
+            <a:ext cx="3059832" cy="923330"/>
+            <a:chOff x="6084168" y="1832022"/>
+            <a:chExt cx="3059832" cy="923330"/>
+          </a:xfrm>
+        </p:grpSpPr>
+        <p:sp>
+          <p:nvSpPr>
+            <p:cNvPr id="10" name="Rectangle 9"/>
+            <p:cNvSpPr/>
+            <p:nvPr/>
+          </p:nvSpPr>
+          <p:spPr>
+            <a:xfrm>
+              <a:off x="7058697" y="1832022"/>
+              <a:ext cx="2085303" cy="923330"/>
+            </a:xfrm>
+            <a:prstGeom prst="rect">
+              <a:avLst/>
+            </a:prstGeom>
+          </p:spPr>
+          <p:txBody>
+            <a:bodyPr wrap="square">
+              <a:spAutoFit/>
+            </a:bodyPr>
+            <a:lstStyle/>
+            <a:p>
+              <a:r>
+                <a:rPr lang="fr-FR" smtClean="0"/>
+                <a:t>Une analyse comparative annuelle…</a:t>
+              </a:r>
+              <a:endParaRPr lang="fr-FR"/>
+            </a:p>
+          </p:txBody>
+        </p:sp>
+        <p:sp>
+          <p:nvSpPr>
+            <p:cNvPr id="27" name="Rectangle 26"/>
+            <p:cNvSpPr/>
+            <p:nvPr/>
+          </p:nvSpPr>
+          <p:spPr>
+            <a:xfrm>
+              <a:off x="6084168" y="2293687"/>
+              <a:ext cx="886738" cy="424711"/>
+            </a:xfrm>
+            <a:prstGeom prst="rect">
+              <a:avLst/>
+            </a:prstGeom>
+            <a:noFill/>
+            <a:ln w="38100">
+              <a:solidFill>
+                <a:schemeClr val="accent1"/>
+              </a:solidFill>
+              <a:prstDash val="lgDash"/>
+            </a:ln>
+          </p:spPr>
+          <p:style>
+            <a:lnRef idx="2">
+              <a:schemeClr val="accent1">
+                <a:shade val="50000"/>
+              </a:schemeClr>
+            </a:lnRef>
+            <a:fillRef idx="1">
+              <a:schemeClr val="accent1"/>
+            </a:fillRef>
+            <a:effectRef idx="0">
+              <a:schemeClr val="accent1"/>
+            </a:effectRef>
+            <a:fontRef idx="minor">
+              <a:schemeClr val="lt1"/>
+            </a:fontRef>
+          </p:style>
+          <p:txBody>
+            <a:bodyPr rtlCol="0" anchor="ctr"/>
+            <a:lstStyle/>
+            <a:p>
+              <a:pPr algn="ctr"/>
+              <a:endParaRPr lang="fr-FR"/>
+            </a:p>
+          </p:txBody>
+        </p:sp>
+        <p:cxnSp>
+          <p:nvCxnSpPr>
+            <p:cNvPr id="29" name="Connecteur droit avec flèche 28"/>
+            <p:cNvCxnSpPr/>
+            <p:nvPr/>
+          </p:nvCxnSpPr>
+          <p:spPr>
+            <a:xfrm flipH="1">
+              <a:off x="6508673" y="2021537"/>
+              <a:ext cx="550024" cy="256058"/>
+            </a:xfrm>
+            <a:prstGeom prst="straightConnector1">
+              <a:avLst/>
+            </a:prstGeom>
+            <a:ln w="38100">
+              <a:tailEnd type="arrow"/>
+            </a:ln>
+          </p:spPr>
+          <p:style>
+            <a:lnRef idx="1">
+              <a:schemeClr val="accent1"/>
+            </a:lnRef>
+            <a:fillRef idx="0">
+              <a:schemeClr val="accent1"/>
+            </a:fillRef>
+            <a:effectRef idx="0">
+              <a:schemeClr val="accent1"/>
+            </a:effectRef>
+            <a:fontRef idx="minor">
+              <a:schemeClr val="tx1"/>
+            </a:fontRef>
+          </p:style>
+        </p:cxnSp>
+      </p:grpSp>
+      <p:grpSp>
+        <p:nvGrpSpPr>
+          <p:cNvPr id="26" name="Groupe 25"/>
+          <p:cNvGrpSpPr/>
+          <p:nvPr/>
+        </p:nvGrpSpPr>
+        <p:grpSpPr>
+          <a:xfrm>
+            <a:off x="4355976" y="2775959"/>
+            <a:ext cx="4547622" cy="2933169"/>
+            <a:chOff x="4355976" y="2775959"/>
+            <a:chExt cx="4547622" cy="2933169"/>
+          </a:xfrm>
+        </p:grpSpPr>
+        <p:sp>
+          <p:nvSpPr>
+            <p:cNvPr id="11" name="Rectangle 10"/>
+            <p:cNvSpPr/>
+            <p:nvPr/>
+          </p:nvSpPr>
+          <p:spPr>
+            <a:xfrm>
+              <a:off x="7054032" y="4785798"/>
+              <a:ext cx="1849566" cy="923330"/>
+            </a:xfrm>
+            <a:prstGeom prst="rect">
+              <a:avLst/>
+            </a:prstGeom>
+          </p:spPr>
+          <p:txBody>
+            <a:bodyPr wrap="square">
+              <a:spAutoFit/>
+            </a:bodyPr>
+            <a:lstStyle/>
+            <a:p>
+              <a:r>
+                <a:rPr lang="fr-FR" smtClean="0"/>
+                <a:t>…de tous les </a:t>
+              </a:r>
+              <a:r>
+                <a:rPr lang="fr-FR"/>
+                <a:t>bâtiments de Seattle</a:t>
+              </a:r>
+            </a:p>
+          </p:txBody>
+        </p:sp>
+        <p:sp>
+          <p:nvSpPr>
+            <p:cNvPr id="22" name="Ellipse 21"/>
+            <p:cNvSpPr/>
+            <p:nvPr/>
+          </p:nvSpPr>
+          <p:spPr>
+            <a:xfrm>
+              <a:off x="4355976" y="2775959"/>
+              <a:ext cx="1944216" cy="2899108"/>
+            </a:xfrm>
+            <a:prstGeom prst="ellipse">
+              <a:avLst/>
+            </a:prstGeom>
+            <a:noFill/>
+            <a:ln w="38100">
+              <a:solidFill>
+                <a:schemeClr val="accent1"/>
+              </a:solidFill>
+              <a:prstDash val="dash"/>
+            </a:ln>
+          </p:spPr>
+          <p:style>
+            <a:lnRef idx="2">
+              <a:schemeClr val="accent1">
+                <a:shade val="50000"/>
+              </a:schemeClr>
+            </a:lnRef>
+            <a:fillRef idx="1">
+              <a:schemeClr val="accent1"/>
+            </a:fillRef>
+            <a:effectRef idx="0">
+              <a:schemeClr val="accent1"/>
+            </a:effectRef>
+            <a:fontRef idx="minor">
+              <a:schemeClr val="lt1"/>
+            </a:fontRef>
+          </p:style>
+          <p:txBody>
+            <a:bodyPr rtlCol="0" anchor="ctr"/>
+            <a:lstStyle/>
+            <a:p>
+              <a:pPr algn="ctr"/>
+              <a:endParaRPr lang="fr-FR"/>
+            </a:p>
+          </p:txBody>
+        </p:sp>
+        <p:cxnSp>
+          <p:nvCxnSpPr>
+            <p:cNvPr id="33" name="Connecteur droit avec flèche 32"/>
+            <p:cNvCxnSpPr/>
+            <p:nvPr/>
+          </p:nvCxnSpPr>
+          <p:spPr>
+            <a:xfrm flipH="1" flipV="1">
+              <a:off x="6233661" y="4746622"/>
+              <a:ext cx="810635" cy="176029"/>
+            </a:xfrm>
+            <a:prstGeom prst="straightConnector1">
+              <a:avLst/>
+            </a:prstGeom>
+            <a:ln w="38100">
+              <a:tailEnd type="arrow"/>
+            </a:ln>
+          </p:spPr>
+          <p:style>
+            <a:lnRef idx="1">
+              <a:schemeClr val="accent1"/>
+            </a:lnRef>
+            <a:fillRef idx="0">
+              <a:schemeClr val="accent1"/>
+            </a:fillRef>
+            <a:effectRef idx="0">
+              <a:schemeClr val="accent1"/>
+            </a:effectRef>
+            <a:fontRef idx="minor">
+              <a:schemeClr val="tx1"/>
+            </a:fontRef>
+          </p:style>
+        </p:cxnSp>
+      </p:grpSp>
     </p:spTree>
     <p:extLst>
       <p:ext uri="{BB962C8B-B14F-4D97-AF65-F5344CB8AC3E}">
@@ -13300,6 +16018,243 @@
           </a:p>
         </p:txBody>
       </p:sp>
+      <p:sp>
+        <p:nvSpPr>
+          <p:cNvPr id="21" name="ZoneTexte 20"/>
+          <p:cNvSpPr txBox="1"/>
+          <p:nvPr/>
+        </p:nvSpPr>
+        <p:spPr>
+          <a:xfrm>
+            <a:off x="9324528" y="412056"/>
+            <a:ext cx="4824536" cy="3139321"/>
+          </a:xfrm>
+          <a:prstGeom prst="rect">
+            <a:avLst/>
+          </a:prstGeom>
+          <a:noFill/>
+        </p:spPr>
+        <p:txBody>
+          <a:bodyPr wrap="square" rtlCol="0">
+            <a:spAutoFit/>
+          </a:bodyPr>
+          <a:lstStyle/>
+          <a:p>
+            <a:endParaRPr lang="fr-FR" smtClean="0"/>
+          </a:p>
+          <a:p>
+            <a:r>
+              <a:rPr lang="fr-FR" smtClean="0"/>
+              <a:t>Prédire des valeurs de consommation énergétique en fonction</a:t>
+            </a:r>
+            <a:endParaRPr lang="fr-FR"/>
+          </a:p>
+          <a:p>
+            <a:pPr marL="285750" indent="-285750">
+              <a:buFontTx/>
+              <a:buChar char="-"/>
+            </a:pPr>
+            <a:r>
+              <a:rPr lang="fr-FR" smtClean="0">
+                <a:latin typeface="Yu Gothic Light" panose="020B0300000000000000" pitchFamily="34" charset="-128"/>
+                <a:ea typeface="Yu Gothic Light" panose="020B0300000000000000" pitchFamily="34" charset="-128"/>
+              </a:rPr>
+              <a:t>Recherche </a:t>
+            </a:r>
+            <a:r>
+              <a:rPr lang="fr-FR">
+                <a:latin typeface="Yu Gothic Light" panose="020B0300000000000000" pitchFamily="34" charset="-128"/>
+                <a:ea typeface="Yu Gothic Light" panose="020B0300000000000000" pitchFamily="34" charset="-128"/>
+              </a:rPr>
+              <a:t>de produits avec </a:t>
+            </a:r>
+            <a:r>
+              <a:rPr lang="fr-FR" smtClean="0">
+                <a:latin typeface="Yu Gothic Light" panose="020B0300000000000000" pitchFamily="34" charset="-128"/>
+                <a:ea typeface="Yu Gothic Light" panose="020B0300000000000000" pitchFamily="34" charset="-128"/>
+              </a:rPr>
+              <a:t>critères</a:t>
+            </a:r>
+          </a:p>
+          <a:p>
+            <a:pPr marL="285750" indent="-285750">
+              <a:buFontTx/>
+              <a:buChar char="-"/>
+            </a:pPr>
+            <a:r>
+              <a:rPr lang="fr-FR">
+                <a:latin typeface="Yu Gothic Light" panose="020B0300000000000000" pitchFamily="34" charset="-128"/>
+                <a:ea typeface="Yu Gothic Light" panose="020B0300000000000000" pitchFamily="34" charset="-128"/>
+              </a:rPr>
+              <a:t>Comparaison de </a:t>
+            </a:r>
+            <a:r>
+              <a:rPr lang="fr-FR" smtClean="0">
+                <a:latin typeface="Yu Gothic Light" panose="020B0300000000000000" pitchFamily="34" charset="-128"/>
+                <a:ea typeface="Yu Gothic Light" panose="020B0300000000000000" pitchFamily="34" charset="-128"/>
+              </a:rPr>
+              <a:t>produits multivariables</a:t>
+            </a:r>
+            <a:endParaRPr lang="fr-FR">
+              <a:latin typeface="Yu Gothic Light" panose="020B0300000000000000" pitchFamily="34" charset="-128"/>
+              <a:ea typeface="Yu Gothic Light" panose="020B0300000000000000" pitchFamily="34" charset="-128"/>
+            </a:endParaRPr>
+          </a:p>
+          <a:p>
+            <a:pPr marL="285750" indent="-285750">
+              <a:buFontTx/>
+              <a:buChar char="-"/>
+            </a:pPr>
+            <a:r>
+              <a:rPr lang="fr-FR" smtClean="0">
+                <a:latin typeface="Yu Gothic Light" panose="020B0300000000000000" pitchFamily="34" charset="-128"/>
+                <a:ea typeface="Yu Gothic Light" panose="020B0300000000000000" pitchFamily="34" charset="-128"/>
+              </a:rPr>
+              <a:t>Informations sur les additifs</a:t>
+            </a:r>
+            <a:endParaRPr lang="fr-FR">
+              <a:latin typeface="Yu Gothic Light" panose="020B0300000000000000" pitchFamily="34" charset="-128"/>
+              <a:ea typeface="Yu Gothic Light" panose="020B0300000000000000" pitchFamily="34" charset="-128"/>
+            </a:endParaRPr>
+          </a:p>
+          <a:p>
+            <a:endParaRPr lang="fr-FR"/>
+          </a:p>
+          <a:p>
+            <a:r>
+              <a:rPr lang="fr-FR" smtClean="0"/>
+              <a:t>Une application mobile</a:t>
+            </a:r>
+          </a:p>
+          <a:p>
+            <a:pPr marL="285750" indent="-285750">
+              <a:buFontTx/>
+              <a:buChar char="-"/>
+            </a:pPr>
+            <a:r>
+              <a:rPr lang="fr-FR" smtClean="0">
+                <a:latin typeface="Yu Gothic Light" panose="020B0300000000000000" pitchFamily="34" charset="-128"/>
+                <a:ea typeface="Yu Gothic Light" panose="020B0300000000000000" pitchFamily="34" charset="-128"/>
+              </a:rPr>
+              <a:t>pour contribuer</a:t>
+            </a:r>
+            <a:endParaRPr lang="fr-FR">
+              <a:latin typeface="Yu Gothic Light" panose="020B0300000000000000" pitchFamily="34" charset="-128"/>
+              <a:ea typeface="Yu Gothic Light" panose="020B0300000000000000" pitchFamily="34" charset="-128"/>
+            </a:endParaRPr>
+          </a:p>
+          <a:p>
+            <a:pPr marL="285750" indent="-285750">
+              <a:buFontTx/>
+              <a:buChar char="-"/>
+            </a:pPr>
+            <a:r>
+              <a:rPr lang="fr-FR" smtClean="0">
+                <a:latin typeface="Yu Gothic Light" panose="020B0300000000000000" pitchFamily="34" charset="-128"/>
+                <a:ea typeface="Yu Gothic Light" panose="020B0300000000000000" pitchFamily="34" charset="-128"/>
+              </a:rPr>
+              <a:t>pour aider le consommateur</a:t>
+            </a:r>
+            <a:endParaRPr lang="fr-FR" smtClean="0"/>
+          </a:p>
+          <a:p>
+            <a:pPr marL="285750" indent="-285750">
+              <a:buFontTx/>
+              <a:buChar char="-"/>
+            </a:pPr>
+            <a:endParaRPr lang="fr-FR" smtClean="0"/>
+          </a:p>
+        </p:txBody>
+      </p:sp>
+      <p:sp>
+        <p:nvSpPr>
+          <p:cNvPr id="22" name="Rectangle 21"/>
+          <p:cNvSpPr/>
+          <p:nvPr/>
+        </p:nvSpPr>
+        <p:spPr>
+          <a:xfrm>
+            <a:off x="9324528" y="3924741"/>
+            <a:ext cx="3168352" cy="1754326"/>
+          </a:xfrm>
+          <a:prstGeom prst="rect">
+            <a:avLst/>
+          </a:prstGeom>
+        </p:spPr>
+        <p:txBody>
+          <a:bodyPr wrap="square">
+            <a:spAutoFit/>
+          </a:bodyPr>
+          <a:lstStyle/>
+          <a:p>
+            <a:r>
+              <a:rPr lang="fr-FR"/>
+              <a:t>Des données liées à la consommation énergétique des bâtiments de Seattle</a:t>
+            </a:r>
+          </a:p>
+          <a:p>
+            <a:pPr marL="285750" indent="-285750">
+              <a:buFontTx/>
+              <a:buChar char="-"/>
+            </a:pPr>
+            <a:r>
+              <a:rPr lang="fr-FR" smtClean="0">
+                <a:latin typeface="Yu Gothic Light" panose="020B0300000000000000" pitchFamily="34" charset="-128"/>
+                <a:ea typeface="Yu Gothic Light" panose="020B0300000000000000" pitchFamily="34" charset="-128"/>
+              </a:rPr>
+              <a:t>2 jeux de données 2015 et </a:t>
+            </a:r>
+            <a:endParaRPr lang="fr-FR">
+              <a:latin typeface="Yu Gothic Light" panose="020B0300000000000000" pitchFamily="34" charset="-128"/>
+              <a:ea typeface="Yu Gothic Light" panose="020B0300000000000000" pitchFamily="34" charset="-128"/>
+            </a:endParaRPr>
+          </a:p>
+          <a:p>
+            <a:pPr marL="285750" indent="-285750">
+              <a:buFontTx/>
+              <a:buChar char="-"/>
+            </a:pPr>
+            <a:r>
+              <a:rPr lang="fr-FR">
+                <a:latin typeface="Yu Gothic Light" panose="020B0300000000000000" pitchFamily="34" charset="-128"/>
+                <a:ea typeface="Yu Gothic Light" panose="020B0300000000000000" pitchFamily="34" charset="-128"/>
+              </a:rPr>
+              <a:t>bénévole</a:t>
+            </a:r>
+          </a:p>
+          <a:p>
+            <a:pPr marL="285750" indent="-285750">
+              <a:buFontTx/>
+              <a:buChar char="-"/>
+            </a:pPr>
+            <a:r>
+              <a:rPr lang="fr-FR">
+                <a:latin typeface="Yu Gothic Light" panose="020B0300000000000000" pitchFamily="34" charset="-128"/>
+                <a:ea typeface="Yu Gothic Light" panose="020B0300000000000000" pitchFamily="34" charset="-128"/>
+              </a:rPr>
+              <a:t>+ de 650 </a:t>
+            </a:r>
+            <a:r>
+              <a:rPr lang="fr-FR">
+                <a:latin typeface="Yu Gothic Light" panose="020B0300000000000000" pitchFamily="34" charset="-128"/>
+                <a:ea typeface="Yu Gothic Light" panose="020B0300000000000000" pitchFamily="34" charset="-128"/>
+              </a:rPr>
+              <a:t>000 </a:t>
+            </a:r>
+            <a:r>
+              <a:rPr lang="fr-FR" smtClean="0">
+                <a:latin typeface="Yu Gothic Light" panose="020B0300000000000000" pitchFamily="34" charset="-128"/>
+                <a:ea typeface="Yu Gothic Light" panose="020B0300000000000000" pitchFamily="34" charset="-128"/>
+              </a:rPr>
+              <a:t>produits</a:t>
+            </a:r>
+            <a:endParaRPr lang="fr-FR">
+              <a:latin typeface="Yu Gothic Light" panose="020B0300000000000000" pitchFamily="34" charset="-128"/>
+              <a:ea typeface="Yu Gothic Light" panose="020B0300000000000000" pitchFamily="34" charset="-128"/>
+            </a:endParaRPr>
+          </a:p>
+        </p:txBody>
+      </p:sp>
     </p:spTree>
     <p:extLst>
       <p:ext uri="{BB962C8B-B14F-4D97-AF65-F5344CB8AC3E}">
@@ -13339,6 +16294,37 @@
       </p:grpSpPr>
       <p:sp>
         <p:nvSpPr>
+          <p:cNvPr id="2" name="Titre 1"/>
+          <p:cNvSpPr>
+            <a:spLocks noGrp="1"/>
+          </p:cNvSpPr>
+          <p:nvPr>
+            <p:ph type="title"/>
+          </p:nvPr>
+        </p:nvSpPr>
+        <p:spPr>
+          <a:xfrm>
+            <a:off x="1094408" y="274638"/>
+            <a:ext cx="7488832" cy="1066130"/>
+          </a:xfrm>
+        </p:spPr>
+        <p:txBody>
+          <a:bodyPr>
+            <a:normAutofit/>
+          </a:bodyPr>
+          <a:lstStyle/>
+          <a:p>
+            <a:pPr algn="r"/>
+            <a:r>
+              <a:rPr lang="fr-FR" sz="4000" b="1" smtClean="0"/>
+              <a:t>Objectifs</a:t>
+            </a:r>
+            <a:endParaRPr lang="fr-FR" sz="3200"/>
+          </a:p>
+        </p:txBody>
+      </p:sp>
+      <p:sp>
+        <p:nvSpPr>
           <p:cNvPr id="4" name="Espace réservé de la date 3"/>
           <p:cNvSpPr>
             <a:spLocks noGrp="1"/>
@@ -13401,6 +16387,752 @@
             <a:fld id="{D384C430-F8FC-4B07-B0BC-750FA1B3CF0A}" type="slidenum">
               <a:rPr lang="fr-FR" smtClean="0"/>
               <a:t>5</a:t>
+            </a:fld>
+            <a:endParaRPr lang="fr-FR"/>
+          </a:p>
+        </p:txBody>
+      </p:sp>
+      <p:sp>
+        <p:nvSpPr>
+          <p:cNvPr id="16" name="Rectangle 15"/>
+          <p:cNvSpPr/>
+          <p:nvPr/>
+        </p:nvSpPr>
+        <p:spPr>
+          <a:xfrm>
+            <a:off x="3823854" y="1196959"/>
+            <a:ext cx="4708586" cy="45719"/>
+          </a:xfrm>
+          <a:prstGeom prst="rect">
+            <a:avLst/>
+          </a:prstGeom>
+          <a:gradFill flip="none" rotWithShape="1">
+            <a:gsLst>
+              <a:gs pos="0">
+                <a:schemeClr val="accent1">
+                  <a:lumMod val="75000"/>
+                </a:schemeClr>
+              </a:gs>
+              <a:gs pos="100000">
+                <a:schemeClr val="accent1">
+                  <a:tint val="23500"/>
+                  <a:satMod val="160000"/>
+                  <a:alpha val="0"/>
+                </a:schemeClr>
+              </a:gs>
+            </a:gsLst>
+            <a:lin ang="10800000" scaled="1"/>
+            <a:tileRect/>
+          </a:gradFill>
+          <a:ln>
+            <a:noFill/>
+          </a:ln>
+        </p:spPr>
+        <p:style>
+          <a:lnRef idx="2">
+            <a:schemeClr val="accent1">
+              <a:shade val="50000"/>
+            </a:schemeClr>
+          </a:lnRef>
+          <a:fillRef idx="1">
+            <a:schemeClr val="accent1"/>
+          </a:fillRef>
+          <a:effectRef idx="0">
+            <a:schemeClr val="accent1"/>
+          </a:effectRef>
+          <a:fontRef idx="minor">
+            <a:schemeClr val="lt1"/>
+          </a:fontRef>
+        </p:style>
+        <p:txBody>
+          <a:bodyPr rtlCol="0" anchor="ctr"/>
+          <a:lstStyle/>
+          <a:p>
+            <a:pPr algn="ctr"/>
+            <a:endParaRPr lang="fr-FR"/>
+          </a:p>
+        </p:txBody>
+      </p:sp>
+      <p:grpSp>
+        <p:nvGrpSpPr>
+          <p:cNvPr id="8" name="Groupe 7"/>
+          <p:cNvGrpSpPr/>
+          <p:nvPr/>
+        </p:nvGrpSpPr>
+        <p:grpSpPr>
+          <a:xfrm>
+            <a:off x="1026857" y="1484784"/>
+            <a:ext cx="2498309" cy="1080120"/>
+            <a:chOff x="561523" y="1556792"/>
+            <a:chExt cx="2498309" cy="1080120"/>
+          </a:xfrm>
+        </p:grpSpPr>
+        <p:sp>
+          <p:nvSpPr>
+            <p:cNvPr id="9" name="Rectangle à coins arrondis 8"/>
+            <p:cNvSpPr/>
+            <p:nvPr/>
+          </p:nvSpPr>
+          <p:spPr>
+            <a:xfrm>
+              <a:off x="561523" y="1556792"/>
+              <a:ext cx="2498309" cy="1080120"/>
+            </a:xfrm>
+            <a:prstGeom prst="roundRect">
+              <a:avLst/>
+            </a:prstGeom>
+            <a:solidFill>
+              <a:schemeClr val="bg1"/>
+            </a:solidFill>
+            <a:ln>
+              <a:solidFill>
+                <a:schemeClr val="bg1">
+                  <a:lumMod val="65000"/>
+                </a:schemeClr>
+              </a:solidFill>
+            </a:ln>
+          </p:spPr>
+          <p:style>
+            <a:lnRef idx="2">
+              <a:schemeClr val="accent1">
+                <a:shade val="50000"/>
+              </a:schemeClr>
+            </a:lnRef>
+            <a:fillRef idx="1">
+              <a:schemeClr val="accent1"/>
+            </a:fillRef>
+            <a:effectRef idx="0">
+              <a:schemeClr val="accent1"/>
+            </a:effectRef>
+            <a:fontRef idx="minor">
+              <a:schemeClr val="lt1"/>
+            </a:fontRef>
+          </p:style>
+          <p:txBody>
+            <a:bodyPr rtlCol="0" anchor="ctr"/>
+            <a:lstStyle/>
+            <a:p>
+              <a:pPr algn="ctr"/>
+              <a:endParaRPr lang="fr-FR"/>
+            </a:p>
+          </p:txBody>
+        </p:sp>
+        <p:sp>
+          <p:nvSpPr>
+            <p:cNvPr id="10" name="ZoneTexte 9"/>
+            <p:cNvSpPr txBox="1"/>
+            <p:nvPr/>
+          </p:nvSpPr>
+          <p:spPr>
+            <a:xfrm>
+              <a:off x="952073" y="1890594"/>
+              <a:ext cx="1717207" cy="461665"/>
+            </a:xfrm>
+            <a:prstGeom prst="rect">
+              <a:avLst/>
+            </a:prstGeom>
+            <a:noFill/>
+          </p:spPr>
+          <p:txBody>
+            <a:bodyPr wrap="square" rtlCol="0">
+              <a:spAutoFit/>
+            </a:bodyPr>
+            <a:lstStyle/>
+            <a:p>
+              <a:r>
+                <a:rPr lang="fr-FR" sz="2400" smtClean="0">
+                  <a:latin typeface="Yu Gothic UI" panose="020B0500000000000000" pitchFamily="34" charset="-128"/>
+                  <a:ea typeface="Yu Gothic UI" panose="020B0500000000000000" pitchFamily="34" charset="-128"/>
+                </a:rPr>
+                <a:t>Nettoyage</a:t>
+              </a:r>
+              <a:endParaRPr lang="fr-FR" sz="2400">
+                <a:latin typeface="Yu Gothic UI" panose="020B0500000000000000" pitchFamily="34" charset="-128"/>
+                <a:ea typeface="Yu Gothic UI" panose="020B0500000000000000" pitchFamily="34" charset="-128"/>
+              </a:endParaRPr>
+            </a:p>
+          </p:txBody>
+        </p:sp>
+      </p:grpSp>
+      <p:grpSp>
+        <p:nvGrpSpPr>
+          <p:cNvPr id="11" name="Groupe 10"/>
+          <p:cNvGrpSpPr/>
+          <p:nvPr/>
+        </p:nvGrpSpPr>
+        <p:grpSpPr>
+          <a:xfrm>
+            <a:off x="1026859" y="3140968"/>
+            <a:ext cx="2498309" cy="1080120"/>
+            <a:chOff x="561523" y="1556792"/>
+            <a:chExt cx="2498309" cy="1080120"/>
+          </a:xfrm>
+        </p:grpSpPr>
+        <p:sp>
+          <p:nvSpPr>
+            <p:cNvPr id="12" name="Rectangle à coins arrondis 11"/>
+            <p:cNvSpPr/>
+            <p:nvPr/>
+          </p:nvSpPr>
+          <p:spPr>
+            <a:xfrm>
+              <a:off x="561523" y="1556792"/>
+              <a:ext cx="2498309" cy="1080120"/>
+            </a:xfrm>
+            <a:prstGeom prst="roundRect">
+              <a:avLst/>
+            </a:prstGeom>
+            <a:solidFill>
+              <a:schemeClr val="bg1"/>
+            </a:solidFill>
+            <a:ln>
+              <a:solidFill>
+                <a:schemeClr val="bg1">
+                  <a:lumMod val="65000"/>
+                </a:schemeClr>
+              </a:solidFill>
+            </a:ln>
+          </p:spPr>
+          <p:style>
+            <a:lnRef idx="2">
+              <a:schemeClr val="accent1">
+                <a:shade val="50000"/>
+              </a:schemeClr>
+            </a:lnRef>
+            <a:fillRef idx="1">
+              <a:schemeClr val="accent1"/>
+            </a:fillRef>
+            <a:effectRef idx="0">
+              <a:schemeClr val="accent1"/>
+            </a:effectRef>
+            <a:fontRef idx="minor">
+              <a:schemeClr val="lt1"/>
+            </a:fontRef>
+          </p:style>
+          <p:txBody>
+            <a:bodyPr rtlCol="0" anchor="ctr"/>
+            <a:lstStyle/>
+            <a:p>
+              <a:pPr algn="ctr"/>
+              <a:endParaRPr lang="fr-FR"/>
+            </a:p>
+          </p:txBody>
+        </p:sp>
+        <p:sp>
+          <p:nvSpPr>
+            <p:cNvPr id="13" name="ZoneTexte 12"/>
+            <p:cNvSpPr txBox="1"/>
+            <p:nvPr/>
+          </p:nvSpPr>
+          <p:spPr>
+            <a:xfrm>
+              <a:off x="952073" y="1890594"/>
+              <a:ext cx="1717207" cy="461665"/>
+            </a:xfrm>
+            <a:prstGeom prst="rect">
+              <a:avLst/>
+            </a:prstGeom>
+            <a:noFill/>
+          </p:spPr>
+          <p:txBody>
+            <a:bodyPr wrap="square" rtlCol="0">
+              <a:spAutoFit/>
+            </a:bodyPr>
+            <a:lstStyle/>
+            <a:p>
+              <a:pPr algn="ctr"/>
+              <a:r>
+                <a:rPr lang="fr-FR" sz="2400" smtClean="0">
+                  <a:latin typeface="Yu Gothic UI" panose="020B0500000000000000" pitchFamily="34" charset="-128"/>
+                  <a:ea typeface="Yu Gothic UI" panose="020B0500000000000000" pitchFamily="34" charset="-128"/>
+                </a:rPr>
+                <a:t>Analyse</a:t>
+              </a:r>
+              <a:endParaRPr lang="fr-FR" sz="2400">
+                <a:latin typeface="Yu Gothic UI" panose="020B0500000000000000" pitchFamily="34" charset="-128"/>
+                <a:ea typeface="Yu Gothic UI" panose="020B0500000000000000" pitchFamily="34" charset="-128"/>
+              </a:endParaRPr>
+            </a:p>
+          </p:txBody>
+        </p:sp>
+      </p:grpSp>
+      <p:grpSp>
+        <p:nvGrpSpPr>
+          <p:cNvPr id="14" name="Groupe 13"/>
+          <p:cNvGrpSpPr/>
+          <p:nvPr/>
+        </p:nvGrpSpPr>
+        <p:grpSpPr>
+          <a:xfrm>
+            <a:off x="1026859" y="4610472"/>
+            <a:ext cx="2498309" cy="1266800"/>
+            <a:chOff x="561523" y="1556793"/>
+            <a:chExt cx="2498309" cy="943808"/>
+          </a:xfrm>
+        </p:grpSpPr>
+        <p:sp>
+          <p:nvSpPr>
+            <p:cNvPr id="15" name="Rectangle à coins arrondis 14"/>
+            <p:cNvSpPr/>
+            <p:nvPr/>
+          </p:nvSpPr>
+          <p:spPr>
+            <a:xfrm>
+              <a:off x="561523" y="1556793"/>
+              <a:ext cx="2498309" cy="943808"/>
+            </a:xfrm>
+            <a:prstGeom prst="roundRect">
+              <a:avLst/>
+            </a:prstGeom>
+            <a:solidFill>
+              <a:schemeClr val="bg1"/>
+            </a:solidFill>
+            <a:ln>
+              <a:solidFill>
+                <a:schemeClr val="bg1">
+                  <a:lumMod val="65000"/>
+                </a:schemeClr>
+              </a:solidFill>
+            </a:ln>
+          </p:spPr>
+          <p:style>
+            <a:lnRef idx="2">
+              <a:schemeClr val="accent1">
+                <a:shade val="50000"/>
+              </a:schemeClr>
+            </a:lnRef>
+            <a:fillRef idx="1">
+              <a:schemeClr val="accent1"/>
+            </a:fillRef>
+            <a:effectRef idx="0">
+              <a:schemeClr val="accent1"/>
+            </a:effectRef>
+            <a:fontRef idx="minor">
+              <a:schemeClr val="lt1"/>
+            </a:fontRef>
+          </p:style>
+          <p:txBody>
+            <a:bodyPr rtlCol="0" anchor="ctr"/>
+            <a:lstStyle/>
+            <a:p>
+              <a:pPr algn="ctr"/>
+              <a:endParaRPr lang="fr-FR"/>
+            </a:p>
+          </p:txBody>
+        </p:sp>
+        <p:sp>
+          <p:nvSpPr>
+            <p:cNvPr id="17" name="ZoneTexte 16"/>
+            <p:cNvSpPr txBox="1"/>
+            <p:nvPr/>
+          </p:nvSpPr>
+          <p:spPr>
+            <a:xfrm>
+              <a:off x="952073" y="1711675"/>
+              <a:ext cx="1717207" cy="619120"/>
+            </a:xfrm>
+            <a:prstGeom prst="rect">
+              <a:avLst/>
+            </a:prstGeom>
+            <a:noFill/>
+          </p:spPr>
+          <p:txBody>
+            <a:bodyPr wrap="square" rtlCol="0">
+              <a:spAutoFit/>
+            </a:bodyPr>
+            <a:lstStyle/>
+            <a:p>
+              <a:pPr algn="ctr"/>
+              <a:r>
+                <a:rPr lang="fr-FR" sz="2400" smtClean="0">
+                  <a:latin typeface="Yu Gothic UI" panose="020B0500000000000000" pitchFamily="34" charset="-128"/>
+                  <a:ea typeface="Yu Gothic UI" panose="020B0500000000000000" pitchFamily="34" charset="-128"/>
+                </a:rPr>
+                <a:t>Ajustement du projet</a:t>
+              </a:r>
+              <a:endParaRPr lang="fr-FR" sz="2400">
+                <a:latin typeface="Yu Gothic UI" panose="020B0500000000000000" pitchFamily="34" charset="-128"/>
+                <a:ea typeface="Yu Gothic UI" panose="020B0500000000000000" pitchFamily="34" charset="-128"/>
+              </a:endParaRPr>
+            </a:p>
+          </p:txBody>
+        </p:sp>
+      </p:grpSp>
+      <p:sp>
+        <p:nvSpPr>
+          <p:cNvPr id="18" name="Flèche vers le bas 17"/>
+          <p:cNvSpPr/>
+          <p:nvPr/>
+        </p:nvSpPr>
+        <p:spPr>
+          <a:xfrm>
+            <a:off x="2158637" y="2725648"/>
+            <a:ext cx="288032" cy="245787"/>
+          </a:xfrm>
+          <a:prstGeom prst="downArrow">
+            <a:avLst/>
+          </a:prstGeom>
+          <a:solidFill>
+            <a:schemeClr val="accent1">
+              <a:lumMod val="75000"/>
+            </a:schemeClr>
+          </a:solidFill>
+          <a:ln w="6350">
+            <a:solidFill>
+              <a:schemeClr val="bg1">
+                <a:lumMod val="65000"/>
+              </a:schemeClr>
+            </a:solidFill>
+          </a:ln>
+        </p:spPr>
+        <p:style>
+          <a:lnRef idx="2">
+            <a:schemeClr val="accent1">
+              <a:shade val="50000"/>
+            </a:schemeClr>
+          </a:lnRef>
+          <a:fillRef idx="1">
+            <a:schemeClr val="accent1"/>
+          </a:fillRef>
+          <a:effectRef idx="0">
+            <a:schemeClr val="accent1"/>
+          </a:effectRef>
+          <a:fontRef idx="minor">
+            <a:schemeClr val="lt1"/>
+          </a:fontRef>
+        </p:style>
+        <p:txBody>
+          <a:bodyPr rtlCol="0" anchor="ctr"/>
+          <a:lstStyle/>
+          <a:p>
+            <a:pPr algn="ctr"/>
+            <a:endParaRPr lang="fr-FR"/>
+          </a:p>
+        </p:txBody>
+      </p:sp>
+      <p:sp>
+        <p:nvSpPr>
+          <p:cNvPr id="19" name="Flèche vers le bas 18"/>
+          <p:cNvSpPr/>
+          <p:nvPr/>
+        </p:nvSpPr>
+        <p:spPr>
+          <a:xfrm>
+            <a:off x="2158637" y="4313520"/>
+            <a:ext cx="288032" cy="245787"/>
+          </a:xfrm>
+          <a:prstGeom prst="downArrow">
+            <a:avLst/>
+          </a:prstGeom>
+          <a:solidFill>
+            <a:schemeClr val="accent1">
+              <a:lumMod val="75000"/>
+            </a:schemeClr>
+          </a:solidFill>
+          <a:ln w="6350">
+            <a:solidFill>
+              <a:schemeClr val="bg1">
+                <a:lumMod val="65000"/>
+              </a:schemeClr>
+            </a:solidFill>
+          </a:ln>
+        </p:spPr>
+        <p:style>
+          <a:lnRef idx="2">
+            <a:schemeClr val="accent1">
+              <a:shade val="50000"/>
+            </a:schemeClr>
+          </a:lnRef>
+          <a:fillRef idx="1">
+            <a:schemeClr val="accent1"/>
+          </a:fillRef>
+          <a:effectRef idx="0">
+            <a:schemeClr val="accent1"/>
+          </a:effectRef>
+          <a:fontRef idx="minor">
+            <a:schemeClr val="lt1"/>
+          </a:fontRef>
+        </p:style>
+        <p:txBody>
+          <a:bodyPr rtlCol="0" anchor="ctr"/>
+          <a:lstStyle/>
+          <a:p>
+            <a:pPr algn="ctr"/>
+            <a:endParaRPr lang="fr-FR"/>
+          </a:p>
+        </p:txBody>
+      </p:sp>
+      <p:sp>
+        <p:nvSpPr>
+          <p:cNvPr id="20" name="ZoneTexte 19"/>
+          <p:cNvSpPr txBox="1"/>
+          <p:nvPr/>
+        </p:nvSpPr>
+        <p:spPr>
+          <a:xfrm>
+            <a:off x="4601964" y="2039738"/>
+            <a:ext cx="3930476" cy="3416320"/>
+          </a:xfrm>
+          <a:prstGeom prst="rect">
+            <a:avLst/>
+          </a:prstGeom>
+          <a:noFill/>
+        </p:spPr>
+        <p:txBody>
+          <a:bodyPr wrap="square" rtlCol="0">
+            <a:spAutoFit/>
+          </a:bodyPr>
+          <a:lstStyle/>
+          <a:p>
+            <a:r>
+              <a:rPr lang="fr-FR" b="1" smtClean="0">
+                <a:latin typeface="+mj-lt"/>
+              </a:rPr>
+              <a:t>Une base de donnée propre</a:t>
+            </a:r>
+          </a:p>
+          <a:p>
+            <a:endParaRPr lang="fr-FR" smtClean="0"/>
+          </a:p>
+          <a:p>
+            <a:pPr marL="285750" indent="-285750">
+              <a:buFont typeface="Wingdings" panose="05000000000000000000" pitchFamily="2" charset="2"/>
+              <a:buChar char="q"/>
+            </a:pPr>
+            <a:r>
+              <a:rPr lang="fr-FR" smtClean="0">
+                <a:latin typeface="Yu Gothic Light" panose="020B0300000000000000" pitchFamily="34" charset="-128"/>
+                <a:ea typeface="Yu Gothic Light" panose="020B0300000000000000" pitchFamily="34" charset="-128"/>
+              </a:rPr>
+              <a:t>sans valeurs aberrantes</a:t>
+            </a:r>
+          </a:p>
+          <a:p>
+            <a:pPr marL="285750" indent="-285750">
+              <a:buFont typeface="Wingdings" panose="05000000000000000000" pitchFamily="2" charset="2"/>
+              <a:buChar char="q"/>
+            </a:pPr>
+            <a:r>
+              <a:rPr lang="fr-FR" smtClean="0">
+                <a:latin typeface="Yu Gothic Light" panose="020B0300000000000000" pitchFamily="34" charset="-128"/>
+                <a:ea typeface="Yu Gothic Light" panose="020B0300000000000000" pitchFamily="34" charset="-128"/>
+              </a:rPr>
+              <a:t>sans doublons</a:t>
+            </a:r>
+          </a:p>
+          <a:p>
+            <a:pPr marL="285750" indent="-285750">
+              <a:buFont typeface="Wingdings" panose="05000000000000000000" pitchFamily="2" charset="2"/>
+              <a:buChar char="q"/>
+            </a:pPr>
+            <a:r>
+              <a:rPr lang="fr-FR">
+                <a:latin typeface="Yu Gothic Light" panose="020B0300000000000000" pitchFamily="34" charset="-128"/>
+                <a:ea typeface="Yu Gothic Light" panose="020B0300000000000000" pitchFamily="34" charset="-128"/>
+              </a:rPr>
+              <a:t>s</a:t>
+            </a:r>
+            <a:r>
+              <a:rPr lang="fr-FR" smtClean="0">
+                <a:latin typeface="Yu Gothic Light" panose="020B0300000000000000" pitchFamily="34" charset="-128"/>
+                <a:ea typeface="Yu Gothic Light" panose="020B0300000000000000" pitchFamily="34" charset="-128"/>
+              </a:rPr>
+              <a:t>ans valeurs manquantes</a:t>
+            </a:r>
+          </a:p>
+          <a:p>
+            <a:endParaRPr lang="fr-FR" smtClean="0"/>
+          </a:p>
+          <a:p>
+            <a:endParaRPr lang="fr-FR"/>
+          </a:p>
+          <a:p>
+            <a:r>
+              <a:rPr lang="fr-FR" smtClean="0">
+                <a:latin typeface="+mj-lt"/>
+              </a:rPr>
+              <a:t>Un contenu adapté</a:t>
+            </a:r>
+          </a:p>
+          <a:p>
+            <a:pPr marL="285750" indent="-285750">
+              <a:buFont typeface="Wingdings" panose="05000000000000000000" pitchFamily="2" charset="2"/>
+              <a:buChar char="q"/>
+            </a:pPr>
+            <a:endParaRPr lang="fr-FR" smtClean="0">
+              <a:latin typeface="+mj-lt"/>
+            </a:endParaRPr>
+          </a:p>
+          <a:p>
+            <a:pPr marL="285750" indent="-285750">
+              <a:buFont typeface="Wingdings" panose="05000000000000000000" pitchFamily="2" charset="2"/>
+              <a:buChar char="q"/>
+            </a:pPr>
+            <a:r>
+              <a:rPr lang="fr-FR">
+                <a:latin typeface="Yu Gothic Light" panose="020B0300000000000000" pitchFamily="34" charset="-128"/>
+                <a:ea typeface="Yu Gothic Light" panose="020B0300000000000000" pitchFamily="34" charset="-128"/>
+              </a:rPr>
+              <a:t>d</a:t>
+            </a:r>
+            <a:r>
+              <a:rPr lang="fr-FR" smtClean="0">
+                <a:latin typeface="Yu Gothic Light" panose="020B0300000000000000" pitchFamily="34" charset="-128"/>
+                <a:ea typeface="Yu Gothic Light" panose="020B0300000000000000" pitchFamily="34" charset="-128"/>
+              </a:rPr>
+              <a:t>es produits </a:t>
+            </a:r>
+            <a:r>
+              <a:rPr lang="fr-FR" u="sng" smtClean="0">
+                <a:latin typeface="Yu Gothic Light" panose="020B0300000000000000" pitchFamily="34" charset="-128"/>
+                <a:ea typeface="Yu Gothic Light" panose="020B0300000000000000" pitchFamily="34" charset="-128"/>
+              </a:rPr>
+              <a:t>identifiables</a:t>
+            </a:r>
+          </a:p>
+          <a:p>
+            <a:pPr marL="285750" indent="-285750">
+              <a:buFont typeface="Wingdings" panose="05000000000000000000" pitchFamily="2" charset="2"/>
+              <a:buChar char="q"/>
+            </a:pPr>
+            <a:r>
+              <a:rPr lang="fr-FR" smtClean="0">
+                <a:latin typeface="Yu Gothic Light" panose="020B0300000000000000" pitchFamily="34" charset="-128"/>
+                <a:ea typeface="Yu Gothic Light" panose="020B0300000000000000" pitchFamily="34" charset="-128"/>
+              </a:rPr>
+              <a:t>des catégories </a:t>
+            </a:r>
+            <a:r>
+              <a:rPr lang="fr-FR" u="sng" smtClean="0">
+                <a:latin typeface="Yu Gothic Light" panose="020B0300000000000000" pitchFamily="34" charset="-128"/>
+                <a:ea typeface="Yu Gothic Light" panose="020B0300000000000000" pitchFamily="34" charset="-128"/>
+              </a:rPr>
+              <a:t>pertinentes</a:t>
+            </a:r>
+          </a:p>
+          <a:p>
+            <a:pPr marL="285750" indent="-285750">
+              <a:buFont typeface="Wingdings" panose="05000000000000000000" pitchFamily="2" charset="2"/>
+              <a:buChar char="q"/>
+            </a:pPr>
+            <a:r>
+              <a:rPr lang="fr-FR" smtClean="0">
+                <a:latin typeface="Yu Gothic Light" panose="020B0300000000000000" pitchFamily="34" charset="-128"/>
+                <a:ea typeface="Yu Gothic Light" panose="020B0300000000000000" pitchFamily="34" charset="-128"/>
+              </a:rPr>
+              <a:t>des données </a:t>
+            </a:r>
+            <a:r>
+              <a:rPr lang="fr-FR" u="sng" smtClean="0">
+                <a:latin typeface="Yu Gothic Light" panose="020B0300000000000000" pitchFamily="34" charset="-128"/>
+                <a:ea typeface="Yu Gothic Light" panose="020B0300000000000000" pitchFamily="34" charset="-128"/>
+              </a:rPr>
+              <a:t>chiffrées utiles</a:t>
+            </a:r>
+          </a:p>
+        </p:txBody>
+      </p:sp>
+    </p:spTree>
+    <p:extLst>
+      <p:ext uri="{BB962C8B-B14F-4D97-AF65-F5344CB8AC3E}">
+        <p14:creationId xmlns:p14="http://schemas.microsoft.com/office/powerpoint/2010/main" val="1177343099"/>
+      </p:ext>
+    </p:extLst>
+  </p:cSld>
+  <p:clrMapOvr>
+    <a:masterClrMapping/>
+  </p:clrMapOvr>
+  <p:timing>
+    <p:tnLst>
+      <p:par>
+        <p:cTn id="1" dur="indefinite" restart="never" nodeType="tmRoot"/>
+      </p:par>
+    </p:tnLst>
+  </p:timing>
+</p:sld>
+</file>
+
+<file path=ppt/slides/slide6.xml><?xml version="1.0" encoding="utf-8"?>
+<p:sld xmlns:a="http://schemas.openxmlformats.org/drawingml/2006/main" xmlns:r="http://schemas.openxmlformats.org/officeDocument/2006/relationships" xmlns:p="http://schemas.openxmlformats.org/presentationml/2006/main">
+  <p:cSld>
+    <p:spTree>
+      <p:nvGrpSpPr>
+        <p:cNvPr id="1" name=""/>
+        <p:cNvGrpSpPr/>
+        <p:nvPr/>
+      </p:nvGrpSpPr>
+      <p:grpSpPr>
+        <a:xfrm>
+          <a:off x="0" y="0"/>
+          <a:ext cx="0" cy="0"/>
+          <a:chOff x="0" y="0"/>
+          <a:chExt cx="0" cy="0"/>
+        </a:xfrm>
+      </p:grpSpPr>
+      <p:sp>
+        <p:nvSpPr>
+          <p:cNvPr id="4" name="Espace réservé de la date 3"/>
+          <p:cNvSpPr>
+            <a:spLocks noGrp="1"/>
+          </p:cNvSpPr>
+          <p:nvPr>
+            <p:ph type="dt" sz="half" idx="10"/>
+          </p:nvPr>
+        </p:nvSpPr>
+        <p:spPr/>
+        <p:txBody>
+          <a:bodyPr/>
+          <a:lstStyle/>
+          <a:p>
+            <a:r>
+              <a:rPr lang="fr-FR" smtClean="0"/>
+              <a:t>17/06/2020</a:t>
+            </a:r>
+            <a:endParaRPr lang="fr-FR"/>
+          </a:p>
+        </p:txBody>
+      </p:sp>
+      <p:sp>
+        <p:nvSpPr>
+          <p:cNvPr id="5" name="Espace réservé du pied de page 4"/>
+          <p:cNvSpPr>
+            <a:spLocks noGrp="1"/>
+          </p:cNvSpPr>
+          <p:nvPr>
+            <p:ph type="ftr" sz="quarter" idx="11"/>
+          </p:nvPr>
+        </p:nvSpPr>
+        <p:spPr/>
+        <p:txBody>
+          <a:bodyPr/>
+          <a:lstStyle/>
+          <a:p>
+            <a:r>
+              <a:rPr lang="fr-FR" smtClean="0"/>
+              <a:t>Maryse Muller  |  Parcours Data Scientist</a:t>
+            </a:r>
+            <a:endParaRPr lang="fr-FR"/>
+          </a:p>
+        </p:txBody>
+      </p:sp>
+      <p:sp>
+        <p:nvSpPr>
+          <p:cNvPr id="6" name="Espace réservé du numéro de diapositive 5"/>
+          <p:cNvSpPr>
+            <a:spLocks noGrp="1"/>
+          </p:cNvSpPr>
+          <p:nvPr>
+            <p:ph type="sldNum" sz="quarter" idx="12"/>
+          </p:nvPr>
+        </p:nvSpPr>
+        <p:spPr/>
+        <p:txBody>
+          <a:bodyPr/>
+          <a:lstStyle/>
+          <a:p>
+            <a:fld id="{D384C430-F8FC-4B07-B0BC-750FA1B3CF0A}" type="slidenum">
+              <a:rPr lang="fr-FR" smtClean="0"/>
+              <a:t>6</a:t>
             </a:fld>
             <a:endParaRPr lang="fr-FR"/>
           </a:p>
@@ -13878,7 +17610,7 @@
 </p:sld>
 </file>
 
-<file path=ppt/slides/slide6.xml><?xml version="1.0" encoding="utf-8"?>
+<file path=ppt/slides/slide7.xml><?xml version="1.0" encoding="utf-8"?>
 <p:sld xmlns:a="http://schemas.openxmlformats.org/drawingml/2006/main" xmlns:r="http://schemas.openxmlformats.org/officeDocument/2006/relationships" xmlns:p="http://schemas.openxmlformats.org/presentationml/2006/main">
   <p:cSld>
     <p:spTree>
@@ -14198,7 +17930,7 @@
           <a:p>
             <a:fld id="{D384C430-F8FC-4B07-B0BC-750FA1B3CF0A}" type="slidenum">
               <a:rPr lang="fr-FR" smtClean="0"/>
-              <a:t>6</a:t>
+              <a:t>7</a:t>
             </a:fld>
             <a:endParaRPr lang="fr-FR"/>
           </a:p>
@@ -14556,7 +18288,7 @@
 </p:sld>
 </file>
 
-<file path=ppt/slides/slide7.xml><?xml version="1.0" encoding="utf-8"?>
+<file path=ppt/slides/slide8.xml><?xml version="1.0" encoding="utf-8"?>
 <p:sld xmlns:a="http://schemas.openxmlformats.org/drawingml/2006/main" xmlns:r="http://schemas.openxmlformats.org/officeDocument/2006/relationships" xmlns:p="http://schemas.openxmlformats.org/presentationml/2006/main">
   <p:cSld>
     <p:spTree>
@@ -14688,7 +18420,7 @@
           <a:p>
             <a:fld id="{D384C430-F8FC-4B07-B0BC-750FA1B3CF0A}" type="slidenum">
               <a:rPr lang="fr-FR" smtClean="0"/>
-              <a:t>7</a:t>
+              <a:t>8</a:t>
             </a:fld>
             <a:endParaRPr lang="fr-FR"/>
           </a:p>
@@ -15526,7 +19258,7 @@
 </p:sld>
 </file>
 
-<file path=ppt/slides/slide8.xml><?xml version="1.0" encoding="utf-8"?>
+<file path=ppt/slides/slide9.xml><?xml version="1.0" encoding="utf-8"?>
 <p:sld xmlns:a="http://schemas.openxmlformats.org/drawingml/2006/main" xmlns:r="http://schemas.openxmlformats.org/officeDocument/2006/relationships" xmlns:p="http://schemas.openxmlformats.org/presentationml/2006/main">
   <p:cSld>
     <p:spTree>
@@ -15824,7 +19556,7 @@
           <a:p>
             <a:fld id="{D384C430-F8FC-4B07-B0BC-750FA1B3CF0A}" type="slidenum">
               <a:rPr lang="fr-FR" smtClean="0"/>
-              <a:t>8</a:t>
+              <a:t>9</a:t>
             </a:fld>
             <a:endParaRPr lang="fr-FR"/>
           </a:p>
@@ -16758,2213 +20490,6 @@
     <p:extLst>
       <p:ext uri="{BB962C8B-B14F-4D97-AF65-F5344CB8AC3E}">
         <p14:creationId xmlns:p14="http://schemas.microsoft.com/office/powerpoint/2010/main" val="3612823211"/>
-      </p:ext>
-    </p:extLst>
-  </p:cSld>
-  <p:clrMapOvr>
-    <a:masterClrMapping/>
-  </p:clrMapOvr>
-  <p:timing>
-    <p:tnLst>
-      <p:par>
-        <p:cTn id="1" dur="indefinite" restart="never" nodeType="tmRoot"/>
-      </p:par>
-    </p:tnLst>
-  </p:timing>
-</p:sld>
-</file>
-
-<file path=ppt/slides/slide9.xml><?xml version="1.0" encoding="utf-8"?>
-<p:sld xmlns:a="http://schemas.openxmlformats.org/drawingml/2006/main" xmlns:r="http://schemas.openxmlformats.org/officeDocument/2006/relationships" xmlns:p="http://schemas.openxmlformats.org/presentationml/2006/main">
-  <p:cSld>
-    <p:spTree>
-      <p:nvGrpSpPr>
-        <p:cNvPr id="1" name=""/>
-        <p:cNvGrpSpPr/>
-        <p:nvPr/>
-      </p:nvGrpSpPr>
-      <p:grpSpPr>
-        <a:xfrm>
-          <a:off x="0" y="0"/>
-          <a:ext cx="0" cy="0"/>
-          <a:chOff x="0" y="0"/>
-          <a:chExt cx="0" cy="0"/>
-        </a:xfrm>
-      </p:grpSpPr>
-      <p:sp>
-        <p:nvSpPr>
-          <p:cNvPr id="7" name="ZoneTexte 6"/>
-          <p:cNvSpPr txBox="1"/>
-          <p:nvPr/>
-        </p:nvSpPr>
-        <p:spPr>
-          <a:xfrm>
-            <a:off x="991402" y="465137"/>
-            <a:ext cx="4372686" cy="307777"/>
-          </a:xfrm>
-          <a:prstGeom prst="rect">
-            <a:avLst/>
-          </a:prstGeom>
-          <a:solidFill>
-            <a:srgbClr val="FFFF66"/>
-          </a:solidFill>
-          <a:ln w="6350">
-            <a:solidFill>
-              <a:schemeClr val="bg1">
-                <a:lumMod val="50000"/>
-              </a:schemeClr>
-            </a:solidFill>
-          </a:ln>
-        </p:spPr>
-        <p:txBody>
-          <a:bodyPr wrap="square" rtlCol="0">
-            <a:spAutoFit/>
-          </a:bodyPr>
-          <a:lstStyle/>
-          <a:p>
-            <a:pPr algn="ctr"/>
-            <a:r>
-              <a:rPr lang="fr-FR" sz="1400" b="1" smtClean="0">
-                <a:latin typeface="Yu Gothic Medium" panose="020B0500000000000000" pitchFamily="34" charset="-128"/>
-                <a:ea typeface="Yu Gothic Medium" panose="020B0500000000000000" pitchFamily="34" charset="-128"/>
-              </a:rPr>
-              <a:t>Colonnes composants principaux</a:t>
-            </a:r>
-            <a:endParaRPr lang="fr-FR" sz="1400" b="1">
-              <a:latin typeface="Yu Gothic Medium" panose="020B0500000000000000" pitchFamily="34" charset="-128"/>
-              <a:ea typeface="Yu Gothic Medium" panose="020B0500000000000000" pitchFamily="34" charset="-128"/>
-            </a:endParaRPr>
-          </a:p>
-        </p:txBody>
-      </p:sp>
-      <p:sp>
-        <p:nvSpPr>
-          <p:cNvPr id="56" name="Flèche courbée vers la droite 55"/>
-          <p:cNvSpPr/>
-          <p:nvPr/>
-        </p:nvSpPr>
-        <p:spPr>
-          <a:xfrm flipV="1">
-            <a:off x="739210" y="538447"/>
-            <a:ext cx="370521" cy="406261"/>
-          </a:xfrm>
-          <a:prstGeom prst="curvedRightArrow">
-            <a:avLst/>
-          </a:prstGeom>
-          <a:solidFill>
-            <a:srgbClr val="FF0000"/>
-          </a:solidFill>
-          <a:ln w="6350">
-            <a:solidFill>
-              <a:schemeClr val="bg1">
-                <a:lumMod val="50000"/>
-              </a:schemeClr>
-            </a:solidFill>
-          </a:ln>
-        </p:spPr>
-        <p:style>
-          <a:lnRef idx="2">
-            <a:schemeClr val="accent1">
-              <a:shade val="50000"/>
-            </a:schemeClr>
-          </a:lnRef>
-          <a:fillRef idx="1">
-            <a:schemeClr val="accent1"/>
-          </a:fillRef>
-          <a:effectRef idx="0">
-            <a:schemeClr val="accent1"/>
-          </a:effectRef>
-          <a:fontRef idx="minor">
-            <a:schemeClr val="lt1"/>
-          </a:fontRef>
-        </p:style>
-        <p:txBody>
-          <a:bodyPr rtlCol="0" anchor="ctr"/>
-          <a:lstStyle/>
-          <a:p>
-            <a:pPr algn="ctr"/>
-            <a:endParaRPr lang="fr-FR">
-              <a:solidFill>
-                <a:schemeClr val="tx1"/>
-              </a:solidFill>
-            </a:endParaRPr>
-          </a:p>
-        </p:txBody>
-      </p:sp>
-      <p:sp>
-        <p:nvSpPr>
-          <p:cNvPr id="16" name="Rectangle 15"/>
-          <p:cNvSpPr/>
-          <p:nvPr/>
-        </p:nvSpPr>
-        <p:spPr>
-          <a:xfrm>
-            <a:off x="991403" y="772081"/>
-            <a:ext cx="1175409" cy="307495"/>
-          </a:xfrm>
-          <a:prstGeom prst="rect">
-            <a:avLst/>
-          </a:prstGeom>
-          <a:solidFill>
-            <a:srgbClr val="FFFF66"/>
-          </a:solidFill>
-          <a:ln w="6350">
-            <a:solidFill>
-              <a:schemeClr val="bg1">
-                <a:lumMod val="50000"/>
-              </a:schemeClr>
-            </a:solidFill>
-          </a:ln>
-        </p:spPr>
-        <p:style>
-          <a:lnRef idx="2">
-            <a:schemeClr val="accent1">
-              <a:shade val="50000"/>
-            </a:schemeClr>
-          </a:lnRef>
-          <a:fillRef idx="1">
-            <a:schemeClr val="accent1"/>
-          </a:fillRef>
-          <a:effectRef idx="0">
-            <a:schemeClr val="accent1"/>
-          </a:effectRef>
-          <a:fontRef idx="minor">
-            <a:schemeClr val="lt1"/>
-          </a:fontRef>
-        </p:style>
-        <p:txBody>
-          <a:bodyPr rtlCol="0" anchor="ctr"/>
-          <a:lstStyle/>
-          <a:p>
-            <a:pPr algn="ctr"/>
-            <a:r>
-              <a:rPr lang="fr-FR" sz="1400">
-                <a:solidFill>
-                  <a:schemeClr val="tx1"/>
-                </a:solidFill>
-                <a:latin typeface="+mj-lt"/>
-                <a:ea typeface="Yu Gothic UI" panose="020B0500000000000000" pitchFamily="34" charset="-128"/>
-              </a:rPr>
-              <a:t>fat</a:t>
-            </a:r>
-          </a:p>
-        </p:txBody>
-      </p:sp>
-      <p:sp>
-        <p:nvSpPr>
-          <p:cNvPr id="55" name="Flèche courbée vers la droite 54"/>
-          <p:cNvSpPr/>
-          <p:nvPr/>
-        </p:nvSpPr>
-        <p:spPr>
-          <a:xfrm flipV="1">
-            <a:off x="452270" y="836416"/>
-            <a:ext cx="650566" cy="406261"/>
-          </a:xfrm>
-          <a:prstGeom prst="curvedRightArrow">
-            <a:avLst/>
-          </a:prstGeom>
-          <a:solidFill>
-            <a:schemeClr val="bg1"/>
-          </a:solidFill>
-          <a:ln w="6350">
-            <a:solidFill>
-              <a:schemeClr val="bg1">
-                <a:lumMod val="50000"/>
-              </a:schemeClr>
-            </a:solidFill>
-          </a:ln>
-        </p:spPr>
-        <p:style>
-          <a:lnRef idx="2">
-            <a:schemeClr val="accent1">
-              <a:shade val="50000"/>
-            </a:schemeClr>
-          </a:lnRef>
-          <a:fillRef idx="1">
-            <a:schemeClr val="accent1"/>
-          </a:fillRef>
-          <a:effectRef idx="0">
-            <a:schemeClr val="accent1"/>
-          </a:effectRef>
-          <a:fontRef idx="minor">
-            <a:schemeClr val="lt1"/>
-          </a:fontRef>
-        </p:style>
-        <p:txBody>
-          <a:bodyPr rtlCol="0" anchor="ctr"/>
-          <a:lstStyle/>
-          <a:p>
-            <a:pPr algn="ctr"/>
-            <a:endParaRPr lang="fr-FR">
-              <a:solidFill>
-                <a:schemeClr val="tx1"/>
-              </a:solidFill>
-            </a:endParaRPr>
-          </a:p>
-        </p:txBody>
-      </p:sp>
-      <p:sp>
-        <p:nvSpPr>
-          <p:cNvPr id="18" name="Rectangle 17"/>
-          <p:cNvSpPr/>
-          <p:nvPr/>
-        </p:nvSpPr>
-        <p:spPr>
-          <a:xfrm>
-            <a:off x="2166309" y="772497"/>
-            <a:ext cx="1795557" cy="307495"/>
-          </a:xfrm>
-          <a:prstGeom prst="rect">
-            <a:avLst/>
-          </a:prstGeom>
-          <a:solidFill>
-            <a:srgbClr val="FFFF66"/>
-          </a:solidFill>
-          <a:ln w="6350">
-            <a:solidFill>
-              <a:schemeClr val="bg1">
-                <a:lumMod val="50000"/>
-              </a:schemeClr>
-            </a:solidFill>
-          </a:ln>
-        </p:spPr>
-        <p:style>
-          <a:lnRef idx="2">
-            <a:schemeClr val="accent1">
-              <a:shade val="50000"/>
-            </a:schemeClr>
-          </a:lnRef>
-          <a:fillRef idx="1">
-            <a:schemeClr val="accent1"/>
-          </a:fillRef>
-          <a:effectRef idx="0">
-            <a:schemeClr val="accent1"/>
-          </a:effectRef>
-          <a:fontRef idx="minor">
-            <a:schemeClr val="lt1"/>
-          </a:fontRef>
-        </p:style>
-        <p:txBody>
-          <a:bodyPr rtlCol="0" anchor="ctr"/>
-          <a:lstStyle/>
-          <a:p>
-            <a:pPr algn="ctr"/>
-            <a:r>
-              <a:rPr lang="fr-FR" sz="1400" smtClean="0">
-                <a:solidFill>
-                  <a:schemeClr val="tx1"/>
-                </a:solidFill>
-                <a:latin typeface="+mj-lt"/>
-                <a:ea typeface="Yu Gothic UI" panose="020B0500000000000000" pitchFamily="34" charset="-128"/>
-              </a:rPr>
-              <a:t>carbohydrates</a:t>
-            </a:r>
-            <a:endParaRPr lang="fr-FR" sz="1400">
-              <a:solidFill>
-                <a:schemeClr val="tx1"/>
-              </a:solidFill>
-              <a:latin typeface="+mj-lt"/>
-              <a:ea typeface="Yu Gothic UI" panose="020B0500000000000000" pitchFamily="34" charset="-128"/>
-            </a:endParaRPr>
-          </a:p>
-        </p:txBody>
-      </p:sp>
-      <p:sp>
-        <p:nvSpPr>
-          <p:cNvPr id="19" name="Rectangle 18"/>
-          <p:cNvSpPr/>
-          <p:nvPr/>
-        </p:nvSpPr>
-        <p:spPr>
-          <a:xfrm>
-            <a:off x="3961865" y="772080"/>
-            <a:ext cx="902732" cy="308329"/>
-          </a:xfrm>
-          <a:prstGeom prst="rect">
-            <a:avLst/>
-          </a:prstGeom>
-          <a:solidFill>
-            <a:srgbClr val="FFFF66"/>
-          </a:solidFill>
-          <a:ln w="6350">
-            <a:solidFill>
-              <a:schemeClr val="bg1">
-                <a:lumMod val="50000"/>
-              </a:schemeClr>
-            </a:solidFill>
-          </a:ln>
-        </p:spPr>
-        <p:style>
-          <a:lnRef idx="2">
-            <a:schemeClr val="accent1">
-              <a:shade val="50000"/>
-            </a:schemeClr>
-          </a:lnRef>
-          <a:fillRef idx="1">
-            <a:schemeClr val="accent1"/>
-          </a:fillRef>
-          <a:effectRef idx="0">
-            <a:schemeClr val="accent1"/>
-          </a:effectRef>
-          <a:fontRef idx="minor">
-            <a:schemeClr val="lt1"/>
-          </a:fontRef>
-        </p:style>
-        <p:txBody>
-          <a:bodyPr rtlCol="0" anchor="ctr"/>
-          <a:lstStyle/>
-          <a:p>
-            <a:pPr algn="ctr"/>
-            <a:r>
-              <a:rPr lang="fr-FR" sz="1400" err="1" smtClean="0">
-                <a:solidFill>
-                  <a:schemeClr val="tx1"/>
-                </a:solidFill>
-                <a:latin typeface="+mj-lt"/>
-                <a:ea typeface="Yu Gothic UI" panose="020B0500000000000000" pitchFamily="34" charset="-128"/>
-              </a:rPr>
-              <a:t>proteins</a:t>
-            </a:r>
-            <a:endParaRPr lang="fr-FR" sz="1400">
-              <a:solidFill>
-                <a:schemeClr val="tx1"/>
-              </a:solidFill>
-              <a:latin typeface="+mj-lt"/>
-              <a:ea typeface="Yu Gothic UI" panose="020B0500000000000000" pitchFamily="34" charset="-128"/>
-            </a:endParaRPr>
-          </a:p>
-        </p:txBody>
-      </p:sp>
-      <p:sp>
-        <p:nvSpPr>
-          <p:cNvPr id="20" name="Rectangle 19"/>
-          <p:cNvSpPr/>
-          <p:nvPr/>
-        </p:nvSpPr>
-        <p:spPr>
-          <a:xfrm>
-            <a:off x="4864595" y="772914"/>
-            <a:ext cx="499493" cy="306661"/>
-          </a:xfrm>
-          <a:prstGeom prst="rect">
-            <a:avLst/>
-          </a:prstGeom>
-          <a:solidFill>
-            <a:srgbClr val="FFFF66"/>
-          </a:solidFill>
-          <a:ln w="6350">
-            <a:solidFill>
-              <a:schemeClr val="bg1">
-                <a:lumMod val="50000"/>
-              </a:schemeClr>
-            </a:solidFill>
-          </a:ln>
-        </p:spPr>
-        <p:style>
-          <a:lnRef idx="2">
-            <a:schemeClr val="accent1">
-              <a:shade val="50000"/>
-            </a:schemeClr>
-          </a:lnRef>
-          <a:fillRef idx="1">
-            <a:schemeClr val="accent1"/>
-          </a:fillRef>
-          <a:effectRef idx="0">
-            <a:schemeClr val="accent1"/>
-          </a:effectRef>
-          <a:fontRef idx="minor">
-            <a:schemeClr val="lt1"/>
-          </a:fontRef>
-        </p:style>
-        <p:txBody>
-          <a:bodyPr rtlCol="0" anchor="ctr"/>
-          <a:lstStyle/>
-          <a:p>
-            <a:pPr algn="ctr"/>
-            <a:r>
-              <a:rPr lang="fr-FR" sz="1400" err="1" smtClean="0">
-                <a:solidFill>
-                  <a:schemeClr val="tx1"/>
-                </a:solidFill>
-                <a:latin typeface="+mj-lt"/>
-                <a:ea typeface="Yu Gothic UI" panose="020B0500000000000000" pitchFamily="34" charset="-128"/>
-              </a:rPr>
-              <a:t>salt</a:t>
-            </a:r>
-            <a:endParaRPr lang="fr-FR" sz="1400">
-              <a:solidFill>
-                <a:schemeClr val="tx1"/>
-              </a:solidFill>
-              <a:latin typeface="+mj-lt"/>
-              <a:ea typeface="Yu Gothic UI" panose="020B0500000000000000" pitchFamily="34" charset="-128"/>
-            </a:endParaRPr>
-          </a:p>
-        </p:txBody>
-      </p:sp>
-      <p:grpSp>
-        <p:nvGrpSpPr>
-          <p:cNvPr id="14" name="Groupe 13"/>
-          <p:cNvGrpSpPr/>
-          <p:nvPr/>
-        </p:nvGrpSpPr>
-        <p:grpSpPr>
-          <a:xfrm>
-            <a:off x="2166307" y="1080406"/>
-            <a:ext cx="1795559" cy="1125733"/>
-            <a:chOff x="5015112" y="1779553"/>
-            <a:chExt cx="2717744" cy="838924"/>
-          </a:xfrm>
-        </p:grpSpPr>
-        <p:sp>
-          <p:nvSpPr>
-            <p:cNvPr id="21" name="Rectangle 20"/>
-            <p:cNvSpPr/>
-            <p:nvPr/>
-          </p:nvSpPr>
-          <p:spPr>
-            <a:xfrm rot="16200000">
-              <a:off x="5715558" y="1970600"/>
-              <a:ext cx="838921" cy="456833"/>
-            </a:xfrm>
-            <a:prstGeom prst="rect">
-              <a:avLst/>
-            </a:prstGeom>
-            <a:solidFill>
-              <a:srgbClr val="FFFFB3"/>
-            </a:solidFill>
-            <a:ln w="6350">
-              <a:solidFill>
-                <a:schemeClr val="bg1">
-                  <a:lumMod val="50000"/>
-                </a:schemeClr>
-              </a:solidFill>
-            </a:ln>
-          </p:spPr>
-          <p:style>
-            <a:lnRef idx="2">
-              <a:schemeClr val="accent1">
-                <a:shade val="50000"/>
-              </a:schemeClr>
-            </a:lnRef>
-            <a:fillRef idx="1">
-              <a:schemeClr val="accent1"/>
-            </a:fillRef>
-            <a:effectRef idx="0">
-              <a:schemeClr val="accent1"/>
-            </a:effectRef>
-            <a:fontRef idx="minor">
-              <a:schemeClr val="lt1"/>
-            </a:fontRef>
-          </p:style>
-          <p:txBody>
-            <a:bodyPr rtlCol="0" anchor="ctr"/>
-            <a:lstStyle/>
-            <a:p>
-              <a:pPr algn="ctr"/>
-              <a:r>
-                <a:rPr lang="fr-FR" sz="1200" smtClean="0">
-                  <a:solidFill>
-                    <a:schemeClr val="tx1"/>
-                  </a:solidFill>
-                  <a:latin typeface="Yu Gothic UI" panose="020B0500000000000000" pitchFamily="34" charset="-128"/>
-                  <a:ea typeface="Yu Gothic UI" panose="020B0500000000000000" pitchFamily="34" charset="-128"/>
-                </a:rPr>
-                <a:t>polyols</a:t>
-              </a:r>
-              <a:endParaRPr lang="fr-FR" sz="1200">
-                <a:solidFill>
-                  <a:schemeClr val="tx1"/>
-                </a:solidFill>
-                <a:latin typeface="Yu Gothic UI" panose="020B0500000000000000" pitchFamily="34" charset="-128"/>
-                <a:ea typeface="Yu Gothic UI" panose="020B0500000000000000" pitchFamily="34" charset="-128"/>
-              </a:endParaRPr>
-            </a:p>
-          </p:txBody>
-        </p:sp>
-        <p:sp>
-          <p:nvSpPr>
-            <p:cNvPr id="22" name="Rectangle 21"/>
-            <p:cNvSpPr/>
-            <p:nvPr/>
-          </p:nvSpPr>
-          <p:spPr>
-            <a:xfrm rot="16200000">
-              <a:off x="6402628" y="1740364"/>
-              <a:ext cx="838921" cy="917305"/>
-            </a:xfrm>
-            <a:prstGeom prst="rect">
-              <a:avLst/>
-            </a:prstGeom>
-            <a:solidFill>
-              <a:srgbClr val="FFFFB3"/>
-            </a:solidFill>
-            <a:ln w="6350">
-              <a:solidFill>
-                <a:schemeClr val="bg1">
-                  <a:lumMod val="50000"/>
-                </a:schemeClr>
-              </a:solidFill>
-            </a:ln>
-          </p:spPr>
-          <p:style>
-            <a:lnRef idx="2">
-              <a:schemeClr val="accent1">
-                <a:shade val="50000"/>
-              </a:schemeClr>
-            </a:lnRef>
-            <a:fillRef idx="1">
-              <a:schemeClr val="accent1"/>
-            </a:fillRef>
-            <a:effectRef idx="0">
-              <a:schemeClr val="accent1"/>
-            </a:effectRef>
-            <a:fontRef idx="minor">
-              <a:schemeClr val="lt1"/>
-            </a:fontRef>
-          </p:style>
-          <p:txBody>
-            <a:bodyPr rtlCol="0" anchor="ctr"/>
-            <a:lstStyle/>
-            <a:p>
-              <a:pPr algn="ctr"/>
-              <a:r>
-                <a:rPr lang="fr-FR" sz="1200" err="1" smtClean="0">
-                  <a:solidFill>
-                    <a:schemeClr val="tx1"/>
-                  </a:solidFill>
-                  <a:latin typeface="Yu Gothic UI" panose="020B0500000000000000" pitchFamily="34" charset="-128"/>
-                  <a:ea typeface="Yu Gothic UI" panose="020B0500000000000000" pitchFamily="34" charset="-128"/>
-                </a:rPr>
-                <a:t>fiber</a:t>
-              </a:r>
-              <a:endParaRPr lang="fr-FR" sz="1200">
-                <a:solidFill>
-                  <a:schemeClr val="tx1"/>
-                </a:solidFill>
-                <a:latin typeface="Yu Gothic UI" panose="020B0500000000000000" pitchFamily="34" charset="-128"/>
-                <a:ea typeface="Yu Gothic UI" panose="020B0500000000000000" pitchFamily="34" charset="-128"/>
-              </a:endParaRPr>
-            </a:p>
-          </p:txBody>
-        </p:sp>
-        <p:sp>
-          <p:nvSpPr>
-            <p:cNvPr id="23" name="Rectangle 22"/>
-            <p:cNvSpPr/>
-            <p:nvPr/>
-          </p:nvSpPr>
-          <p:spPr>
-            <a:xfrm rot="16200000">
-              <a:off x="5041396" y="1753270"/>
-              <a:ext cx="838921" cy="891490"/>
-            </a:xfrm>
-            <a:prstGeom prst="rect">
-              <a:avLst/>
-            </a:prstGeom>
-            <a:solidFill>
-              <a:srgbClr val="FFFFB3"/>
-            </a:solidFill>
-            <a:ln w="6350">
-              <a:solidFill>
-                <a:schemeClr val="bg1">
-                  <a:lumMod val="50000"/>
-                </a:schemeClr>
-              </a:solidFill>
-            </a:ln>
-          </p:spPr>
-          <p:style>
-            <a:lnRef idx="2">
-              <a:schemeClr val="accent1">
-                <a:shade val="50000"/>
-              </a:schemeClr>
-            </a:lnRef>
-            <a:fillRef idx="1">
-              <a:schemeClr val="accent1"/>
-            </a:fillRef>
-            <a:effectRef idx="0">
-              <a:schemeClr val="accent1"/>
-            </a:effectRef>
-            <a:fontRef idx="minor">
-              <a:schemeClr val="lt1"/>
-            </a:fontRef>
-          </p:style>
-          <p:txBody>
-            <a:bodyPr rtlCol="0" anchor="ctr"/>
-            <a:lstStyle/>
-            <a:p>
-              <a:pPr algn="ctr"/>
-              <a:r>
-                <a:rPr lang="fr-FR" sz="1200" err="1" smtClean="0">
-                  <a:solidFill>
-                    <a:schemeClr val="tx1"/>
-                  </a:solidFill>
-                  <a:latin typeface="Yu Gothic UI" panose="020B0500000000000000" pitchFamily="34" charset="-128"/>
-                  <a:ea typeface="Yu Gothic UI" panose="020B0500000000000000" pitchFamily="34" charset="-128"/>
-                </a:rPr>
-                <a:t>sugars</a:t>
-              </a:r>
-              <a:endParaRPr lang="fr-FR" sz="1200">
-                <a:solidFill>
-                  <a:schemeClr val="tx1"/>
-                </a:solidFill>
-                <a:latin typeface="Yu Gothic UI" panose="020B0500000000000000" pitchFamily="34" charset="-128"/>
-                <a:ea typeface="Yu Gothic UI" panose="020B0500000000000000" pitchFamily="34" charset="-128"/>
-              </a:endParaRPr>
-            </a:p>
-          </p:txBody>
-        </p:sp>
-        <p:sp>
-          <p:nvSpPr>
-            <p:cNvPr id="25" name="Rectangle 24"/>
-            <p:cNvSpPr/>
-            <p:nvPr/>
-          </p:nvSpPr>
-          <p:spPr>
-            <a:xfrm rot="16200000">
-              <a:off x="7085173" y="1970403"/>
-              <a:ext cx="838533" cy="456833"/>
-            </a:xfrm>
-            <a:prstGeom prst="rect">
-              <a:avLst/>
-            </a:prstGeom>
-            <a:solidFill>
-              <a:srgbClr val="FFFFB3"/>
-            </a:solidFill>
-            <a:ln w="6350">
-              <a:solidFill>
-                <a:schemeClr val="bg1">
-                  <a:lumMod val="50000"/>
-                </a:schemeClr>
-              </a:solidFill>
-            </a:ln>
-          </p:spPr>
-          <p:style>
-            <a:lnRef idx="2">
-              <a:schemeClr val="accent1">
-                <a:shade val="50000"/>
-              </a:schemeClr>
-            </a:lnRef>
-            <a:fillRef idx="1">
-              <a:schemeClr val="accent1"/>
-            </a:fillRef>
-            <a:effectRef idx="0">
-              <a:schemeClr val="accent1"/>
-            </a:effectRef>
-            <a:fontRef idx="minor">
-              <a:schemeClr val="lt1"/>
-            </a:fontRef>
-          </p:style>
-          <p:txBody>
-            <a:bodyPr rtlCol="0" anchor="ctr"/>
-            <a:lstStyle/>
-            <a:p>
-              <a:pPr algn="ctr"/>
-              <a:r>
-                <a:rPr lang="fr-FR" sz="1200" err="1" smtClean="0">
-                  <a:solidFill>
-                    <a:schemeClr val="tx1"/>
-                  </a:solidFill>
-                  <a:latin typeface="Yu Gothic UI" panose="020B0500000000000000" pitchFamily="34" charset="-128"/>
-                  <a:ea typeface="Yu Gothic UI" panose="020B0500000000000000" pitchFamily="34" charset="-128"/>
-                </a:rPr>
-                <a:t>starch</a:t>
-              </a:r>
-              <a:endParaRPr lang="fr-FR" sz="1200">
-                <a:solidFill>
-                  <a:schemeClr val="tx1"/>
-                </a:solidFill>
-                <a:latin typeface="Yu Gothic UI" panose="020B0500000000000000" pitchFamily="34" charset="-128"/>
-                <a:ea typeface="Yu Gothic UI" panose="020B0500000000000000" pitchFamily="34" charset="-128"/>
-              </a:endParaRPr>
-            </a:p>
-          </p:txBody>
-        </p:sp>
-      </p:grpSp>
-      <p:grpSp>
-        <p:nvGrpSpPr>
-          <p:cNvPr id="12" name="Groupe 11"/>
-          <p:cNvGrpSpPr/>
-          <p:nvPr/>
-        </p:nvGrpSpPr>
-        <p:grpSpPr>
-          <a:xfrm>
-            <a:off x="3057112" y="2206141"/>
-            <a:ext cx="606050" cy="1243292"/>
-            <a:chOff x="6377329" y="2618475"/>
-            <a:chExt cx="889414" cy="1243292"/>
-          </a:xfrm>
-        </p:grpSpPr>
-        <p:sp>
-          <p:nvSpPr>
-            <p:cNvPr id="30" name="Rectangle 29"/>
-            <p:cNvSpPr/>
-            <p:nvPr/>
-          </p:nvSpPr>
-          <p:spPr>
-            <a:xfrm rot="16200000">
-              <a:off x="5971975" y="3023829"/>
-              <a:ext cx="1243289" cy="432582"/>
-            </a:xfrm>
-            <a:prstGeom prst="rect">
-              <a:avLst/>
-            </a:prstGeom>
-            <a:solidFill>
-              <a:srgbClr val="FFFFD5"/>
-            </a:solidFill>
-            <a:ln w="6350">
-              <a:solidFill>
-                <a:schemeClr val="bg1">
-                  <a:lumMod val="50000"/>
-                </a:schemeClr>
-              </a:solidFill>
-            </a:ln>
-          </p:spPr>
-          <p:style>
-            <a:lnRef idx="2">
-              <a:schemeClr val="accent1">
-                <a:shade val="50000"/>
-              </a:schemeClr>
-            </a:lnRef>
-            <a:fillRef idx="1">
-              <a:schemeClr val="accent1"/>
-            </a:fillRef>
-            <a:effectRef idx="0">
-              <a:schemeClr val="accent1"/>
-            </a:effectRef>
-            <a:fontRef idx="minor">
-              <a:schemeClr val="lt1"/>
-            </a:fontRef>
-          </p:style>
-          <p:txBody>
-            <a:bodyPr rtlCol="0" anchor="ctr"/>
-            <a:lstStyle/>
-            <a:p>
-              <a:pPr algn="ctr"/>
-              <a:r>
-                <a:rPr lang="fr-FR" sz="1200" smtClean="0">
-                  <a:solidFill>
-                    <a:schemeClr val="tx1"/>
-                  </a:solidFill>
-                  <a:latin typeface="Yu Gothic UI Light" panose="020B0300000000000000" pitchFamily="34" charset="-128"/>
-                  <a:ea typeface="Yu Gothic UI Light" panose="020B0300000000000000" pitchFamily="34" charset="-128"/>
-                </a:rPr>
-                <a:t>soluble </a:t>
-              </a:r>
-              <a:r>
-                <a:rPr lang="fr-FR" sz="1200" err="1" smtClean="0">
-                  <a:solidFill>
-                    <a:schemeClr val="tx1"/>
-                  </a:solidFill>
-                  <a:latin typeface="Yu Gothic UI Light" panose="020B0300000000000000" pitchFamily="34" charset="-128"/>
-                  <a:ea typeface="Yu Gothic UI Light" panose="020B0300000000000000" pitchFamily="34" charset="-128"/>
-                </a:rPr>
-                <a:t>fiber</a:t>
-              </a:r>
-              <a:endParaRPr lang="fr-FR" sz="1200">
-                <a:solidFill>
-                  <a:schemeClr val="tx1"/>
-                </a:solidFill>
-                <a:latin typeface="Yu Gothic UI Light" panose="020B0300000000000000" pitchFamily="34" charset="-128"/>
-                <a:ea typeface="Yu Gothic UI Light" panose="020B0300000000000000" pitchFamily="34" charset="-128"/>
-              </a:endParaRPr>
-            </a:p>
-          </p:txBody>
-        </p:sp>
-        <p:sp>
-          <p:nvSpPr>
-            <p:cNvPr id="31" name="Rectangle 30"/>
-            <p:cNvSpPr/>
-            <p:nvPr/>
-          </p:nvSpPr>
-          <p:spPr>
-            <a:xfrm rot="16200000">
-              <a:off x="6416682" y="3011706"/>
-              <a:ext cx="1243289" cy="456833"/>
-            </a:xfrm>
-            <a:prstGeom prst="rect">
-              <a:avLst/>
-            </a:prstGeom>
-            <a:solidFill>
-              <a:srgbClr val="FFFFD5"/>
-            </a:solidFill>
-            <a:ln w="6350">
-              <a:solidFill>
-                <a:schemeClr val="bg1">
-                  <a:lumMod val="50000"/>
-                </a:schemeClr>
-              </a:solidFill>
-            </a:ln>
-          </p:spPr>
-          <p:style>
-            <a:lnRef idx="2">
-              <a:schemeClr val="accent1">
-                <a:shade val="50000"/>
-              </a:schemeClr>
-            </a:lnRef>
-            <a:fillRef idx="1">
-              <a:schemeClr val="accent1"/>
-            </a:fillRef>
-            <a:effectRef idx="0">
-              <a:schemeClr val="accent1"/>
-            </a:effectRef>
-            <a:fontRef idx="minor">
-              <a:schemeClr val="lt1"/>
-            </a:fontRef>
-          </p:style>
-          <p:txBody>
-            <a:bodyPr rtlCol="0" anchor="ctr"/>
-            <a:lstStyle/>
-            <a:p>
-              <a:pPr algn="ctr"/>
-              <a:r>
-                <a:rPr lang="fr-FR" sz="1200" smtClean="0">
-                  <a:solidFill>
-                    <a:schemeClr val="tx1"/>
-                  </a:solidFill>
-                  <a:latin typeface="Yu Gothic UI Light" panose="020B0300000000000000" pitchFamily="34" charset="-128"/>
-                  <a:ea typeface="Yu Gothic UI Light" panose="020B0300000000000000" pitchFamily="34" charset="-128"/>
-                </a:rPr>
-                <a:t>insoluble </a:t>
-              </a:r>
-              <a:r>
-                <a:rPr lang="fr-FR" sz="1200" err="1" smtClean="0">
-                  <a:solidFill>
-                    <a:schemeClr val="tx1"/>
-                  </a:solidFill>
-                  <a:latin typeface="Yu Gothic UI Light" panose="020B0300000000000000" pitchFamily="34" charset="-128"/>
-                  <a:ea typeface="Yu Gothic UI Light" panose="020B0300000000000000" pitchFamily="34" charset="-128"/>
-                </a:rPr>
-                <a:t>fiber</a:t>
-              </a:r>
-              <a:endParaRPr lang="fr-FR" sz="1200">
-                <a:solidFill>
-                  <a:schemeClr val="tx1"/>
-                </a:solidFill>
-                <a:latin typeface="Yu Gothic UI Light" panose="020B0300000000000000" pitchFamily="34" charset="-128"/>
-                <a:ea typeface="Yu Gothic UI Light" panose="020B0300000000000000" pitchFamily="34" charset="-128"/>
-              </a:endParaRPr>
-            </a:p>
-          </p:txBody>
-        </p:sp>
-      </p:grpSp>
-      <p:grpSp>
-        <p:nvGrpSpPr>
-          <p:cNvPr id="33" name="Groupe 32"/>
-          <p:cNvGrpSpPr/>
-          <p:nvPr/>
-        </p:nvGrpSpPr>
-        <p:grpSpPr>
-          <a:xfrm>
-            <a:off x="2166309" y="2206144"/>
-            <a:ext cx="588987" cy="1243287"/>
-            <a:chOff x="3796266" y="3993059"/>
-            <a:chExt cx="749138" cy="1243287"/>
-          </a:xfrm>
-        </p:grpSpPr>
-        <p:sp>
-          <p:nvSpPr>
-            <p:cNvPr id="36" name="Rectangle 35"/>
-            <p:cNvSpPr/>
-            <p:nvPr/>
-          </p:nvSpPr>
-          <p:spPr>
-            <a:xfrm rot="16200000">
-              <a:off x="3736022" y="4426962"/>
-              <a:ext cx="1243286" cy="375479"/>
-            </a:xfrm>
-            <a:prstGeom prst="rect">
-              <a:avLst/>
-            </a:prstGeom>
-            <a:solidFill>
-              <a:srgbClr val="FFFFD5"/>
-            </a:solidFill>
-            <a:ln w="6350">
-              <a:solidFill>
-                <a:schemeClr val="bg1">
-                  <a:lumMod val="50000"/>
-                </a:schemeClr>
-              </a:solidFill>
-            </a:ln>
-          </p:spPr>
-          <p:style>
-            <a:lnRef idx="2">
-              <a:schemeClr val="accent1">
-                <a:shade val="50000"/>
-              </a:schemeClr>
-            </a:lnRef>
-            <a:fillRef idx="1">
-              <a:schemeClr val="accent1"/>
-            </a:fillRef>
-            <a:effectRef idx="0">
-              <a:schemeClr val="accent1"/>
-            </a:effectRef>
-            <a:fontRef idx="minor">
-              <a:schemeClr val="lt1"/>
-            </a:fontRef>
-          </p:style>
-          <p:txBody>
-            <a:bodyPr rtlCol="0" anchor="ctr"/>
-            <a:lstStyle/>
-            <a:p>
-              <a:pPr algn="ctr"/>
-              <a:r>
-                <a:rPr lang="fr-FR" sz="1200" smtClean="0">
-                  <a:solidFill>
-                    <a:schemeClr val="tx1"/>
-                  </a:solidFill>
-                  <a:latin typeface="Yu Gothic UI Light" panose="020B0300000000000000" pitchFamily="34" charset="-128"/>
-                  <a:ea typeface="Yu Gothic UI Light" panose="020B0300000000000000" pitchFamily="34" charset="-128"/>
-                </a:rPr>
-                <a:t>… </a:t>
-              </a:r>
-              <a:endParaRPr lang="fr-FR" sz="1200">
-                <a:solidFill>
-                  <a:schemeClr val="tx1"/>
-                </a:solidFill>
-                <a:latin typeface="Yu Gothic UI Light" panose="020B0300000000000000" pitchFamily="34" charset="-128"/>
-                <a:ea typeface="Yu Gothic UI Light" panose="020B0300000000000000" pitchFamily="34" charset="-128"/>
-              </a:endParaRPr>
-            </a:p>
-          </p:txBody>
-        </p:sp>
-        <p:sp>
-          <p:nvSpPr>
-            <p:cNvPr id="37" name="Rectangle 36"/>
-            <p:cNvSpPr/>
-            <p:nvPr/>
-          </p:nvSpPr>
-          <p:spPr>
-            <a:xfrm rot="16200000">
-              <a:off x="3362363" y="4426963"/>
-              <a:ext cx="1243286" cy="375479"/>
-            </a:xfrm>
-            <a:prstGeom prst="rect">
-              <a:avLst/>
-            </a:prstGeom>
-            <a:solidFill>
-              <a:srgbClr val="FFFFD5"/>
-            </a:solidFill>
-            <a:ln w="6350">
-              <a:solidFill>
-                <a:schemeClr val="bg1">
-                  <a:lumMod val="50000"/>
-                </a:schemeClr>
-              </a:solidFill>
-            </a:ln>
-          </p:spPr>
-          <p:style>
-            <a:lnRef idx="2">
-              <a:schemeClr val="accent1">
-                <a:shade val="50000"/>
-              </a:schemeClr>
-            </a:lnRef>
-            <a:fillRef idx="1">
-              <a:schemeClr val="accent1"/>
-            </a:fillRef>
-            <a:effectRef idx="0">
-              <a:schemeClr val="accent1"/>
-            </a:effectRef>
-            <a:fontRef idx="minor">
-              <a:schemeClr val="lt1"/>
-            </a:fontRef>
-          </p:style>
-          <p:txBody>
-            <a:bodyPr rtlCol="0" anchor="ctr"/>
-            <a:lstStyle/>
-            <a:p>
-              <a:pPr algn="ctr"/>
-              <a:r>
-                <a:rPr lang="fr-FR" sz="1200" smtClean="0">
-                  <a:solidFill>
-                    <a:schemeClr val="tx1"/>
-                  </a:solidFill>
-                  <a:latin typeface="Yu Gothic UI Light" panose="020B0300000000000000" pitchFamily="34" charset="-128"/>
-                  <a:ea typeface="Yu Gothic UI Light" panose="020B0300000000000000" pitchFamily="34" charset="-128"/>
-                </a:rPr>
-                <a:t>lactose</a:t>
-              </a:r>
-              <a:endParaRPr lang="fr-FR" sz="1200">
-                <a:solidFill>
-                  <a:schemeClr val="tx1"/>
-                </a:solidFill>
-                <a:latin typeface="Yu Gothic UI Light" panose="020B0300000000000000" pitchFamily="34" charset="-128"/>
-                <a:ea typeface="Yu Gothic UI Light" panose="020B0300000000000000" pitchFamily="34" charset="-128"/>
-              </a:endParaRPr>
-            </a:p>
-          </p:txBody>
-        </p:sp>
-      </p:grpSp>
-      <p:sp>
-        <p:nvSpPr>
-          <p:cNvPr id="2" name="Titre 1"/>
-          <p:cNvSpPr>
-            <a:spLocks noGrp="1"/>
-          </p:cNvSpPr>
-          <p:nvPr>
-            <p:ph type="title"/>
-          </p:nvPr>
-        </p:nvSpPr>
-        <p:spPr>
-          <a:xfrm>
-            <a:off x="713284" y="715194"/>
-            <a:ext cx="7859216" cy="1066130"/>
-          </a:xfrm>
-        </p:spPr>
-        <p:txBody>
-          <a:bodyPr>
-            <a:normAutofit fontScale="90000"/>
-          </a:bodyPr>
-          <a:lstStyle/>
-          <a:p>
-            <a:pPr algn="r"/>
-            <a:r>
-              <a:rPr lang="fr-FR" b="1" smtClean="0"/>
-              <a:t>Nettoyage</a:t>
-            </a:r>
-            <a:br>
-              <a:rPr lang="fr-FR" b="1" smtClean="0"/>
-            </a:br>
-            <a:r>
-              <a:rPr lang="fr-FR" sz="1000" b="1"/>
-              <a:t> </a:t>
-            </a:r>
-            <a:r>
-              <a:rPr lang="fr-FR" sz="1000" b="1" smtClean="0"/>
-              <a:t> </a:t>
-            </a:r>
-            <a:r>
-              <a:rPr lang="fr-FR" sz="1000" b="1"/>
-              <a:t/>
-            </a:r>
-            <a:br>
-              <a:rPr lang="fr-FR" sz="1000" b="1"/>
-            </a:br>
-            <a:r>
-              <a:rPr lang="fr-FR" sz="3100">
-                <a:latin typeface="Yu Gothic UI Light" panose="020B0300000000000000" pitchFamily="34" charset="-128"/>
-                <a:ea typeface="Yu Gothic UI Light" panose="020B0300000000000000" pitchFamily="34" charset="-128"/>
-              </a:rPr>
-              <a:t>2</a:t>
-            </a:r>
-            <a:r>
-              <a:rPr lang="fr-FR" sz="3100" smtClean="0">
-                <a:latin typeface="Yu Gothic UI Light" panose="020B0300000000000000" pitchFamily="34" charset="-128"/>
-                <a:ea typeface="Yu Gothic UI Light" panose="020B0300000000000000" pitchFamily="34" charset="-128"/>
-              </a:rPr>
-              <a:t>. Valeurs aberrantes</a:t>
-            </a:r>
-            <a:r>
-              <a:rPr lang="fr-FR" sz="3100" b="1" smtClean="0">
-                <a:latin typeface="Yu Gothic UI Light" panose="020B0300000000000000" pitchFamily="34" charset="-128"/>
-                <a:ea typeface="Yu Gothic UI Light" panose="020B0300000000000000" pitchFamily="34" charset="-128"/>
-              </a:rPr>
-              <a:t/>
-            </a:r>
-            <a:br>
-              <a:rPr lang="fr-FR" sz="3100" b="1" smtClean="0">
-                <a:latin typeface="Yu Gothic UI Light" panose="020B0300000000000000" pitchFamily="34" charset="-128"/>
-                <a:ea typeface="Yu Gothic UI Light" panose="020B0300000000000000" pitchFamily="34" charset="-128"/>
-              </a:rPr>
-            </a:br>
-            <a:r>
-              <a:rPr lang="fr-FR" sz="2700" smtClean="0">
-                <a:latin typeface="Yu Gothic UI Light" panose="020B0300000000000000" pitchFamily="34" charset="-128"/>
-                <a:ea typeface="Yu Gothic UI Light" panose="020B0300000000000000" pitchFamily="34" charset="-128"/>
-              </a:rPr>
-              <a:t>teneurs pour </a:t>
-            </a:r>
-            <a:r>
-              <a:rPr lang="fr-FR" sz="2700">
-                <a:latin typeface="Yu Gothic UI Light" panose="020B0300000000000000" pitchFamily="34" charset="-128"/>
-                <a:ea typeface="Yu Gothic UI Light" panose="020B0300000000000000" pitchFamily="34" charset="-128"/>
-              </a:rPr>
-              <a:t>100g</a:t>
-            </a:r>
-            <a:endParaRPr lang="fr-FR" sz="2700"/>
-          </a:p>
-        </p:txBody>
-      </p:sp>
-      <p:sp>
-        <p:nvSpPr>
-          <p:cNvPr id="4" name="Espace réservé de la date 3"/>
-          <p:cNvSpPr>
-            <a:spLocks noGrp="1"/>
-          </p:cNvSpPr>
-          <p:nvPr>
-            <p:ph type="dt" sz="half" idx="10"/>
-          </p:nvPr>
-        </p:nvSpPr>
-        <p:spPr/>
-        <p:txBody>
-          <a:bodyPr/>
-          <a:lstStyle/>
-          <a:p>
-            <a:r>
-              <a:rPr lang="fr-FR" smtClean="0"/>
-              <a:t>17/06/2020</a:t>
-            </a:r>
-            <a:endParaRPr lang="fr-FR"/>
-          </a:p>
-        </p:txBody>
-      </p:sp>
-      <p:sp>
-        <p:nvSpPr>
-          <p:cNvPr id="5" name="Espace réservé du pied de page 4"/>
-          <p:cNvSpPr>
-            <a:spLocks noGrp="1"/>
-          </p:cNvSpPr>
-          <p:nvPr>
-            <p:ph type="ftr" sz="quarter" idx="11"/>
-          </p:nvPr>
-        </p:nvSpPr>
-        <p:spPr/>
-        <p:txBody>
-          <a:bodyPr/>
-          <a:lstStyle/>
-          <a:p>
-            <a:r>
-              <a:rPr lang="fr-FR" smtClean="0"/>
-              <a:t>Maryse Muller  |  Parcours Data </a:t>
-            </a:r>
-            <a:r>
-              <a:rPr lang="fr-FR" err="1" smtClean="0"/>
-              <a:t>Scientist</a:t>
-            </a:r>
-            <a:endParaRPr lang="fr-FR"/>
-          </a:p>
-        </p:txBody>
-      </p:sp>
-      <p:sp>
-        <p:nvSpPr>
-          <p:cNvPr id="6" name="Espace réservé du numéro de diapositive 5"/>
-          <p:cNvSpPr>
-            <a:spLocks noGrp="1"/>
-          </p:cNvSpPr>
-          <p:nvPr>
-            <p:ph type="sldNum" sz="quarter" idx="12"/>
-          </p:nvPr>
-        </p:nvSpPr>
-        <p:spPr/>
-        <p:txBody>
-          <a:bodyPr/>
-          <a:lstStyle/>
-          <a:p>
-            <a:fld id="{D384C430-F8FC-4B07-B0BC-750FA1B3CF0A}" type="slidenum">
-              <a:rPr lang="fr-FR" smtClean="0">
-                <a:latin typeface="Yu Gothic UI Light" panose="020B0300000000000000" pitchFamily="34" charset="-128"/>
-                <a:ea typeface="Yu Gothic UI Light" panose="020B0300000000000000" pitchFamily="34" charset="-128"/>
-              </a:rPr>
-              <a:t>9</a:t>
-            </a:fld>
-            <a:endParaRPr lang="fr-FR">
-              <a:latin typeface="Yu Gothic UI Light" panose="020B0300000000000000" pitchFamily="34" charset="-128"/>
-              <a:ea typeface="Yu Gothic UI Light" panose="020B0300000000000000" pitchFamily="34" charset="-128"/>
-            </a:endParaRPr>
-          </a:p>
-        </p:txBody>
-      </p:sp>
-      <p:sp>
-        <p:nvSpPr>
-          <p:cNvPr id="11" name="Rectangle 10"/>
-          <p:cNvSpPr/>
-          <p:nvPr/>
-        </p:nvSpPr>
-        <p:spPr>
-          <a:xfrm>
-            <a:off x="3823854" y="2475011"/>
-            <a:ext cx="5074630" cy="1200329"/>
-          </a:xfrm>
-          <a:prstGeom prst="rect">
-            <a:avLst/>
-          </a:prstGeom>
-        </p:spPr>
-        <p:txBody>
-          <a:bodyPr wrap="square">
-            <a:spAutoFit/>
-          </a:bodyPr>
-          <a:lstStyle/>
-          <a:p>
-            <a:r>
-              <a:rPr lang="fr-FR" b="1" smtClean="0">
-                <a:latin typeface="+mj-lt"/>
-                <a:ea typeface="Yu Gothic UI Light" panose="020B0300000000000000" pitchFamily="34" charset="-128"/>
-              </a:rPr>
-              <a:t>Traitement en 3 étapes :</a:t>
-            </a:r>
-          </a:p>
-          <a:p>
-            <a:r>
-              <a:rPr lang="fr-FR" smtClean="0">
-                <a:ea typeface="Yu Gothic UI Light" panose="020B0300000000000000" pitchFamily="34" charset="-128"/>
-              </a:rPr>
-              <a:t>sous-sous colonnes, sous-colonnes, colonnes</a:t>
-            </a:r>
-          </a:p>
-          <a:p>
-            <a:r>
-              <a:rPr lang="fr-FR" smtClean="0">
-                <a:latin typeface="Yu Gothic UI Light" panose="020B0300000000000000" pitchFamily="34" charset="-128"/>
-                <a:ea typeface="Yu Gothic UI Light" panose="020B0300000000000000" pitchFamily="34" charset="-128"/>
-              </a:rPr>
-              <a:t>Effacement de toutes les sous-colonnes</a:t>
-            </a:r>
-          </a:p>
-          <a:p>
-            <a:r>
-              <a:rPr lang="fr-FR" smtClean="0">
-                <a:latin typeface="Yu Gothic UI Light" panose="020B0300000000000000" pitchFamily="34" charset="-128"/>
-                <a:ea typeface="Yu Gothic UI Light" panose="020B0300000000000000" pitchFamily="34" charset="-128"/>
-              </a:rPr>
-              <a:t>si somme(sous-colonnes)&gt;colonne</a:t>
-            </a:r>
-          </a:p>
-        </p:txBody>
-      </p:sp>
-      <p:sp>
-        <p:nvSpPr>
-          <p:cNvPr id="35" name="AutoShape 4" descr="data:image/png;base64,iVBORw0KGgoAAAANSUhEUgAAAuAAAADYCAYAAACqaFbgAAAABHNCSVQICAgIfAhkiAAAAAlwSFlzAAALEgAACxIB0t1+/AAAADh0RVh0U29mdHdhcmUAbWF0cGxvdGxpYiB2ZXJzaW9uMy4yLjEsIGh0dHA6Ly9tYXRwbG90bGliLm9yZy+j8jraAAAgAElEQVR4nO3de1iUZd4H8O/AcDDlIAo6DSTCcD5ICOJWmsSiZr6YhxQ1xbAsskwtL/fqYPpmae1bm6ZtYWq4meyaJR0E3VbZ0g0RFU3pMCpsgCyeQPOIjL/3D3eeQA4DyhyA7+e65tK55zn87uc0v7m5n/tRiYiAiIiIiIgsws7aARARERERdSZMwImIiIiILIgJOBERERGRBTEBJyIiIiKyICbgREREREQWxASciIiIiMiCmIATNSI3NxcqlQoqlQq5ubnWDodszN69e3H33Xeja9euUKlUePDBB60dErXSf/7zH3Tr1g0uLi6oqqpq8+X7+vpCpVJh2rRpbb7sW8Fj97rJkydDpVLhnXfesXYo1EkxAadOY8iQIVCpVPD19a1XXjfZ/vDDDwEArq6uiIuLQ1xcHFxdXVu8Dlv90rUl27dvR0JCAry8vODs7AyNRoNBgwbhzTfftHZoLTZ9+nT861//goggNjYWQUFB1g6pQ5s2bVqj5+6t+N///V9cuHAB06dPR/fu3dtsubbOksfuN998g5EjR6JXr17KNXbhwoUNprt69SoWLVoEPz8/ODo6wtvbG7Nnz8avv/5ab7ojR45g3Lhx8PDwgLOzM6Kjo7Fhw4abim3evHkAgFdeeQUXLly4qWUQ3Qq1tQMgskXR0dHIy8uzdhitUlNTA0dHR2uH0aw9e/Zg+PDhuHr1Kjw8PBAaGorKykrs2rUL9vb2ePbZZ60dYoscPnwYADB79my89tprVo6GWuvs2bPKj+0pU6ZYNxgLa+tjt7a2Fvb29lCpVA0+27dvH3JychAQEIATJ040uYzU1FR89NFHsLOzQ0BAAI4dO4Zly5ahsLAQ27dvh52dHSoqKnD33XfjxIkTcHV1xe233479+/dj0qRJuHTpElJTU1sVd1RUFMLCwnD48GF8/PHHeOyxx1pdd6JbIkSdxL333isApE+fPvXKd+zYIQAEgKxdu7ZB2Y4dO0RE5D//+Y88/PDDotFoxNHRUTw9PeWee+6Rv/zlL1JcXKxMf+PL6Ntvv5WhQ4eKq6urODo6SmBgoCxevFhqamqUaaqrq2XSpEnStWtX6dWrlyxatEimTp3aIO4+ffoIAHn44Ydl7ty50qNHD4mKihIRkeeee05CQ0PFzc1N1Gq1aDQamTp1qhw/flyZ/+WXX1bi27p1qwQHB0uXLl3koYceknPnzslbb70lGo1GevToIU899ZRcvXq1TfbB/PnzBYDodDq5cuWKUl5eXi7Z2dnK+7Vr1yrxFRcXi4jU28bG/VR3uk2bNkn//v3F2dlZfv/738vx48dl/fr10rdvX3Fzc5NJkybJuXPnmo3v4sWL8vzzz4u/v784ODhI9+7dZeTIkbJ3714RqX9c1H29/PLLTS5Tr9fL5MmTpXfv3uLg4CAajUZmzJihfH769GmZOXOm+Pj4iFqtFk9PT0lOTpYjR44o09zK/jLON3/+fElLSxN3d3dxc3OTmTNn1tsHpup+4/bevHmzDBo0SJydnSUoKEi++OKLevX+6aefZMKECeLp6SkODg6i0+nkjTfeEIPBoExjPI6nTJkiCxYskN69e4u7u7tMnjxZ2VfGaW587dixQ2pra+WFF14Qf39/cXZ2Fnd3d+nXr5/Mnz+/2f38wQcfCADRaDRK2Xfffacse8+ePUr5xo0bBYDY2dnJL7/8IiUlJTJ8+HDx9vYWZ2dncXZ2lrCwMPnTn/4k165da1C3lJQUEWn8+G1sOhGRc+fOyZw5c8TX11ccHBykd+/e8vjjj0tVVVW97fvggw+Kl5eXODo6ikajkYSEBMnJyWm0zqaO3X//+98yZcoU6dWrl6jVarn99tvlsccek8rKSmUZKSkpyrVo7dq14uvrKyqVql5cdZ06dUouXLggv/76a5Pnyt69e5XP3nnnHRER+fzzz+ud1yIiTz/9tAAQFxcXKS8vFxGRsWPHCgDp2bOnciy39BoqIvKHP/xBAMigQYMajZ/InJiAU6dxqwn4mDFjBIB07dpVoqOjpU+fPmJnZyfTp0+X48ePS1xcnDg6OipfCHFxcRIXF6csT61WCwBxd3eXwMBAZfnJyclKLA899JBSHhAQIK6urtK1a9cmE3BHR0dxdHSU8PBwueeee0REJCwsTNzc3CQ8PFyCg4NFpVIJAImNjVXmr5vQubi4SFBQkPI+NDRUunTpIn5+fkpZenp6m+yDefPmKdtw5cqVcvjwYamtrW0w3c0k4F26dKlX3+DgYHFycqq3rZ9//vlm4/v973+vTBscHCwuLi7Ksvfv3y979+6VuLg4ZRqtVitxcXGyatWqRpen1+vF3d1dSeCCg4NFq9Uq+/LSpUsSHh4uAMTe3l5CQ0PF2dlZOYZKS0tF5Nb2l7HMyclJevbsKb6+vkrZvHnzWlz3G7e3g4ODBAQESJcuXZS4Tp8+3aDe7u7uEhkZKXZ2dgJAnnrqKWWdxuPYwcFBXFxcpG/fvg321YMPPig9e/ZUjnfjebV3715Zvny5su0iIyMlMDBQnJycxN/fv9n9/PDDDwsASUpKqlceHBwsAOTZZ59Vyozn/e9//3sREdmzZ48AEG9vb7nzzjvFy8tLiXnFihUN6tbaBPzKlSsSHR2t1DcyMlK5BkRHRys/2I3TdO/eXaKjo0Wr1QoAeeWVVxqtc3PHbmVlpdx+++3KcRIaGioODg7KdejXX38Vkd8ScAcHB7Gzs5PAwEDp1atXkwm4UXMJ+OLFi5XPjI0EBoNBOQ8ee+wxERHR6XQCQIYOHarMu379emXeXbt2iUjLr6EiIp9++qmynS9evNhsHYjaGhNw6jSMCXhzr+YScGOitG7dOmWZJ0+elMLCQuV9Y61ZIiKDBw8WAOLj4yNnzpwRkd9agwHIwYMH5ciRI8p7Y5JSUVGhJDJNJeAHDhwQEVES2QMHDtRrZVy1apWyXGOrat2E7qOPPhIRkbvvvlsp27lzpxgMBmU9EyZMuMWtf93hw4fltttuq7fN3dzc5KGHHpJDhw4p091MAr548WIREZk8eXKDut1zzz0CQPlB1Jjt27cr8/3xj38Ukfrbf8yYMcq0TSUTN3rkkUcEgKjVavnnP/+plBtbldesWaMsa+PGjSIi8v3334u9vb0AkLlz54rIre0v4zRBQUFy/vx5uXbtmowePVoAiLOzs1y4cKHFda+7vY2xZWVlKWXGv2IY6x0YGKi0ZH/00UfKD5FffvlFRH47jl1cXKSsrEwMBoP079+/wb6q2/Ja11NPPSUAJDU1VSm7ePGikow1JSYmRgDIrFmz6pUvWbJEOU+vXbsm586dUxLB9evXi4hIVVWVckyKXE8Wjee38Udw3bq1NgHPyMhQjhnjOVFSUqIcE8b9361bNwEg33zzjbKs0tJS+fHHH5ute2PH7oIFCwSAqFQqyc/PFxGR7OxsZdrly5eLyG/7AYC89957IiJy7dq1ei3/jWkuAX/88ceVz+r+GPf29hYAMmzYMBERcXJyEuD6X/2Mvv76a2XeDRs2tOoaKlK/9f3w4cPN1oGorfEmTOp0HB0dlRss4+LiEBIS0qL5/ud//gfA9RvC/P39MWLECLz//vu4/fbbTc67Z88eAMDw4cOVG74mTZqkfF5QUKD0zQSAiRMnAgB69+6N+Pj4JpcbHx+PyMhIAIC9vT0A4MCBA4iNjUW3bt2gUqnq9W08fvx4k/Uy3uDWvXt33H333bCzs0OfPn0AAJWVlU3G8MEHH2DgwIHK68knn2xy2tDQUBw8eBBPPfUU/Pz8AFzvj7tx40bcddddjcbXUjfWo26ZcV3N1cO4j4Df9k3d7V9QUNDqmHbv3g0AuOeeezB48GClPDo6ut46HR0dMXbsWABAeHi4sk8bW+fN7q8HHnhAGfnioYceAgBcvnwZR48evam6G/tOh4aGKmXG9Rrr/fPPP8PV1RUqlQoPP/wwAODatWvIz8+vt6z77rsPWq0WdnZ2CA4ObrIONxo5ciRUKhXWrFkDjUaDe++9Fy+88ILJG6erq6sBAC4uLg3qZGdnh9LSUuzatQubN2/G5cuX4ebmhtGjRwMAHBwc8MYbb6BPnz5wcHCAvb09vvnmGwCNn1+tZdx2tbW1CA8PV24+NRgMAKDcm2I8DhISEhAUFIRRo0Zh48aN0Gq1rV6ncf/rdDrExsYCqH+tunH/d+nSRbmuGG+ubGsi0uppWnsNrXucGI8JIkvhTZjU6Wg0mno3WObm5jab5Bq9+uqruPvuu7F161YcOnQIO3fuRHZ2NjZu3IjCwsI2jbGlX2i9evWq937nzp1ISUmBiKBHjx4IDQ3F+fPn8cMPPwCA8iVel/FLSK1W13tfN47mvgzLysqUpAEAnJ2dm43Z398f77zzDt555x385z//wVtvvYU//vGPOHfuHLZv346HH364Xv2NMZ89e7bZ5d5Yj7plLalHe3Gr+6utuLu714ujsfX26NEDOp2uwbxdunRpdFl1l9eSOgwbNgz79u3Dxo0bceDAAezfvx/ffPMNVq1ahaKiIvj4+DQ6n5ubGwA0GGVDq9UiMTERW7duRWZmJoqLiwEAEyZMUGKePXs2PvjgAwBAQEAAPDw8cPToUZw6darR88uosWMaaPq4dnBwUH6o1WU859etW4ekpCTk5uaiqKgI27Ztw+eff47c3FxkZWU1GUdb8PT0hJ1d27Tf1d1HJ06cgEajwbVr13D69GkAwB133KFMd+TIkXo3c9b9/x133IFTp04p71tyDT137pzy/7rHIJElsAWcqIV27dqFe++9F8uXL8f27duRnp4O4HqLs/HL4rbbbgOABsNaGVuVcnJylDGHP/74Y+XzmJgYpbULAD755BMA18cq3rFjR5Mx3fgls3v3biVx+f7775Gfn4+pU6feXIVbaOHChZDr3dkgIs2Om75hwwZs2rQJly9fBnC9dSoxMVH53JgYeXl5KWVHjx4FAHz22WdmiP43xn0E/LZv6m7/mJiYVi8zLi4OwPUfRrt27VLKjT/YjOusqanBpk2bAACHDh3CwYMHb3qdTdmyZQsuXrwIEVGOL2dnZ/j7+7d53Y3L69q1K7744gvk5eUhLy8P27ZtQ1paGkaMGNGq5RnPK2P8RgcPHoSnpydeffVVfPnll9i7dy8A4Pz58w1a2esKDAwEAJSUlDT4zDiEaGZmJv7+97/XKwN+a4EeOnQofv75Z+Tm5rao1bmxYzo3N7dBy6tx29XW1uLtt99Wtt3OnTvx8ssvK39J+PbbbzF69Gi89957+Oabb/Dyyy8DuD7MZ2sZ13nkyBGlNbzuterG/d+WLd7Dhw9X/m88B7766ivlGmH83Pjvd999p/yl4dNPPwUA9OzZ86auof/+978BXP+x05ZDXBK1iDX6vRBZw63ehHn33XeLo6Oj+Pv7S3R0tHLzmbe3t9IH0ti31s7OTqKjo2XatGnK8lp7E2ZgYKC4uroqfaYb6wN+Y1/zbdu2KfP36NFDgoODxcPDo0Fd6vYpNmqsn61xm9177703vd3rMvZ7d3R0lLCwMImMjFT6tnp7eys3c50+fVrp4+rh4SGDBg1Spqu7nxrrK97SujXmxhsRXV1dlb7SxhsRRVreB/zGmzBDQkLEx8dHfH19RaTxmzCNx1VTN2E2V6fG9pdxvq5du4qnp2e9mzCfe+65VtW9pX3zf/rpJ3FzcxPg+k2c/fr1E19fX+UcMGrsOG6sXsuWLat3XsTFxcnFixflhRdeEJVKJT4+PhIdHa3crGlvby8//PBDk/vlvffeE6D+KChGly5dUvYZ/tt3vq5JkybVi6Vnz57KOWbqHP3d734nwPWbGIcMGSLdunVTbk41Tnf58mWJiopS+mSHhoZKcHCwch0wnsNarVa6dOkigYGBEhUVpdw0eddddzVZb5HGj93KykrRaDQCXL8JMywsTFmeTqdrcBOmqfPIaNOmTeLv71/vBuHu3buLv7+/TJo0SZlu4sSJyjkSHBysrHvQoEHK/SxlZWXK/nV1da13w27dm45beg0V+W0UlLp994kshS3gRC00YcIEDBgwAL/++iu+//57uLi4YNSoUcjOzlZaXRYvXoyBAwfC0dER+/btw/fffw/g+kOAduzYgaFDh+LatWsoLi5GYGAgXnnlFaxbt05Zx6pVqzBp0iR07doVVVVVeOaZZ5SWnxv/bN+YxMREvP7667j99ttx6dIlBAcH489//rMZtsbNGTduHJ544gkEBQWhoqIChw8fhoeHB0aPHo2tW7cqfwb28PDAhg0bEBQUhAsXLsBgMGD9+vVmj+/zzz/H888/Dz8/Pxw9ehR2dnYYOXIkdu3ahaioqFYvT6fTYc+ePZg0aRI8PT2h1+tRW1uLoUOHArjeAv3Pf/4TM2fOhEajwc8//4yuXbtiwoQJyMvLg7e3d5vVbdasWZg4cSLOnj0LV1dXpKWlYfHixWape2BgIHbv3o3k5GS4uLigqKgINTU1GDJkCN5+++1Wx56amoqxY8fCzc0NP//8M3bv3g2DwYB7770XI0aMgIjg0KFDqK2txV133YVNmzYpfckb89BDD8HZ2RkVFRUN+jc7OztjwoQJyvsbH6r11ltvYdSoUejWrRt+/fVXzJs3T+mPbcqHH36IQYMGQa1Wo7y8HCtWrGjQTcbJyQm5ubmYO3cufH19odfrcfLkSYSFheHFF19EeHi4sk0iIiJw+vRpHD58GJ6enpg8eTIyMzNbFEtdXl5eyMvLw5QpU+Du7o6ffvoJnp6eePTRR7Fr1y5069at1csErnfxOHr0KI4dO6aUVVVV4ejRoygvL1fKMjIysGDBAtxxxx04evQoevbsiaeffhpffvml0tVFq9Vi165dGDNmDFQqFY4fP46oqCh89NFH9e5zac019PPPPwfQ+caCJ9ugEukAnSKJOojS0lJ4enoq/ahPnTqFsLAwnDhxAsnJyTf91DfqvIw/Dl9++eVGn0LYWT3xxBN4//33MWvWLCxbtsza4VAbaek1dP/+/YiOjoanpyeOHTt20z8yiG4WW8CJbMimTZtw++23IzExEQ888AACAwNx4sQJdOvWDS+88IK1wyPqMF5++WV07doVa9asUfo6U/vX0mvo//3f/wEAXnrpJSbfZBUcBYXIhkRERCAwMBB79uzBhQsX4OnpiYkTJ+LFF1+sN9wbEd0ajUaD8+fPWzsMamMtvYauX7/eIt3aiJrCLihERERERBbELihERERERBbEBJyIiIiIyIKYgBMRERERWZDZEvDLly9jwIAB6NevH8LCwpSndBUXFyMuLg46nQ4TJkxATU0NAODKlSuYMGECdDod4uLi6j2hbMmSJdDpdAgKCsLWrVuV8pycHAQFBUGn02Hp0qXmqgoRERERUZsxWwLu5OSE7du348CBAygsLEROTg7y8vIwf/58zJkzB0eOHEH37t2xevVqAMDq1avRvXt3HDlyBHPmzMH8+fMBAEVFRcjMzMThw4eRk5ODJ598EgaDAQaDATNnzkR2djaKioqwYcMGFBUVmas6RERERERtwmwJuEqlUsbWvHr1Kq5evQqVSoXt27dj3LhxAICUlBRs3rwZAJCVlYWUlBQA15+W949//AMigqysLCQnJ8PJyQl9+/aFTqdDfn4+8vPzodPp4OfnB0dHRyQnJyMrK8tc1SEiIiIiahNm7QNuMBgQFRUFLy8vJCYmwt/fH+7u7lCrrw8/7u3trTyOtry8XHkkr1qthpubG06fPl2vvO48TZUTEREREdkysz6Ix97eHoWFhaiursbo0aPx448/mnN1TUpPT0d6ejoA4Mcff0RwcLBZ17d3b8Oy/v3NukoiIiIisiElJSU4depUo59Z5EmY7u7uiI+Px3fffYfq6mrU1tZCrVajrKwMWq0WAKDValFaWgpvb2/U1tbi7Nmz6NGjh1JuVHeepspvNGPGDMyYMQMAEBMTg4KCAnNVFQCgUjUsM/MqiYiIiMiGxMTENPmZ2bqgnDx5EtXV1QCAS5cu4e9//ztCQkIQHx+PTz75BACQkZGBUaNGAQCSkpKQkZEBAPjkk09w3333QaVSISkpCZmZmbhy5QqKi4uh1+sxYMAAxMbGQq/Xo7i4GDU1NcjMzERSUpK5qkNERERE1CbM1gJeUVGBlJQUGAwGXLt2DePHj8fIkSMRGhqK5ORkvPjii7jzzjsxffp0AMD06dMxZcoU6HQ6eHh4IDMzEwAQFhaG8ePHIzQ0FGq1GitXroS9vT0AYMWKFRg2bBgMBgNSU1MRFhZmruoQEREREbUJlYiItYOwJGt1QelcW5mIiIioc2su5+STMImIiIiILIgJOBERERGRBTEBJyIiIiKyICbgREREREQWxASciIiIiMiCmIATEREREVkQE3AiIiIiIgtiAk5EREREZEFMwImIiIiILIgJOBERERGRBTEBJyIiIiKyICbgREREREQWxASciIiIiMiCmIATEREREVkQE3AiIiIiIgtiAk5EREREZEFMwImIiIiILIgJOBERERGRBZktAS8tLUV8fDxCQ0MRFhaGZcuWAQAWLlwIrVaLqKgoREVFYcuWLco8S5YsgU6nQ1BQELZu3aqU5+TkICgoCDqdDkuXLlXKi4uLERcXB51OhwkTJqCmpsZc1SEiIiIiahNmS8DVajXefPNNFBUVIS8vDytXrkRRUREAYM6cOSgsLERhYSFGjBgBACgqKkJmZiYOHz6MnJwcPPnkkzAYDDAYDJg5cyays7NRVFSEDRs2KMuZP38+5syZgyNHjqB79+5YvXq1uapDRERERNQmzJaAazQaREdHAwBcXFwQEhKC8vLyJqfPyspCcnIynJyc0LdvX+h0OuTn5yM/Px86nQ5+fn5wdHREcnIysrKyICLYvn07xo0bBwBISUnB5s2bzVUdIiIiIqI2YZE+4CUlJdi/fz/i4uIAACtWrEBkZCRSU1NRVVUFACgvL4ePj48yj7e3N8rLy5ssP336NNzd3aFWq+uVExERERHZMrMn4OfPn8fYsWPx9ttvw9XVFWlpaTh69CgKCwuh0Wjw7LPPmjsEpKenIyYmBjExMTh58qTZ10dERERE1BSzJuBXr17F2LFjMXnyZIwZMwYA0KtXL9jb28POzg6PPfYY8vPzAQBarRalpaXKvGVlZdBqtU2W9+jRA9XV1aitra1X3pgZM2agoKAABQUF8PT0NFd1iYiIiIhMMlsCLiKYPn06QkJCMHfuXKW8oqJC+f9nn32G8PBwAEBSUhIyMzNx5coVFBcXQ6/XY8CAAYiNjYVer0dxcTFqamqQmZmJpKQkqFQqxMfH45NPPgEAZGRkYNSoUeaqDhERERFRm1Cba8G7du3CX/7yF0RERCAqKgoA8Nprr2HDhg0oLCyESqWCr68v3n//fQBAWFgYxo8fj9DQUKjVaqxcuRL29vYArvcZHzZsGAwGA1JTUxEWFgYAeP3115GcnIwXX3wRd955J6ZPn26u6hARERERtQmViIi1g7CkmJgYFBQUmHUdKlXDss61lYmIiIg6t+ZyTj4Jk4iIiIjIgpiAExERERFZEBNwIiIiIiILYgJORERERGRBTMCJiIiIiCyICTgRERERkQUxASciIiIisiAm4EREREREFsQEnIiIiIjIgpiAExERERFZEBNwIiIiIiILMpmAHz16FFeuXAEA5ObmYvny5aiurjZ7YEREREREHZHJBHzs2LGwt7fHkSNHMGPGDJSWlmLSpEmWiI2IiIiIqMMxmYDb2dlBrVbjs88+w9NPP40//vGPqKiosERsREREREQdjskE3MHBARs2bEBGRgZGjhwJALh69arZAyMiIiIi6ohMJuBr167Fd999hxdeeAF9+/ZFcXExpkyZYonYiIiIiIg6HLWpCSoqKvD666+jS5cuAIC+ffti/vz5Zg+MiIiIiKgjMtkCvm7dOvTr1w8DBw7EvHnz8MUXX6CqqsoSsRERERERdTgmE/CMjAz8/PPP+PTTT+Hj44OZM2fC09PT5IJLS0sRHx+P0NBQhIWFYdmyZQCAM2fOIDExEQEBAUhMTFSSeRHBrFmzoNPpEBkZiX379tWLISAgAAEBAcjIyFDK9+7di4iICOh0OsyaNQsi0uoNQERERERkSSYT8I8++giPP/44xo0bh6+//hpPPfUUvv32W5MLVqvVePPNN1FUVIS8vDysXLkSRUVFWLp0KRISEqDX65GQkIClS5cCALKzs6HX66HX65Geno60tDQA1xP2RYsWYffu3cjPz8eiRYuUpD0tLQ2rVq1S5svJybmVbUFERETtkErV8EVky0z2AZ89ezb8/f3xxBNPID4+Hr6+vi1asEajgUajAQC4uLggJCQE5eXlyMrKQm5uLgAgJSUFQ4YMweuvv46srCxMnToVKpUKAwcORHV1NSoqKpCbm4vExER4eHgAABITE5GTk4MhQ4bg3LlzGDhwIABg6tSp2Lx5M+6///6b2AxERERERJZhsgX81KlTWLNmDS5fvowXXngBAwYMaPUoKCUlJdi/fz/i4uJQWVmpJOa9e/dGZWUlAKC8vBw+Pj7KPN7e3igvL2+23Nvbu0E5EREREZEtM9kCfu7cOfzyyy/497//jZKSEpw9exZ2dibzdsX58+cxduxYvP3223B1da33mUqlgsoCfydKT09Heno6AODkyZNmXx8RERERUVNMZtL33HMPvvjiC0RGRuKvf/0rfvrpp3o3Qjbn6tWrGDt2LCZPnowxY8YAAHr16qU8SbOiogJeXl4AAK1Wi9LSUmXesrIyaLXaZsvLysoalDdmxowZKCgoQEFBQYtuICUiIiIiMheTCfjBgwfx7rvvIikpCe7u7i1esIhg+vTpCAkJwdy5c5XypKQkJYHPyMjAqFGjlPJ169ZBRJCXlwc3NzdoNBoMGzYM27ZtQ1VVFaqqqrBt2zYMGzYMGo0Grq6uyMvLg4hg3ZgbuKQAABilSURBVLp1yrKIiIiIiGyVyS4ohw4dwpQpU3DmzBmICDw9PZGRkYHw8PBm59u1axf+8pe/ICIiAlFRUQCA1157DX/4wx8wfvx4rF69Gn369MHf/vY3AMCIESOwZcsW6HQ63HbbbVi7di0AwMPDAy+99BJiY2MBAAsWLFBuyHz33Xcxbdo0XLp0Cffffz9vwCQiIiIim6cSE4Nn33XXXXj11VcRHx8PAMjNzcXzzz+Pf/3rXxYJsK3FxMSgoKDArOtorFs7hygnIiIyD37vki1qLuc02QXlwoULSvINAEOGDMGFCxfaLjoiIiIiok7EZBcUPz8/vPLKK8rQgx999BH8/PzMHhgRERHRzTI1yBpbyMmaTLaAr1mzBidPnsSYMWMwduxYZVxwIiIiIiJqvWZbwA0GA8aMGYMdO3ZYKh4iIiIiog6t2RZwe3t72NnZ4ezZs5aKh4iIiIioQzPZB7xbt26IiIhAYmIiunbtqpQvX77crIEREREREXVEJhPwMWPGKE+xJCIiIiKiW2MyAU9JSbFEHEREREREnYLJUVCIiIiIiKjtMAEnIiIiIrKgJhNw44N3li1bZrFgiIiIiExRqeq/iNqbJhPwvXv34vjx41izZg2qqqpw5syZei8iIiIiImq9Jm/CfOKJJ5CQkIBjx46hf//+kDrPbFWpVDh27JhFAiQiIiIi6kiabAGfNWsWfvjhB6SmpuLYsWMoLi5WXky+iYiIiIhujslhCP/85z/jwIED+PbbbwEAgwcPRmRkpNkDIyIiIiLqiEyOgrJ8+XJMnjwZJ06cwIkTJzB58mS88847loiNiIiIqH268U5R3jFKdaikbufuRkRGRuK7775THkN/4cIF/O53v8PBgwctEmBbi4mJQUFBgVnX0dj51fxWJiIiopZqizzW7N/LTQXJhKDTaC7nNNkCLiKwt7dX3tvb28NEzk5EREREAFQQqMC8ieozmYA/8sgjiIuLw8KFC7Fw4UIMHDgQ06dPN7ng1NRUeHl5ITw8XClbuHAhtFotoqKiEBUVhS1btiifLVmyBDqdDkFBQdi6datSnpOTg6CgIOh0OixdulQpLy4uRlxcHHQ6HSZMmICampoWV5qIiIiIyFpMJuBz587F2rVr4eHhAQ8PD6xduxazZ882ueBp06YhJyenQfmcOXNQWFiIwsJCjBgxAgBQVFSEzMxMHD58GDk5OXjyySdhMBhgMBgwc+ZMZGdno6ioCBs2bEBRUREAYP78+ZgzZw6OHDmC7t27Y/Xq1a2tOxEREdkAdpOmzsbkKCgAEB0djejo6FYtePDgwSgpKWnRtFlZWUhOToaTkxP69u0LnU6H/Px8AIBOp4Ofnx8AIDk5GVlZWQgJCcH27dvx8ccfAwBSUlKwcOFCpKWltSpGIiIiIiJLM9kC3tZWrFiByMhIpKamoqqqCgBQXl4OHx8fZRpvb2+Ul5c3WX769Gm4u7tDrVbXKyciIiIisnUWTcDT0tJw9OhRFBYWQqPR4Nlnn7XIetPT0xETE4OYmBicPHnSIuskIiIi28VuL2RNzSbgBoMB8fHxbbayXr16wd7eHnZ2dnjssceUbiZarRalpaXKdGVlZdBqtU2W9+jRA9XV1aitra1X3pQZM2agoKAABQUF8PT0bLP6EBERUdtjckwdXbMJuDFZPnv2bJusrKKiQvn/Z599poyQkpSUhMzMTFy5cgXFxcXQ6/UYMGAAYmNjodfrUVxcjJqaGmRmZiIpKQkqlQrx8fH45JNPAAAZGRkYNWpUm8RIRERERGROJm/C7NatGyIiIpCYmKg8jAe4/oTM5kycOBG5ubk4deoUvL29sWjRIuTm5qKwsBAqlQq+vr54//33AQBhYWEYP348QkNDoVarsXLlSmXs8RUrVmDYsGEwGAxITU1FWFgYAOD1119HcnIyXnzxRdx5550tGhqRzOvGVgoOF09E1PFZ4uFzbAWnjsbkkzAzMjIaLU9JSTFLQObGJ2G2HVMXxI5YZyIiqq8tvvNsIcFu8++s/1bK+BAegcpMKyJb1VzOabIFPCUlBZcuXcIvv/yCoKCgNg+OiIiIiKgzMTkKyhdffIGoqCgMHz4cAFBYWIikpCSzB0a2hzfFEBFRW7DF7xNbjIk6LpMJ+MKFC5Gfnw93d3cAQFRUFI4dO2b2wIiIiMj2MFElunUmE3AHBwe4ubnVn8nO4s/vISIiIiLqEEz2AQ8LC8PHH38Mg8EAvV6P5cuX46677rJEbERERNQOdYRRsTpCHch2mWzKfuedd3D48GE4OTlh4sSJcHV1xdtvv22J2IiIiIiIOhyTwxAanTt3DiqVCi4uLuaOyaw4DGHL3WrfvvZYZyIial5n7ffd6u80DkPY6TWXc5psAd+zZw8iIiIQGRmJiIgI9OvXD3v37m3zIImIiIiIOgOTfcCnT5+Od999F4MGDQIA7Ny5E4888ggOHjxo9uCIiIjIujprizeROZlMwO3t7ZXkGwDuueceqNUmZyMiIqJ2iAk3kfk1mUnv27cPAHDvvffi8ccfx8SJE6FSqfDXv/4VQ4YMsVR8REREREQdSpMJ+LPPPlvv/aJFi5T/q/jzmIiIiIjopjSZgO/YscOScRB1GBw7loiIiJpjsjN3dXU11q1bh5KSEtTW1irly5cvN2tg1P51lOEYiYiIiNqSyQR8xIgRGDhwICIiIvgIeiIiIiKiW2QyAb98+TLeeustS8RC1CGxSwoR2TLe1kVkeSabtKdMmYJVq1ahoqICZ86cUV5ERERERNR6JlvAHR0dMW/ePLz66qvK6CcqlQrHjh0ze3BERERERB2NyQT8zTffxJEjR9CzZ09LxEMWxK4RRERERJZnsguKTqfDbbfd1uoFp6amwsvLC+Hh4UrZmTNnkJiYiICAACQmJqKqqgoAICKYNWsWdDodIiMjlYcAAUBGRgYCAgIQEBCAjIwMpXzv3r2IiIiATqfDrFmzIMweb5lKVf9FRERE1/E7ktqSyQS8a9euiIqKwuOPP45Zs2YpL1OmTZuGnJycemVLly5FQkIC9Ho9EhISsHTpUgBAdnY29Ho99Ho90tPTkZaWBuB6wr5o0SLs3r0b+fn5WLRokZK0p6WlYdWqVcp8N66LyFJae1G+cXpeyInIknj9IbI+k11QHnzwQTz44IOtXvDgwYNRUlJSrywrKwu5ubkAgJSUFAwZMgSvv/46srKyMHXqVKhUKgwcOBDV1dWoqKhAbm4uEhMT4eHhAQBITExETk4OhgwZgnPnzmHgwIEAgKlTp2Lz5s24//77Wx0nEREREZElmUzAU1JS2mxllZWV0Gg0AIDevXujsrISAFBeXg4fHx9lOm9vb5SXlzdb7u3t3aC8Kenp6UhPTwcAnDx5ss3qY0vaS39ua8fJhwMRERGRtZlMwPv27auMflLXrY6ColKpGl2uOcyYMQMzZswAAMTExFhknUREREREjTGZgBcUFCj/v3z5MjZu3HjT44D36tULFRUV0Gg0qKiogJeXFwBAq9WitLRUma6srAxarRZarVbpsmIsHzJkCLRaLcrKyhpM35FZu+WYfsM+k0RERHQrTN6E2aNHD+Wl1Woxe/ZsfPXVVze1sqSkJGUkk4yMDIwaNUopX7duHUQEeXl5cHNzg0ajwbBhw7Bt2zZUVVWhqqoK27Ztw7Bhw6DRaODq6oq8vDyICNatW6csq7PgTTSWw21NRLaM1yii9sdkC3jdIQGvXbuGgoIC1NbWmlzwxIkTkZubi1OnTsHb2xuLFi3CH/7wB4wfPx6rV69Gnz598Le//Q0AMGLECGzZskUZ8nDt2rUAAA8PD7z00kuIjY0FACxYsEC5IfPdd9/FtGnTcOnSJdx///28AbOdsoWWfVuIgYiIiDoPlZgYQDs+Pl75v1qthq+vL5577jkEBQWZPThziImJqdetxhzMcaNfW7Rq3BiDLbaUtPV2ag91BkzHyR8FRNSU1l4vbPU62N6YvC4bnx6O6xMKVC2ckTqK5nJOky3gO3bsaPOAyDra40X3VhPR9lhnIqJbweseke0zmYBfuXIFmzZtQklJSb2uJwsWLDBrYESdiakvTLaIExERdRwmE/BRo0bBzc0N/fv3h5OTkyViImoxtvQQERFRe2MyAS8rK+Nj3slmMOG+ztR2aI99yvmQJCIi6ixMDkN411134fvvv7dELERkw24c6szU0GccGo2IiKhxJlvAd+7ciQ8//BB9+/aFk5MTRAQqlQoHDx60RHxEZCG84ZWIiMgyTCbg2dnZloiDCACTOKL2qj10cyIishUmE/A+ffpYIg4isjG28GOotX3diYiI2gOTCTgRtT+tHdbQEqzRQspW2ZbhdiIisiwm4ETUaTDRJCIiW8AEnIioFZjEExHRrWICTkRW0RbdYJgMExFRe8QEnIg6jNYm9eZI4PmjgNoSjyeijokJOBHRf91Mq7wtJP2W0F7jJiKyRUzAiYio1W51pB0m8ETUmTEBJyLq4Nh6TURkW5iAExG1M6YSalt4iBKZB/ctUcfABJyIyIxa21XjZlqnmZS1X/zrBFHnZGeNlfr6+iIiIgJRUVGIiYkBAJw5cwaJiYkICAhAYmIiqqqqAAAiglmzZkGn0yEyMhL79u1TlpORkYGAgAAEBAQgIyPDGlUhImpTKlXDl7nXQbaD+4aoc7BKAg4AO3bsQGFhIQoKCgAAS5cuRUJCAvR6PRISErB06VIAQHZ2NvR6PfR6PdLT05GWlgbgesK+aNEi7N69G/n5+Vi0aJGStBMRdSSdISnrDHUkIjKyWgJ+o6ysLKSkpAAAUlJSsHnzZqV86tSpUKlUGDhwIKqrq1FRUYGtW7ciMTERHh4e6N69OxITE5GTk2PNKhARkZlY4i8DltAR6kBEt84qCbhKpcLQoUPRv39/pKenAwAqKyuh0WgAAL1790ZlZSUAoLy8HD4+Psq83t7eKC8vb7K8o+BFmoisxRLXn456jeuo9aKGuK/pVljlJsydO3dCq9XixIkTSExMRHBwcL3PVSoVVG14NKenpyuJ/smTJ9tsuW2JJy8R0W94TSSijswqLeBarRYA4OXlhdGjRyM/Px+9evVCRUUFAKCiogJeXl7KtKWlpcq8ZWVl0Gq1TZY3ZsaMGSgoKEBBQQE8PT3NVS0iIqJ62EpKRI2xeAJ+4cIF/Prrr8r/t23bhvDwcCQlJSkjmWRkZGDUqFEAgKSkJKxbtw4igry8PLi5uUGj0WDYsGHYtm0bqqqqUFVVhW3btmHYsGGWrk6L8SJMRGRebX2d5XWbiMzF4l1QKisrMXr0aABAbW0tJk2ahOHDhyM2Nhbjx4/H6tWr0adPH/ztb38DAIwYMQJbtmyBTqfDbbfdhrVr1wIAPDw88NJLLyE2NhYAsGDBAnh4eFi6OkRE1E5wzG0ishUqkc51CYqJiVGGPjQXtpQQUUci0j6va619Qqip6Rv7tmyP24XMo8Hx8d+DQ4XrHwhUTUxIHVVzOSefhElERITWP7WUiOhmMQEnIqIOiQkzEdkqm3kQDxERERFRZ8AEnIiIiIjIgtgFhYiIiOgWNbhp1zphUDvBFnAiIiIiIgtiAk5EREREZEFMwImIiIiILIgJOBERERGRBTEBJyIiIiKyII6CQkRERGQpDYZL4XgpnRFbwImIiIiILIgJOBEREZGFqCBQcZTwTo8JOBERERGRBTEBJyIiIiKyICbgREREREQWxFFQiIiIiKyFo6J0SkzAiYiIiGwFE/JOod13QcnJyUFQUBB0Oh2WLl1q7XCIiIiIWszkqCgqVf0XdQjtOgE3GAyYOXMmsrOzUVRUhA0bNqCoqMjaYRERERHdlFYn5EzQ26V2nYDn5+dDp9PBz88Pjo6OSE5ORlZWlrXDIiIiImoTrR433FSCbo6XqXW3JL5Opl0n4OXl5fDx8VHee3t7o7y83IoREREREf1G/ptCt9V7m2QqiW5Jom2NHw6W+mHSiE5xE2Z6ejrS09MBAD/++CNiYmLMur477jgJT09Ps66Dbs7Jk9w3tor7xnbFxPC6Zst47timGPTnvrFhltg3JSUlTX7WrhNwrVaL0tJS5X1ZWRm0Wm2D6WbMmIEZM2ZYLK6YmBgUFBRYbH3Uctw3tov7xrZx/9gu7hvbxX1ju6y9b9p1F5TY2Fjo9XoUFxejpqYGmZmZSEpKsnZYRERERERNatct4Gq1GitWrMCwYcNgMBiQmpqKsLAwa4dFRERERNQk+4ULFy60dhC3IiAgAE8//TSeeeYZDB482NrhKPr372/tEKgJ3De2i/vGtnH/2C7uG9vFfWO7rLlvVCJ8xBIRERERkaW06z7gRERERETtDRPwNpaTk4OgoCDodDosXbrU2uF0aqWlpYiPj0doaCjCwsKwbNkyAMCZM2eQmJiIgIAAJCYmoqqqysqRdl4GgwF33nknRo4cCQAoLi5GXFwcdDodJkyYgJqaGitH2DlVV1dj3LhxCA4ORkhICL777jueNzbiT3/6E8LCwhAeHo6JEyfi8uXLPG+sJDU1FV5eXggPD1fKmjpPRASzZs2CTqdDZGQk9u3bZ62wO4XG9s28efMQHByMyMhIjB49GtXV1cpnS5YsgU6nQ1BQELZu3WqRGJmAtyGDwYCZM2ciOzsbRUVF2LBhA4qKiqwdVqelVqvx5ptvoqioCHl5eVi5ciWKioqwdOlSJCQkQK/XIyEhgT+UrGjZsmUICQlR3s+fPx9z5szBkSNH0L17d6xevdqK0XVezzzzDIYPH44ff/wRBw4cQEhICM8bG1BeXo7ly5ejoKAAhw4dgsFgQGZmJs8bK5k2bRpycnLqlTV1nmRnZ0Ov10Ov1yM9PR1paWnWCLnTaGzfJCYm4tChQzh48CACAwOxZMkSAEBRUREyMzNx+PBh5OTk4Mknn4TBYDB7jEzA21B+fj50Oh38/Pzg6OiI5ORkZGVlWTusTkuj0SA6OhoA4OLigpCQEJSXlyMrKwspKSkAgJSUFGzevNmaYXZaZWVl+Oqrr/Doo48CuN5CtH37dowbNw4A9421nD17Ft988w2mT58OAHB0dIS7uzvPGxtRW1uLS5cuoba2FhcvXoRGo+F5YyWDBw+Gh4dHvbKmzpOsrCxMnToVKpUKAwcORHV1NSoqKiwec2fR2L4ZOnQo1Orrg/8NHDgQZWVlAK7vm+TkZDg5OaFv377Q6XTIz883e4xMwNtQeXk5fHx8lPfe3t4oLy+3YkRkVFJSgv379yMuLg6VlZXQaDQAgN69e6OystLK0XVOs2fPxhtvvAE7u+uXodOnT8Pd3V25QPL8sY7i4mJ4enrikUcewZ133olHH30UFy5c4HljA7RaLZ577jnccccd0Gg0cHNzQ//+/Xne2JCmzhPmB7ZlzZo1uP/++wFYb98wAacO7/z58xg7dizefvttuLq61vtMpVJBpVJZKbLO68svv4SXlxeH57JBtbW12LdvH9LS0rB//3507dq1QXcTnjfWUVVVhaysLBQXF+P48eO4cOFCgz+zk+3geWKbXn31VajVakyePNmqcTABb0NarRalpaXK+7KyMmi1WitGRFevXsXYsWMxefJkjBkzBgDQq1cv5U9/FRUV8PLysmaIndKuXbvw+eefw9fXF8nJydi+fTueeeYZVFdXo7a2FgDPH2vx9vaGt7c34uLiAADjxo3Dvn37eN7YgK+//hp9+/aFp6cnHBwcMGbMGOzatYvnjQ1p6jxhfmAbPvzwQ3z55ZdYv3698uPIWvuGCXgbio2NhV6vR3FxMWpqapCZmYmkpCRrh9VpiQimT5+OkJAQzJ07VylPSkpCRkYGACAjIwOjRo2yVoid1pIlS1BWVoaSkhJkZmbivvvuw/r16xEfH49PPvkEAPeNtfTu3Rs+Pj746aefAAD/+Mc/EBoayvPGBtxxxx3Iy8vDxYsXISLKvuF5YzuaOk+SkpKwbt06iAjy8vLg5uamdFUhy8jJycEbb7yBzz//HLfddptSnpSUhMzMTFy5cgXFxcXQ6/UYMGCA+QMSalNfffWVBAQEiJ+fnyxevNja4XRq3377rQCQiIgI6devn/Tr10+++uorOXXqlNx3332i0+kkISFBTp8+be1QO7UdO3bIAw88ICIiR48eldjYWPH395dx48bJ5cuXrRxd57R//37p37+/REREyKhRo+TMmTM8b2zEggULJCgoSMLCwuThhx+Wy5cv87yxkuTkZOndu7eo1WrRarXywQcfNHmeXLt2TZ588knx8/OT8PBw2bNnj5Wj79ga2zf+/v7i7e2t5AOPP/64Mv3ixYvFz89PAgMDZcuWLRaJkU/CJCIiIiKyIHZBISIiIiKyICbgREREREQWxASciIiIiMiCmIATEREREVkQE3AiIiIiIgtiAk5EREREZEFMwImIiIiILIgJOBERERGRBf0/wKU6pIEmsucAAAAASUVORK5CYII="/>
-          <p:cNvSpPr>
-            <a:spLocks noChangeAspect="1" noChangeArrowheads="1"/>
-          </p:cNvSpPr>
-          <p:nvPr/>
-        </p:nvSpPr>
-        <p:spPr bwMode="auto">
-          <a:xfrm>
-            <a:off x="155575" y="-144463"/>
-            <a:ext cx="304800" cy="304801"/>
-          </a:xfrm>
-          <a:prstGeom prst="rect">
-            <a:avLst/>
-          </a:prstGeom>
-          <a:noFill/>
-          <a:extLst>
-            <a:ext uri="{909E8E84-426E-40DD-AFC4-6F175D3DCCD1}">
-              <a14:hiddenFill xmlns:a14="http://schemas.microsoft.com/office/drawing/2010/main">
-                <a:solidFill>
-                  <a:srgbClr val="FFFFFF"/>
-                </a:solidFill>
-              </a14:hiddenFill>
-            </a:ext>
-          </a:extLst>
-        </p:spPr>
-        <p:txBody>
-          <a:bodyPr vert="horz" wrap="square" lIns="91440" tIns="45720" rIns="91440" bIns="45720" numCol="1" anchor="t" anchorCtr="0" compatLnSpc="1">
-            <a:prstTxWarp prst="textNoShape">
-              <a:avLst/>
-            </a:prstTxWarp>
-          </a:bodyPr>
-          <a:lstStyle/>
-          <a:p>
-            <a:endParaRPr lang="fr-FR"/>
-          </a:p>
-        </p:txBody>
-      </p:sp>
-      <p:sp>
-        <p:nvSpPr>
-          <p:cNvPr id="38" name="AutoShape 6" descr="data:image/png;base64,iVBORw0KGgoAAAANSUhEUgAAAuAAAADYCAYAAACqaFbgAAAABHNCSVQICAgIfAhkiAAAAAlwSFlzAAALEgAACxIB0t1+/AAAADh0RVh0U29mdHdhcmUAbWF0cGxvdGxpYiB2ZXJzaW9uMy4yLjEsIGh0dHA6Ly9tYXRwbG90bGliLm9yZy+j8jraAAAgAElEQVR4nO3de1iUZd4H8O/AcDDlIAo6DSTCcD5ICOJWmsSiZr6YhxQ1xbAsskwtL/fqYPpmae1bm6ZtYWq4meyaJR0E3VbZ0g0RFU3pMCpsgCyeQPOIjL/3D3eeQA4DyhyA7+e65tK55zn87uc0v7m5n/tRiYiAiIiIiIgsws7aARARERERdSZMwImIiIiILIgJOBERERGRBTEBJyIiIiKyICbgREREREQWxASciIiIiMiCmIATNSI3NxcqlQoqlQq5ubnWDodszN69e3H33Xeja9euUKlUePDBB60dErXSf/7zH3Tr1g0uLi6oqqpq8+X7+vpCpVJh2rRpbb7sW8Fj97rJkydDpVLhnXfesXYo1EkxAadOY8iQIVCpVPD19a1XXjfZ/vDDDwEArq6uiIuLQ1xcHFxdXVu8Dlv90rUl27dvR0JCAry8vODs7AyNRoNBgwbhzTfftHZoLTZ9+nT861//goggNjYWQUFB1g6pQ5s2bVqj5+6t+N///V9cuHAB06dPR/fu3dtsubbOksfuN998g5EjR6JXr17KNXbhwoUNprt69SoWLVoEPz8/ODo6wtvbG7Nnz8avv/5ab7ojR45g3Lhx8PDwgLOzM6Kjo7Fhw4abim3evHkAgFdeeQUXLly4qWUQ3Qq1tQMgskXR0dHIy8uzdhitUlNTA0dHR2uH0aw9e/Zg+PDhuHr1Kjw8PBAaGorKykrs2rUL9vb2ePbZZ60dYoscPnwYADB79my89tprVo6GWuvs2bPKj+0pU6ZYNxgLa+tjt7a2Fvb29lCpVA0+27dvH3JychAQEIATJ040uYzU1FR89NFHsLOzQ0BAAI4dO4Zly5ahsLAQ27dvh52dHSoqKnD33XfjxIkTcHV1xe233479+/dj0qRJuHTpElJTU1sVd1RUFMLCwnD48GF8/PHHeOyxx1pdd6JbIkSdxL333isApE+fPvXKd+zYIQAEgKxdu7ZB2Y4dO0RE5D//+Y88/PDDotFoxNHRUTw9PeWee+6Rv/zlL1JcXKxMf+PL6Ntvv5WhQ4eKq6urODo6SmBgoCxevFhqamqUaaqrq2XSpEnStWtX6dWrlyxatEimTp3aIO4+ffoIAHn44Ydl7ty50qNHD4mKihIRkeeee05CQ0PFzc1N1Gq1aDQamTp1qhw/flyZ/+WXX1bi27p1qwQHB0uXLl3koYceknPnzslbb70lGo1GevToIU899ZRcvXq1TfbB/PnzBYDodDq5cuWKUl5eXi7Z2dnK+7Vr1yrxFRcXi4jU28bG/VR3uk2bNkn//v3F2dlZfv/738vx48dl/fr10rdvX3Fzc5NJkybJuXPnmo3v4sWL8vzzz4u/v784ODhI9+7dZeTIkbJ3714RqX9c1H29/PLLTS5Tr9fL5MmTpXfv3uLg4CAajUZmzJihfH769GmZOXOm+Pj4iFqtFk9PT0lOTpYjR44o09zK/jLON3/+fElLSxN3d3dxc3OTmTNn1tsHpup+4/bevHmzDBo0SJydnSUoKEi++OKLevX+6aefZMKECeLp6SkODg6i0+nkjTfeEIPBoExjPI6nTJkiCxYskN69e4u7u7tMnjxZ2VfGaW587dixQ2pra+WFF14Qf39/cXZ2Fnd3d+nXr5/Mnz+/2f38wQcfCADRaDRK2Xfffacse8+ePUr5xo0bBYDY2dnJL7/8IiUlJTJ8+HDx9vYWZ2dncXZ2lrCwMPnTn/4k165da1C3lJQUEWn8+G1sOhGRc+fOyZw5c8TX11ccHBykd+/e8vjjj0tVVVW97fvggw+Kl5eXODo6ikajkYSEBMnJyWm0zqaO3X//+98yZcoU6dWrl6jVarn99tvlsccek8rKSmUZKSkpyrVo7dq14uvrKyqVql5cdZ06dUouXLggv/76a5Pnyt69e5XP3nnnHRER+fzzz+ud1yIiTz/9tAAQFxcXKS8vFxGRsWPHCgDp2bOnciy39BoqIvKHP/xBAMigQYMajZ/InJiAU6dxqwn4mDFjBIB07dpVoqOjpU+fPmJnZyfTp0+X48ePS1xcnDg6OipfCHFxcRIXF6csT61WCwBxd3eXwMBAZfnJyclKLA899JBSHhAQIK6urtK1a9cmE3BHR0dxdHSU8PBwueeee0REJCwsTNzc3CQ8PFyCg4NFpVIJAImNjVXmr5vQubi4SFBQkPI+NDRUunTpIn5+fkpZenp6m+yDefPmKdtw5cqVcvjwYamtrW0w3c0k4F26dKlX3+DgYHFycqq3rZ9//vlm4/v973+vTBscHCwuLi7Ksvfv3y979+6VuLg4ZRqtVitxcXGyatWqRpen1+vF3d1dSeCCg4NFq9Uq+/LSpUsSHh4uAMTe3l5CQ0PF2dlZOYZKS0tF5Nb2l7HMyclJevbsKb6+vkrZvHnzWlz3G7e3g4ODBAQESJcuXZS4Tp8+3aDe7u7uEhkZKXZ2dgJAnnrqKWWdxuPYwcFBXFxcpG/fvg321YMPPig9e/ZUjnfjebV3715Zvny5su0iIyMlMDBQnJycxN/fv9n9/PDDDwsASUpKqlceHBwsAOTZZ59Vyozn/e9//3sREdmzZ48AEG9vb7nzzjvFy8tLiXnFihUN6tbaBPzKlSsSHR2t1DcyMlK5BkRHRys/2I3TdO/eXaKjo0Wr1QoAeeWVVxqtc3PHbmVlpdx+++3KcRIaGioODg7KdejXX38Vkd8ScAcHB7Gzs5PAwEDp1atXkwm4UXMJ+OLFi5XPjI0EBoNBOQ8ee+wxERHR6XQCQIYOHarMu379emXeXbt2iUjLr6EiIp9++qmynS9evNhsHYjaGhNw6jSMCXhzr+YScGOitG7dOmWZJ0+elMLCQuV9Y61ZIiKDBw8WAOLj4yNnzpwRkd9agwHIwYMH5ciRI8p7Y5JSUVGhJDJNJeAHDhwQEVES2QMHDtRrZVy1apWyXGOrat2E7qOPPhIRkbvvvlsp27lzpxgMBmU9EyZMuMWtf93hw4fltttuq7fN3dzc5KGHHpJDhw4p091MAr548WIREZk8eXKDut1zzz0CQPlB1Jjt27cr8/3xj38Ukfrbf8yYMcq0TSUTN3rkkUcEgKjVavnnP/+plBtbldesWaMsa+PGjSIi8v3334u9vb0AkLlz54rIre0v4zRBQUFy/vx5uXbtmowePVoAiLOzs1y4cKHFda+7vY2xZWVlKWXGv2IY6x0YGKi0ZH/00UfKD5FffvlFRH47jl1cXKSsrEwMBoP079+/wb6q2/Ja11NPPSUAJDU1VSm7ePGikow1JSYmRgDIrFmz6pUvWbJEOU+vXbsm586dUxLB9evXi4hIVVWVckyKXE8Wjee38Udw3bq1NgHPyMhQjhnjOVFSUqIcE8b9361bNwEg33zzjbKs0tJS+fHHH5ute2PH7oIFCwSAqFQqyc/PFxGR7OxsZdrly5eLyG/7AYC89957IiJy7dq1ei3/jWkuAX/88ceVz+r+GPf29hYAMmzYMBERcXJyEuD6X/2Mvv76a2XeDRs2tOoaKlK/9f3w4cPN1oGorfEmTOp0HB0dlRss4+LiEBIS0qL5/ud//gfA9RvC/P39MWLECLz//vu4/fbbTc67Z88eAMDw4cOVG74mTZqkfF5QUKD0zQSAiRMnAgB69+6N+Pj4JpcbHx+PyMhIAIC9vT0A4MCBA4iNjUW3bt2gUqnq9W08fvx4k/Uy3uDWvXt33H333bCzs0OfPn0AAJWVlU3G8MEHH2DgwIHK68knn2xy2tDQUBw8eBBPPfUU/Pz8AFzvj7tx40bcddddjcbXUjfWo26ZcV3N1cO4j4Df9k3d7V9QUNDqmHbv3g0AuOeeezB48GClPDo6ut46HR0dMXbsWABAeHi4sk8bW+fN7q8HHnhAGfnioYceAgBcvnwZR48evam6G/tOh4aGKmXG9Rrr/fPPP8PV1RUqlQoPP/wwAODatWvIz8+vt6z77rsPWq0WdnZ2CA4ObrIONxo5ciRUKhXWrFkDjUaDe++9Fy+88ILJG6erq6sBAC4uLg3qZGdnh9LSUuzatQubN2/G5cuX4ebmhtGjRwMAHBwc8MYbb6BPnz5wcHCAvb09vvnmGwCNn1+tZdx2tbW1CA8PV24+NRgMAKDcm2I8DhISEhAUFIRRo0Zh48aN0Gq1rV6ncf/rdDrExsYCqH+tunH/d+nSRbmuGG+ubGsi0uppWnsNrXucGI8JIkvhTZjU6Wg0mno3WObm5jab5Bq9+uqruPvuu7F161YcOnQIO3fuRHZ2NjZu3IjCwsI2jbGlX2i9evWq937nzp1ISUmBiKBHjx4IDQ3F+fPn8cMPPwCA8iVel/FLSK1W13tfN47mvgzLysqUpAEAnJ2dm43Z398f77zzDt555x385z//wVtvvYU//vGPOHfuHLZv346HH364Xv2NMZ89e7bZ5d5Yj7plLalHe3Gr+6utuLu714ujsfX26NEDOp2uwbxdunRpdFl1l9eSOgwbNgz79u3Dxo0bceDAAezfvx/ffPMNVq1ahaKiIvj4+DQ6n5ubGwA0GGVDq9UiMTERW7duRWZmJoqLiwEAEyZMUGKePXs2PvjgAwBAQEAAPDw8cPToUZw6darR88uosWMaaPq4dnBwUH6o1WU859etW4ekpCTk5uaiqKgI27Ztw+eff47c3FxkZWU1GUdb8PT0hJ1d27Tf1d1HJ06cgEajwbVr13D69GkAwB133KFMd+TIkXo3c9b9/x133IFTp04p71tyDT137pzy/7rHIJElsAWcqIV27dqFe++9F8uXL8f27duRnp4O4HqLs/HL4rbbbgOABsNaGVuVcnJylDGHP/74Y+XzmJgYpbULAD755BMA18cq3rFjR5Mx3fgls3v3biVx+f7775Gfn4+pU6feXIVbaOHChZDr3dkgIs2Om75hwwZs2rQJly9fBnC9dSoxMVH53JgYeXl5KWVHjx4FAHz22WdmiP43xn0E/LZv6m7/mJiYVi8zLi4OwPUfRrt27VLKjT/YjOusqanBpk2bAACHDh3CwYMHb3qdTdmyZQsuXrwIEVGOL2dnZ/j7+7d53Y3L69q1K7744gvk5eUhLy8P27ZtQ1paGkaMGNGq5RnPK2P8RgcPHoSnpydeffVVfPnll9i7dy8A4Pz58w1a2esKDAwEAJSUlDT4zDiEaGZmJv7+97/XKwN+a4EeOnQofv75Z+Tm5rao1bmxYzo3N7dBy6tx29XW1uLtt99Wtt3OnTvx8ssvK39J+PbbbzF69Gi89957+Oabb/Dyyy8DuD7MZ2sZ13nkyBGlNbzuterG/d+WLd7Dhw9X/m88B7766ivlGmH83Pjvd999p/yl4dNPPwUA9OzZ86auof/+978BXP+x05ZDXBK1iDX6vRBZw63ehHn33XeLo6Oj+Pv7S3R0tHLzmbe3t9IH0ti31s7OTqKjo2XatGnK8lp7E2ZgYKC4uroqfaYb6wN+Y1/zbdu2KfP36NFDgoODxcPDo0Fd6vYpNmqsn61xm9177703vd3rMvZ7d3R0lLCwMImMjFT6tnp7eys3c50+fVrp4+rh4SGDBg1Spqu7nxrrK97SujXmxhsRXV1dlb7SxhsRRVreB/zGmzBDQkLEx8dHfH19RaTxmzCNx1VTN2E2V6fG9pdxvq5du4qnp2e9mzCfe+65VtW9pX3zf/rpJ3FzcxPg+k2c/fr1E19fX+UcMGrsOG6sXsuWLat3XsTFxcnFixflhRdeEJVKJT4+PhIdHa3crGlvby8//PBDk/vlvffeE6D+KChGly5dUvYZ/tt3vq5JkybVi6Vnz57KOWbqHP3d734nwPWbGIcMGSLdunVTbk41Tnf58mWJiopS+mSHhoZKcHCwch0wnsNarVa6dOkigYGBEhUVpdw0eddddzVZb5HGj93KykrRaDQCXL8JMywsTFmeTqdrcBOmqfPIaNOmTeLv71/vBuHu3buLv7+/TJo0SZlu4sSJyjkSHBysrHvQoEHK/SxlZWXK/nV1da13w27dm45beg0V+W0UlLp994kshS3gRC00YcIEDBgwAL/++iu+//57uLi4YNSoUcjOzlZaXRYvXoyBAwfC0dER+/btw/fffw/g+kOAduzYgaFDh+LatWsoLi5GYGAgXnnlFaxbt05Zx6pVqzBp0iR07doVVVVVeOaZZ5SWnxv/bN+YxMREvP7667j99ttx6dIlBAcH489//rMZtsbNGTduHJ544gkEBQWhoqIChw8fhoeHB0aPHo2tW7cqfwb28PDAhg0bEBQUhAsXLsBgMGD9+vVmj+/zzz/H888/Dz8/Pxw9ehR2dnYYOXIkdu3ahaioqFYvT6fTYc+ePZg0aRI8PT2h1+tRW1uLoUOHArjeAv3Pf/4TM2fOhEajwc8//4yuXbtiwoQJyMvLg7e3d5vVbdasWZg4cSLOnj0LV1dXpKWlYfHixWape2BgIHbv3o3k5GS4uLigqKgINTU1GDJkCN5+++1Wx56amoqxY8fCzc0NP//8M3bv3g2DwYB7770XI0aMgIjg0KFDqK2txV133YVNmzYpfckb89BDD8HZ2RkVFRUN+jc7OztjwoQJyvsbH6r11ltvYdSoUejWrRt+/fVXzJs3T+mPbcqHH36IQYMGQa1Wo7y8HCtWrGjQTcbJyQm5ubmYO3cufH19odfrcfLkSYSFheHFF19EeHi4sk0iIiJw+vRpHD58GJ6enpg8eTIyMzNbFEtdXl5eyMvLw5QpU+Du7o6ffvoJnp6eePTRR7Fr1y5069at1csErnfxOHr0KI4dO6aUVVVV4ejRoygvL1fKMjIysGDBAtxxxx04evQoevbsiaeffhpffvml0tVFq9Vi165dGDNmDFQqFY4fP46oqCh89NFH9e5zac019PPPPwfQ+caCJ9ugEukAnSKJOojS0lJ4enoq/ahPnTqFsLAwnDhxAsnJyTf91DfqvIw/Dl9++eVGn0LYWT3xxBN4//33MWvWLCxbtsza4VAbaek1dP/+/YiOjoanpyeOHTt20z8yiG4WW8CJbMimTZtw++23IzExEQ888AACAwNx4sQJdOvWDS+88IK1wyPqMF5++WV07doVa9asUfo6U/vX0mvo//3f/wEAXnrpJSbfZBUcBYXIhkRERCAwMBB79uzBhQsX4OnpiYkTJ+LFF1+sN9wbEd0ajUaD8+fPWzsMamMtvYauX7/eIt3aiJrCLihERERERBbELihERERERBbEBJyIiIiIyIKYgBMRERERWZDZEvDLly9jwIAB6NevH8LCwpSndBUXFyMuLg46nQ4TJkxATU0NAODKlSuYMGECdDod4uLi6j2hbMmSJdDpdAgKCsLWrVuV8pycHAQFBUGn02Hp0qXmqgoRERERUZsxWwLu5OSE7du348CBAygsLEROTg7y8vIwf/58zJkzB0eOHEH37t2xevVqAMDq1avRvXt3HDlyBHPmzMH8+fMBAEVFRcjMzMThw4eRk5ODJ598EgaDAQaDATNnzkR2djaKioqwYcMGFBUVmas6RERERERtwmwJuEqlUsbWvHr1Kq5evQqVSoXt27dj3LhxAICUlBRs3rwZAJCVlYWUlBQA15+W949//AMigqysLCQnJ8PJyQl9+/aFTqdDfn4+8vPzodPp4OfnB0dHRyQnJyMrK8tc1SEiIiIiahNm7QNuMBgQFRUFLy8vJCYmwt/fH+7u7lCrrw8/7u3trTyOtry8XHkkr1qthpubG06fPl2vvO48TZUTEREREdkysz6Ix97eHoWFhaiursbo0aPx448/mnN1TUpPT0d6ejoA4Mcff0RwcLBZ17d3b8Oy/v3NukoiIiIisiElJSU4depUo59Z5EmY7u7uiI+Px3fffYfq6mrU1tZCrVajrKwMWq0WAKDValFaWgpvb2/U1tbi7Nmz6NGjh1JuVHeepspvNGPGDMyYMQMAEBMTg4KCAnNVFQCgUjUsM/MqiYiIiMiGxMTENPmZ2bqgnDx5EtXV1QCAS5cu4e9//ztCQkIQHx+PTz75BACQkZGBUaNGAQCSkpKQkZEBAPjkk09w3333QaVSISkpCZmZmbhy5QqKi4uh1+sxYMAAxMbGQq/Xo7i4GDU1NcjMzERSUpK5qkNERERE1CbM1gJeUVGBlJQUGAwGXLt2DePHj8fIkSMRGhqK5ORkvPjii7jzzjsxffp0AMD06dMxZcoU6HQ6eHh4IDMzEwAQFhaG8ePHIzQ0FGq1GitXroS9vT0AYMWKFRg2bBgMBgNSU1MRFhZmruoQEREREbUJlYiItYOwJGt1QelcW5mIiIioc2su5+STMImIiIiILIgJOBERERGRBTEBJyIiIiKyICbgREREREQWxASciIiIiMiCmIATEREREVkQE3AiIiIiIgtiAk5EREREZEFMwImIiIiILIgJOBERERGRBTEBJyIiIiKyICbgREREREQWxASciIiIiMiCmIATEREREVkQE3AiIiIiIgtiAk5EREREZEFMwImIiIiILIgJOBERERGRBZktAS8tLUV8fDxCQ0MRFhaGZcuWAQAWLlwIrVaLqKgoREVFYcuWLco8S5YsgU6nQ1BQELZu3aqU5+TkICgoCDqdDkuXLlXKi4uLERcXB51OhwkTJqCmpsZc1SEiIiIiahNmS8DVajXefPNNFBUVIS8vDytXrkRRUREAYM6cOSgsLERhYSFGjBgBACgqKkJmZiYOHz6MnJwcPPnkkzAYDDAYDJg5cyays7NRVFSEDRs2KMuZP38+5syZgyNHjqB79+5YvXq1uapDRERERNQmzJaAazQaREdHAwBcXFwQEhKC8vLyJqfPyspCcnIynJyc0LdvX+h0OuTn5yM/Px86nQ5+fn5wdHREcnIysrKyICLYvn07xo0bBwBISUnB5s2bzVUdIiIiIqI2YZE+4CUlJdi/fz/i4uIAACtWrEBkZCRSU1NRVVUFACgvL4ePj48yj7e3N8rLy5ssP336NNzd3aFWq+uVExERERHZMrMn4OfPn8fYsWPx9ttvw9XVFWlpaTh69CgKCwuh0Wjw7LPPmjsEpKenIyYmBjExMTh58qTZ10dERERE1BSzJuBXr17F2LFjMXnyZIwZMwYA0KtXL9jb28POzg6PPfYY8vPzAQBarRalpaXKvGVlZdBqtU2W9+jRA9XV1aitra1X3pgZM2agoKAABQUF8PT0NFd1iYiIiIhMMlsCLiKYPn06QkJCMHfuXKW8oqJC+f9nn32G8PBwAEBSUhIyMzNx5coVFBcXQ6/XY8CAAYiNjYVer0dxcTFqamqQmZmJpKQkqFQqxMfH45NPPgEAZGRkYNSoUeaqDhERERFRm1Cba8G7du3CX/7yF0RERCAqKgoA8Nprr2HDhg0oLCyESqWCr68v3n//fQBAWFgYxo8fj9DQUKjVaqxcuRL29vYArvcZHzZsGAwGA1JTUxEWFgYAeP3115GcnIwXX3wRd955J6ZPn26u6hARERERtQmViIi1g7CkmJgYFBQUmHUdKlXDss61lYmIiIg6t+ZyTj4Jk4iIiIjIgpiAExERERFZEBNwIiIiIiILYgJORERERGRBTMCJiIiIiCyICTgRERERkQUxASciIiIisiAm4EREREREFsQEnIiIiIjIgpiAExERERFZEBNwIiIiIiILMpmAHz16FFeuXAEA5ObmYvny5aiurjZ7YEREREREHZHJBHzs2LGwt7fHkSNHMGPGDJSWlmLSpEmWiI2IiIiIqMMxmYDb2dlBrVbjs88+w9NPP40//vGPqKiosERsREREREQdjskE3MHBARs2bEBGRgZGjhwJALh69arZAyMiIiIi6ohMJuBr167Fd999hxdeeAF9+/ZFcXExpkyZYonYiIiIiIg6HLWpCSoqKvD666+jS5cuAIC+ffti/vz5Zg+MiIiIiKgjMtkCvm7dOvTr1w8DBw7EvHnz8MUXX6CqqsoSsRERERERdTgmE/CMjAz8/PPP+PTTT+Hj44OZM2fC09PT5IJLS0sRHx+P0NBQhIWFYdmyZQCAM2fOIDExEQEBAUhMTFSSeRHBrFmzoNPpEBkZiX379tWLISAgAAEBAcjIyFDK9+7di4iICOh0OsyaNQsi0uoNQERERERkSSYT8I8++giPP/44xo0bh6+//hpPPfUUvv32W5MLVqvVePPNN1FUVIS8vDysXLkSRUVFWLp0KRISEqDX65GQkIClS5cCALKzs6HX66HX65Geno60tDQA1xP2RYsWYffu3cjPz8eiRYuUpD0tLQ2rVq1S5svJybmVbUFERETtkErV8EVky0z2AZ89ezb8/f3xxBNPID4+Hr6+vi1asEajgUajAQC4uLggJCQE5eXlyMrKQm5uLgAgJSUFQ4YMweuvv46srCxMnToVKpUKAwcORHV1NSoqKpCbm4vExER4eHgAABITE5GTk4MhQ4bg3LlzGDhwIABg6tSp2Lx5M+6///6b2AxERERERJZhsgX81KlTWLNmDS5fvowXXngBAwYMaPUoKCUlJdi/fz/i4uJQWVmpJOa9e/dGZWUlAKC8vBw+Pj7KPN7e3igvL2+23Nvbu0E5EREREZEtM9kCfu7cOfzyyy/497//jZKSEpw9exZ2dibzdsX58+cxduxYvP3223B1da33mUqlgsoCfydKT09Heno6AODkyZNmXx8RERERUVNMZtL33HMPvvjiC0RGRuKvf/0rfvrpp3o3Qjbn6tWrGDt2LCZPnowxY8YAAHr16qU8SbOiogJeXl4AAK1Wi9LSUmXesrIyaLXaZsvLysoalDdmxowZKCgoQEFBQYtuICUiIiIiMheTCfjBgwfx7rvvIikpCe7u7i1esIhg+vTpCAkJwdy5c5XypKQkJYHPyMjAqFGjlPJ169ZBRJCXlwc3NzdoNBoMGzYM27ZtQ1VVFaqqqrBt2zYMGzYMGo0Grq6uyMvLg4hg3ZgbuKQAABilSURBVLp1yrKIiIiIiGyVyS4ohw4dwpQpU3DmzBmICDw9PZGRkYHw8PBm59u1axf+8pe/ICIiAlFRUQCA1157DX/4wx8wfvx4rF69Gn369MHf/vY3AMCIESOwZcsW6HQ63HbbbVi7di0AwMPDAy+99BJiY2MBAAsWLFBuyHz33Xcxbdo0XLp0Cffffz9vwCQiIiIim6cSE4Nn33XXXXj11VcRHx8PAMjNzcXzzz+Pf/3rXxYJsK3FxMSgoKDArOtorFs7hygnIiIyD37vki1qLuc02QXlwoULSvINAEOGDMGFCxfaLjoiIiIiok7EZBcUPz8/vPLKK8rQgx999BH8/PzMHhgRERHRzTI1yBpbyMmaTLaAr1mzBidPnsSYMWMwduxYZVxwIiIiIiJqvWZbwA0GA8aMGYMdO3ZYKh4iIiIiog6t2RZwe3t72NnZ4ezZs5aKh4iIiIioQzPZB7xbt26IiIhAYmIiunbtqpQvX77crIEREREREXVEJhPwMWPGKE+xJCIiIiKiW2MyAU9JSbFEHEREREREnYLJUVCIiIiIiKjtMAEnIiIiIrKgJhNw44N3li1bZrFgiIiIiExRqeq/iNqbJhPwvXv34vjx41izZg2qqqpw5syZei8iIiIiImq9Jm/CfOKJJ5CQkIBjx46hf//+kDrPbFWpVDh27JhFAiQiIiIi6kiabAGfNWsWfvjhB6SmpuLYsWMoLi5WXky+iYiIiIhujslhCP/85z/jwIED+PbbbwEAgwcPRmRkpNkDIyIiIiLqiEyOgrJ8+XJMnjwZJ06cwIkTJzB58mS88847loiNiIiIqH268U5R3jFKdaikbufuRkRGRuK7775THkN/4cIF/O53v8PBgwctEmBbi4mJQUFBgVnX0dj51fxWJiIiopZqizzW7N/LTQXJhKDTaC7nNNkCLiKwt7dX3tvb28NEzk5EREREAFQQqMC8ieozmYA/8sgjiIuLw8KFC7Fw4UIMHDgQ06dPN7ng1NRUeHl5ITw8XClbuHAhtFotoqKiEBUVhS1btiifLVmyBDqdDkFBQdi6datSnpOTg6CgIOh0OixdulQpLy4uRlxcHHQ6HSZMmICampoWV5qIiIiIyFpMJuBz587F2rVr4eHhAQ8PD6xduxazZ882ueBp06YhJyenQfmcOXNQWFiIwsJCjBgxAgBQVFSEzMxMHD58GDk5OXjyySdhMBhgMBgwc+ZMZGdno6ioCBs2bEBRUREAYP78+ZgzZw6OHDmC7t27Y/Xq1a2tOxEREdkAdpOmzsbkKCgAEB0djejo6FYtePDgwSgpKWnRtFlZWUhOToaTkxP69u0LnU6H/Px8AIBOp4Ofnx8AIDk5GVlZWQgJCcH27dvx8ccfAwBSUlKwcOFCpKWltSpGIiIiIiJLM9kC3tZWrFiByMhIpKamoqqqCgBQXl4OHx8fZRpvb2+Ul5c3WX769Gm4u7tDrVbXKyciIiIisnUWTcDT0tJw9OhRFBYWQqPR4Nlnn7XIetPT0xETE4OYmBicPHnSIuskIiIi28VuL2RNzSbgBoMB8fHxbbayXr16wd7eHnZ2dnjssceUbiZarRalpaXKdGVlZdBqtU2W9+jRA9XV1aitra1X3pQZM2agoKAABQUF8PT0bLP6EBERUdtjckwdXbMJuDFZPnv2bJusrKKiQvn/Z599poyQkpSUhMzMTFy5cgXFxcXQ6/UYMGAAYmNjodfrUVxcjJqaGmRmZiIpKQkqlQrx8fH45JNPAAAZGRkYNWpUm8RIRERERGROJm/C7NatGyIiIpCYmKg8jAe4/oTM5kycOBG5ubk4deoUvL29sWjRIuTm5qKwsBAqlQq+vr54//33AQBhYWEYP348QkNDoVarsXLlSmXs8RUrVmDYsGEwGAxITU1FWFgYAOD1119HcnIyXnzxRdx5550tGhqRzOvGVgoOF09E1PFZ4uFzbAWnjsbkkzAzMjIaLU9JSTFLQObGJ2G2HVMXxI5YZyIiqq8tvvNsIcFu8++s/1bK+BAegcpMKyJb1VzOabIFPCUlBZcuXcIvv/yCoKCgNg+OiIiIiKgzMTkKyhdffIGoqCgMHz4cAFBYWIikpCSzB0a2hzfFEBFRW7DF7xNbjIk6LpMJ+MKFC5Gfnw93d3cAQFRUFI4dO2b2wIiIiMj2MFElunUmE3AHBwe4ubnVn8nO4s/vISIiIiLqEEz2AQ8LC8PHH38Mg8EAvV6P5cuX46677rJEbERERNQOdYRRsTpCHch2mWzKfuedd3D48GE4OTlh4sSJcHV1xdtvv22J2IiIiIiIOhyTwxAanTt3DiqVCi4uLuaOyaw4DGHL3WrfvvZYZyIial5n7ffd6u80DkPY6TWXc5psAd+zZw8iIiIQGRmJiIgI9OvXD3v37m3zIImIiIiIOgOTfcCnT5+Od999F4MGDQIA7Ny5E4888ggOHjxo9uCIiIjIujprizeROZlMwO3t7ZXkGwDuueceqNUmZyMiIqJ2iAk3kfk1mUnv27cPAHDvvffi8ccfx8SJE6FSqfDXv/4VQ4YMsVR8REREREQdSpMJ+LPPPlvv/aJFi5T/q/jzmIiIiIjopjSZgO/YscOScRB1GBw7loiIiJpjsjN3dXU11q1bh5KSEtTW1irly5cvN2tg1P51lOEYiYiIiNqSyQR8xIgRGDhwICIiIvgIeiIiIiKiW2QyAb98+TLeeustS8RC1CGxSwoR2TLe1kVkeSabtKdMmYJVq1ahoqICZ86cUV5ERERERNR6JlvAHR0dMW/ePLz66qvK6CcqlQrHjh0ze3BERERERB2NyQT8zTffxJEjR9CzZ09LxEMWxK4RRERERJZnsguKTqfDbbfd1uoFp6amwsvLC+Hh4UrZmTNnkJiYiICAACQmJqKqqgoAICKYNWsWdDodIiMjlYcAAUBGRgYCAgIQEBCAjIwMpXzv3r2IiIiATqfDrFmzIMweb5lKVf9FRERE1/E7ktqSyQS8a9euiIqKwuOPP45Zs2YpL1OmTZuGnJycemVLly5FQkIC9Ho9EhISsHTpUgBAdnY29Ho99Ho90tPTkZaWBuB6wr5o0SLs3r0b+fn5WLRokZK0p6WlYdWqVcp8N66LyFJae1G+cXpeyInIknj9IbI+k11QHnzwQTz44IOtXvDgwYNRUlJSrywrKwu5ubkAgJSUFAwZMgSvv/46srKyMHXqVKhUKgwcOBDV1dWoqKhAbm4uEhMT4eHhAQBITExETk4OhgwZgnPnzmHgwIEAgKlTp2Lz5s24//77Wx0nEREREZElmUzAU1JS2mxllZWV0Gg0AIDevXujsrISAFBeXg4fHx9lOm9vb5SXlzdb7u3t3aC8Kenp6UhPTwcAnDx5ss3qY0vaS39ua8fJhwMRERGRtZlMwPv27auMflLXrY6ColKpGl2uOcyYMQMzZswAAMTExFhknUREREREjTGZgBcUFCj/v3z5MjZu3HjT44D36tULFRUV0Gg0qKiogJeXFwBAq9WitLRUma6srAxarRZarVbpsmIsHzJkCLRaLcrKyhpM35FZu+WYfsM+k0RERHQrTN6E2aNHD+Wl1Woxe/ZsfPXVVze1sqSkJGUkk4yMDIwaNUopX7duHUQEeXl5cHNzg0ajwbBhw7Bt2zZUVVWhqqoK27Ztw7Bhw6DRaODq6oq8vDyICNatW6csq7PgTTSWw21NRLaM1yii9sdkC3jdIQGvXbuGgoIC1NbWmlzwxIkTkZubi1OnTsHb2xuLFi3CH/7wB4wfPx6rV69Gnz598Le//Q0AMGLECGzZskUZ8nDt2rUAAA8PD7z00kuIjY0FACxYsEC5IfPdd9/FtGnTcOnSJdx///28AbOdsoWWfVuIgYiIiDoPlZgYQDs+Pl75v1qthq+vL5577jkEBQWZPThziImJqdetxhzMcaNfW7Rq3BiDLbaUtPV2ag91BkzHyR8FRNSU1l4vbPU62N6YvC4bnx6O6xMKVC2ckTqK5nJOky3gO3bsaPOAyDra40X3VhPR9lhnIqJbweseke0zmYBfuXIFmzZtQklJSb2uJwsWLDBrYESdiakvTLaIExERdRwmE/BRo0bBzc0N/fv3h5OTkyViImoxtvQQERFRe2MyAS8rK+Nj3slmMOG+ztR2aI99yvmQJCIi6ixMDkN411134fvvv7dELERkw24c6szU0GccGo2IiKhxJlvAd+7ciQ8//BB9+/aFk5MTRAQqlQoHDx60RHxEZCG84ZWIiMgyTCbg2dnZloiDCACTOKL2qj10cyIishUmE/A+ffpYIg4isjG28GOotX3diYiI2gOTCTgRtT+tHdbQEqzRQspW2ZbhdiIisiwm4ETUaTDRJCIiW8AEnIioFZjEExHRrWICTkRW0RbdYJgMExFRe8QEnIg6jNYm9eZI4PmjgNoSjyeijokJOBHRf91Mq7wtJP2W0F7jJiKyRUzAiYio1W51pB0m8ETUmTEBJyLq4Nh6TURkW5iAExG1M6YSalt4iBKZB/ctUcfABJyIyIxa21XjZlqnmZS1X/zrBFHnZGeNlfr6+iIiIgJRUVGIiYkBAJw5cwaJiYkICAhAYmIiqqqqAAAiglmzZkGn0yEyMhL79u1TlpORkYGAgAAEBAQgIyPDGlUhImpTKlXDl7nXQbaD+4aoc7BKAg4AO3bsQGFhIQoKCgAAS5cuRUJCAvR6PRISErB06VIAQHZ2NvR6PfR6PdLT05GWlgbgesK+aNEi7N69G/n5+Vi0aJGStBMRdSSdISnrDHUkIjKyWgJ+o6ysLKSkpAAAUlJSsHnzZqV86tSpUKlUGDhwIKqrq1FRUYGtW7ciMTERHh4e6N69OxITE5GTk2PNKhARkZlY4i8DltAR6kBEt84qCbhKpcLQoUPRv39/pKenAwAqKyuh0WgAAL1790ZlZSUAoLy8HD4+Psq83t7eKC8vb7K8o+BFmoisxRLXn456jeuo9aKGuK/pVljlJsydO3dCq9XixIkTSExMRHBwcL3PVSoVVG14NKenpyuJ/smTJ9tsuW2JJy8R0W94TSSijswqLeBarRYA4OXlhdGjRyM/Px+9evVCRUUFAKCiogJeXl7KtKWlpcq8ZWVl0Gq1TZY3ZsaMGSgoKEBBQQE8PT3NVS0iIqJ62EpKRI2xeAJ+4cIF/Prrr8r/t23bhvDwcCQlJSkjmWRkZGDUqFEAgKSkJKxbtw4igry8PLi5uUGj0WDYsGHYtm0bqqqqUFVVhW3btmHYsGGWrk6L8SJMRGRebX2d5XWbiMzF4l1QKisrMXr0aABAbW0tJk2ahOHDhyM2Nhbjx4/H6tWr0adPH/ztb38DAIwYMQJbtmyBTqfDbbfdhrVr1wIAPDw88NJLLyE2NhYAsGDBAnh4eFi6OkRE1E5wzG0ishUqkc51CYqJiVGGPjQXtpQQUUci0j6va619Qqip6Rv7tmyP24XMo8Hx8d+DQ4XrHwhUTUxIHVVzOSefhElERITWP7WUiOhmMQEnIqIOiQkzEdkqm3kQDxERERFRZ8AEnIiIiIjIgtgFhYiIiOgWNbhp1zphUDvBFnAiIiIiIgtiAk5EREREZEFMwImIiIiILIgJOBERERGRBTEBJyIiIiKyII6CQkRERGQpDYZL4XgpnRFbwImIiIiILIgJOBEREZGFqCBQcZTwTo8JOBERERGRBTEBJyIiIiKyICbgREREREQWxFFQiIiIiKyFo6J0SkzAiYiIiGwFE/JOod13QcnJyUFQUBB0Oh2WLl1q7XCIiIiIWszkqCgqVf0XdQjtOgE3GAyYOXMmsrOzUVRUhA0bNqCoqMjaYRERERHdlFYn5EzQ26V2nYDn5+dDp9PBz88Pjo6OSE5ORlZWlrXDIiIiImoTrR433FSCbo6XqXW3JL5Opl0n4OXl5fDx8VHee3t7o7y83IoREREREf1G/ptCt9V7m2QqiW5Jom2NHw6W+mHSiE5xE2Z6ejrS09MBAD/++CNiYmLMur477jgJT09Ps66Dbs7Jk9w3tor7xnbFxPC6Zst47timGPTnvrFhltg3JSUlTX7WrhNwrVaL0tJS5X1ZWRm0Wm2D6WbMmIEZM2ZYLK6YmBgUFBRYbH3Uctw3tov7xrZx/9gu7hvbxX1ju6y9b9p1F5TY2Fjo9XoUFxejpqYGmZmZSEpKsnZYRERERERNatct4Gq1GitWrMCwYcNgMBiQmpqKsLAwa4dFRERERNQk+4ULFy60dhC3IiAgAE8//TSeeeYZDB482NrhKPr372/tEKgJ3De2i/vGtnH/2C7uG9vFfWO7rLlvVCJ8xBIRERERkaW06z7gRERERETtDRPwNpaTk4OgoCDodDosXbrU2uF0aqWlpYiPj0doaCjCwsKwbNkyAMCZM2eQmJiIgIAAJCYmoqqqysqRdl4GgwF33nknRo4cCQAoLi5GXFwcdDodJkyYgJqaGitH2DlVV1dj3LhxCA4ORkhICL777jueNzbiT3/6E8LCwhAeHo6JEyfi8uXLPG+sJDU1FV5eXggPD1fKmjpPRASzZs2CTqdDZGQk9u3bZ62wO4XG9s28efMQHByMyMhIjB49GtXV1cpnS5YsgU6nQ1BQELZu3WqRGJmAtyGDwYCZM2ciOzsbRUVF2LBhA4qKiqwdVqelVqvx5ptvoqioCHl5eVi5ciWKioqwdOlSJCQkQK/XIyEhgT+UrGjZsmUICQlR3s+fPx9z5szBkSNH0L17d6xevdqK0XVezzzzDIYPH44ff/wRBw4cQEhICM8bG1BeXo7ly5ejoKAAhw4dgsFgQGZmJs8bK5k2bRpycnLqlTV1nmRnZ0Ov10Ov1yM9PR1paWnWCLnTaGzfJCYm4tChQzh48CACAwOxZMkSAEBRUREyMzNx+PBh5OTk4Mknn4TBYDB7jEzA21B+fj50Oh38/Pzg6OiI5ORkZGVlWTusTkuj0SA6OhoA4OLigpCQEJSXlyMrKwspKSkAgJSUFGzevNmaYXZaZWVl+Oqrr/Doo48CuN5CtH37dowbNw4A9421nD17Ft988w2mT58OAHB0dIS7uzvPGxtRW1uLS5cuoba2FhcvXoRGo+F5YyWDBw+Gh4dHvbKmzpOsrCxMnToVKpUKAwcORHV1NSoqKiwec2fR2L4ZOnQo1Orrg/8NHDgQZWVlAK7vm+TkZDg5OaFv377Q6XTIz883e4xMwNtQeXk5fHx8lPfe3t4oLy+3YkRkVFJSgv379yMuLg6VlZXQaDQAgN69e6OystLK0XVOs2fPxhtvvAE7u+uXodOnT8Pd3V25QPL8sY7i4mJ4enrikUcewZ133olHH30UFy5c4HljA7RaLZ577jnccccd0Gg0cHNzQ//+/Xne2JCmzhPmB7ZlzZo1uP/++wFYb98wAacO7/z58xg7dizefvttuLq61vtMpVJBpVJZKbLO68svv4SXlxeH57JBtbW12LdvH9LS0rB//3507dq1QXcTnjfWUVVVhaysLBQXF+P48eO4cOFCgz+zk+3geWKbXn31VajVakyePNmqcTABb0NarRalpaXK+7KyMmi1WitGRFevXsXYsWMxefJkjBkzBgDQq1cv5U9/FRUV8PLysmaIndKuXbvw+eefw9fXF8nJydi+fTueeeYZVFdXo7a2FgDPH2vx9vaGt7c34uLiAADjxo3Dvn37eN7YgK+//hp9+/aFp6cnHBwcMGbMGOzatYvnjQ1p6jxhfmAbPvzwQ3z55ZdYv3698uPIWvuGCXgbio2NhV6vR3FxMWpqapCZmYmkpCRrh9VpiQimT5+OkJAQzJ07VylPSkpCRkYGACAjIwOjRo2yVoid1pIlS1BWVoaSkhJkZmbivvvuw/r16xEfH49PPvkEAPeNtfTu3Rs+Pj746aefAAD/+Mc/EBoayvPGBtxxxx3Iy8vDxYsXISLKvuF5YzuaOk+SkpKwbt06iAjy8vLg5uamdFUhy8jJycEbb7yBzz//HLfddptSnpSUhMzMTFy5cgXFxcXQ6/UYMGCA+QMSalNfffWVBAQEiJ+fnyxevNja4XRq3377rQCQiIgI6devn/Tr10+++uorOXXqlNx3332i0+kkISFBTp8+be1QO7UdO3bIAw88ICIiR48eldjYWPH395dx48bJ5cuXrRxd57R//37p37+/REREyKhRo+TMmTM8b2zEggULJCgoSMLCwuThhx+Wy5cv87yxkuTkZOndu7eo1WrRarXywQcfNHmeXLt2TZ588knx8/OT8PBw2bNnj5Wj79ga2zf+/v7i7e2t5AOPP/64Mv3ixYvFz89PAgMDZcuWLRaJkU/CJCIiIiKyIHZBISIiIiKyICbgREREREQWxASciIiIiMiCmIATEREREVkQE3AiIiIiIgtiAk5EREREZEFMwImIiIiILIgJOBERERGRBf0/wKU6pIEmsucAAAAASUVORK5CYII="/>
-          <p:cNvSpPr>
-            <a:spLocks noChangeAspect="1" noChangeArrowheads="1"/>
-          </p:cNvSpPr>
-          <p:nvPr/>
-        </p:nvSpPr>
-        <p:spPr bwMode="auto">
-          <a:xfrm>
-            <a:off x="307975" y="7937"/>
-            <a:ext cx="304800" cy="304801"/>
-          </a:xfrm>
-          <a:prstGeom prst="rect">
-            <a:avLst/>
-          </a:prstGeom>
-          <a:noFill/>
-          <a:extLst>
-            <a:ext uri="{909E8E84-426E-40DD-AFC4-6F175D3DCCD1}">
-              <a14:hiddenFill xmlns:a14="http://schemas.microsoft.com/office/drawing/2010/main">
-                <a:solidFill>
-                  <a:srgbClr val="FFFFFF"/>
-                </a:solidFill>
-              </a14:hiddenFill>
-            </a:ext>
-          </a:extLst>
-        </p:spPr>
-        <p:txBody>
-          <a:bodyPr vert="horz" wrap="square" lIns="91440" tIns="45720" rIns="91440" bIns="45720" numCol="1" anchor="t" anchorCtr="0" compatLnSpc="1">
-            <a:prstTxWarp prst="textNoShape">
-              <a:avLst/>
-            </a:prstTxWarp>
-          </a:bodyPr>
-          <a:lstStyle/>
-          <a:p>
-            <a:endParaRPr lang="fr-FR"/>
-          </a:p>
-        </p:txBody>
-      </p:sp>
-      <p:pic>
-        <p:nvPicPr>
-          <p:cNvPr id="6157" name="Picture 13"/>
-          <p:cNvPicPr>
-            <a:picLocks noChangeAspect="1" noChangeArrowheads="1"/>
-          </p:cNvPicPr>
-          <p:nvPr/>
-        </p:nvPicPr>
-        <p:blipFill>
-          <a:blip r:embed="rId2">
-            <a:extLst>
-              <a:ext uri="{28A0092B-C50C-407E-A947-70E740481C1C}">
-                <a14:useLocalDpi xmlns:a14="http://schemas.microsoft.com/office/drawing/2010/main" val="0"/>
-              </a:ext>
-            </a:extLst>
-          </a:blip>
-          <a:srcRect/>
-          <a:stretch>
-            <a:fillRect/>
-          </a:stretch>
-        </p:blipFill>
-        <p:spPr bwMode="auto">
-          <a:xfrm>
-            <a:off x="427029" y="3789040"/>
-            <a:ext cx="7991842" cy="2345432"/>
-          </a:xfrm>
-          <a:prstGeom prst="rect">
-            <a:avLst/>
-          </a:prstGeom>
-          <a:noFill/>
-          <a:ln w="6350">
-            <a:solidFill>
-              <a:schemeClr val="bg1">
-                <a:lumMod val="65000"/>
-              </a:schemeClr>
-            </a:solidFill>
-            <a:miter lim="800000"/>
-            <a:headEnd/>
-            <a:tailEnd/>
-          </a:ln>
-          <a:extLst>
-            <a:ext uri="{909E8E84-426E-40DD-AFC4-6F175D3DCCD1}">
-              <a14:hiddenFill xmlns:a14="http://schemas.microsoft.com/office/drawing/2010/main">
-                <a:solidFill>
-                  <a:schemeClr val="accent1"/>
-                </a:solidFill>
-              </a14:hiddenFill>
-            </a:ext>
-          </a:extLst>
-        </p:spPr>
-      </p:pic>
-      <p:sp>
-        <p:nvSpPr>
-          <p:cNvPr id="46" name="Rectangle 45"/>
-          <p:cNvSpPr/>
-          <p:nvPr/>
-        </p:nvSpPr>
-        <p:spPr>
-          <a:xfrm rot="16200000">
-            <a:off x="221767" y="1435978"/>
-            <a:ext cx="1126039" cy="413233"/>
-          </a:xfrm>
-          <a:prstGeom prst="rect">
-            <a:avLst/>
-          </a:prstGeom>
-          <a:solidFill>
-            <a:srgbClr val="FFFFB3"/>
-          </a:solidFill>
-          <a:ln w="6350">
-            <a:solidFill>
-              <a:schemeClr val="bg1">
-                <a:lumMod val="50000"/>
-              </a:schemeClr>
-            </a:solidFill>
-          </a:ln>
-        </p:spPr>
-        <p:style>
-          <a:lnRef idx="2">
-            <a:schemeClr val="accent1">
-              <a:shade val="50000"/>
-            </a:schemeClr>
-          </a:lnRef>
-          <a:fillRef idx="1">
-            <a:schemeClr val="accent1"/>
-          </a:fillRef>
-          <a:effectRef idx="0">
-            <a:schemeClr val="accent1"/>
-          </a:effectRef>
-          <a:fontRef idx="minor">
-            <a:schemeClr val="lt1"/>
-          </a:fontRef>
-        </p:style>
-        <p:txBody>
-          <a:bodyPr rtlCol="0" anchor="ctr"/>
-          <a:lstStyle/>
-          <a:p>
-            <a:pPr algn="ctr"/>
-            <a:r>
-              <a:rPr lang="fr-FR" sz="1200" smtClean="0">
-                <a:solidFill>
-                  <a:schemeClr val="tx1"/>
-                </a:solidFill>
-                <a:latin typeface="+mj-lt"/>
-                <a:ea typeface="Yu Gothic UI" panose="020B0500000000000000" pitchFamily="34" charset="-128"/>
-              </a:rPr>
-              <a:t>Sous-colonnes</a:t>
-            </a:r>
-            <a:endParaRPr lang="fr-FR" sz="1200">
-              <a:solidFill>
-                <a:schemeClr val="tx1"/>
-              </a:solidFill>
-              <a:latin typeface="+mj-lt"/>
-              <a:ea typeface="Yu Gothic UI" panose="020B0500000000000000" pitchFamily="34" charset="-128"/>
-            </a:endParaRPr>
-          </a:p>
-        </p:txBody>
-      </p:sp>
-      <p:pic>
-        <p:nvPicPr>
-          <p:cNvPr id="6158" name="Picture 14"/>
-          <p:cNvPicPr>
-            <a:picLocks noChangeAspect="1" noChangeArrowheads="1"/>
-          </p:cNvPicPr>
-          <p:nvPr/>
-        </p:nvPicPr>
-        <p:blipFill>
-          <a:blip r:embed="rId3">
-            <a:extLst>
-              <a:ext uri="{28A0092B-C50C-407E-A947-70E740481C1C}">
-                <a14:useLocalDpi xmlns:a14="http://schemas.microsoft.com/office/drawing/2010/main" val="0"/>
-              </a:ext>
-            </a:extLst>
-          </a:blip>
-          <a:srcRect/>
-          <a:stretch>
-            <a:fillRect/>
-          </a:stretch>
-        </p:blipFill>
-        <p:spPr bwMode="auto">
-          <a:xfrm>
-            <a:off x="9396536" y="1315621"/>
-            <a:ext cx="4679162" cy="3024336"/>
-          </a:xfrm>
-          <a:prstGeom prst="rect">
-            <a:avLst/>
-          </a:prstGeom>
-          <a:noFill/>
-          <a:ln>
-            <a:noFill/>
-          </a:ln>
-          <a:extLst>
-            <a:ext uri="{909E8E84-426E-40DD-AFC4-6F175D3DCCD1}">
-              <a14:hiddenFill xmlns:a14="http://schemas.microsoft.com/office/drawing/2010/main">
-                <a:solidFill>
-                  <a:schemeClr val="accent1"/>
-                </a:solidFill>
-              </a14:hiddenFill>
-            </a:ext>
-            <a:ext uri="{91240B29-F687-4F45-9708-019B960494DF}">
-              <a14:hiddenLine xmlns:a14="http://schemas.microsoft.com/office/drawing/2010/main" w="9525">
-                <a:solidFill>
-                  <a:schemeClr val="tx1"/>
-                </a:solidFill>
-                <a:miter lim="800000"/>
-                <a:headEnd/>
-                <a:tailEnd/>
-              </a14:hiddenLine>
-            </a:ext>
-          </a:extLst>
-        </p:spPr>
-      </p:pic>
-      <p:sp>
-        <p:nvSpPr>
-          <p:cNvPr id="44" name="ZoneTexte 43"/>
-          <p:cNvSpPr txBox="1"/>
-          <p:nvPr/>
-        </p:nvSpPr>
-        <p:spPr>
-          <a:xfrm>
-            <a:off x="128466" y="2020947"/>
-            <a:ext cx="312906" cy="369332"/>
-          </a:xfrm>
-          <a:prstGeom prst="rect">
-            <a:avLst/>
-          </a:prstGeom>
-          <a:noFill/>
-        </p:spPr>
-        <p:txBody>
-          <a:bodyPr wrap="none" rtlCol="0">
-            <a:spAutoFit/>
-          </a:bodyPr>
-          <a:lstStyle/>
-          <a:p>
-            <a:r>
-              <a:rPr lang="fr-FR" b="1" smtClean="0"/>
-              <a:t>1</a:t>
-            </a:r>
-            <a:endParaRPr lang="fr-FR" b="1"/>
-          </a:p>
-        </p:txBody>
-      </p:sp>
-      <p:sp>
-        <p:nvSpPr>
-          <p:cNvPr id="52" name="ZoneTexte 51"/>
-          <p:cNvSpPr txBox="1"/>
-          <p:nvPr/>
-        </p:nvSpPr>
-        <p:spPr>
-          <a:xfrm>
-            <a:off x="167829" y="925828"/>
-            <a:ext cx="312906" cy="369332"/>
-          </a:xfrm>
-          <a:prstGeom prst="rect">
-            <a:avLst/>
-          </a:prstGeom>
-          <a:noFill/>
-        </p:spPr>
-        <p:txBody>
-          <a:bodyPr wrap="none" rtlCol="0">
-            <a:spAutoFit/>
-          </a:bodyPr>
-          <a:lstStyle/>
-          <a:p>
-            <a:r>
-              <a:rPr lang="fr-FR" b="1"/>
-              <a:t>2</a:t>
-            </a:r>
-          </a:p>
-        </p:txBody>
-      </p:sp>
-      <p:sp>
-        <p:nvSpPr>
-          <p:cNvPr id="53" name="ZoneTexte 52"/>
-          <p:cNvSpPr txBox="1"/>
-          <p:nvPr/>
-        </p:nvSpPr>
-        <p:spPr>
-          <a:xfrm>
-            <a:off x="452269" y="556912"/>
-            <a:ext cx="312906" cy="369332"/>
-          </a:xfrm>
-          <a:prstGeom prst="rect">
-            <a:avLst/>
-          </a:prstGeom>
-          <a:noFill/>
-        </p:spPr>
-        <p:txBody>
-          <a:bodyPr wrap="none" rtlCol="0">
-            <a:spAutoFit/>
-          </a:bodyPr>
-          <a:lstStyle/>
-          <a:p>
-            <a:r>
-              <a:rPr lang="fr-FR" b="1" smtClean="0"/>
-              <a:t>3</a:t>
-            </a:r>
-            <a:endParaRPr lang="fr-FR" b="1"/>
-          </a:p>
-        </p:txBody>
-      </p:sp>
-      <p:sp>
-        <p:nvSpPr>
-          <p:cNvPr id="45" name="Flèche courbée vers la droite 44"/>
-          <p:cNvSpPr/>
-          <p:nvPr/>
-        </p:nvSpPr>
-        <p:spPr>
-          <a:xfrm flipV="1">
-            <a:off x="385055" y="1984018"/>
-            <a:ext cx="370521" cy="406261"/>
-          </a:xfrm>
-          <a:prstGeom prst="curvedRightArrow">
-            <a:avLst/>
-          </a:prstGeom>
-          <a:solidFill>
-            <a:schemeClr val="bg1"/>
-          </a:solidFill>
-          <a:ln w="6350">
-            <a:solidFill>
-              <a:schemeClr val="bg1">
-                <a:lumMod val="50000"/>
-              </a:schemeClr>
-            </a:solidFill>
-          </a:ln>
-        </p:spPr>
-        <p:style>
-          <a:lnRef idx="2">
-            <a:schemeClr val="accent1">
-              <a:shade val="50000"/>
-            </a:schemeClr>
-          </a:lnRef>
-          <a:fillRef idx="1">
-            <a:schemeClr val="accent1"/>
-          </a:fillRef>
-          <a:effectRef idx="0">
-            <a:schemeClr val="accent1"/>
-          </a:effectRef>
-          <a:fontRef idx="minor">
-            <a:schemeClr val="lt1"/>
-          </a:fontRef>
-        </p:style>
-        <p:txBody>
-          <a:bodyPr rtlCol="0" anchor="ctr"/>
-          <a:lstStyle/>
-          <a:p>
-            <a:pPr algn="ctr"/>
-            <a:endParaRPr lang="fr-FR">
-              <a:solidFill>
-                <a:schemeClr val="tx1"/>
-              </a:solidFill>
-            </a:endParaRPr>
-          </a:p>
-        </p:txBody>
-      </p:sp>
-      <p:sp>
-        <p:nvSpPr>
-          <p:cNvPr id="47" name="Rectangle 46"/>
-          <p:cNvSpPr/>
-          <p:nvPr/>
-        </p:nvSpPr>
-        <p:spPr>
-          <a:xfrm rot="16200000">
-            <a:off x="162877" y="2620906"/>
-            <a:ext cx="1243819" cy="413233"/>
-          </a:xfrm>
-          <a:prstGeom prst="rect">
-            <a:avLst/>
-          </a:prstGeom>
-          <a:solidFill>
-            <a:srgbClr val="FFFFD5"/>
-          </a:solidFill>
-          <a:ln w="6350">
-            <a:solidFill>
-              <a:schemeClr val="bg1">
-                <a:lumMod val="50000"/>
-              </a:schemeClr>
-            </a:solidFill>
-          </a:ln>
-        </p:spPr>
-        <p:style>
-          <a:lnRef idx="2">
-            <a:schemeClr val="accent1">
-              <a:shade val="50000"/>
-            </a:schemeClr>
-          </a:lnRef>
-          <a:fillRef idx="1">
-            <a:schemeClr val="accent1"/>
-          </a:fillRef>
-          <a:effectRef idx="0">
-            <a:schemeClr val="accent1"/>
-          </a:effectRef>
-          <a:fontRef idx="minor">
-            <a:schemeClr val="lt1"/>
-          </a:fontRef>
-        </p:style>
-        <p:txBody>
-          <a:bodyPr rtlCol="0" anchor="ctr"/>
-          <a:lstStyle/>
-          <a:p>
-            <a:pPr algn="ctr"/>
-            <a:r>
-              <a:rPr lang="fr-FR" sz="1200" smtClean="0">
-                <a:solidFill>
-                  <a:schemeClr val="tx1"/>
-                </a:solidFill>
-                <a:latin typeface="Yu Gothic UI" panose="020B0500000000000000" pitchFamily="34" charset="-128"/>
-                <a:ea typeface="Yu Gothic UI" panose="020B0500000000000000" pitchFamily="34" charset="-128"/>
-              </a:rPr>
-              <a:t>Sous-sous-colonnes</a:t>
-            </a:r>
-            <a:endParaRPr lang="fr-FR" sz="1200">
-              <a:solidFill>
-                <a:schemeClr val="tx1"/>
-              </a:solidFill>
-              <a:latin typeface="Yu Gothic UI" panose="020B0500000000000000" pitchFamily="34" charset="-128"/>
-              <a:ea typeface="Yu Gothic UI" panose="020B0500000000000000" pitchFamily="34" charset="-128"/>
-            </a:endParaRPr>
-          </a:p>
-        </p:txBody>
-      </p:sp>
-      <p:grpSp>
-        <p:nvGrpSpPr>
-          <p:cNvPr id="13" name="Groupe 12"/>
-          <p:cNvGrpSpPr/>
-          <p:nvPr/>
-        </p:nvGrpSpPr>
-        <p:grpSpPr>
-          <a:xfrm>
-            <a:off x="991403" y="1079577"/>
-            <a:ext cx="1175409" cy="1126954"/>
-            <a:chOff x="9036498" y="3678955"/>
-            <a:chExt cx="1812622" cy="2559236"/>
-          </a:xfrm>
-        </p:grpSpPr>
-        <p:sp>
-          <p:nvSpPr>
-            <p:cNvPr id="26" name="Rectangle 25"/>
-            <p:cNvSpPr/>
-            <p:nvPr/>
-          </p:nvSpPr>
-          <p:spPr>
-            <a:xfrm rot="16200000">
-              <a:off x="8437192" y="4729718"/>
-              <a:ext cx="2558354" cy="456833"/>
-            </a:xfrm>
-            <a:prstGeom prst="rect">
-              <a:avLst/>
-            </a:prstGeom>
-            <a:solidFill>
-              <a:srgbClr val="FFFFB3"/>
-            </a:solidFill>
-            <a:ln w="6350">
-              <a:solidFill>
-                <a:schemeClr val="bg1">
-                  <a:lumMod val="50000"/>
-                </a:schemeClr>
-              </a:solidFill>
-            </a:ln>
-          </p:spPr>
-          <p:style>
-            <a:lnRef idx="2">
-              <a:schemeClr val="accent1">
-                <a:shade val="50000"/>
-              </a:schemeClr>
-            </a:lnRef>
-            <a:fillRef idx="1">
-              <a:schemeClr val="accent1"/>
-            </a:fillRef>
-            <a:effectRef idx="0">
-              <a:schemeClr val="accent1"/>
-            </a:effectRef>
-            <a:fontRef idx="minor">
-              <a:schemeClr val="lt1"/>
-            </a:fontRef>
-          </p:style>
-          <p:txBody>
-            <a:bodyPr rtlCol="0" anchor="ctr"/>
-            <a:lstStyle/>
-            <a:p>
-              <a:pPr algn="ctr"/>
-              <a:r>
-                <a:rPr lang="fr-FR" sz="1200" err="1" smtClean="0">
-                  <a:solidFill>
-                    <a:schemeClr val="tx1"/>
-                  </a:solidFill>
-                  <a:latin typeface="Yu Gothic UI" panose="020B0500000000000000" pitchFamily="34" charset="-128"/>
-                  <a:ea typeface="Yu Gothic UI" panose="020B0500000000000000" pitchFamily="34" charset="-128"/>
-                </a:rPr>
-                <a:t>cholesterol</a:t>
-              </a:r>
-              <a:endParaRPr lang="fr-FR" sz="1200">
-                <a:solidFill>
-                  <a:schemeClr val="tx1"/>
-                </a:solidFill>
-                <a:latin typeface="Yu Gothic UI" panose="020B0500000000000000" pitchFamily="34" charset="-128"/>
-                <a:ea typeface="Yu Gothic UI" panose="020B0500000000000000" pitchFamily="34" charset="-128"/>
-              </a:endParaRPr>
-            </a:p>
-          </p:txBody>
-        </p:sp>
-        <p:sp>
-          <p:nvSpPr>
-            <p:cNvPr id="28" name="Rectangle 27"/>
-            <p:cNvSpPr/>
-            <p:nvPr/>
-          </p:nvSpPr>
-          <p:spPr>
-            <a:xfrm rot="16200000">
-              <a:off x="7983049" y="4732404"/>
-              <a:ext cx="2558354" cy="451456"/>
-            </a:xfrm>
-            <a:prstGeom prst="rect">
-              <a:avLst/>
-            </a:prstGeom>
-            <a:solidFill>
-              <a:srgbClr val="FFFFB3"/>
-            </a:solidFill>
-            <a:ln w="6350">
-              <a:solidFill>
-                <a:schemeClr val="bg1">
-                  <a:lumMod val="50000"/>
-                </a:schemeClr>
-              </a:solidFill>
-            </a:ln>
-          </p:spPr>
-          <p:style>
-            <a:lnRef idx="2">
-              <a:schemeClr val="accent1">
-                <a:shade val="50000"/>
-              </a:schemeClr>
-            </a:lnRef>
-            <a:fillRef idx="1">
-              <a:schemeClr val="accent1"/>
-            </a:fillRef>
-            <a:effectRef idx="0">
-              <a:schemeClr val="accent1"/>
-            </a:effectRef>
-            <a:fontRef idx="minor">
-              <a:schemeClr val="lt1"/>
-            </a:fontRef>
-          </p:style>
-          <p:txBody>
-            <a:bodyPr rtlCol="0" anchor="ctr"/>
-            <a:lstStyle/>
-            <a:p>
-              <a:pPr algn="ctr"/>
-              <a:r>
-                <a:rPr lang="fr-FR" sz="1200" err="1" smtClean="0">
-                  <a:solidFill>
-                    <a:schemeClr val="tx1"/>
-                  </a:solidFill>
-                  <a:latin typeface="Yu Gothic UI" panose="020B0500000000000000" pitchFamily="34" charset="-128"/>
-                  <a:ea typeface="Yu Gothic UI" panose="020B0500000000000000" pitchFamily="34" charset="-128"/>
-                </a:rPr>
-                <a:t>saturated</a:t>
-              </a:r>
-              <a:r>
-                <a:rPr lang="fr-FR" sz="1200" smtClean="0">
-                  <a:solidFill>
-                    <a:schemeClr val="tx1"/>
-                  </a:solidFill>
-                  <a:latin typeface="Yu Gothic UI" panose="020B0500000000000000" pitchFamily="34" charset="-128"/>
-                  <a:ea typeface="Yu Gothic UI" panose="020B0500000000000000" pitchFamily="34" charset="-128"/>
-                </a:rPr>
-                <a:t> fat</a:t>
-              </a:r>
-              <a:endParaRPr lang="fr-FR" sz="1200">
-                <a:solidFill>
-                  <a:schemeClr val="tx1"/>
-                </a:solidFill>
-                <a:latin typeface="Yu Gothic UI" panose="020B0500000000000000" pitchFamily="34" charset="-128"/>
-                <a:ea typeface="Yu Gothic UI" panose="020B0500000000000000" pitchFamily="34" charset="-128"/>
-              </a:endParaRPr>
-            </a:p>
-          </p:txBody>
-        </p:sp>
-        <p:sp>
-          <p:nvSpPr>
-            <p:cNvPr id="29" name="Rectangle 28"/>
-            <p:cNvSpPr/>
-            <p:nvPr/>
-          </p:nvSpPr>
-          <p:spPr>
-            <a:xfrm rot="16200000">
-              <a:off x="9341525" y="4730596"/>
-              <a:ext cx="2558357" cy="456833"/>
-            </a:xfrm>
-            <a:prstGeom prst="rect">
-              <a:avLst/>
-            </a:prstGeom>
-            <a:solidFill>
-              <a:srgbClr val="FFFFB3"/>
-            </a:solidFill>
-            <a:ln w="6350">
-              <a:solidFill>
-                <a:schemeClr val="bg1">
-                  <a:lumMod val="50000"/>
-                </a:schemeClr>
-              </a:solidFill>
-            </a:ln>
-          </p:spPr>
-          <p:style>
-            <a:lnRef idx="2">
-              <a:schemeClr val="accent1">
-                <a:shade val="50000"/>
-              </a:schemeClr>
-            </a:lnRef>
-            <a:fillRef idx="1">
-              <a:schemeClr val="accent1"/>
-            </a:fillRef>
-            <a:effectRef idx="0">
-              <a:schemeClr val="accent1"/>
-            </a:effectRef>
-            <a:fontRef idx="minor">
-              <a:schemeClr val="lt1"/>
-            </a:fontRef>
-          </p:style>
-          <p:txBody>
-            <a:bodyPr rtlCol="0" anchor="ctr"/>
-            <a:lstStyle/>
-            <a:p>
-              <a:pPr algn="ctr"/>
-              <a:r>
-                <a:rPr lang="fr-FR" sz="1200" err="1" smtClean="0">
-                  <a:solidFill>
-                    <a:schemeClr val="tx1"/>
-                  </a:solidFill>
-                  <a:latin typeface="Yu Gothic UI" panose="020B0500000000000000" pitchFamily="34" charset="-128"/>
-                  <a:ea typeface="Yu Gothic UI" panose="020B0500000000000000" pitchFamily="34" charset="-128"/>
-                </a:rPr>
-                <a:t>trans</a:t>
-              </a:r>
-              <a:r>
-                <a:rPr lang="fr-FR" sz="1200" smtClean="0">
-                  <a:solidFill>
-                    <a:schemeClr val="tx1"/>
-                  </a:solidFill>
-                  <a:latin typeface="Yu Gothic UI" panose="020B0500000000000000" pitchFamily="34" charset="-128"/>
-                  <a:ea typeface="Yu Gothic UI" panose="020B0500000000000000" pitchFamily="34" charset="-128"/>
-                </a:rPr>
-                <a:t> fat</a:t>
-              </a:r>
-              <a:endParaRPr lang="fr-FR" sz="1200">
-                <a:solidFill>
-                  <a:schemeClr val="tx1"/>
-                </a:solidFill>
-                <a:latin typeface="Yu Gothic UI" panose="020B0500000000000000" pitchFamily="34" charset="-128"/>
-                <a:ea typeface="Yu Gothic UI" panose="020B0500000000000000" pitchFamily="34" charset="-128"/>
-              </a:endParaRPr>
-            </a:p>
-          </p:txBody>
-        </p:sp>
-        <p:sp>
-          <p:nvSpPr>
-            <p:cNvPr id="32" name="Rectangle 31"/>
-            <p:cNvSpPr/>
-            <p:nvPr/>
-          </p:nvSpPr>
-          <p:spPr>
-            <a:xfrm rot="16200000">
-              <a:off x="8887380" y="4733282"/>
-              <a:ext cx="2558354" cy="451456"/>
-            </a:xfrm>
-            <a:prstGeom prst="rect">
-              <a:avLst/>
-            </a:prstGeom>
-            <a:solidFill>
-              <a:srgbClr val="FFFFB3"/>
-            </a:solidFill>
-            <a:ln w="6350">
-              <a:solidFill>
-                <a:schemeClr val="bg1">
-                  <a:lumMod val="50000"/>
-                </a:schemeClr>
-              </a:solidFill>
-            </a:ln>
-          </p:spPr>
-          <p:style>
-            <a:lnRef idx="2">
-              <a:schemeClr val="accent1">
-                <a:shade val="50000"/>
-              </a:schemeClr>
-            </a:lnRef>
-            <a:fillRef idx="1">
-              <a:schemeClr val="accent1"/>
-            </a:fillRef>
-            <a:effectRef idx="0">
-              <a:schemeClr val="accent1"/>
-            </a:effectRef>
-            <a:fontRef idx="minor">
-              <a:schemeClr val="lt1"/>
-            </a:fontRef>
-          </p:style>
-          <p:txBody>
-            <a:bodyPr rtlCol="0" anchor="ctr"/>
-            <a:lstStyle/>
-            <a:p>
-              <a:pPr algn="ctr"/>
-              <a:r>
-                <a:rPr lang="fr-FR" sz="1200" smtClean="0">
-                  <a:solidFill>
-                    <a:schemeClr val="tx1"/>
-                  </a:solidFill>
-                  <a:latin typeface="Yu Gothic UI" panose="020B0500000000000000" pitchFamily="34" charset="-128"/>
-                  <a:ea typeface="Yu Gothic UI" panose="020B0500000000000000" pitchFamily="34" charset="-128"/>
-                </a:rPr>
-                <a:t>… </a:t>
-              </a:r>
-              <a:endParaRPr lang="fr-FR" sz="1200">
-                <a:solidFill>
-                  <a:schemeClr val="tx1"/>
-                </a:solidFill>
-                <a:latin typeface="Yu Gothic UI" panose="020B0500000000000000" pitchFamily="34" charset="-128"/>
-                <a:ea typeface="Yu Gothic UI" panose="020B0500000000000000" pitchFamily="34" charset="-128"/>
-              </a:endParaRPr>
-            </a:p>
-          </p:txBody>
-        </p:sp>
-      </p:grpSp>
-      <p:sp>
-        <p:nvSpPr>
-          <p:cNvPr id="57" name="ZoneTexte 56"/>
-          <p:cNvSpPr txBox="1"/>
-          <p:nvPr/>
-        </p:nvSpPr>
-        <p:spPr>
-          <a:xfrm>
-            <a:off x="3810956" y="4271332"/>
-            <a:ext cx="4440169" cy="307777"/>
-          </a:xfrm>
-          <a:prstGeom prst="rect">
-            <a:avLst/>
-          </a:prstGeom>
-          <a:noFill/>
-        </p:spPr>
-        <p:txBody>
-          <a:bodyPr wrap="square" rtlCol="0">
-            <a:spAutoFit/>
-          </a:bodyPr>
-          <a:lstStyle/>
-          <a:p>
-            <a:r>
-              <a:rPr lang="fr-FR" sz="1400" b="1" u="sng" smtClean="0">
-                <a:solidFill>
-                  <a:srgbClr val="FF0000"/>
-                </a:solidFill>
-                <a:ea typeface="Yu Gothic Light" panose="020B0300000000000000" pitchFamily="34" charset="-128"/>
-              </a:rPr>
-              <a:t>Etape 3 </a:t>
-            </a:r>
-            <a:r>
-              <a:rPr lang="fr-FR" sz="1400" smtClean="0">
-                <a:solidFill>
-                  <a:srgbClr val="FF0000"/>
-                </a:solidFill>
-                <a:ea typeface="Yu Gothic Light" panose="020B0300000000000000" pitchFamily="34" charset="-128"/>
-              </a:rPr>
-              <a:t>: fat, </a:t>
-            </a:r>
-            <a:r>
-              <a:rPr lang="fr-FR" sz="1400">
-                <a:solidFill>
-                  <a:srgbClr val="FF0000"/>
-                </a:solidFill>
-                <a:ea typeface="Yu Gothic Light" panose="020B0300000000000000" pitchFamily="34" charset="-128"/>
-              </a:rPr>
-              <a:t>proteins</a:t>
-            </a:r>
-            <a:r>
-              <a:rPr lang="fr-FR" sz="1400" smtClean="0">
-                <a:solidFill>
-                  <a:srgbClr val="FF0000"/>
-                </a:solidFill>
-                <a:ea typeface="Yu Gothic Light" panose="020B0300000000000000" pitchFamily="34" charset="-128"/>
-              </a:rPr>
-              <a:t>, salt, carbohydrates</a:t>
-            </a:r>
-            <a:r>
-              <a:rPr lang="fr-FR" sz="1400" b="1" smtClean="0">
-                <a:solidFill>
-                  <a:srgbClr val="FF0000"/>
-                </a:solidFill>
-                <a:ea typeface="Yu Gothic Light" panose="020B0300000000000000" pitchFamily="34" charset="-128"/>
-              </a:rPr>
-              <a:t> → NaN</a:t>
-            </a:r>
-            <a:endParaRPr lang="fr-FR" sz="1400" b="1">
-              <a:solidFill>
-                <a:srgbClr val="FF0000"/>
-              </a:solidFill>
-              <a:ea typeface="Yu Gothic Light" panose="020B0300000000000000" pitchFamily="34" charset="-128"/>
-            </a:endParaRPr>
-          </a:p>
-        </p:txBody>
-      </p:sp>
-      <p:sp>
-        <p:nvSpPr>
-          <p:cNvPr id="51" name="Accolade ouvrante 50"/>
-          <p:cNvSpPr/>
-          <p:nvPr/>
-        </p:nvSpPr>
-        <p:spPr>
-          <a:xfrm rot="5400000">
-            <a:off x="7408874" y="3986605"/>
-            <a:ext cx="249746" cy="1434754"/>
-          </a:xfrm>
-          <a:prstGeom prst="leftBrace">
-            <a:avLst>
-              <a:gd name="adj1" fmla="val 48102"/>
-              <a:gd name="adj2" fmla="val 50000"/>
-            </a:avLst>
-          </a:prstGeom>
-          <a:ln>
-            <a:solidFill>
-              <a:srgbClr val="FF0000"/>
-            </a:solidFill>
-          </a:ln>
-        </p:spPr>
-        <p:style>
-          <a:lnRef idx="1">
-            <a:schemeClr val="accent1"/>
-          </a:lnRef>
-          <a:fillRef idx="0">
-            <a:schemeClr val="accent1"/>
-          </a:fillRef>
-          <a:effectRef idx="0">
-            <a:schemeClr val="accent1"/>
-          </a:effectRef>
-          <a:fontRef idx="minor">
-            <a:schemeClr val="tx1"/>
-          </a:fontRef>
-        </p:style>
-        <p:txBody>
-          <a:bodyPr rtlCol="0" anchor="ctr"/>
-          <a:lstStyle/>
-          <a:p>
-            <a:pPr algn="ctr"/>
-            <a:endParaRPr lang="fr-FR"/>
-          </a:p>
-        </p:txBody>
-      </p:sp>
-      <p:sp>
-        <p:nvSpPr>
-          <p:cNvPr id="43" name="Rectangle 42"/>
-          <p:cNvSpPr/>
-          <p:nvPr/>
-        </p:nvSpPr>
-        <p:spPr>
-          <a:xfrm>
-            <a:off x="3823854" y="1196959"/>
-            <a:ext cx="4708586" cy="45719"/>
-          </a:xfrm>
-          <a:prstGeom prst="rect">
-            <a:avLst/>
-          </a:prstGeom>
-          <a:gradFill flip="none" rotWithShape="1">
-            <a:gsLst>
-              <a:gs pos="0">
-                <a:schemeClr val="accent3">
-                  <a:lumMod val="50000"/>
-                </a:schemeClr>
-              </a:gs>
-              <a:gs pos="100000">
-                <a:schemeClr val="accent1">
-                  <a:tint val="23500"/>
-                  <a:satMod val="160000"/>
-                  <a:alpha val="0"/>
-                </a:schemeClr>
-              </a:gs>
-            </a:gsLst>
-            <a:lin ang="10800000" scaled="1"/>
-            <a:tileRect/>
-          </a:gradFill>
-          <a:ln>
-            <a:noFill/>
-          </a:ln>
-        </p:spPr>
-        <p:style>
-          <a:lnRef idx="2">
-            <a:schemeClr val="accent1">
-              <a:shade val="50000"/>
-            </a:schemeClr>
-          </a:lnRef>
-          <a:fillRef idx="1">
-            <a:schemeClr val="accent1"/>
-          </a:fillRef>
-          <a:effectRef idx="0">
-            <a:schemeClr val="accent1"/>
-          </a:effectRef>
-          <a:fontRef idx="minor">
-            <a:schemeClr val="lt1"/>
-          </a:fontRef>
-        </p:style>
-        <p:txBody>
-          <a:bodyPr rtlCol="0" anchor="ctr"/>
-          <a:lstStyle/>
-          <a:p>
-            <a:pPr algn="ctr"/>
-            <a:endParaRPr lang="fr-FR"/>
-          </a:p>
-        </p:txBody>
-      </p:sp>
-    </p:spTree>
-    <p:extLst>
-      <p:ext uri="{BB962C8B-B14F-4D97-AF65-F5344CB8AC3E}">
-        <p14:creationId xmlns:p14="http://schemas.microsoft.com/office/powerpoint/2010/main" val="18250709"/>
       </p:ext>
     </p:extLst>
   </p:cSld>
